--- a/Documentation/Revue 3/Presentation_Revue_3.pptx
+++ b/Documentation/Revue 3/Presentation_Revue_3.pptx
@@ -207,7 +207,7 @@
           <a:p>
             <a:fld id="{7AADEE34-0F07-4FBB-90D8-33C8E682DD7D}" type="datetimeFigureOut">
               <a:rPr lang="en-CA" smtClean="0"/>
-              <a:t>2023-05-01</a:t>
+              <a:t>2023-05-03</a:t>
             </a:fld>
             <a:endParaRPr lang="en-CA"/>
           </a:p>
@@ -4835,7 +4835,7 @@
           <a:p>
             <a:fld id="{60EA4D4B-B6A2-4DDB-8902-23FE510C9C6B}" type="datetimeFigureOut">
               <a:rPr lang="fr-CA" smtClean="0"/>
-              <a:t>2023-05-01</a:t>
+              <a:t>2023-05-03</a:t>
             </a:fld>
             <a:endParaRPr lang="fr-CA"/>
           </a:p>
@@ -5102,7 +5102,7 @@
           <a:p>
             <a:fld id="{60EA4D4B-B6A2-4DDB-8902-23FE510C9C6B}" type="datetimeFigureOut">
               <a:rPr lang="fr-CA" smtClean="0"/>
-              <a:t>2023-05-01</a:t>
+              <a:t>2023-05-03</a:t>
             </a:fld>
             <a:endParaRPr lang="fr-CA"/>
           </a:p>
@@ -5298,7 +5298,7 @@
           <a:p>
             <a:fld id="{60EA4D4B-B6A2-4DDB-8902-23FE510C9C6B}" type="datetimeFigureOut">
               <a:rPr lang="fr-CA" smtClean="0"/>
-              <a:t>2023-05-01</a:t>
+              <a:t>2023-05-03</a:t>
             </a:fld>
             <a:endParaRPr lang="fr-CA"/>
           </a:p>
@@ -5561,7 +5561,7 @@
           <a:p>
             <a:fld id="{60EA4D4B-B6A2-4DDB-8902-23FE510C9C6B}" type="datetimeFigureOut">
               <a:rPr lang="fr-CA" smtClean="0"/>
-              <a:t>2023-05-01</a:t>
+              <a:t>2023-05-03</a:t>
             </a:fld>
             <a:endParaRPr lang="fr-CA"/>
           </a:p>
@@ -5995,7 +5995,7 @@
           <a:p>
             <a:fld id="{60EA4D4B-B6A2-4DDB-8902-23FE510C9C6B}" type="datetimeFigureOut">
               <a:rPr lang="fr-CA" smtClean="0"/>
-              <a:t>2023-05-01</a:t>
+              <a:t>2023-05-03</a:t>
             </a:fld>
             <a:endParaRPr lang="fr-CA"/>
           </a:p>
@@ -6541,7 +6541,7 @@
           <a:p>
             <a:fld id="{60EA4D4B-B6A2-4DDB-8902-23FE510C9C6B}" type="datetimeFigureOut">
               <a:rPr lang="fr-CA" smtClean="0"/>
-              <a:t>2023-05-01</a:t>
+              <a:t>2023-05-03</a:t>
             </a:fld>
             <a:endParaRPr lang="fr-CA"/>
           </a:p>
@@ -7261,7 +7261,7 @@
           <a:p>
             <a:fld id="{60EA4D4B-B6A2-4DDB-8902-23FE510C9C6B}" type="datetimeFigureOut">
               <a:rPr lang="fr-CA" smtClean="0"/>
-              <a:t>2023-05-01</a:t>
+              <a:t>2023-05-03</a:t>
             </a:fld>
             <a:endParaRPr lang="fr-CA"/>
           </a:p>
@@ -7431,7 +7431,7 @@
           <a:p>
             <a:fld id="{60EA4D4B-B6A2-4DDB-8902-23FE510C9C6B}" type="datetimeFigureOut">
               <a:rPr lang="fr-CA" smtClean="0"/>
-              <a:t>2023-05-01</a:t>
+              <a:t>2023-05-03</a:t>
             </a:fld>
             <a:endParaRPr lang="fr-CA"/>
           </a:p>
@@ -7611,7 +7611,7 @@
           <a:p>
             <a:fld id="{60EA4D4B-B6A2-4DDB-8902-23FE510C9C6B}" type="datetimeFigureOut">
               <a:rPr lang="fr-CA" smtClean="0"/>
-              <a:t>2023-05-01</a:t>
+              <a:t>2023-05-03</a:t>
             </a:fld>
             <a:endParaRPr lang="fr-CA"/>
           </a:p>
@@ -7781,7 +7781,7 @@
           <a:p>
             <a:fld id="{60EA4D4B-B6A2-4DDB-8902-23FE510C9C6B}" type="datetimeFigureOut">
               <a:rPr lang="fr-CA" smtClean="0"/>
-              <a:t>2023-05-01</a:t>
+              <a:t>2023-05-03</a:t>
             </a:fld>
             <a:endParaRPr lang="fr-CA"/>
           </a:p>
@@ -8031,7 +8031,7 @@
           <a:p>
             <a:fld id="{60EA4D4B-B6A2-4DDB-8902-23FE510C9C6B}" type="datetimeFigureOut">
               <a:rPr lang="fr-CA" smtClean="0"/>
-              <a:t>2023-05-01</a:t>
+              <a:t>2023-05-03</a:t>
             </a:fld>
             <a:endParaRPr lang="fr-CA"/>
           </a:p>
@@ -8263,7 +8263,7 @@
           <a:p>
             <a:fld id="{60EA4D4B-B6A2-4DDB-8902-23FE510C9C6B}" type="datetimeFigureOut">
               <a:rPr lang="fr-CA" smtClean="0"/>
-              <a:t>2023-05-01</a:t>
+              <a:t>2023-05-03</a:t>
             </a:fld>
             <a:endParaRPr lang="fr-CA"/>
           </a:p>
@@ -8644,7 +8644,7 @@
           <a:p>
             <a:fld id="{60EA4D4B-B6A2-4DDB-8902-23FE510C9C6B}" type="datetimeFigureOut">
               <a:rPr lang="fr-CA" smtClean="0"/>
-              <a:t>2023-05-01</a:t>
+              <a:t>2023-05-03</a:t>
             </a:fld>
             <a:endParaRPr lang="fr-CA"/>
           </a:p>
@@ -8762,7 +8762,7 @@
           <a:p>
             <a:fld id="{60EA4D4B-B6A2-4DDB-8902-23FE510C9C6B}" type="datetimeFigureOut">
               <a:rPr lang="fr-CA" smtClean="0"/>
-              <a:t>2023-05-01</a:t>
+              <a:t>2023-05-03</a:t>
             </a:fld>
             <a:endParaRPr lang="fr-CA"/>
           </a:p>
@@ -8857,7 +8857,7 @@
           <a:p>
             <a:fld id="{60EA4D4B-B6A2-4DDB-8902-23FE510C9C6B}" type="datetimeFigureOut">
               <a:rPr lang="fr-CA" smtClean="0"/>
-              <a:t>2023-05-01</a:t>
+              <a:t>2023-05-03</a:t>
             </a:fld>
             <a:endParaRPr lang="fr-CA"/>
           </a:p>
@@ -9106,7 +9106,7 @@
           <a:p>
             <a:fld id="{60EA4D4B-B6A2-4DDB-8902-23FE510C9C6B}" type="datetimeFigureOut">
               <a:rPr lang="fr-CA" smtClean="0"/>
-              <a:t>2023-05-01</a:t>
+              <a:t>2023-05-03</a:t>
             </a:fld>
             <a:endParaRPr lang="fr-CA"/>
           </a:p>
@@ -9386,7 +9386,7 @@
           <a:p>
             <a:fld id="{60EA4D4B-B6A2-4DDB-8902-23FE510C9C6B}" type="datetimeFigureOut">
               <a:rPr lang="fr-CA" smtClean="0"/>
-              <a:t>2023-05-01</a:t>
+              <a:t>2023-05-03</a:t>
             </a:fld>
             <a:endParaRPr lang="fr-CA"/>
           </a:p>
@@ -12463,7 +12463,7 @@
           <a:p>
             <a:fld id="{60EA4D4B-B6A2-4DDB-8902-23FE510C9C6B}" type="datetimeFigureOut">
               <a:rPr lang="fr-CA" smtClean="0"/>
-              <a:t>2023-05-01</a:t>
+              <a:t>2023-05-03</a:t>
             </a:fld>
             <a:endParaRPr lang="fr-CA"/>
           </a:p>
@@ -27623,9 +27623,46 @@
         </p:spPr>
         <p:txBody>
           <a:bodyPr>
-            <a:normAutofit/>
+            <a:normAutofit fontScale="85000" lnSpcReduction="10000"/>
           </a:bodyPr>
           <a:lstStyle/>
+          <a:p>
+            <a:r>
+              <a:rPr lang="fr-FR" dirty="0"/>
+              <a:t>En tant qu'athlète et en tant qu'entraineur, je veux cliquer sur un événement et être redirigé vers une page qui affiche cet événement</a:t>
+            </a:r>
+          </a:p>
+          <a:p>
+            <a:r>
+              <a:rPr lang="fr-FR" dirty="0"/>
+              <a:t>En tant qu'entraineur, je veux voir une page qui affiche les informations nécessaires à un événement</a:t>
+            </a:r>
+          </a:p>
+          <a:p>
+            <a:r>
+              <a:rPr lang="fr-FR" dirty="0"/>
+              <a:t>En tant qu'athlète et entraineur, je veux consulter la page d'une de mes équipes</a:t>
+            </a:r>
+          </a:p>
+          <a:p>
+            <a:r>
+              <a:rPr lang="fr-FR" dirty="0"/>
+              <a:t>En tant qu'entraineur, lorsque je suis sur la page de mon équipe, je veux ajouter un événement et ajouter un athlète</a:t>
+            </a:r>
+          </a:p>
+          <a:p>
+            <a:r>
+              <a:rPr lang="fr-FR" dirty="0"/>
+              <a:t>En tant qu'athlète et entraineur, je veux voir une page d'accueil qui affiche mes équipes et mes événements.</a:t>
+            </a:r>
+          </a:p>
+          <a:p>
+            <a:r>
+              <a:rPr lang="fr-FR"/>
+              <a:t>En tant qu'entraineur je veux de partager une liste d'événement sous forme de calendrier.</a:t>
+            </a:r>
+            <a:endParaRPr lang="fr-FR" dirty="0"/>
+          </a:p>
           <a:p>
             <a:endParaRPr lang="fr-FR" dirty="0"/>
           </a:p>
@@ -30280,12 +30317,19 @@
           </a:bodyPr>
           <a:lstStyle/>
           <a:p>
-            <a:pPr marL="0" indent="0">
-              <a:buNone/>
-            </a:pPr>
+            <a:r>
+              <a:rPr lang="fr-CA" sz="1800" dirty="0"/>
+              <a:t>Pouvoir s’authentifier avec le rôle d’entraineur et effectuer les actions permises pour ce rôle</a:t>
+            </a:r>
+          </a:p>
+          <a:p>
             <a:br>
               <a:rPr lang="fr-CA" sz="1800" dirty="0"/>
             </a:br>
+            <a:r>
+              <a:rPr lang="fr-CA" sz="1800" dirty="0"/>
+              <a:t> </a:t>
+            </a:r>
             <a:br>
               <a:rPr lang="fr-CA" sz="1800" dirty="0"/>
             </a:br>

--- a/Documentation/Revue 3/Presentation_Revue_3.pptx
+++ b/Documentation/Revue 3/Presentation_Revue_3.pptx
@@ -529,7 +529,7 @@
           <a:noFill/>
           <a:extLst>
             <a:ext uri="{909E8E84-426E-40dd-AFC4-6F175D3DCCD1}">
-              <a14:hiddenFill xmlns="" xmlns:a14="http://schemas.microsoft.com/office/drawing/2010/main">
+              <a14:hiddenFill xmlns:a14="http://schemas.microsoft.com/office/drawing/2010/main" xmlns="">
                 <a:solidFill>
                   <a:srgbClr val="FFFFFF"/>
                 </a:solidFill>
@@ -589,7 +589,7 @@
             </a:ln>
             <a:extLst>
               <a:ext uri="{91240B29-F687-4f45-9708-019B960494DF}">
-                <a14:hiddenLine xmlns="" xmlns:a14="http://schemas.microsoft.com/office/drawing/2010/main" w="9525">
+                <a14:hiddenLine xmlns:a14="http://schemas.microsoft.com/office/drawing/2010/main" xmlns="" w="9525">
                   <a:solidFill>
                     <a:srgbClr val="000000"/>
                   </a:solidFill>
@@ -679,7 +679,7 @@
             </a:ln>
             <a:extLst>
               <a:ext uri="{91240B29-F687-4f45-9708-019B960494DF}">
-                <a14:hiddenLine xmlns="" xmlns:a14="http://schemas.microsoft.com/office/drawing/2010/main" w="9525">
+                <a14:hiddenLine xmlns:a14="http://schemas.microsoft.com/office/drawing/2010/main" xmlns="" w="9525">
                   <a:solidFill>
                     <a:srgbClr val="000000"/>
                   </a:solidFill>
@@ -769,7 +769,7 @@
             </a:ln>
             <a:extLst>
               <a:ext uri="{91240B29-F687-4f45-9708-019B960494DF}">
-                <a14:hiddenLine xmlns="" xmlns:a14="http://schemas.microsoft.com/office/drawing/2010/main" w="9525">
+                <a14:hiddenLine xmlns:a14="http://schemas.microsoft.com/office/drawing/2010/main" xmlns="" w="9525">
                   <a:solidFill>
                     <a:srgbClr val="000000"/>
                   </a:solidFill>
@@ -803,7 +803,7 @@
             </a:ln>
             <a:extLst>
               <a:ext uri="{91240B29-F687-4f45-9708-019B960494DF}">
-                <a14:hiddenLine xmlns="" xmlns:a14="http://schemas.microsoft.com/office/drawing/2010/main" w="9525">
+                <a14:hiddenLine xmlns:a14="http://schemas.microsoft.com/office/drawing/2010/main" xmlns="" w="9525">
                   <a:solidFill>
                     <a:srgbClr val="000000"/>
                   </a:solidFill>
@@ -893,7 +893,7 @@
             </a:ln>
             <a:extLst>
               <a:ext uri="{91240B29-F687-4f45-9708-019B960494DF}">
-                <a14:hiddenLine xmlns="" xmlns:a14="http://schemas.microsoft.com/office/drawing/2010/main" w="9525">
+                <a14:hiddenLine xmlns:a14="http://schemas.microsoft.com/office/drawing/2010/main" xmlns="" w="9525">
                   <a:solidFill>
                     <a:srgbClr val="000000"/>
                   </a:solidFill>
@@ -955,7 +955,7 @@
             </a:ln>
             <a:extLst>
               <a:ext uri="{91240B29-F687-4f45-9708-019B960494DF}">
-                <a14:hiddenLine xmlns="" xmlns:a14="http://schemas.microsoft.com/office/drawing/2010/main" w="9525">
+                <a14:hiddenLine xmlns:a14="http://schemas.microsoft.com/office/drawing/2010/main" xmlns="" w="9525">
                   <a:solidFill>
                     <a:srgbClr val="000000"/>
                   </a:solidFill>
@@ -1017,7 +1017,7 @@
             </a:ln>
             <a:extLst>
               <a:ext uri="{91240B29-F687-4f45-9708-019B960494DF}">
-                <a14:hiddenLine xmlns="" xmlns:a14="http://schemas.microsoft.com/office/drawing/2010/main" w="9525">
+                <a14:hiddenLine xmlns:a14="http://schemas.microsoft.com/office/drawing/2010/main" xmlns="" w="9525">
                   <a:solidFill>
                     <a:srgbClr val="000000"/>
                   </a:solidFill>
@@ -1107,7 +1107,7 @@
             </a:ln>
             <a:extLst>
               <a:ext uri="{91240B29-F687-4f45-9708-019B960494DF}">
-                <a14:hiddenLine xmlns="" xmlns:a14="http://schemas.microsoft.com/office/drawing/2010/main" w="9525">
+                <a14:hiddenLine xmlns:a14="http://schemas.microsoft.com/office/drawing/2010/main" xmlns="" w="9525">
                   <a:solidFill>
                     <a:srgbClr val="000000"/>
                   </a:solidFill>
@@ -1169,7 +1169,7 @@
             </a:ln>
             <a:extLst>
               <a:ext uri="{91240B29-F687-4f45-9708-019B960494DF}">
-                <a14:hiddenLine xmlns="" xmlns:a14="http://schemas.microsoft.com/office/drawing/2010/main" w="9525">
+                <a14:hiddenLine xmlns:a14="http://schemas.microsoft.com/office/drawing/2010/main" xmlns="" w="9525">
                   <a:solidFill>
                     <a:srgbClr val="000000"/>
                   </a:solidFill>
@@ -1231,7 +1231,7 @@
             </a:ln>
             <a:extLst>
               <a:ext uri="{91240B29-F687-4f45-9708-019B960494DF}">
-                <a14:hiddenLine xmlns="" xmlns:a14="http://schemas.microsoft.com/office/drawing/2010/main" w="9525">
+                <a14:hiddenLine xmlns:a14="http://schemas.microsoft.com/office/drawing/2010/main" xmlns="" w="9525">
                   <a:solidFill>
                     <a:srgbClr val="000000"/>
                   </a:solidFill>
@@ -1321,7 +1321,7 @@
             </a:ln>
             <a:extLst>
               <a:ext uri="{91240B29-F687-4f45-9708-019B960494DF}">
-                <a14:hiddenLine xmlns="" xmlns:a14="http://schemas.microsoft.com/office/drawing/2010/main" w="9525">
+                <a14:hiddenLine xmlns:a14="http://schemas.microsoft.com/office/drawing/2010/main" xmlns="" w="9525">
                   <a:solidFill>
                     <a:srgbClr val="000000"/>
                   </a:solidFill>
@@ -1411,7 +1411,7 @@
             </a:ln>
             <a:extLst>
               <a:ext uri="{91240B29-F687-4f45-9708-019B960494DF}">
-                <a14:hiddenLine xmlns="" xmlns:a14="http://schemas.microsoft.com/office/drawing/2010/main" w="9525">
+                <a14:hiddenLine xmlns:a14="http://schemas.microsoft.com/office/drawing/2010/main" xmlns="" w="9525">
                   <a:solidFill>
                     <a:srgbClr val="000000"/>
                   </a:solidFill>
@@ -1473,7 +1473,7 @@
             </a:ln>
             <a:extLst>
               <a:ext uri="{91240B29-F687-4f45-9708-019B960494DF}">
-                <a14:hiddenLine xmlns="" xmlns:a14="http://schemas.microsoft.com/office/drawing/2010/main" w="9525">
+                <a14:hiddenLine xmlns:a14="http://schemas.microsoft.com/office/drawing/2010/main" xmlns="" w="9525">
                   <a:solidFill>
                     <a:srgbClr val="000000"/>
                   </a:solidFill>
@@ -1583,7 +1583,7 @@
             </a:ln>
             <a:extLst>
               <a:ext uri="{91240B29-F687-4f45-9708-019B960494DF}">
-                <a14:hiddenLine xmlns="" xmlns:a14="http://schemas.microsoft.com/office/drawing/2010/main" w="9525">
+                <a14:hiddenLine xmlns:a14="http://schemas.microsoft.com/office/drawing/2010/main" xmlns="" w="9525">
                   <a:solidFill>
                     <a:srgbClr val="000000"/>
                   </a:solidFill>
@@ -1645,7 +1645,7 @@
             </a:ln>
             <a:extLst>
               <a:ext uri="{91240B29-F687-4f45-9708-019B960494DF}">
-                <a14:hiddenLine xmlns="" xmlns:a14="http://schemas.microsoft.com/office/drawing/2010/main" w="9525">
+                <a14:hiddenLine xmlns:a14="http://schemas.microsoft.com/office/drawing/2010/main" xmlns="" w="9525">
                   <a:solidFill>
                     <a:srgbClr val="000000"/>
                   </a:solidFill>
@@ -1735,7 +1735,7 @@
             </a:ln>
             <a:extLst>
               <a:ext uri="{91240B29-F687-4f45-9708-019B960494DF}">
-                <a14:hiddenLine xmlns="" xmlns:a14="http://schemas.microsoft.com/office/drawing/2010/main" w="9525">
+                <a14:hiddenLine xmlns:a14="http://schemas.microsoft.com/office/drawing/2010/main" xmlns="" w="9525">
                   <a:solidFill>
                     <a:srgbClr val="000000"/>
                   </a:solidFill>
@@ -1825,7 +1825,7 @@
             </a:ln>
             <a:extLst>
               <a:ext uri="{91240B29-F687-4f45-9708-019B960494DF}">
-                <a14:hiddenLine xmlns="" xmlns:a14="http://schemas.microsoft.com/office/drawing/2010/main" w="9525">
+                <a14:hiddenLine xmlns:a14="http://schemas.microsoft.com/office/drawing/2010/main" xmlns="" w="9525">
                   <a:solidFill>
                     <a:srgbClr val="000000"/>
                   </a:solidFill>
@@ -1887,7 +1887,7 @@
             </a:ln>
             <a:extLst>
               <a:ext uri="{91240B29-F687-4f45-9708-019B960494DF}">
-                <a14:hiddenLine xmlns="" xmlns:a14="http://schemas.microsoft.com/office/drawing/2010/main" w="9525">
+                <a14:hiddenLine xmlns:a14="http://schemas.microsoft.com/office/drawing/2010/main" xmlns="" w="9525">
                   <a:solidFill>
                     <a:srgbClr val="000000"/>
                   </a:solidFill>
@@ -1977,7 +1977,7 @@
             </a:ln>
             <a:extLst>
               <a:ext uri="{91240B29-F687-4f45-9708-019B960494DF}">
-                <a14:hiddenLine xmlns="" xmlns:a14="http://schemas.microsoft.com/office/drawing/2010/main" w="9525">
+                <a14:hiddenLine xmlns:a14="http://schemas.microsoft.com/office/drawing/2010/main" xmlns="" w="9525">
                   <a:solidFill>
                     <a:srgbClr val="000000"/>
                   </a:solidFill>
@@ -2067,7 +2067,7 @@
             </a:ln>
             <a:extLst>
               <a:ext uri="{91240B29-F687-4f45-9708-019B960494DF}">
-                <a14:hiddenLine xmlns="" xmlns:a14="http://schemas.microsoft.com/office/drawing/2010/main" w="9525">
+                <a14:hiddenLine xmlns:a14="http://schemas.microsoft.com/office/drawing/2010/main" xmlns="" w="9525">
                   <a:solidFill>
                     <a:srgbClr val="000000"/>
                   </a:solidFill>
@@ -2123,7 +2123,7 @@
             </a:ln>
             <a:extLst>
               <a:ext uri="{91240B29-F687-4f45-9708-019B960494DF}">
-                <a14:hiddenLine xmlns="" xmlns:a14="http://schemas.microsoft.com/office/drawing/2010/main" w="9525">
+                <a14:hiddenLine xmlns:a14="http://schemas.microsoft.com/office/drawing/2010/main" xmlns="" w="9525">
                   <a:solidFill>
                     <a:srgbClr val="000000"/>
                   </a:solidFill>
@@ -2213,7 +2213,7 @@
             </a:ln>
             <a:extLst>
               <a:ext uri="{91240B29-F687-4f45-9708-019B960494DF}">
-                <a14:hiddenLine xmlns="" xmlns:a14="http://schemas.microsoft.com/office/drawing/2010/main" w="9525">
+                <a14:hiddenLine xmlns:a14="http://schemas.microsoft.com/office/drawing/2010/main" xmlns="" w="9525">
                   <a:solidFill>
                     <a:srgbClr val="000000"/>
                   </a:solidFill>
@@ -2269,7 +2269,7 @@
             </a:ln>
             <a:extLst>
               <a:ext uri="{91240B29-F687-4f45-9708-019B960494DF}">
-                <a14:hiddenLine xmlns="" xmlns:a14="http://schemas.microsoft.com/office/drawing/2010/main" w="9525">
+                <a14:hiddenLine xmlns:a14="http://schemas.microsoft.com/office/drawing/2010/main" xmlns="" w="9525">
                   <a:solidFill>
                     <a:srgbClr val="000000"/>
                   </a:solidFill>
@@ -2359,7 +2359,7 @@
             </a:ln>
             <a:extLst>
               <a:ext uri="{91240B29-F687-4f45-9708-019B960494DF}">
-                <a14:hiddenLine xmlns="" xmlns:a14="http://schemas.microsoft.com/office/drawing/2010/main" w="9525">
+                <a14:hiddenLine xmlns:a14="http://schemas.microsoft.com/office/drawing/2010/main" xmlns="" w="9525">
                   <a:solidFill>
                     <a:srgbClr val="000000"/>
                   </a:solidFill>
@@ -2427,7 +2427,7 @@
             </a:ln>
             <a:extLst>
               <a:ext uri="{91240B29-F687-4f45-9708-019B960494DF}">
-                <a14:hiddenLine xmlns="" xmlns:a14="http://schemas.microsoft.com/office/drawing/2010/main" w="9525">
+                <a14:hiddenLine xmlns:a14="http://schemas.microsoft.com/office/drawing/2010/main" xmlns="" w="9525">
                   <a:solidFill>
                     <a:srgbClr val="000000"/>
                   </a:solidFill>
@@ -2517,7 +2517,7 @@
             </a:ln>
             <a:extLst>
               <a:ext uri="{91240B29-F687-4f45-9708-019B960494DF}">
-                <a14:hiddenLine xmlns="" xmlns:a14="http://schemas.microsoft.com/office/drawing/2010/main" w="9525">
+                <a14:hiddenLine xmlns:a14="http://schemas.microsoft.com/office/drawing/2010/main" xmlns="" w="9525">
                   <a:solidFill>
                     <a:srgbClr val="000000"/>
                   </a:solidFill>
@@ -2585,7 +2585,7 @@
             </a:ln>
             <a:extLst>
               <a:ext uri="{91240B29-F687-4f45-9708-019B960494DF}">
-                <a14:hiddenLine xmlns="" xmlns:a14="http://schemas.microsoft.com/office/drawing/2010/main" w="9525">
+                <a14:hiddenLine xmlns:a14="http://schemas.microsoft.com/office/drawing/2010/main" xmlns="" w="9525">
                   <a:solidFill>
                     <a:srgbClr val="000000"/>
                   </a:solidFill>
@@ -2675,7 +2675,7 @@
             </a:ln>
             <a:extLst>
               <a:ext uri="{91240B29-F687-4f45-9708-019B960494DF}">
-                <a14:hiddenLine xmlns="" xmlns:a14="http://schemas.microsoft.com/office/drawing/2010/main" w="9525">
+                <a14:hiddenLine xmlns:a14="http://schemas.microsoft.com/office/drawing/2010/main" xmlns="" w="9525">
                   <a:solidFill>
                     <a:srgbClr val="000000"/>
                   </a:solidFill>
@@ -2709,7 +2709,7 @@
             </a:ln>
             <a:extLst>
               <a:ext uri="{91240B29-F687-4f45-9708-019B960494DF}">
-                <a14:hiddenLine xmlns="" xmlns:a14="http://schemas.microsoft.com/office/drawing/2010/main" w="9525">
+                <a14:hiddenLine xmlns:a14="http://schemas.microsoft.com/office/drawing/2010/main" xmlns="" w="9525">
                   <a:solidFill>
                     <a:srgbClr val="000000"/>
                   </a:solidFill>
@@ -2799,7 +2799,7 @@
             </a:ln>
             <a:extLst>
               <a:ext uri="{91240B29-F687-4f45-9708-019B960494DF}">
-                <a14:hiddenLine xmlns="" xmlns:a14="http://schemas.microsoft.com/office/drawing/2010/main" w="9525">
+                <a14:hiddenLine xmlns:a14="http://schemas.microsoft.com/office/drawing/2010/main" xmlns="" w="9525">
                   <a:solidFill>
                     <a:srgbClr val="000000"/>
                   </a:solidFill>
@@ -2861,7 +2861,7 @@
             </a:ln>
             <a:extLst>
               <a:ext uri="{91240B29-F687-4f45-9708-019B960494DF}">
-                <a14:hiddenLine xmlns="" xmlns:a14="http://schemas.microsoft.com/office/drawing/2010/main" w="9525">
+                <a14:hiddenLine xmlns:a14="http://schemas.microsoft.com/office/drawing/2010/main" xmlns="" w="9525">
                   <a:solidFill>
                     <a:srgbClr val="000000"/>
                   </a:solidFill>
@@ -2923,7 +2923,7 @@
             </a:ln>
             <a:extLst>
               <a:ext uri="{91240B29-F687-4f45-9708-019B960494DF}">
-                <a14:hiddenLine xmlns="" xmlns:a14="http://schemas.microsoft.com/office/drawing/2010/main" w="9525">
+                <a14:hiddenLine xmlns:a14="http://schemas.microsoft.com/office/drawing/2010/main" xmlns="" w="9525">
                   <a:solidFill>
                     <a:srgbClr val="000000"/>
                   </a:solidFill>
@@ -3013,7 +3013,7 @@
             </a:ln>
             <a:extLst>
               <a:ext uri="{91240B29-F687-4f45-9708-019B960494DF}">
-                <a14:hiddenLine xmlns="" xmlns:a14="http://schemas.microsoft.com/office/drawing/2010/main" w="9525">
+                <a14:hiddenLine xmlns:a14="http://schemas.microsoft.com/office/drawing/2010/main" xmlns="" w="9525">
                   <a:solidFill>
                     <a:srgbClr val="000000"/>
                   </a:solidFill>
@@ -3081,7 +3081,7 @@
             </a:ln>
             <a:extLst>
               <a:ext uri="{91240B29-F687-4f45-9708-019B960494DF}">
-                <a14:hiddenLine xmlns="" xmlns:a14="http://schemas.microsoft.com/office/drawing/2010/main" w="9525">
+                <a14:hiddenLine xmlns:a14="http://schemas.microsoft.com/office/drawing/2010/main" xmlns="" w="9525">
                   <a:solidFill>
                     <a:srgbClr val="000000"/>
                   </a:solidFill>
@@ -3143,7 +3143,7 @@
             </a:ln>
             <a:extLst>
               <a:ext uri="{91240B29-F687-4f45-9708-019B960494DF}">
-                <a14:hiddenLine xmlns="" xmlns:a14="http://schemas.microsoft.com/office/drawing/2010/main" w="9525">
+                <a14:hiddenLine xmlns:a14="http://schemas.microsoft.com/office/drawing/2010/main" xmlns="" w="9525">
                   <a:solidFill>
                     <a:srgbClr val="000000"/>
                   </a:solidFill>
@@ -3233,7 +3233,7 @@
             </a:ln>
             <a:extLst>
               <a:ext uri="{91240B29-F687-4f45-9708-019B960494DF}">
-                <a14:hiddenLine xmlns="" xmlns:a14="http://schemas.microsoft.com/office/drawing/2010/main" w="9525">
+                <a14:hiddenLine xmlns:a14="http://schemas.microsoft.com/office/drawing/2010/main" xmlns="" w="9525">
                   <a:solidFill>
                     <a:srgbClr val="000000"/>
                   </a:solidFill>
@@ -3295,7 +3295,7 @@
             </a:ln>
             <a:extLst>
               <a:ext uri="{91240B29-F687-4f45-9708-019B960494DF}">
-                <a14:hiddenLine xmlns="" xmlns:a14="http://schemas.microsoft.com/office/drawing/2010/main" w="9525">
+                <a14:hiddenLine xmlns:a14="http://schemas.microsoft.com/office/drawing/2010/main" xmlns="" w="9525">
                   <a:solidFill>
                     <a:srgbClr val="000000"/>
                   </a:solidFill>
@@ -3385,7 +3385,7 @@
             </a:ln>
             <a:extLst>
               <a:ext uri="{91240B29-F687-4f45-9708-019B960494DF}">
-                <a14:hiddenLine xmlns="" xmlns:a14="http://schemas.microsoft.com/office/drawing/2010/main" w="9525">
+                <a14:hiddenLine xmlns:a14="http://schemas.microsoft.com/office/drawing/2010/main" xmlns="" w="9525">
                   <a:solidFill>
                     <a:srgbClr val="000000"/>
                   </a:solidFill>
@@ -3447,7 +3447,7 @@
             </a:ln>
             <a:extLst>
               <a:ext uri="{91240B29-F687-4f45-9708-019B960494DF}">
-                <a14:hiddenLine xmlns="" xmlns:a14="http://schemas.microsoft.com/office/drawing/2010/main" w="9525">
+                <a14:hiddenLine xmlns:a14="http://schemas.microsoft.com/office/drawing/2010/main" xmlns="" w="9525">
                   <a:solidFill>
                     <a:srgbClr val="000000"/>
                   </a:solidFill>
@@ -3537,7 +3537,7 @@
             </a:ln>
             <a:extLst>
               <a:ext uri="{91240B29-F687-4f45-9708-019B960494DF}">
-                <a14:hiddenLine xmlns="" xmlns:a14="http://schemas.microsoft.com/office/drawing/2010/main" w="9525">
+                <a14:hiddenLine xmlns:a14="http://schemas.microsoft.com/office/drawing/2010/main" xmlns="" w="9525">
                   <a:solidFill>
                     <a:srgbClr val="000000"/>
                   </a:solidFill>
@@ -3571,7 +3571,7 @@
             </a:ln>
             <a:extLst>
               <a:ext uri="{91240B29-F687-4f45-9708-019B960494DF}">
-                <a14:hiddenLine xmlns="" xmlns:a14="http://schemas.microsoft.com/office/drawing/2010/main" w="9525">
+                <a14:hiddenLine xmlns:a14="http://schemas.microsoft.com/office/drawing/2010/main" xmlns="" w="9525">
                   <a:solidFill>
                     <a:srgbClr val="000000"/>
                   </a:solidFill>
@@ -3636,7 +3636,7 @@
             </a:ln>
             <a:extLst>
               <a:ext uri="{91240B29-F687-4f45-9708-019B960494DF}">
-                <a14:hiddenLine xmlns="" xmlns:a14="http://schemas.microsoft.com/office/drawing/2010/main" w="9525">
+                <a14:hiddenLine xmlns:a14="http://schemas.microsoft.com/office/drawing/2010/main" xmlns="" w="9525">
                   <a:solidFill>
                     <a:srgbClr val="000000"/>
                   </a:solidFill>
@@ -3726,7 +3726,7 @@
             </a:ln>
             <a:extLst>
               <a:ext uri="{91240B29-F687-4f45-9708-019B960494DF}">
-                <a14:hiddenLine xmlns="" xmlns:a14="http://schemas.microsoft.com/office/drawing/2010/main" w="9525">
+                <a14:hiddenLine xmlns:a14="http://schemas.microsoft.com/office/drawing/2010/main" xmlns="" w="9525">
                   <a:solidFill>
                     <a:srgbClr val="000000"/>
                   </a:solidFill>
@@ -3788,7 +3788,7 @@
             </a:ln>
             <a:extLst>
               <a:ext uri="{91240B29-F687-4f45-9708-019B960494DF}">
-                <a14:hiddenLine xmlns="" xmlns:a14="http://schemas.microsoft.com/office/drawing/2010/main" w="9525">
+                <a14:hiddenLine xmlns:a14="http://schemas.microsoft.com/office/drawing/2010/main" xmlns="" w="9525">
                   <a:solidFill>
                     <a:srgbClr val="000000"/>
                   </a:solidFill>
@@ -3878,7 +3878,7 @@
             </a:ln>
             <a:extLst>
               <a:ext uri="{91240B29-F687-4f45-9708-019B960494DF}">
-                <a14:hiddenLine xmlns="" xmlns:a14="http://schemas.microsoft.com/office/drawing/2010/main" w="9525">
+                <a14:hiddenLine xmlns:a14="http://schemas.microsoft.com/office/drawing/2010/main" xmlns="" w="9525">
                   <a:solidFill>
                     <a:srgbClr val="000000"/>
                   </a:solidFill>
@@ -3968,7 +3968,7 @@
             </a:ln>
             <a:extLst>
               <a:ext uri="{91240B29-F687-4f45-9708-019B960494DF}">
-                <a14:hiddenLine xmlns="" xmlns:a14="http://schemas.microsoft.com/office/drawing/2010/main" w="9525">
+                <a14:hiddenLine xmlns:a14="http://schemas.microsoft.com/office/drawing/2010/main" xmlns="" w="9525">
                   <a:solidFill>
                     <a:srgbClr val="000000"/>
                   </a:solidFill>
@@ -4033,7 +4033,7 @@
             </a:ln>
             <a:extLst>
               <a:ext uri="{91240B29-F687-4f45-9708-019B960494DF}">
-                <a14:hiddenLine xmlns="" xmlns:a14="http://schemas.microsoft.com/office/drawing/2010/main" w="9525">
+                <a14:hiddenLine xmlns:a14="http://schemas.microsoft.com/office/drawing/2010/main" xmlns="" w="9525">
                   <a:solidFill>
                     <a:srgbClr val="000000"/>
                   </a:solidFill>
@@ -4095,7 +4095,7 @@
             </a:ln>
             <a:extLst>
               <a:ext uri="{91240B29-F687-4f45-9708-019B960494DF}">
-                <a14:hiddenLine xmlns="" xmlns:a14="http://schemas.microsoft.com/office/drawing/2010/main" w="9525">
+                <a14:hiddenLine xmlns:a14="http://schemas.microsoft.com/office/drawing/2010/main" xmlns="" w="9525">
                   <a:solidFill>
                     <a:srgbClr val="000000"/>
                   </a:solidFill>
@@ -4185,7 +4185,7 @@
             </a:ln>
             <a:extLst>
               <a:ext uri="{91240B29-F687-4f45-9708-019B960494DF}">
-                <a14:hiddenLine xmlns="" xmlns:a14="http://schemas.microsoft.com/office/drawing/2010/main" w="9525">
+                <a14:hiddenLine xmlns:a14="http://schemas.microsoft.com/office/drawing/2010/main" xmlns="" w="9525">
                   <a:solidFill>
                     <a:srgbClr val="000000"/>
                   </a:solidFill>
@@ -4275,7 +4275,7 @@
             </a:ln>
             <a:extLst>
               <a:ext uri="{91240B29-F687-4f45-9708-019B960494DF}">
-                <a14:hiddenLine xmlns="" xmlns:a14="http://schemas.microsoft.com/office/drawing/2010/main" w="9525">
+                <a14:hiddenLine xmlns:a14="http://schemas.microsoft.com/office/drawing/2010/main" xmlns="" w="9525">
                   <a:solidFill>
                     <a:srgbClr val="000000"/>
                   </a:solidFill>
@@ -4337,7 +4337,7 @@
             </a:ln>
             <a:extLst>
               <a:ext uri="{91240B29-F687-4f45-9708-019B960494DF}">
-                <a14:hiddenLine xmlns="" xmlns:a14="http://schemas.microsoft.com/office/drawing/2010/main" w="9525">
+                <a14:hiddenLine xmlns:a14="http://schemas.microsoft.com/office/drawing/2010/main" xmlns="" w="9525">
                   <a:solidFill>
                     <a:srgbClr val="000000"/>
                   </a:solidFill>
@@ -4457,7 +4457,7 @@
             </a:ln>
             <a:extLst>
               <a:ext uri="{91240B29-F687-4f45-9708-019B960494DF}">
-                <a14:hiddenLine xmlns="" xmlns:a14="http://schemas.microsoft.com/office/drawing/2010/main" w="9525">
+                <a14:hiddenLine xmlns:a14="http://schemas.microsoft.com/office/drawing/2010/main" xmlns="" w="9525">
                   <a:solidFill>
                     <a:srgbClr val="000000"/>
                   </a:solidFill>
@@ -4525,7 +4525,7 @@
             </a:ln>
             <a:extLst>
               <a:ext uri="{91240B29-F687-4f45-9708-019B960494DF}">
-                <a14:hiddenLine xmlns="" xmlns:a14="http://schemas.microsoft.com/office/drawing/2010/main" w="9525">
+                <a14:hiddenLine xmlns:a14="http://schemas.microsoft.com/office/drawing/2010/main" xmlns="" w="9525">
                   <a:solidFill>
                     <a:srgbClr val="000000"/>
                   </a:solidFill>
@@ -4615,7 +4615,7 @@
             </a:ln>
             <a:extLst>
               <a:ext uri="{91240B29-F687-4f45-9708-019B960494DF}">
-                <a14:hiddenLine xmlns="" xmlns:a14="http://schemas.microsoft.com/office/drawing/2010/main" w="9525">
+                <a14:hiddenLine xmlns:a14="http://schemas.microsoft.com/office/drawing/2010/main" xmlns="" w="9525">
                   <a:solidFill>
                     <a:srgbClr val="000000"/>
                   </a:solidFill>
@@ -9422,7 +9422,7 @@
           <a:noFill/>
           <a:extLst>
             <a:ext uri="{909E8E84-426E-40dd-AFC4-6F175D3DCCD1}">
-              <a14:hiddenFill xmlns="" xmlns:a14="http://schemas.microsoft.com/office/drawing/2010/main">
+              <a14:hiddenFill xmlns:a14="http://schemas.microsoft.com/office/drawing/2010/main" xmlns="">
                 <a:solidFill>
                   <a:srgbClr val="FFFFFF"/>
                 </a:solidFill>
@@ -9496,7 +9496,7 @@
               </a:ln>
               <a:extLst>
                 <a:ext uri="{91240B29-F687-4f45-9708-019B960494DF}">
-                  <a14:hiddenLine xmlns="" xmlns:a14="http://schemas.microsoft.com/office/drawing/2010/main" w="9525">
+                  <a14:hiddenLine xmlns:a14="http://schemas.microsoft.com/office/drawing/2010/main" xmlns="" w="9525">
                     <a:solidFill>
                       <a:srgbClr val="000000"/>
                     </a:solidFill>
@@ -9586,7 +9586,7 @@
               </a:ln>
               <a:extLst>
                 <a:ext uri="{91240B29-F687-4f45-9708-019B960494DF}">
-                  <a14:hiddenLine xmlns="" xmlns:a14="http://schemas.microsoft.com/office/drawing/2010/main" w="9525">
+                  <a14:hiddenLine xmlns:a14="http://schemas.microsoft.com/office/drawing/2010/main" xmlns="" w="9525">
                     <a:solidFill>
                       <a:srgbClr val="000000"/>
                     </a:solidFill>
@@ -9676,7 +9676,7 @@
               </a:ln>
               <a:extLst>
                 <a:ext uri="{91240B29-F687-4f45-9708-019B960494DF}">
-                  <a14:hiddenLine xmlns="" xmlns:a14="http://schemas.microsoft.com/office/drawing/2010/main" w="9525">
+                  <a14:hiddenLine xmlns:a14="http://schemas.microsoft.com/office/drawing/2010/main" xmlns="" w="9525">
                     <a:solidFill>
                       <a:srgbClr val="000000"/>
                     </a:solidFill>
@@ -9738,7 +9738,7 @@
               </a:ln>
               <a:extLst>
                 <a:ext uri="{91240B29-F687-4f45-9708-019B960494DF}">
-                  <a14:hiddenLine xmlns="" xmlns:a14="http://schemas.microsoft.com/office/drawing/2010/main" w="9525">
+                  <a14:hiddenLine xmlns:a14="http://schemas.microsoft.com/office/drawing/2010/main" xmlns="" w="9525">
                     <a:solidFill>
                       <a:srgbClr val="000000"/>
                     </a:solidFill>
@@ -9828,7 +9828,7 @@
               </a:ln>
               <a:extLst>
                 <a:ext uri="{91240B29-F687-4f45-9708-019B960494DF}">
-                  <a14:hiddenLine xmlns="" xmlns:a14="http://schemas.microsoft.com/office/drawing/2010/main" w="9525">
+                  <a14:hiddenLine xmlns:a14="http://schemas.microsoft.com/office/drawing/2010/main" xmlns="" w="9525">
                     <a:solidFill>
                       <a:srgbClr val="000000"/>
                     </a:solidFill>
@@ -9890,7 +9890,7 @@
               </a:ln>
               <a:extLst>
                 <a:ext uri="{91240B29-F687-4f45-9708-019B960494DF}">
-                  <a14:hiddenLine xmlns="" xmlns:a14="http://schemas.microsoft.com/office/drawing/2010/main" w="9525">
+                  <a14:hiddenLine xmlns:a14="http://schemas.microsoft.com/office/drawing/2010/main" xmlns="" w="9525">
                     <a:solidFill>
                       <a:srgbClr val="000000"/>
                     </a:solidFill>
@@ -9952,7 +9952,7 @@
               </a:ln>
               <a:extLst>
                 <a:ext uri="{91240B29-F687-4f45-9708-019B960494DF}">
-                  <a14:hiddenLine xmlns="" xmlns:a14="http://schemas.microsoft.com/office/drawing/2010/main" w="9525">
+                  <a14:hiddenLine xmlns:a14="http://schemas.microsoft.com/office/drawing/2010/main" xmlns="" w="9525">
                     <a:solidFill>
                       <a:srgbClr val="000000"/>
                     </a:solidFill>
@@ -10042,7 +10042,7 @@
               </a:ln>
               <a:extLst>
                 <a:ext uri="{91240B29-F687-4f45-9708-019B960494DF}">
-                  <a14:hiddenLine xmlns="" xmlns:a14="http://schemas.microsoft.com/office/drawing/2010/main" w="9525">
+                  <a14:hiddenLine xmlns:a14="http://schemas.microsoft.com/office/drawing/2010/main" xmlns="" w="9525">
                     <a:solidFill>
                       <a:srgbClr val="000000"/>
                     </a:solidFill>
@@ -10132,7 +10132,7 @@
               </a:ln>
               <a:extLst>
                 <a:ext uri="{91240B29-F687-4f45-9708-019B960494DF}">
-                  <a14:hiddenLine xmlns="" xmlns:a14="http://schemas.microsoft.com/office/drawing/2010/main" w="9525">
+                  <a14:hiddenLine xmlns:a14="http://schemas.microsoft.com/office/drawing/2010/main" xmlns="" w="9525">
                     <a:solidFill>
                       <a:srgbClr val="000000"/>
                     </a:solidFill>
@@ -10194,7 +10194,7 @@
               </a:ln>
               <a:extLst>
                 <a:ext uri="{91240B29-F687-4f45-9708-019B960494DF}">
-                  <a14:hiddenLine xmlns="" xmlns:a14="http://schemas.microsoft.com/office/drawing/2010/main" w="9525">
+                  <a14:hiddenLine xmlns:a14="http://schemas.microsoft.com/office/drawing/2010/main" xmlns="" w="9525">
                     <a:solidFill>
                       <a:srgbClr val="000000"/>
                     </a:solidFill>
@@ -10304,7 +10304,7 @@
               </a:ln>
               <a:extLst>
                 <a:ext uri="{91240B29-F687-4f45-9708-019B960494DF}">
-                  <a14:hiddenLine xmlns="" xmlns:a14="http://schemas.microsoft.com/office/drawing/2010/main" w="9525">
+                  <a14:hiddenLine xmlns:a14="http://schemas.microsoft.com/office/drawing/2010/main" xmlns="" w="9525">
                     <a:solidFill>
                       <a:srgbClr val="000000"/>
                     </a:solidFill>
@@ -10388,7 +10388,7 @@
               </a:ln>
               <a:extLst>
                 <a:ext uri="{91240B29-F687-4f45-9708-019B960494DF}">
-                  <a14:hiddenLine xmlns="" xmlns:a14="http://schemas.microsoft.com/office/drawing/2010/main" w="9525">
+                  <a14:hiddenLine xmlns:a14="http://schemas.microsoft.com/office/drawing/2010/main" xmlns="" w="9525">
                     <a:solidFill>
                       <a:srgbClr val="000000"/>
                     </a:solidFill>
@@ -10450,7 +10450,7 @@
               </a:ln>
               <a:extLst>
                 <a:ext uri="{91240B29-F687-4f45-9708-019B960494DF}">
-                  <a14:hiddenLine xmlns="" xmlns:a14="http://schemas.microsoft.com/office/drawing/2010/main" w="9525">
+                  <a14:hiddenLine xmlns:a14="http://schemas.microsoft.com/office/drawing/2010/main" xmlns="" w="9525">
                     <a:solidFill>
                       <a:srgbClr val="000000"/>
                     </a:solidFill>
@@ -10512,7 +10512,7 @@
               </a:ln>
               <a:extLst>
                 <a:ext uri="{91240B29-F687-4f45-9708-019B960494DF}">
-                  <a14:hiddenLine xmlns="" xmlns:a14="http://schemas.microsoft.com/office/drawing/2010/main" w="9525">
+                  <a14:hiddenLine xmlns:a14="http://schemas.microsoft.com/office/drawing/2010/main" xmlns="" w="9525">
                     <a:solidFill>
                       <a:srgbClr val="000000"/>
                     </a:solidFill>
@@ -10602,7 +10602,7 @@
               </a:ln>
               <a:extLst>
                 <a:ext uri="{91240B29-F687-4f45-9708-019B960494DF}">
-                  <a14:hiddenLine xmlns="" xmlns:a14="http://schemas.microsoft.com/office/drawing/2010/main" w="9525">
+                  <a14:hiddenLine xmlns:a14="http://schemas.microsoft.com/office/drawing/2010/main" xmlns="" w="9525">
                     <a:solidFill>
                       <a:srgbClr val="000000"/>
                     </a:solidFill>
@@ -10636,7 +10636,7 @@
               </a:ln>
               <a:extLst>
                 <a:ext uri="{91240B29-F687-4f45-9708-019B960494DF}">
-                  <a14:hiddenLine xmlns="" xmlns:a14="http://schemas.microsoft.com/office/drawing/2010/main" w="9525">
+                  <a14:hiddenLine xmlns:a14="http://schemas.microsoft.com/office/drawing/2010/main" xmlns="" w="9525">
                     <a:solidFill>
                       <a:srgbClr val="000000"/>
                     </a:solidFill>
@@ -10701,7 +10701,7 @@
               </a:ln>
               <a:extLst>
                 <a:ext uri="{91240B29-F687-4f45-9708-019B960494DF}">
-                  <a14:hiddenLine xmlns="" xmlns:a14="http://schemas.microsoft.com/office/drawing/2010/main" w="9525">
+                  <a14:hiddenLine xmlns:a14="http://schemas.microsoft.com/office/drawing/2010/main" xmlns="" w="9525">
                     <a:solidFill>
                       <a:srgbClr val="000000"/>
                     </a:solidFill>
@@ -10791,7 +10791,7 @@
               </a:ln>
               <a:extLst>
                 <a:ext uri="{91240B29-F687-4f45-9708-019B960494DF}">
-                  <a14:hiddenLine xmlns="" xmlns:a14="http://schemas.microsoft.com/office/drawing/2010/main" w="9525">
+                  <a14:hiddenLine xmlns:a14="http://schemas.microsoft.com/office/drawing/2010/main" xmlns="" w="9525">
                     <a:solidFill>
                       <a:srgbClr val="000000"/>
                     </a:solidFill>
@@ -10853,7 +10853,7 @@
               </a:ln>
               <a:extLst>
                 <a:ext uri="{91240B29-F687-4f45-9708-019B960494DF}">
-                  <a14:hiddenLine xmlns="" xmlns:a14="http://schemas.microsoft.com/office/drawing/2010/main" w="9525">
+                  <a14:hiddenLine xmlns:a14="http://schemas.microsoft.com/office/drawing/2010/main" xmlns="" w="9525">
                     <a:solidFill>
                       <a:srgbClr val="000000"/>
                     </a:solidFill>
@@ -10943,7 +10943,7 @@
               </a:ln>
               <a:extLst>
                 <a:ext uri="{91240B29-F687-4f45-9708-019B960494DF}">
-                  <a14:hiddenLine xmlns="" xmlns:a14="http://schemas.microsoft.com/office/drawing/2010/main" w="9525">
+                  <a14:hiddenLine xmlns:a14="http://schemas.microsoft.com/office/drawing/2010/main" xmlns="" w="9525">
                     <a:solidFill>
                       <a:srgbClr val="000000"/>
                     </a:solidFill>
@@ -11008,7 +11008,7 @@
               </a:ln>
               <a:extLst>
                 <a:ext uri="{91240B29-F687-4f45-9708-019B960494DF}">
-                  <a14:hiddenLine xmlns="" xmlns:a14="http://schemas.microsoft.com/office/drawing/2010/main" w="9525">
+                  <a14:hiddenLine xmlns:a14="http://schemas.microsoft.com/office/drawing/2010/main" xmlns="" w="9525">
                     <a:solidFill>
                       <a:srgbClr val="000000"/>
                     </a:solidFill>
@@ -11070,7 +11070,7 @@
               </a:ln>
               <a:extLst>
                 <a:ext uri="{91240B29-F687-4f45-9708-019B960494DF}">
-                  <a14:hiddenLine xmlns="" xmlns:a14="http://schemas.microsoft.com/office/drawing/2010/main" w="9525">
+                  <a14:hiddenLine xmlns:a14="http://schemas.microsoft.com/office/drawing/2010/main" xmlns="" w="9525">
                     <a:solidFill>
                       <a:srgbClr val="000000"/>
                     </a:solidFill>
@@ -11160,7 +11160,7 @@
               </a:ln>
               <a:extLst>
                 <a:ext uri="{91240B29-F687-4f45-9708-019B960494DF}">
-                  <a14:hiddenLine xmlns="" xmlns:a14="http://schemas.microsoft.com/office/drawing/2010/main" w="9525">
+                  <a14:hiddenLine xmlns:a14="http://schemas.microsoft.com/office/drawing/2010/main" xmlns="" w="9525">
                     <a:solidFill>
                       <a:srgbClr val="000000"/>
                     </a:solidFill>
@@ -11250,7 +11250,7 @@
               </a:ln>
               <a:extLst>
                 <a:ext uri="{91240B29-F687-4f45-9708-019B960494DF}">
-                  <a14:hiddenLine xmlns="" xmlns:a14="http://schemas.microsoft.com/office/drawing/2010/main" w="9525">
+                  <a14:hiddenLine xmlns:a14="http://schemas.microsoft.com/office/drawing/2010/main" xmlns="" w="9525">
                     <a:solidFill>
                       <a:srgbClr val="000000"/>
                     </a:solidFill>
@@ -11315,7 +11315,7 @@
               </a:ln>
               <a:extLst>
                 <a:ext uri="{91240B29-F687-4f45-9708-019B960494DF}">
-                  <a14:hiddenLine xmlns="" xmlns:a14="http://schemas.microsoft.com/office/drawing/2010/main" w="9525">
+                  <a14:hiddenLine xmlns:a14="http://schemas.microsoft.com/office/drawing/2010/main" xmlns="" w="9525">
                     <a:solidFill>
                       <a:srgbClr val="000000"/>
                     </a:solidFill>
@@ -11435,7 +11435,7 @@
               </a:ln>
               <a:extLst>
                 <a:ext uri="{91240B29-F687-4f45-9708-019B960494DF}">
-                  <a14:hiddenLine xmlns="" xmlns:a14="http://schemas.microsoft.com/office/drawing/2010/main" w="9525">
+                  <a14:hiddenLine xmlns:a14="http://schemas.microsoft.com/office/drawing/2010/main" xmlns="" w="9525">
                     <a:solidFill>
                       <a:srgbClr val="000000"/>
                     </a:solidFill>
@@ -11533,7 +11533,7 @@
               </a:ln>
               <a:extLst>
                 <a:ext uri="{91240B29-F687-4f45-9708-019B960494DF}">
-                  <a14:hiddenLine xmlns="" xmlns:a14="http://schemas.microsoft.com/office/drawing/2010/main" w="9525">
+                  <a14:hiddenLine xmlns:a14="http://schemas.microsoft.com/office/drawing/2010/main" xmlns="" w="9525">
                     <a:solidFill>
                       <a:srgbClr val="000000"/>
                     </a:solidFill>
@@ -11648,7 +11648,7 @@
               </a:ln>
               <a:extLst>
                 <a:ext uri="{91240B29-F687-4f45-9708-019B960494DF}">
-                  <a14:hiddenLine xmlns="" xmlns:a14="http://schemas.microsoft.com/office/drawing/2010/main" w="9525">
+                  <a14:hiddenLine xmlns:a14="http://schemas.microsoft.com/office/drawing/2010/main" xmlns="" w="9525">
                     <a:solidFill>
                       <a:srgbClr val="000000"/>
                     </a:solidFill>
@@ -11738,7 +11738,7 @@
               </a:ln>
               <a:extLst>
                 <a:ext uri="{91240B29-F687-4f45-9708-019B960494DF}">
-                  <a14:hiddenLine xmlns="" xmlns:a14="http://schemas.microsoft.com/office/drawing/2010/main" w="9525">
+                  <a14:hiddenLine xmlns:a14="http://schemas.microsoft.com/office/drawing/2010/main" xmlns="" w="9525">
                     <a:solidFill>
                       <a:srgbClr val="000000"/>
                     </a:solidFill>
@@ -11803,7 +11803,7 @@
               </a:ln>
               <a:extLst>
                 <a:ext uri="{91240B29-F687-4f45-9708-019B960494DF}">
-                  <a14:hiddenLine xmlns="" xmlns:a14="http://schemas.microsoft.com/office/drawing/2010/main" w="9525">
+                  <a14:hiddenLine xmlns:a14="http://schemas.microsoft.com/office/drawing/2010/main" xmlns="" w="9525">
                     <a:solidFill>
                       <a:srgbClr val="000000"/>
                     </a:solidFill>
@@ -11893,7 +11893,7 @@
               </a:ln>
               <a:extLst>
                 <a:ext uri="{91240B29-F687-4f45-9708-019B960494DF}">
-                  <a14:hiddenLine xmlns="" xmlns:a14="http://schemas.microsoft.com/office/drawing/2010/main" w="9525">
+                  <a14:hiddenLine xmlns:a14="http://schemas.microsoft.com/office/drawing/2010/main" xmlns="" w="9525">
                     <a:solidFill>
                       <a:srgbClr val="000000"/>
                     </a:solidFill>
@@ -11961,7 +11961,7 @@
               </a:ln>
               <a:extLst>
                 <a:ext uri="{91240B29-F687-4f45-9708-019B960494DF}">
-                  <a14:hiddenLine xmlns="" xmlns:a14="http://schemas.microsoft.com/office/drawing/2010/main" w="9525">
+                  <a14:hiddenLine xmlns:a14="http://schemas.microsoft.com/office/drawing/2010/main" xmlns="" w="9525">
                     <a:solidFill>
                       <a:srgbClr val="000000"/>
                     </a:solidFill>
@@ -12051,7 +12051,7 @@
               </a:ln>
               <a:extLst>
                 <a:ext uri="{91240B29-F687-4f45-9708-019B960494DF}">
-                  <a14:hiddenLine xmlns="" xmlns:a14="http://schemas.microsoft.com/office/drawing/2010/main" w="9525">
+                  <a14:hiddenLine xmlns:a14="http://schemas.microsoft.com/office/drawing/2010/main" xmlns="" w="9525">
                     <a:solidFill>
                       <a:srgbClr val="000000"/>
                     </a:solidFill>
@@ -12119,7 +12119,7 @@
               </a:ln>
               <a:extLst>
                 <a:ext uri="{91240B29-F687-4f45-9708-019B960494DF}">
-                  <a14:hiddenLine xmlns="" xmlns:a14="http://schemas.microsoft.com/office/drawing/2010/main" w="9525">
+                  <a14:hiddenLine xmlns:a14="http://schemas.microsoft.com/office/drawing/2010/main" xmlns="" w="9525">
                     <a:solidFill>
                       <a:srgbClr val="000000"/>
                     </a:solidFill>
@@ -12209,7 +12209,7 @@
               </a:ln>
               <a:extLst>
                 <a:ext uri="{91240B29-F687-4f45-9708-019B960494DF}">
-                  <a14:hiddenLine xmlns="" xmlns:a14="http://schemas.microsoft.com/office/drawing/2010/main" w="9525">
+                  <a14:hiddenLine xmlns:a14="http://schemas.microsoft.com/office/drawing/2010/main" xmlns="" w="9525">
                     <a:solidFill>
                       <a:srgbClr val="000000"/>
                     </a:solidFill>
@@ -12243,7 +12243,7 @@
               </a:ln>
               <a:extLst>
                 <a:ext uri="{91240B29-F687-4f45-9708-019B960494DF}">
-                  <a14:hiddenLine xmlns="" xmlns:a14="http://schemas.microsoft.com/office/drawing/2010/main" w="9525">
+                  <a14:hiddenLine xmlns:a14="http://schemas.microsoft.com/office/drawing/2010/main" xmlns="" w="9525">
                     <a:solidFill>
                       <a:srgbClr val="000000"/>
                     </a:solidFill>
@@ -13221,7 +13221,7 @@
           <a:noFill/>
           <a:extLst>
             <a:ext uri="{909E8E84-426E-40dd-AFC4-6F175D3DCCD1}">
-              <a14:hiddenFill xmlns:a14="http://schemas.microsoft.com/office/drawing/2010/main" xmlns:a16="http://schemas.microsoft.com/office/drawing/2014/main" xmlns="">
+              <a14:hiddenFill xmlns="" xmlns:a16="http://schemas.microsoft.com/office/drawing/2014/main" xmlns:a14="http://schemas.microsoft.com/office/drawing/2010/main">
                 <a:solidFill>
                   <a:srgbClr val="FFFFFF"/>
                 </a:solidFill>
@@ -13313,7 +13313,7 @@
             </a:ln>
             <a:extLst>
               <a:ext uri="{91240B29-F687-4f45-9708-019B960494DF}">
-                <a14:hiddenLine xmlns:a14="http://schemas.microsoft.com/office/drawing/2010/main" xmlns:a16="http://schemas.microsoft.com/office/drawing/2014/main" xmlns="" w="9525">
+                <a14:hiddenLine xmlns="" xmlns:a16="http://schemas.microsoft.com/office/drawing/2014/main" xmlns:a14="http://schemas.microsoft.com/office/drawing/2010/main" w="9525">
                   <a:solidFill>
                     <a:srgbClr val="000000"/>
                   </a:solidFill>
@@ -13418,7 +13418,7 @@
             </a:ln>
             <a:extLst>
               <a:ext uri="{91240B29-F687-4f45-9708-019B960494DF}">
-                <a14:hiddenLine xmlns:a14="http://schemas.microsoft.com/office/drawing/2010/main" xmlns:a16="http://schemas.microsoft.com/office/drawing/2014/main" xmlns="" w="9525">
+                <a14:hiddenLine xmlns="" xmlns:a16="http://schemas.microsoft.com/office/drawing/2014/main" xmlns:a14="http://schemas.microsoft.com/office/drawing/2010/main" w="9525">
                   <a:solidFill>
                     <a:srgbClr val="000000"/>
                   </a:solidFill>
@@ -13523,7 +13523,7 @@
             </a:ln>
             <a:extLst>
               <a:ext uri="{91240B29-F687-4f45-9708-019B960494DF}">
-                <a14:hiddenLine xmlns:a14="http://schemas.microsoft.com/office/drawing/2010/main" xmlns:a16="http://schemas.microsoft.com/office/drawing/2014/main" xmlns="" w="9525">
+                <a14:hiddenLine xmlns="" xmlns:a16="http://schemas.microsoft.com/office/drawing/2014/main" xmlns:a14="http://schemas.microsoft.com/office/drawing/2010/main" w="9525">
                   <a:solidFill>
                     <a:srgbClr val="000000"/>
                   </a:solidFill>
@@ -13572,7 +13572,7 @@
             </a:ln>
             <a:extLst>
               <a:ext uri="{91240B29-F687-4f45-9708-019B960494DF}">
-                <a14:hiddenLine xmlns:a14="http://schemas.microsoft.com/office/drawing/2010/main" xmlns:a16="http://schemas.microsoft.com/office/drawing/2014/main" xmlns="" w="9525">
+                <a14:hiddenLine xmlns="" xmlns:a16="http://schemas.microsoft.com/office/drawing/2014/main" xmlns:a14="http://schemas.microsoft.com/office/drawing/2010/main" w="9525">
                   <a:solidFill>
                     <a:srgbClr val="000000"/>
                   </a:solidFill>
@@ -13677,7 +13677,7 @@
             </a:ln>
             <a:extLst>
               <a:ext uri="{91240B29-F687-4f45-9708-019B960494DF}">
-                <a14:hiddenLine xmlns:a14="http://schemas.microsoft.com/office/drawing/2010/main" xmlns:a16="http://schemas.microsoft.com/office/drawing/2014/main" xmlns="" w="9525">
+                <a14:hiddenLine xmlns="" xmlns:a16="http://schemas.microsoft.com/office/drawing/2014/main" xmlns:a14="http://schemas.microsoft.com/office/drawing/2010/main" w="9525">
                   <a:solidFill>
                     <a:srgbClr val="000000"/>
                   </a:solidFill>
@@ -13754,7 +13754,7 @@
             </a:ln>
             <a:extLst>
               <a:ext uri="{91240B29-F687-4f45-9708-019B960494DF}">
-                <a14:hiddenLine xmlns:a14="http://schemas.microsoft.com/office/drawing/2010/main" xmlns:a16="http://schemas.microsoft.com/office/drawing/2014/main" xmlns="" w="9525">
+                <a14:hiddenLine xmlns="" xmlns:a16="http://schemas.microsoft.com/office/drawing/2014/main" xmlns:a14="http://schemas.microsoft.com/office/drawing/2010/main" w="9525">
                   <a:solidFill>
                     <a:srgbClr val="000000"/>
                   </a:solidFill>
@@ -13831,7 +13831,7 @@
             </a:ln>
             <a:extLst>
               <a:ext uri="{91240B29-F687-4f45-9708-019B960494DF}">
-                <a14:hiddenLine xmlns:a14="http://schemas.microsoft.com/office/drawing/2010/main" xmlns:a16="http://schemas.microsoft.com/office/drawing/2014/main" xmlns="" w="9525">
+                <a14:hiddenLine xmlns="" xmlns:a16="http://schemas.microsoft.com/office/drawing/2014/main" xmlns:a14="http://schemas.microsoft.com/office/drawing/2010/main" w="9525">
                   <a:solidFill>
                     <a:srgbClr val="000000"/>
                   </a:solidFill>
@@ -13936,7 +13936,7 @@
             </a:ln>
             <a:extLst>
               <a:ext uri="{91240B29-F687-4f45-9708-019B960494DF}">
-                <a14:hiddenLine xmlns:a14="http://schemas.microsoft.com/office/drawing/2010/main" xmlns:a16="http://schemas.microsoft.com/office/drawing/2014/main" xmlns="" w="9525">
+                <a14:hiddenLine xmlns="" xmlns:a16="http://schemas.microsoft.com/office/drawing/2014/main" xmlns:a14="http://schemas.microsoft.com/office/drawing/2010/main" w="9525">
                   <a:solidFill>
                     <a:srgbClr val="000000"/>
                   </a:solidFill>
@@ -14013,7 +14013,7 @@
             </a:ln>
             <a:extLst>
               <a:ext uri="{91240B29-F687-4f45-9708-019B960494DF}">
-                <a14:hiddenLine xmlns:a14="http://schemas.microsoft.com/office/drawing/2010/main" xmlns:a16="http://schemas.microsoft.com/office/drawing/2014/main" xmlns="" w="9525">
+                <a14:hiddenLine xmlns="" xmlns:a16="http://schemas.microsoft.com/office/drawing/2014/main" xmlns:a14="http://schemas.microsoft.com/office/drawing/2010/main" w="9525">
                   <a:solidFill>
                     <a:srgbClr val="000000"/>
                   </a:solidFill>
@@ -14090,7 +14090,7 @@
             </a:ln>
             <a:extLst>
               <a:ext uri="{91240B29-F687-4f45-9708-019B960494DF}">
-                <a14:hiddenLine xmlns:a14="http://schemas.microsoft.com/office/drawing/2010/main" xmlns:a16="http://schemas.microsoft.com/office/drawing/2014/main" xmlns="" w="9525">
+                <a14:hiddenLine xmlns="" xmlns:a16="http://schemas.microsoft.com/office/drawing/2014/main" xmlns:a14="http://schemas.microsoft.com/office/drawing/2010/main" w="9525">
                   <a:solidFill>
                     <a:srgbClr val="000000"/>
                   </a:solidFill>
@@ -14195,7 +14195,7 @@
             </a:ln>
             <a:extLst>
               <a:ext uri="{91240B29-F687-4f45-9708-019B960494DF}">
-                <a14:hiddenLine xmlns:a14="http://schemas.microsoft.com/office/drawing/2010/main" xmlns:a16="http://schemas.microsoft.com/office/drawing/2014/main" xmlns="" w="9525">
+                <a14:hiddenLine xmlns="" xmlns:a16="http://schemas.microsoft.com/office/drawing/2014/main" xmlns:a14="http://schemas.microsoft.com/office/drawing/2010/main" w="9525">
                   <a:solidFill>
                     <a:srgbClr val="000000"/>
                   </a:solidFill>
@@ -14300,7 +14300,7 @@
             </a:ln>
             <a:extLst>
               <a:ext uri="{91240B29-F687-4f45-9708-019B960494DF}">
-                <a14:hiddenLine xmlns:a14="http://schemas.microsoft.com/office/drawing/2010/main" xmlns:a16="http://schemas.microsoft.com/office/drawing/2014/main" xmlns="" w="9525">
+                <a14:hiddenLine xmlns="" xmlns:a16="http://schemas.microsoft.com/office/drawing/2014/main" xmlns:a14="http://schemas.microsoft.com/office/drawing/2010/main" w="9525">
                   <a:solidFill>
                     <a:srgbClr val="000000"/>
                   </a:solidFill>
@@ -14377,7 +14377,7 @@
             </a:ln>
             <a:extLst>
               <a:ext uri="{91240B29-F687-4f45-9708-019B960494DF}">
-                <a14:hiddenLine xmlns:a14="http://schemas.microsoft.com/office/drawing/2010/main" xmlns:a16="http://schemas.microsoft.com/office/drawing/2014/main" xmlns="" w="9525">
+                <a14:hiddenLine xmlns="" xmlns:a16="http://schemas.microsoft.com/office/drawing/2014/main" xmlns:a14="http://schemas.microsoft.com/office/drawing/2010/main" w="9525">
                   <a:solidFill>
                     <a:srgbClr val="000000"/>
                   </a:solidFill>
@@ -14502,7 +14502,7 @@
             </a:ln>
             <a:extLst>
               <a:ext uri="{91240B29-F687-4f45-9708-019B960494DF}">
-                <a14:hiddenLine xmlns:a14="http://schemas.microsoft.com/office/drawing/2010/main" xmlns:a16="http://schemas.microsoft.com/office/drawing/2014/main" xmlns="" w="9525">
+                <a14:hiddenLine xmlns="" xmlns:a16="http://schemas.microsoft.com/office/drawing/2014/main" xmlns:a14="http://schemas.microsoft.com/office/drawing/2010/main" w="9525">
                   <a:solidFill>
                     <a:srgbClr val="000000"/>
                   </a:solidFill>
@@ -14579,7 +14579,7 @@
             </a:ln>
             <a:extLst>
               <a:ext uri="{91240B29-F687-4f45-9708-019B960494DF}">
-                <a14:hiddenLine xmlns:a14="http://schemas.microsoft.com/office/drawing/2010/main" xmlns:a16="http://schemas.microsoft.com/office/drawing/2014/main" xmlns="" w="9525">
+                <a14:hiddenLine xmlns="" xmlns:a16="http://schemas.microsoft.com/office/drawing/2014/main" xmlns:a14="http://schemas.microsoft.com/office/drawing/2010/main" w="9525">
                   <a:solidFill>
                     <a:srgbClr val="000000"/>
                   </a:solidFill>
@@ -14684,7 +14684,7 @@
             </a:ln>
             <a:extLst>
               <a:ext uri="{91240B29-F687-4f45-9708-019B960494DF}">
-                <a14:hiddenLine xmlns:a14="http://schemas.microsoft.com/office/drawing/2010/main" xmlns:a16="http://schemas.microsoft.com/office/drawing/2014/main" xmlns="" w="9525">
+                <a14:hiddenLine xmlns="" xmlns:a16="http://schemas.microsoft.com/office/drawing/2014/main" xmlns:a14="http://schemas.microsoft.com/office/drawing/2010/main" w="9525">
                   <a:solidFill>
                     <a:srgbClr val="000000"/>
                   </a:solidFill>
@@ -14789,7 +14789,7 @@
             </a:ln>
             <a:extLst>
               <a:ext uri="{91240B29-F687-4f45-9708-019B960494DF}">
-                <a14:hiddenLine xmlns:a14="http://schemas.microsoft.com/office/drawing/2010/main" xmlns:a16="http://schemas.microsoft.com/office/drawing/2014/main" xmlns="" w="9525">
+                <a14:hiddenLine xmlns="" xmlns:a16="http://schemas.microsoft.com/office/drawing/2014/main" xmlns:a14="http://schemas.microsoft.com/office/drawing/2010/main" w="9525">
                   <a:solidFill>
                     <a:srgbClr val="000000"/>
                   </a:solidFill>
@@ -14866,7 +14866,7 @@
             </a:ln>
             <a:extLst>
               <a:ext uri="{91240B29-F687-4f45-9708-019B960494DF}">
-                <a14:hiddenLine xmlns:a14="http://schemas.microsoft.com/office/drawing/2010/main" xmlns:a16="http://schemas.microsoft.com/office/drawing/2014/main" xmlns="" w="9525">
+                <a14:hiddenLine xmlns="" xmlns:a16="http://schemas.microsoft.com/office/drawing/2014/main" xmlns:a14="http://schemas.microsoft.com/office/drawing/2010/main" w="9525">
                   <a:solidFill>
                     <a:srgbClr val="000000"/>
                   </a:solidFill>
@@ -14971,7 +14971,7 @@
             </a:ln>
             <a:extLst>
               <a:ext uri="{91240B29-F687-4f45-9708-019B960494DF}">
-                <a14:hiddenLine xmlns:a14="http://schemas.microsoft.com/office/drawing/2010/main" xmlns:a16="http://schemas.microsoft.com/office/drawing/2014/main" xmlns="" w="9525">
+                <a14:hiddenLine xmlns="" xmlns:a16="http://schemas.microsoft.com/office/drawing/2014/main" xmlns:a14="http://schemas.microsoft.com/office/drawing/2010/main" w="9525">
                   <a:solidFill>
                     <a:srgbClr val="000000"/>
                   </a:solidFill>
@@ -15076,7 +15076,7 @@
             </a:ln>
             <a:extLst>
               <a:ext uri="{91240B29-F687-4f45-9708-019B960494DF}">
-                <a14:hiddenLine xmlns:a14="http://schemas.microsoft.com/office/drawing/2010/main" xmlns:a16="http://schemas.microsoft.com/office/drawing/2014/main" xmlns="" w="9525">
+                <a14:hiddenLine xmlns="" xmlns:a16="http://schemas.microsoft.com/office/drawing/2014/main" xmlns:a14="http://schemas.microsoft.com/office/drawing/2010/main" w="9525">
                   <a:solidFill>
                     <a:srgbClr val="000000"/>
                   </a:solidFill>
@@ -15147,7 +15147,7 @@
             </a:ln>
             <a:extLst>
               <a:ext uri="{91240B29-F687-4f45-9708-019B960494DF}">
-                <a14:hiddenLine xmlns:a14="http://schemas.microsoft.com/office/drawing/2010/main" xmlns:a16="http://schemas.microsoft.com/office/drawing/2014/main" xmlns="" w="9525">
+                <a14:hiddenLine xmlns="" xmlns:a16="http://schemas.microsoft.com/office/drawing/2014/main" xmlns:a14="http://schemas.microsoft.com/office/drawing/2010/main" w="9525">
                   <a:solidFill>
                     <a:srgbClr val="000000"/>
                   </a:solidFill>
@@ -15252,7 +15252,7 @@
             </a:ln>
             <a:extLst>
               <a:ext uri="{91240B29-F687-4f45-9708-019B960494DF}">
-                <a14:hiddenLine xmlns:a14="http://schemas.microsoft.com/office/drawing/2010/main" xmlns:a16="http://schemas.microsoft.com/office/drawing/2014/main" xmlns="" w="9525">
+                <a14:hiddenLine xmlns="" xmlns:a16="http://schemas.microsoft.com/office/drawing/2014/main" xmlns:a14="http://schemas.microsoft.com/office/drawing/2010/main" w="9525">
                   <a:solidFill>
                     <a:srgbClr val="000000"/>
                   </a:solidFill>
@@ -15323,7 +15323,7 @@
             </a:ln>
             <a:extLst>
               <a:ext uri="{91240B29-F687-4f45-9708-019B960494DF}">
-                <a14:hiddenLine xmlns:a14="http://schemas.microsoft.com/office/drawing/2010/main" xmlns:a16="http://schemas.microsoft.com/office/drawing/2014/main" xmlns="" w="9525">
+                <a14:hiddenLine xmlns="" xmlns:a16="http://schemas.microsoft.com/office/drawing/2014/main" xmlns:a14="http://schemas.microsoft.com/office/drawing/2010/main" w="9525">
                   <a:solidFill>
                     <a:srgbClr val="000000"/>
                   </a:solidFill>
@@ -15428,7 +15428,7 @@
             </a:ln>
             <a:extLst>
               <a:ext uri="{91240B29-F687-4f45-9708-019B960494DF}">
-                <a14:hiddenLine xmlns:a14="http://schemas.microsoft.com/office/drawing/2010/main" xmlns:a16="http://schemas.microsoft.com/office/drawing/2014/main" xmlns="" w="9525">
+                <a14:hiddenLine xmlns="" xmlns:a16="http://schemas.microsoft.com/office/drawing/2014/main" xmlns:a14="http://schemas.microsoft.com/office/drawing/2010/main" w="9525">
                   <a:solidFill>
                     <a:srgbClr val="000000"/>
                   </a:solidFill>
@@ -15511,7 +15511,7 @@
             </a:ln>
             <a:extLst>
               <a:ext uri="{91240B29-F687-4f45-9708-019B960494DF}">
-                <a14:hiddenLine xmlns:a14="http://schemas.microsoft.com/office/drawing/2010/main" xmlns:a16="http://schemas.microsoft.com/office/drawing/2014/main" xmlns="" w="9525">
+                <a14:hiddenLine xmlns="" xmlns:a16="http://schemas.microsoft.com/office/drawing/2014/main" xmlns:a14="http://schemas.microsoft.com/office/drawing/2010/main" w="9525">
                   <a:solidFill>
                     <a:srgbClr val="000000"/>
                   </a:solidFill>
@@ -15616,7 +15616,7 @@
             </a:ln>
             <a:extLst>
               <a:ext uri="{91240B29-F687-4f45-9708-019B960494DF}">
-                <a14:hiddenLine xmlns:a14="http://schemas.microsoft.com/office/drawing/2010/main" xmlns:a16="http://schemas.microsoft.com/office/drawing/2014/main" xmlns="" w="9525">
+                <a14:hiddenLine xmlns="" xmlns:a16="http://schemas.microsoft.com/office/drawing/2014/main" xmlns:a14="http://schemas.microsoft.com/office/drawing/2010/main" w="9525">
                   <a:solidFill>
                     <a:srgbClr val="000000"/>
                   </a:solidFill>
@@ -15699,7 +15699,7 @@
             </a:ln>
             <a:extLst>
               <a:ext uri="{91240B29-F687-4f45-9708-019B960494DF}">
-                <a14:hiddenLine xmlns:a14="http://schemas.microsoft.com/office/drawing/2010/main" xmlns:a16="http://schemas.microsoft.com/office/drawing/2014/main" xmlns="" w="9525">
+                <a14:hiddenLine xmlns="" xmlns:a16="http://schemas.microsoft.com/office/drawing/2014/main" xmlns:a14="http://schemas.microsoft.com/office/drawing/2010/main" w="9525">
                   <a:solidFill>
                     <a:srgbClr val="000000"/>
                   </a:solidFill>
@@ -15804,7 +15804,7 @@
             </a:ln>
             <a:extLst>
               <a:ext uri="{91240B29-F687-4f45-9708-019B960494DF}">
-                <a14:hiddenLine xmlns:a14="http://schemas.microsoft.com/office/drawing/2010/main" xmlns:a16="http://schemas.microsoft.com/office/drawing/2014/main" xmlns="" w="9525">
+                <a14:hiddenLine xmlns="" xmlns:a16="http://schemas.microsoft.com/office/drawing/2014/main" xmlns:a14="http://schemas.microsoft.com/office/drawing/2010/main" w="9525">
                   <a:solidFill>
                     <a:srgbClr val="000000"/>
                   </a:solidFill>
@@ -15853,7 +15853,7 @@
             </a:ln>
             <a:extLst>
               <a:ext uri="{91240B29-F687-4f45-9708-019B960494DF}">
-                <a14:hiddenLine xmlns:a14="http://schemas.microsoft.com/office/drawing/2010/main" xmlns:a16="http://schemas.microsoft.com/office/drawing/2014/main" xmlns="" w="9525">
+                <a14:hiddenLine xmlns="" xmlns:a16="http://schemas.microsoft.com/office/drawing/2014/main" xmlns:a14="http://schemas.microsoft.com/office/drawing/2010/main" w="9525">
                   <a:solidFill>
                     <a:srgbClr val="000000"/>
                   </a:solidFill>
@@ -15958,7 +15958,7 @@
             </a:ln>
             <a:extLst>
               <a:ext uri="{91240B29-F687-4f45-9708-019B960494DF}">
-                <a14:hiddenLine xmlns:a14="http://schemas.microsoft.com/office/drawing/2010/main" xmlns:a16="http://schemas.microsoft.com/office/drawing/2014/main" xmlns="" w="9525">
+                <a14:hiddenLine xmlns="" xmlns:a16="http://schemas.microsoft.com/office/drawing/2014/main" xmlns:a14="http://schemas.microsoft.com/office/drawing/2010/main" w="9525">
                   <a:solidFill>
                     <a:srgbClr val="000000"/>
                   </a:solidFill>
@@ -16035,7 +16035,7 @@
             </a:ln>
             <a:extLst>
               <a:ext uri="{91240B29-F687-4f45-9708-019B960494DF}">
-                <a14:hiddenLine xmlns:a14="http://schemas.microsoft.com/office/drawing/2010/main" xmlns:a16="http://schemas.microsoft.com/office/drawing/2014/main" xmlns="" w="9525">
+                <a14:hiddenLine xmlns="" xmlns:a16="http://schemas.microsoft.com/office/drawing/2014/main" xmlns:a14="http://schemas.microsoft.com/office/drawing/2010/main" w="9525">
                   <a:solidFill>
                     <a:srgbClr val="000000"/>
                   </a:solidFill>
@@ -16112,7 +16112,7 @@
             </a:ln>
             <a:extLst>
               <a:ext uri="{91240B29-F687-4f45-9708-019B960494DF}">
-                <a14:hiddenLine xmlns:a14="http://schemas.microsoft.com/office/drawing/2010/main" xmlns:a16="http://schemas.microsoft.com/office/drawing/2014/main" xmlns="" w="9525">
+                <a14:hiddenLine xmlns="" xmlns:a16="http://schemas.microsoft.com/office/drawing/2014/main" xmlns:a14="http://schemas.microsoft.com/office/drawing/2010/main" w="9525">
                   <a:solidFill>
                     <a:srgbClr val="000000"/>
                   </a:solidFill>
@@ -16217,7 +16217,7 @@
             </a:ln>
             <a:extLst>
               <a:ext uri="{91240B29-F687-4f45-9708-019B960494DF}">
-                <a14:hiddenLine xmlns:a14="http://schemas.microsoft.com/office/drawing/2010/main" xmlns:a16="http://schemas.microsoft.com/office/drawing/2014/main" xmlns="" w="9525">
+                <a14:hiddenLine xmlns="" xmlns:a16="http://schemas.microsoft.com/office/drawing/2014/main" xmlns:a14="http://schemas.microsoft.com/office/drawing/2010/main" w="9525">
                   <a:solidFill>
                     <a:srgbClr val="000000"/>
                   </a:solidFill>
@@ -16300,7 +16300,7 @@
             </a:ln>
             <a:extLst>
               <a:ext uri="{91240B29-F687-4f45-9708-019B960494DF}">
-                <a14:hiddenLine xmlns:a14="http://schemas.microsoft.com/office/drawing/2010/main" xmlns:a16="http://schemas.microsoft.com/office/drawing/2014/main" xmlns="" w="9525">
+                <a14:hiddenLine xmlns="" xmlns:a16="http://schemas.microsoft.com/office/drawing/2014/main" xmlns:a14="http://schemas.microsoft.com/office/drawing/2010/main" w="9525">
                   <a:solidFill>
                     <a:srgbClr val="000000"/>
                   </a:solidFill>
@@ -16377,7 +16377,7 @@
             </a:ln>
             <a:extLst>
               <a:ext uri="{91240B29-F687-4f45-9708-019B960494DF}">
-                <a14:hiddenLine xmlns:a14="http://schemas.microsoft.com/office/drawing/2010/main" xmlns:a16="http://schemas.microsoft.com/office/drawing/2014/main" xmlns="" w="9525">
+                <a14:hiddenLine xmlns="" xmlns:a16="http://schemas.microsoft.com/office/drawing/2014/main" xmlns:a14="http://schemas.microsoft.com/office/drawing/2010/main" w="9525">
                   <a:solidFill>
                     <a:srgbClr val="000000"/>
                   </a:solidFill>
@@ -16482,7 +16482,7 @@
             </a:ln>
             <a:extLst>
               <a:ext uri="{91240B29-F687-4f45-9708-019B960494DF}">
-                <a14:hiddenLine xmlns:a14="http://schemas.microsoft.com/office/drawing/2010/main" xmlns:a16="http://schemas.microsoft.com/office/drawing/2014/main" xmlns="" w="9525">
+                <a14:hiddenLine xmlns="" xmlns:a16="http://schemas.microsoft.com/office/drawing/2014/main" xmlns:a14="http://schemas.microsoft.com/office/drawing/2010/main" w="9525">
                   <a:solidFill>
                     <a:srgbClr val="000000"/>
                   </a:solidFill>
@@ -16559,7 +16559,7 @@
             </a:ln>
             <a:extLst>
               <a:ext uri="{91240B29-F687-4f45-9708-019B960494DF}">
-                <a14:hiddenLine xmlns:a14="http://schemas.microsoft.com/office/drawing/2010/main" xmlns:a16="http://schemas.microsoft.com/office/drawing/2014/main" xmlns="" w="9525">
+                <a14:hiddenLine xmlns="" xmlns:a16="http://schemas.microsoft.com/office/drawing/2014/main" xmlns:a14="http://schemas.microsoft.com/office/drawing/2010/main" w="9525">
                   <a:solidFill>
                     <a:srgbClr val="000000"/>
                   </a:solidFill>
@@ -16664,7 +16664,7 @@
             </a:ln>
             <a:extLst>
               <a:ext uri="{91240B29-F687-4f45-9708-019B960494DF}">
-                <a14:hiddenLine xmlns:a14="http://schemas.microsoft.com/office/drawing/2010/main" xmlns:a16="http://schemas.microsoft.com/office/drawing/2014/main" xmlns="" w="9525">
+                <a14:hiddenLine xmlns="" xmlns:a16="http://schemas.microsoft.com/office/drawing/2014/main" xmlns:a14="http://schemas.microsoft.com/office/drawing/2010/main" w="9525">
                   <a:solidFill>
                     <a:srgbClr val="000000"/>
                   </a:solidFill>
@@ -16741,7 +16741,7 @@
             </a:ln>
             <a:extLst>
               <a:ext uri="{91240B29-F687-4f45-9708-019B960494DF}">
-                <a14:hiddenLine xmlns:a14="http://schemas.microsoft.com/office/drawing/2010/main" xmlns:a16="http://schemas.microsoft.com/office/drawing/2014/main" xmlns="" w="9525">
+                <a14:hiddenLine xmlns="" xmlns:a16="http://schemas.microsoft.com/office/drawing/2014/main" xmlns:a14="http://schemas.microsoft.com/office/drawing/2010/main" w="9525">
                   <a:solidFill>
                     <a:srgbClr val="000000"/>
                   </a:solidFill>
@@ -16846,7 +16846,7 @@
             </a:ln>
             <a:extLst>
               <a:ext uri="{91240B29-F687-4f45-9708-019B960494DF}">
-                <a14:hiddenLine xmlns:a14="http://schemas.microsoft.com/office/drawing/2010/main" xmlns:a16="http://schemas.microsoft.com/office/drawing/2014/main" xmlns="" w="9525">
+                <a14:hiddenLine xmlns="" xmlns:a16="http://schemas.microsoft.com/office/drawing/2014/main" xmlns:a14="http://schemas.microsoft.com/office/drawing/2010/main" w="9525">
                   <a:solidFill>
                     <a:srgbClr val="000000"/>
                   </a:solidFill>
@@ -16895,7 +16895,7 @@
             </a:ln>
             <a:extLst>
               <a:ext uri="{91240B29-F687-4f45-9708-019B960494DF}">
-                <a14:hiddenLine xmlns:a14="http://schemas.microsoft.com/office/drawing/2010/main" xmlns:a16="http://schemas.microsoft.com/office/drawing/2014/main" xmlns="" w="9525">
+                <a14:hiddenLine xmlns="" xmlns:a16="http://schemas.microsoft.com/office/drawing/2014/main" xmlns:a14="http://schemas.microsoft.com/office/drawing/2010/main" w="9525">
                   <a:solidFill>
                     <a:srgbClr val="000000"/>
                   </a:solidFill>
@@ -16975,7 +16975,7 @@
             </a:ln>
             <a:extLst>
               <a:ext uri="{91240B29-F687-4f45-9708-019B960494DF}">
-                <a14:hiddenLine xmlns:a14="http://schemas.microsoft.com/office/drawing/2010/main" xmlns:a16="http://schemas.microsoft.com/office/drawing/2014/main" xmlns="" w="9525">
+                <a14:hiddenLine xmlns="" xmlns:a16="http://schemas.microsoft.com/office/drawing/2014/main" xmlns:a14="http://schemas.microsoft.com/office/drawing/2010/main" w="9525">
                   <a:solidFill>
                     <a:srgbClr val="000000"/>
                   </a:solidFill>
@@ -17080,7 +17080,7 @@
             </a:ln>
             <a:extLst>
               <a:ext uri="{91240B29-F687-4f45-9708-019B960494DF}">
-                <a14:hiddenLine xmlns:a14="http://schemas.microsoft.com/office/drawing/2010/main" xmlns:a16="http://schemas.microsoft.com/office/drawing/2014/main" xmlns="" w="9525">
+                <a14:hiddenLine xmlns="" xmlns:a16="http://schemas.microsoft.com/office/drawing/2014/main" xmlns:a14="http://schemas.microsoft.com/office/drawing/2010/main" w="9525">
                   <a:solidFill>
                     <a:srgbClr val="000000"/>
                   </a:solidFill>
@@ -17157,7 +17157,7 @@
             </a:ln>
             <a:extLst>
               <a:ext uri="{91240B29-F687-4f45-9708-019B960494DF}">
-                <a14:hiddenLine xmlns:a14="http://schemas.microsoft.com/office/drawing/2010/main" xmlns:a16="http://schemas.microsoft.com/office/drawing/2014/main" xmlns="" w="9525">
+                <a14:hiddenLine xmlns="" xmlns:a16="http://schemas.microsoft.com/office/drawing/2014/main" xmlns:a14="http://schemas.microsoft.com/office/drawing/2010/main" w="9525">
                   <a:solidFill>
                     <a:srgbClr val="000000"/>
                   </a:solidFill>
@@ -17262,7 +17262,7 @@
             </a:ln>
             <a:extLst>
               <a:ext uri="{91240B29-F687-4f45-9708-019B960494DF}">
-                <a14:hiddenLine xmlns:a14="http://schemas.microsoft.com/office/drawing/2010/main" xmlns:a16="http://schemas.microsoft.com/office/drawing/2014/main" xmlns="" w="9525">
+                <a14:hiddenLine xmlns="" xmlns:a16="http://schemas.microsoft.com/office/drawing/2014/main" xmlns:a14="http://schemas.microsoft.com/office/drawing/2010/main" w="9525">
                   <a:solidFill>
                     <a:srgbClr val="000000"/>
                   </a:solidFill>
@@ -17367,7 +17367,7 @@
             </a:ln>
             <a:extLst>
               <a:ext uri="{91240B29-F687-4f45-9708-019B960494DF}">
-                <a14:hiddenLine xmlns:a14="http://schemas.microsoft.com/office/drawing/2010/main" xmlns:a16="http://schemas.microsoft.com/office/drawing/2014/main" xmlns="" w="9525">
+                <a14:hiddenLine xmlns="" xmlns:a16="http://schemas.microsoft.com/office/drawing/2014/main" xmlns:a14="http://schemas.microsoft.com/office/drawing/2010/main" w="9525">
                   <a:solidFill>
                     <a:srgbClr val="000000"/>
                   </a:solidFill>
@@ -17447,7 +17447,7 @@
             </a:ln>
             <a:extLst>
               <a:ext uri="{91240B29-F687-4f45-9708-019B960494DF}">
-                <a14:hiddenLine xmlns:a14="http://schemas.microsoft.com/office/drawing/2010/main" xmlns:a16="http://schemas.microsoft.com/office/drawing/2014/main" xmlns="" w="9525">
+                <a14:hiddenLine xmlns="" xmlns:a16="http://schemas.microsoft.com/office/drawing/2014/main" xmlns:a14="http://schemas.microsoft.com/office/drawing/2010/main" w="9525">
                   <a:solidFill>
                     <a:srgbClr val="000000"/>
                   </a:solidFill>
@@ -17524,7 +17524,7 @@
             </a:ln>
             <a:extLst>
               <a:ext uri="{91240B29-F687-4f45-9708-019B960494DF}">
-                <a14:hiddenLine xmlns:a14="http://schemas.microsoft.com/office/drawing/2010/main" xmlns:a16="http://schemas.microsoft.com/office/drawing/2014/main" xmlns="" w="9525">
+                <a14:hiddenLine xmlns="" xmlns:a16="http://schemas.microsoft.com/office/drawing/2014/main" xmlns:a14="http://schemas.microsoft.com/office/drawing/2010/main" w="9525">
                   <a:solidFill>
                     <a:srgbClr val="000000"/>
                   </a:solidFill>
@@ -17629,7 +17629,7 @@
             </a:ln>
             <a:extLst>
               <a:ext uri="{91240B29-F687-4f45-9708-019B960494DF}">
-                <a14:hiddenLine xmlns:a14="http://schemas.microsoft.com/office/drawing/2010/main" xmlns:a16="http://schemas.microsoft.com/office/drawing/2014/main" xmlns="" w="9525">
+                <a14:hiddenLine xmlns="" xmlns:a16="http://schemas.microsoft.com/office/drawing/2014/main" xmlns:a14="http://schemas.microsoft.com/office/drawing/2010/main" w="9525">
                   <a:solidFill>
                     <a:srgbClr val="000000"/>
                   </a:solidFill>
@@ -17734,7 +17734,7 @@
             </a:ln>
             <a:extLst>
               <a:ext uri="{91240B29-F687-4f45-9708-019B960494DF}">
-                <a14:hiddenLine xmlns:a14="http://schemas.microsoft.com/office/drawing/2010/main" xmlns:a16="http://schemas.microsoft.com/office/drawing/2014/main" xmlns="" w="9525">
+                <a14:hiddenLine xmlns="" xmlns:a16="http://schemas.microsoft.com/office/drawing/2014/main" xmlns:a14="http://schemas.microsoft.com/office/drawing/2010/main" w="9525">
                   <a:solidFill>
                     <a:srgbClr val="000000"/>
                   </a:solidFill>
@@ -17811,7 +17811,7 @@
             </a:ln>
             <a:extLst>
               <a:ext uri="{91240B29-F687-4f45-9708-019B960494DF}">
-                <a14:hiddenLine xmlns:a14="http://schemas.microsoft.com/office/drawing/2010/main" xmlns:a16="http://schemas.microsoft.com/office/drawing/2014/main" xmlns="" w="9525">
+                <a14:hiddenLine xmlns="" xmlns:a16="http://schemas.microsoft.com/office/drawing/2014/main" xmlns:a14="http://schemas.microsoft.com/office/drawing/2010/main" w="9525">
                   <a:solidFill>
                     <a:srgbClr val="000000"/>
                   </a:solidFill>
@@ -17946,7 +17946,7 @@
             </a:ln>
             <a:extLst>
               <a:ext uri="{91240B29-F687-4f45-9708-019B960494DF}">
-                <a14:hiddenLine xmlns:a14="http://schemas.microsoft.com/office/drawing/2010/main" xmlns:a16="http://schemas.microsoft.com/office/drawing/2014/main" xmlns="" w="9525">
+                <a14:hiddenLine xmlns="" xmlns:a16="http://schemas.microsoft.com/office/drawing/2014/main" xmlns:a14="http://schemas.microsoft.com/office/drawing/2010/main" w="9525">
                   <a:solidFill>
                     <a:srgbClr val="000000"/>
                   </a:solidFill>
@@ -18029,7 +18029,7 @@
             </a:ln>
             <a:extLst>
               <a:ext uri="{91240B29-F687-4f45-9708-019B960494DF}">
-                <a14:hiddenLine xmlns:a14="http://schemas.microsoft.com/office/drawing/2010/main" xmlns:a16="http://schemas.microsoft.com/office/drawing/2014/main" xmlns="" w="9525">
+                <a14:hiddenLine xmlns="" xmlns:a16="http://schemas.microsoft.com/office/drawing/2014/main" xmlns:a14="http://schemas.microsoft.com/office/drawing/2010/main" w="9525">
                   <a:solidFill>
                     <a:srgbClr val="000000"/>
                   </a:solidFill>
@@ -18134,7 +18134,7 @@
             </a:ln>
             <a:extLst>
               <a:ext uri="{91240B29-F687-4f45-9708-019B960494DF}">
-                <a14:hiddenLine xmlns:a14="http://schemas.microsoft.com/office/drawing/2010/main" xmlns:a16="http://schemas.microsoft.com/office/drawing/2014/main" xmlns="" w="9525">
+                <a14:hiddenLine xmlns="" xmlns:a16="http://schemas.microsoft.com/office/drawing/2014/main" xmlns:a14="http://schemas.microsoft.com/office/drawing/2010/main" w="9525">
                   <a:solidFill>
                     <a:srgbClr val="000000"/>
                   </a:solidFill>
@@ -18291,7 +18291,7 @@
             <a:noFill/>
             <a:extLst>
               <a:ext uri="{909E8E84-426E-40dd-AFC4-6F175D3DCCD1}">
-                <a14:hiddenFill xmlns:a14="http://schemas.microsoft.com/office/drawing/2010/main" xmlns:p14="http://schemas.microsoft.com/office/powerpoint/2010/main" xmlns:a16="http://schemas.microsoft.com/office/drawing/2014/main" xmlns="">
+                <a14:hiddenFill xmlns="" xmlns:a16="http://schemas.microsoft.com/office/drawing/2014/main" xmlns:p14="http://schemas.microsoft.com/office/powerpoint/2010/main" xmlns:a14="http://schemas.microsoft.com/office/drawing/2010/main">
                   <a:solidFill>
                     <a:srgbClr val="FFFFFF"/>
                   </a:solidFill>
@@ -20774,7 +20774,7 @@
           <a:noFill/>
           <a:extLst>
             <a:ext uri="{909E8E84-426E-40dd-AFC4-6F175D3DCCD1}">
-              <a14:hiddenFill xmlns="" xmlns:a16="http://schemas.microsoft.com/office/drawing/2014/main" xmlns:a14="http://schemas.microsoft.com/office/drawing/2010/main">
+              <a14:hiddenFill xmlns:a14="http://schemas.microsoft.com/office/drawing/2010/main" xmlns:a16="http://schemas.microsoft.com/office/drawing/2014/main" xmlns="">
                 <a:solidFill>
                   <a:srgbClr val="FFFFFF"/>
                 </a:solidFill>
@@ -20866,7 +20866,7 @@
             </a:ln>
             <a:extLst>
               <a:ext uri="{91240B29-F687-4f45-9708-019B960494DF}">
-                <a14:hiddenLine xmlns="" xmlns:a16="http://schemas.microsoft.com/office/drawing/2014/main" xmlns:a14="http://schemas.microsoft.com/office/drawing/2010/main" w="9525">
+                <a14:hiddenLine xmlns:a14="http://schemas.microsoft.com/office/drawing/2010/main" xmlns:a16="http://schemas.microsoft.com/office/drawing/2014/main" xmlns="" w="9525">
                   <a:solidFill>
                     <a:srgbClr val="000000"/>
                   </a:solidFill>
@@ -20971,7 +20971,7 @@
             </a:ln>
             <a:extLst>
               <a:ext uri="{91240B29-F687-4f45-9708-019B960494DF}">
-                <a14:hiddenLine xmlns="" xmlns:a16="http://schemas.microsoft.com/office/drawing/2014/main" xmlns:a14="http://schemas.microsoft.com/office/drawing/2010/main" w="9525">
+                <a14:hiddenLine xmlns:a14="http://schemas.microsoft.com/office/drawing/2010/main" xmlns:a16="http://schemas.microsoft.com/office/drawing/2014/main" xmlns="" w="9525">
                   <a:solidFill>
                     <a:srgbClr val="000000"/>
                   </a:solidFill>
@@ -21076,7 +21076,7 @@
             </a:ln>
             <a:extLst>
               <a:ext uri="{91240B29-F687-4f45-9708-019B960494DF}">
-                <a14:hiddenLine xmlns="" xmlns:a16="http://schemas.microsoft.com/office/drawing/2014/main" xmlns:a14="http://schemas.microsoft.com/office/drawing/2010/main" w="9525">
+                <a14:hiddenLine xmlns:a14="http://schemas.microsoft.com/office/drawing/2010/main" xmlns:a16="http://schemas.microsoft.com/office/drawing/2014/main" xmlns="" w="9525">
                   <a:solidFill>
                     <a:srgbClr val="000000"/>
                   </a:solidFill>
@@ -21125,7 +21125,7 @@
             </a:ln>
             <a:extLst>
               <a:ext uri="{91240B29-F687-4f45-9708-019B960494DF}">
-                <a14:hiddenLine xmlns="" xmlns:a16="http://schemas.microsoft.com/office/drawing/2014/main" xmlns:a14="http://schemas.microsoft.com/office/drawing/2010/main" w="9525">
+                <a14:hiddenLine xmlns:a14="http://schemas.microsoft.com/office/drawing/2010/main" xmlns:a16="http://schemas.microsoft.com/office/drawing/2014/main" xmlns="" w="9525">
                   <a:solidFill>
                     <a:srgbClr val="000000"/>
                   </a:solidFill>
@@ -21230,7 +21230,7 @@
             </a:ln>
             <a:extLst>
               <a:ext uri="{91240B29-F687-4f45-9708-019B960494DF}">
-                <a14:hiddenLine xmlns="" xmlns:a16="http://schemas.microsoft.com/office/drawing/2014/main" xmlns:a14="http://schemas.microsoft.com/office/drawing/2010/main" w="9525">
+                <a14:hiddenLine xmlns:a14="http://schemas.microsoft.com/office/drawing/2010/main" xmlns:a16="http://schemas.microsoft.com/office/drawing/2014/main" xmlns="" w="9525">
                   <a:solidFill>
                     <a:srgbClr val="000000"/>
                   </a:solidFill>
@@ -21307,7 +21307,7 @@
             </a:ln>
             <a:extLst>
               <a:ext uri="{91240B29-F687-4f45-9708-019B960494DF}">
-                <a14:hiddenLine xmlns="" xmlns:a16="http://schemas.microsoft.com/office/drawing/2014/main" xmlns:a14="http://schemas.microsoft.com/office/drawing/2010/main" w="9525">
+                <a14:hiddenLine xmlns:a14="http://schemas.microsoft.com/office/drawing/2010/main" xmlns:a16="http://schemas.microsoft.com/office/drawing/2014/main" xmlns="" w="9525">
                   <a:solidFill>
                     <a:srgbClr val="000000"/>
                   </a:solidFill>
@@ -21384,7 +21384,7 @@
             </a:ln>
             <a:extLst>
               <a:ext uri="{91240B29-F687-4f45-9708-019B960494DF}">
-                <a14:hiddenLine xmlns="" xmlns:a16="http://schemas.microsoft.com/office/drawing/2014/main" xmlns:a14="http://schemas.microsoft.com/office/drawing/2010/main" w="9525">
+                <a14:hiddenLine xmlns:a14="http://schemas.microsoft.com/office/drawing/2010/main" xmlns:a16="http://schemas.microsoft.com/office/drawing/2014/main" xmlns="" w="9525">
                   <a:solidFill>
                     <a:srgbClr val="000000"/>
                   </a:solidFill>
@@ -21489,7 +21489,7 @@
             </a:ln>
             <a:extLst>
               <a:ext uri="{91240B29-F687-4f45-9708-019B960494DF}">
-                <a14:hiddenLine xmlns="" xmlns:a16="http://schemas.microsoft.com/office/drawing/2014/main" xmlns:a14="http://schemas.microsoft.com/office/drawing/2010/main" w="9525">
+                <a14:hiddenLine xmlns:a14="http://schemas.microsoft.com/office/drawing/2010/main" xmlns:a16="http://schemas.microsoft.com/office/drawing/2014/main" xmlns="" w="9525">
                   <a:solidFill>
                     <a:srgbClr val="000000"/>
                   </a:solidFill>
@@ -21566,7 +21566,7 @@
             </a:ln>
             <a:extLst>
               <a:ext uri="{91240B29-F687-4f45-9708-019B960494DF}">
-                <a14:hiddenLine xmlns="" xmlns:a16="http://schemas.microsoft.com/office/drawing/2014/main" xmlns:a14="http://schemas.microsoft.com/office/drawing/2010/main" w="9525">
+                <a14:hiddenLine xmlns:a14="http://schemas.microsoft.com/office/drawing/2010/main" xmlns:a16="http://schemas.microsoft.com/office/drawing/2014/main" xmlns="" w="9525">
                   <a:solidFill>
                     <a:srgbClr val="000000"/>
                   </a:solidFill>
@@ -21643,7 +21643,7 @@
             </a:ln>
             <a:extLst>
               <a:ext uri="{91240B29-F687-4f45-9708-019B960494DF}">
-                <a14:hiddenLine xmlns="" xmlns:a16="http://schemas.microsoft.com/office/drawing/2014/main" xmlns:a14="http://schemas.microsoft.com/office/drawing/2010/main" w="9525">
+                <a14:hiddenLine xmlns:a14="http://schemas.microsoft.com/office/drawing/2010/main" xmlns:a16="http://schemas.microsoft.com/office/drawing/2014/main" xmlns="" w="9525">
                   <a:solidFill>
                     <a:srgbClr val="000000"/>
                   </a:solidFill>
@@ -21748,7 +21748,7 @@
             </a:ln>
             <a:extLst>
               <a:ext uri="{91240B29-F687-4f45-9708-019B960494DF}">
-                <a14:hiddenLine xmlns="" xmlns:a16="http://schemas.microsoft.com/office/drawing/2014/main" xmlns:a14="http://schemas.microsoft.com/office/drawing/2010/main" w="9525">
+                <a14:hiddenLine xmlns:a14="http://schemas.microsoft.com/office/drawing/2010/main" xmlns:a16="http://schemas.microsoft.com/office/drawing/2014/main" xmlns="" w="9525">
                   <a:solidFill>
                     <a:srgbClr val="000000"/>
                   </a:solidFill>
@@ -21853,7 +21853,7 @@
             </a:ln>
             <a:extLst>
               <a:ext uri="{91240B29-F687-4f45-9708-019B960494DF}">
-                <a14:hiddenLine xmlns="" xmlns:a16="http://schemas.microsoft.com/office/drawing/2014/main" xmlns:a14="http://schemas.microsoft.com/office/drawing/2010/main" w="9525">
+                <a14:hiddenLine xmlns:a14="http://schemas.microsoft.com/office/drawing/2010/main" xmlns:a16="http://schemas.microsoft.com/office/drawing/2014/main" xmlns="" w="9525">
                   <a:solidFill>
                     <a:srgbClr val="000000"/>
                   </a:solidFill>
@@ -21930,7 +21930,7 @@
             </a:ln>
             <a:extLst>
               <a:ext uri="{91240B29-F687-4f45-9708-019B960494DF}">
-                <a14:hiddenLine xmlns="" xmlns:a16="http://schemas.microsoft.com/office/drawing/2014/main" xmlns:a14="http://schemas.microsoft.com/office/drawing/2010/main" w="9525">
+                <a14:hiddenLine xmlns:a14="http://schemas.microsoft.com/office/drawing/2010/main" xmlns:a16="http://schemas.microsoft.com/office/drawing/2014/main" xmlns="" w="9525">
                   <a:solidFill>
                     <a:srgbClr val="000000"/>
                   </a:solidFill>
@@ -22055,7 +22055,7 @@
             </a:ln>
             <a:extLst>
               <a:ext uri="{91240B29-F687-4f45-9708-019B960494DF}">
-                <a14:hiddenLine xmlns="" xmlns:a16="http://schemas.microsoft.com/office/drawing/2014/main" xmlns:a14="http://schemas.microsoft.com/office/drawing/2010/main" w="9525">
+                <a14:hiddenLine xmlns:a14="http://schemas.microsoft.com/office/drawing/2010/main" xmlns:a16="http://schemas.microsoft.com/office/drawing/2014/main" xmlns="" w="9525">
                   <a:solidFill>
                     <a:srgbClr val="000000"/>
                   </a:solidFill>
@@ -22132,7 +22132,7 @@
             </a:ln>
             <a:extLst>
               <a:ext uri="{91240B29-F687-4f45-9708-019B960494DF}">
-                <a14:hiddenLine xmlns="" xmlns:a16="http://schemas.microsoft.com/office/drawing/2014/main" xmlns:a14="http://schemas.microsoft.com/office/drawing/2010/main" w="9525">
+                <a14:hiddenLine xmlns:a14="http://schemas.microsoft.com/office/drawing/2010/main" xmlns:a16="http://schemas.microsoft.com/office/drawing/2014/main" xmlns="" w="9525">
                   <a:solidFill>
                     <a:srgbClr val="000000"/>
                   </a:solidFill>
@@ -22237,7 +22237,7 @@
             </a:ln>
             <a:extLst>
               <a:ext uri="{91240B29-F687-4f45-9708-019B960494DF}">
-                <a14:hiddenLine xmlns="" xmlns:a16="http://schemas.microsoft.com/office/drawing/2014/main" xmlns:a14="http://schemas.microsoft.com/office/drawing/2010/main" w="9525">
+                <a14:hiddenLine xmlns:a14="http://schemas.microsoft.com/office/drawing/2010/main" xmlns:a16="http://schemas.microsoft.com/office/drawing/2014/main" xmlns="" w="9525">
                   <a:solidFill>
                     <a:srgbClr val="000000"/>
                   </a:solidFill>
@@ -22342,7 +22342,7 @@
             </a:ln>
             <a:extLst>
               <a:ext uri="{91240B29-F687-4f45-9708-019B960494DF}">
-                <a14:hiddenLine xmlns="" xmlns:a16="http://schemas.microsoft.com/office/drawing/2014/main" xmlns:a14="http://schemas.microsoft.com/office/drawing/2010/main" w="9525">
+                <a14:hiddenLine xmlns:a14="http://schemas.microsoft.com/office/drawing/2010/main" xmlns:a16="http://schemas.microsoft.com/office/drawing/2014/main" xmlns="" w="9525">
                   <a:solidFill>
                     <a:srgbClr val="000000"/>
                   </a:solidFill>
@@ -22419,7 +22419,7 @@
             </a:ln>
             <a:extLst>
               <a:ext uri="{91240B29-F687-4f45-9708-019B960494DF}">
-                <a14:hiddenLine xmlns="" xmlns:a16="http://schemas.microsoft.com/office/drawing/2014/main" xmlns:a14="http://schemas.microsoft.com/office/drawing/2010/main" w="9525">
+                <a14:hiddenLine xmlns:a14="http://schemas.microsoft.com/office/drawing/2010/main" xmlns:a16="http://schemas.microsoft.com/office/drawing/2014/main" xmlns="" w="9525">
                   <a:solidFill>
                     <a:srgbClr val="000000"/>
                   </a:solidFill>
@@ -22524,7 +22524,7 @@
             </a:ln>
             <a:extLst>
               <a:ext uri="{91240B29-F687-4f45-9708-019B960494DF}">
-                <a14:hiddenLine xmlns="" xmlns:a16="http://schemas.microsoft.com/office/drawing/2014/main" xmlns:a14="http://schemas.microsoft.com/office/drawing/2010/main" w="9525">
+                <a14:hiddenLine xmlns:a14="http://schemas.microsoft.com/office/drawing/2010/main" xmlns:a16="http://schemas.microsoft.com/office/drawing/2014/main" xmlns="" w="9525">
                   <a:solidFill>
                     <a:srgbClr val="000000"/>
                   </a:solidFill>
@@ -22629,7 +22629,7 @@
             </a:ln>
             <a:extLst>
               <a:ext uri="{91240B29-F687-4f45-9708-019B960494DF}">
-                <a14:hiddenLine xmlns="" xmlns:a16="http://schemas.microsoft.com/office/drawing/2014/main" xmlns:a14="http://schemas.microsoft.com/office/drawing/2010/main" w="9525">
+                <a14:hiddenLine xmlns:a14="http://schemas.microsoft.com/office/drawing/2010/main" xmlns:a16="http://schemas.microsoft.com/office/drawing/2014/main" xmlns="" w="9525">
                   <a:solidFill>
                     <a:srgbClr val="000000"/>
                   </a:solidFill>
@@ -22700,7 +22700,7 @@
             </a:ln>
             <a:extLst>
               <a:ext uri="{91240B29-F687-4f45-9708-019B960494DF}">
-                <a14:hiddenLine xmlns="" xmlns:a16="http://schemas.microsoft.com/office/drawing/2014/main" xmlns:a14="http://schemas.microsoft.com/office/drawing/2010/main" w="9525">
+                <a14:hiddenLine xmlns:a14="http://schemas.microsoft.com/office/drawing/2010/main" xmlns:a16="http://schemas.microsoft.com/office/drawing/2014/main" xmlns="" w="9525">
                   <a:solidFill>
                     <a:srgbClr val="000000"/>
                   </a:solidFill>
@@ -22805,7 +22805,7 @@
             </a:ln>
             <a:extLst>
               <a:ext uri="{91240B29-F687-4f45-9708-019B960494DF}">
-                <a14:hiddenLine xmlns="" xmlns:a16="http://schemas.microsoft.com/office/drawing/2014/main" xmlns:a14="http://schemas.microsoft.com/office/drawing/2010/main" w="9525">
+                <a14:hiddenLine xmlns:a14="http://schemas.microsoft.com/office/drawing/2010/main" xmlns:a16="http://schemas.microsoft.com/office/drawing/2014/main" xmlns="" w="9525">
                   <a:solidFill>
                     <a:srgbClr val="000000"/>
                   </a:solidFill>
@@ -22876,7 +22876,7 @@
             </a:ln>
             <a:extLst>
               <a:ext uri="{91240B29-F687-4f45-9708-019B960494DF}">
-                <a14:hiddenLine xmlns="" xmlns:a16="http://schemas.microsoft.com/office/drawing/2014/main" xmlns:a14="http://schemas.microsoft.com/office/drawing/2010/main" w="9525">
+                <a14:hiddenLine xmlns:a14="http://schemas.microsoft.com/office/drawing/2010/main" xmlns:a16="http://schemas.microsoft.com/office/drawing/2014/main" xmlns="" w="9525">
                   <a:solidFill>
                     <a:srgbClr val="000000"/>
                   </a:solidFill>
@@ -22981,7 +22981,7 @@
             </a:ln>
             <a:extLst>
               <a:ext uri="{91240B29-F687-4f45-9708-019B960494DF}">
-                <a14:hiddenLine xmlns="" xmlns:a16="http://schemas.microsoft.com/office/drawing/2014/main" xmlns:a14="http://schemas.microsoft.com/office/drawing/2010/main" w="9525">
+                <a14:hiddenLine xmlns:a14="http://schemas.microsoft.com/office/drawing/2010/main" xmlns:a16="http://schemas.microsoft.com/office/drawing/2014/main" xmlns="" w="9525">
                   <a:solidFill>
                     <a:srgbClr val="000000"/>
                   </a:solidFill>
@@ -23064,7 +23064,7 @@
             </a:ln>
             <a:extLst>
               <a:ext uri="{91240B29-F687-4f45-9708-019B960494DF}">
-                <a14:hiddenLine xmlns="" xmlns:a16="http://schemas.microsoft.com/office/drawing/2014/main" xmlns:a14="http://schemas.microsoft.com/office/drawing/2010/main" w="9525">
+                <a14:hiddenLine xmlns:a14="http://schemas.microsoft.com/office/drawing/2010/main" xmlns:a16="http://schemas.microsoft.com/office/drawing/2014/main" xmlns="" w="9525">
                   <a:solidFill>
                     <a:srgbClr val="000000"/>
                   </a:solidFill>
@@ -23169,7 +23169,7 @@
             </a:ln>
             <a:extLst>
               <a:ext uri="{91240B29-F687-4f45-9708-019B960494DF}">
-                <a14:hiddenLine xmlns="" xmlns:a16="http://schemas.microsoft.com/office/drawing/2014/main" xmlns:a14="http://schemas.microsoft.com/office/drawing/2010/main" w="9525">
+                <a14:hiddenLine xmlns:a14="http://schemas.microsoft.com/office/drawing/2010/main" xmlns:a16="http://schemas.microsoft.com/office/drawing/2014/main" xmlns="" w="9525">
                   <a:solidFill>
                     <a:srgbClr val="000000"/>
                   </a:solidFill>
@@ -23252,7 +23252,7 @@
             </a:ln>
             <a:extLst>
               <a:ext uri="{91240B29-F687-4f45-9708-019B960494DF}">
-                <a14:hiddenLine xmlns="" xmlns:a16="http://schemas.microsoft.com/office/drawing/2014/main" xmlns:a14="http://schemas.microsoft.com/office/drawing/2010/main" w="9525">
+                <a14:hiddenLine xmlns:a14="http://schemas.microsoft.com/office/drawing/2010/main" xmlns:a16="http://schemas.microsoft.com/office/drawing/2014/main" xmlns="" w="9525">
                   <a:solidFill>
                     <a:srgbClr val="000000"/>
                   </a:solidFill>
@@ -23357,7 +23357,7 @@
             </a:ln>
             <a:extLst>
               <a:ext uri="{91240B29-F687-4f45-9708-019B960494DF}">
-                <a14:hiddenLine xmlns="" xmlns:a16="http://schemas.microsoft.com/office/drawing/2014/main" xmlns:a14="http://schemas.microsoft.com/office/drawing/2010/main" w="9525">
+                <a14:hiddenLine xmlns:a14="http://schemas.microsoft.com/office/drawing/2010/main" xmlns:a16="http://schemas.microsoft.com/office/drawing/2014/main" xmlns="" w="9525">
                   <a:solidFill>
                     <a:srgbClr val="000000"/>
                   </a:solidFill>
@@ -23406,7 +23406,7 @@
             </a:ln>
             <a:extLst>
               <a:ext uri="{91240B29-F687-4f45-9708-019B960494DF}">
-                <a14:hiddenLine xmlns="" xmlns:a16="http://schemas.microsoft.com/office/drawing/2014/main" xmlns:a14="http://schemas.microsoft.com/office/drawing/2010/main" w="9525">
+                <a14:hiddenLine xmlns:a14="http://schemas.microsoft.com/office/drawing/2010/main" xmlns:a16="http://schemas.microsoft.com/office/drawing/2014/main" xmlns="" w="9525">
                   <a:solidFill>
                     <a:srgbClr val="000000"/>
                   </a:solidFill>
@@ -23511,7 +23511,7 @@
             </a:ln>
             <a:extLst>
               <a:ext uri="{91240B29-F687-4f45-9708-019B960494DF}">
-                <a14:hiddenLine xmlns="" xmlns:a16="http://schemas.microsoft.com/office/drawing/2014/main" xmlns:a14="http://schemas.microsoft.com/office/drawing/2010/main" w="9525">
+                <a14:hiddenLine xmlns:a14="http://schemas.microsoft.com/office/drawing/2010/main" xmlns:a16="http://schemas.microsoft.com/office/drawing/2014/main" xmlns="" w="9525">
                   <a:solidFill>
                     <a:srgbClr val="000000"/>
                   </a:solidFill>
@@ -23588,7 +23588,7 @@
             </a:ln>
             <a:extLst>
               <a:ext uri="{91240B29-F687-4f45-9708-019B960494DF}">
-                <a14:hiddenLine xmlns="" xmlns:a16="http://schemas.microsoft.com/office/drawing/2014/main" xmlns:a14="http://schemas.microsoft.com/office/drawing/2010/main" w="9525">
+                <a14:hiddenLine xmlns:a14="http://schemas.microsoft.com/office/drawing/2010/main" xmlns:a16="http://schemas.microsoft.com/office/drawing/2014/main" xmlns="" w="9525">
                   <a:solidFill>
                     <a:srgbClr val="000000"/>
                   </a:solidFill>
@@ -23665,7 +23665,7 @@
             </a:ln>
             <a:extLst>
               <a:ext uri="{91240B29-F687-4f45-9708-019B960494DF}">
-                <a14:hiddenLine xmlns="" xmlns:a16="http://schemas.microsoft.com/office/drawing/2014/main" xmlns:a14="http://schemas.microsoft.com/office/drawing/2010/main" w="9525">
+                <a14:hiddenLine xmlns:a14="http://schemas.microsoft.com/office/drawing/2010/main" xmlns:a16="http://schemas.microsoft.com/office/drawing/2014/main" xmlns="" w="9525">
                   <a:solidFill>
                     <a:srgbClr val="000000"/>
                   </a:solidFill>
@@ -23770,7 +23770,7 @@
             </a:ln>
             <a:extLst>
               <a:ext uri="{91240B29-F687-4f45-9708-019B960494DF}">
-                <a14:hiddenLine xmlns="" xmlns:a16="http://schemas.microsoft.com/office/drawing/2014/main" xmlns:a14="http://schemas.microsoft.com/office/drawing/2010/main" w="9525">
+                <a14:hiddenLine xmlns:a14="http://schemas.microsoft.com/office/drawing/2010/main" xmlns:a16="http://schemas.microsoft.com/office/drawing/2014/main" xmlns="" w="9525">
                   <a:solidFill>
                     <a:srgbClr val="000000"/>
                   </a:solidFill>
@@ -23853,7 +23853,7 @@
             </a:ln>
             <a:extLst>
               <a:ext uri="{91240B29-F687-4f45-9708-019B960494DF}">
-                <a14:hiddenLine xmlns="" xmlns:a16="http://schemas.microsoft.com/office/drawing/2014/main" xmlns:a14="http://schemas.microsoft.com/office/drawing/2010/main" w="9525">
+                <a14:hiddenLine xmlns:a14="http://schemas.microsoft.com/office/drawing/2010/main" xmlns:a16="http://schemas.microsoft.com/office/drawing/2014/main" xmlns="" w="9525">
                   <a:solidFill>
                     <a:srgbClr val="000000"/>
                   </a:solidFill>
@@ -23930,7 +23930,7 @@
             </a:ln>
             <a:extLst>
               <a:ext uri="{91240B29-F687-4f45-9708-019B960494DF}">
-                <a14:hiddenLine xmlns="" xmlns:a16="http://schemas.microsoft.com/office/drawing/2014/main" xmlns:a14="http://schemas.microsoft.com/office/drawing/2010/main" w="9525">
+                <a14:hiddenLine xmlns:a14="http://schemas.microsoft.com/office/drawing/2010/main" xmlns:a16="http://schemas.microsoft.com/office/drawing/2014/main" xmlns="" w="9525">
                   <a:solidFill>
                     <a:srgbClr val="000000"/>
                   </a:solidFill>
@@ -24035,7 +24035,7 @@
             </a:ln>
             <a:extLst>
               <a:ext uri="{91240B29-F687-4f45-9708-019B960494DF}">
-                <a14:hiddenLine xmlns="" xmlns:a16="http://schemas.microsoft.com/office/drawing/2014/main" xmlns:a14="http://schemas.microsoft.com/office/drawing/2010/main" w="9525">
+                <a14:hiddenLine xmlns:a14="http://schemas.microsoft.com/office/drawing/2010/main" xmlns:a16="http://schemas.microsoft.com/office/drawing/2014/main" xmlns="" w="9525">
                   <a:solidFill>
                     <a:srgbClr val="000000"/>
                   </a:solidFill>
@@ -24112,7 +24112,7 @@
             </a:ln>
             <a:extLst>
               <a:ext uri="{91240B29-F687-4f45-9708-019B960494DF}">
-                <a14:hiddenLine xmlns="" xmlns:a16="http://schemas.microsoft.com/office/drawing/2014/main" xmlns:a14="http://schemas.microsoft.com/office/drawing/2010/main" w="9525">
+                <a14:hiddenLine xmlns:a14="http://schemas.microsoft.com/office/drawing/2010/main" xmlns:a16="http://schemas.microsoft.com/office/drawing/2014/main" xmlns="" w="9525">
                   <a:solidFill>
                     <a:srgbClr val="000000"/>
                   </a:solidFill>
@@ -24217,7 +24217,7 @@
             </a:ln>
             <a:extLst>
               <a:ext uri="{91240B29-F687-4f45-9708-019B960494DF}">
-                <a14:hiddenLine xmlns="" xmlns:a16="http://schemas.microsoft.com/office/drawing/2014/main" xmlns:a14="http://schemas.microsoft.com/office/drawing/2010/main" w="9525">
+                <a14:hiddenLine xmlns:a14="http://schemas.microsoft.com/office/drawing/2010/main" xmlns:a16="http://schemas.microsoft.com/office/drawing/2014/main" xmlns="" w="9525">
                   <a:solidFill>
                     <a:srgbClr val="000000"/>
                   </a:solidFill>
@@ -24294,7 +24294,7 @@
             </a:ln>
             <a:extLst>
               <a:ext uri="{91240B29-F687-4f45-9708-019B960494DF}">
-                <a14:hiddenLine xmlns="" xmlns:a16="http://schemas.microsoft.com/office/drawing/2014/main" xmlns:a14="http://schemas.microsoft.com/office/drawing/2010/main" w="9525">
+                <a14:hiddenLine xmlns:a14="http://schemas.microsoft.com/office/drawing/2010/main" xmlns:a16="http://schemas.microsoft.com/office/drawing/2014/main" xmlns="" w="9525">
                   <a:solidFill>
                     <a:srgbClr val="000000"/>
                   </a:solidFill>
@@ -24399,7 +24399,7 @@
             </a:ln>
             <a:extLst>
               <a:ext uri="{91240B29-F687-4f45-9708-019B960494DF}">
-                <a14:hiddenLine xmlns="" xmlns:a16="http://schemas.microsoft.com/office/drawing/2014/main" xmlns:a14="http://schemas.microsoft.com/office/drawing/2010/main" w="9525">
+                <a14:hiddenLine xmlns:a14="http://schemas.microsoft.com/office/drawing/2010/main" xmlns:a16="http://schemas.microsoft.com/office/drawing/2014/main" xmlns="" w="9525">
                   <a:solidFill>
                     <a:srgbClr val="000000"/>
                   </a:solidFill>
@@ -24448,7 +24448,7 @@
             </a:ln>
             <a:extLst>
               <a:ext uri="{91240B29-F687-4f45-9708-019B960494DF}">
-                <a14:hiddenLine xmlns="" xmlns:a16="http://schemas.microsoft.com/office/drawing/2014/main" xmlns:a14="http://schemas.microsoft.com/office/drawing/2010/main" w="9525">
+                <a14:hiddenLine xmlns:a14="http://schemas.microsoft.com/office/drawing/2010/main" xmlns:a16="http://schemas.microsoft.com/office/drawing/2014/main" xmlns="" w="9525">
                   <a:solidFill>
                     <a:srgbClr val="000000"/>
                   </a:solidFill>
@@ -24528,7 +24528,7 @@
             </a:ln>
             <a:extLst>
               <a:ext uri="{91240B29-F687-4f45-9708-019B960494DF}">
-                <a14:hiddenLine xmlns="" xmlns:a16="http://schemas.microsoft.com/office/drawing/2014/main" xmlns:a14="http://schemas.microsoft.com/office/drawing/2010/main" w="9525">
+                <a14:hiddenLine xmlns:a14="http://schemas.microsoft.com/office/drawing/2010/main" xmlns:a16="http://schemas.microsoft.com/office/drawing/2014/main" xmlns="" w="9525">
                   <a:solidFill>
                     <a:srgbClr val="000000"/>
                   </a:solidFill>
@@ -24633,7 +24633,7 @@
             </a:ln>
             <a:extLst>
               <a:ext uri="{91240B29-F687-4f45-9708-019B960494DF}">
-                <a14:hiddenLine xmlns="" xmlns:a16="http://schemas.microsoft.com/office/drawing/2014/main" xmlns:a14="http://schemas.microsoft.com/office/drawing/2010/main" w="9525">
+                <a14:hiddenLine xmlns:a14="http://schemas.microsoft.com/office/drawing/2010/main" xmlns:a16="http://schemas.microsoft.com/office/drawing/2014/main" xmlns="" w="9525">
                   <a:solidFill>
                     <a:srgbClr val="000000"/>
                   </a:solidFill>
@@ -24710,7 +24710,7 @@
             </a:ln>
             <a:extLst>
               <a:ext uri="{91240B29-F687-4f45-9708-019B960494DF}">
-                <a14:hiddenLine xmlns="" xmlns:a16="http://schemas.microsoft.com/office/drawing/2014/main" xmlns:a14="http://schemas.microsoft.com/office/drawing/2010/main" w="9525">
+                <a14:hiddenLine xmlns:a14="http://schemas.microsoft.com/office/drawing/2010/main" xmlns:a16="http://schemas.microsoft.com/office/drawing/2014/main" xmlns="" w="9525">
                   <a:solidFill>
                     <a:srgbClr val="000000"/>
                   </a:solidFill>
@@ -24815,7 +24815,7 @@
             </a:ln>
             <a:extLst>
               <a:ext uri="{91240B29-F687-4f45-9708-019B960494DF}">
-                <a14:hiddenLine xmlns="" xmlns:a16="http://schemas.microsoft.com/office/drawing/2014/main" xmlns:a14="http://schemas.microsoft.com/office/drawing/2010/main" w="9525">
+                <a14:hiddenLine xmlns:a14="http://schemas.microsoft.com/office/drawing/2010/main" xmlns:a16="http://schemas.microsoft.com/office/drawing/2014/main" xmlns="" w="9525">
                   <a:solidFill>
                     <a:srgbClr val="000000"/>
                   </a:solidFill>
@@ -24920,7 +24920,7 @@
             </a:ln>
             <a:extLst>
               <a:ext uri="{91240B29-F687-4f45-9708-019B960494DF}">
-                <a14:hiddenLine xmlns="" xmlns:a16="http://schemas.microsoft.com/office/drawing/2014/main" xmlns:a14="http://schemas.microsoft.com/office/drawing/2010/main" w="9525">
+                <a14:hiddenLine xmlns:a14="http://schemas.microsoft.com/office/drawing/2010/main" xmlns:a16="http://schemas.microsoft.com/office/drawing/2014/main" xmlns="" w="9525">
                   <a:solidFill>
                     <a:srgbClr val="000000"/>
                   </a:solidFill>
@@ -25000,7 +25000,7 @@
             </a:ln>
             <a:extLst>
               <a:ext uri="{91240B29-F687-4f45-9708-019B960494DF}">
-                <a14:hiddenLine xmlns="" xmlns:a16="http://schemas.microsoft.com/office/drawing/2014/main" xmlns:a14="http://schemas.microsoft.com/office/drawing/2010/main" w="9525">
+                <a14:hiddenLine xmlns:a14="http://schemas.microsoft.com/office/drawing/2010/main" xmlns:a16="http://schemas.microsoft.com/office/drawing/2014/main" xmlns="" w="9525">
                   <a:solidFill>
                     <a:srgbClr val="000000"/>
                   </a:solidFill>
@@ -25077,7 +25077,7 @@
             </a:ln>
             <a:extLst>
               <a:ext uri="{91240B29-F687-4f45-9708-019B960494DF}">
-                <a14:hiddenLine xmlns="" xmlns:a16="http://schemas.microsoft.com/office/drawing/2014/main" xmlns:a14="http://schemas.microsoft.com/office/drawing/2010/main" w="9525">
+                <a14:hiddenLine xmlns:a14="http://schemas.microsoft.com/office/drawing/2010/main" xmlns:a16="http://schemas.microsoft.com/office/drawing/2014/main" xmlns="" w="9525">
                   <a:solidFill>
                     <a:srgbClr val="000000"/>
                   </a:solidFill>
@@ -25182,7 +25182,7 @@
             </a:ln>
             <a:extLst>
               <a:ext uri="{91240B29-F687-4f45-9708-019B960494DF}">
-                <a14:hiddenLine xmlns="" xmlns:a16="http://schemas.microsoft.com/office/drawing/2014/main" xmlns:a14="http://schemas.microsoft.com/office/drawing/2010/main" w="9525">
+                <a14:hiddenLine xmlns:a14="http://schemas.microsoft.com/office/drawing/2010/main" xmlns:a16="http://schemas.microsoft.com/office/drawing/2014/main" xmlns="" w="9525">
                   <a:solidFill>
                     <a:srgbClr val="000000"/>
                   </a:solidFill>
@@ -25287,7 +25287,7 @@
             </a:ln>
             <a:extLst>
               <a:ext uri="{91240B29-F687-4f45-9708-019B960494DF}">
-                <a14:hiddenLine xmlns="" xmlns:a16="http://schemas.microsoft.com/office/drawing/2014/main" xmlns:a14="http://schemas.microsoft.com/office/drawing/2010/main" w="9525">
+                <a14:hiddenLine xmlns:a14="http://schemas.microsoft.com/office/drawing/2010/main" xmlns:a16="http://schemas.microsoft.com/office/drawing/2014/main" xmlns="" w="9525">
                   <a:solidFill>
                     <a:srgbClr val="000000"/>
                   </a:solidFill>
@@ -25364,7 +25364,7 @@
             </a:ln>
             <a:extLst>
               <a:ext uri="{91240B29-F687-4f45-9708-019B960494DF}">
-                <a14:hiddenLine xmlns="" xmlns:a16="http://schemas.microsoft.com/office/drawing/2014/main" xmlns:a14="http://schemas.microsoft.com/office/drawing/2010/main" w="9525">
+                <a14:hiddenLine xmlns:a14="http://schemas.microsoft.com/office/drawing/2010/main" xmlns:a16="http://schemas.microsoft.com/office/drawing/2014/main" xmlns="" w="9525">
                   <a:solidFill>
                     <a:srgbClr val="000000"/>
                   </a:solidFill>
@@ -25499,7 +25499,7 @@
             </a:ln>
             <a:extLst>
               <a:ext uri="{91240B29-F687-4f45-9708-019B960494DF}">
-                <a14:hiddenLine xmlns="" xmlns:a16="http://schemas.microsoft.com/office/drawing/2014/main" xmlns:a14="http://schemas.microsoft.com/office/drawing/2010/main" w="9525">
+                <a14:hiddenLine xmlns:a14="http://schemas.microsoft.com/office/drawing/2010/main" xmlns:a16="http://schemas.microsoft.com/office/drawing/2014/main" xmlns="" w="9525">
                   <a:solidFill>
                     <a:srgbClr val="000000"/>
                   </a:solidFill>
@@ -25582,7 +25582,7 @@
             </a:ln>
             <a:extLst>
               <a:ext uri="{91240B29-F687-4f45-9708-019B960494DF}">
-                <a14:hiddenLine xmlns="" xmlns:a16="http://schemas.microsoft.com/office/drawing/2014/main" xmlns:a14="http://schemas.microsoft.com/office/drawing/2010/main" w="9525">
+                <a14:hiddenLine xmlns:a14="http://schemas.microsoft.com/office/drawing/2010/main" xmlns:a16="http://schemas.microsoft.com/office/drawing/2014/main" xmlns="" w="9525">
                   <a:solidFill>
                     <a:srgbClr val="000000"/>
                   </a:solidFill>
@@ -25687,7 +25687,7 @@
             </a:ln>
             <a:extLst>
               <a:ext uri="{91240B29-F687-4f45-9708-019B960494DF}">
-                <a14:hiddenLine xmlns="" xmlns:a16="http://schemas.microsoft.com/office/drawing/2014/main" xmlns:a14="http://schemas.microsoft.com/office/drawing/2010/main" w="9525">
+                <a14:hiddenLine xmlns:a14="http://schemas.microsoft.com/office/drawing/2010/main" xmlns:a16="http://schemas.microsoft.com/office/drawing/2014/main" xmlns="" w="9525">
                   <a:solidFill>
                     <a:srgbClr val="000000"/>
                   </a:solidFill>
@@ -25844,7 +25844,7 @@
             <a:noFill/>
             <a:extLst>
               <a:ext uri="{909E8E84-426E-40dd-AFC4-6F175D3DCCD1}">
-                <a14:hiddenFill xmlns="" xmlns:a16="http://schemas.microsoft.com/office/drawing/2014/main" xmlns:p14="http://schemas.microsoft.com/office/powerpoint/2010/main" xmlns:a14="http://schemas.microsoft.com/office/drawing/2010/main">
+                <a14:hiddenFill xmlns:a14="http://schemas.microsoft.com/office/drawing/2010/main" xmlns:p14="http://schemas.microsoft.com/office/powerpoint/2010/main" xmlns:a16="http://schemas.microsoft.com/office/drawing/2014/main" xmlns="">
                   <a:solidFill>
                     <a:srgbClr val="FFFFFF"/>
                   </a:solidFill>
@@ -27944,7 +27944,7 @@
           <a:noFill/>
           <a:extLst>
             <a:ext uri="{909E8E84-426E-40dd-AFC4-6F175D3DCCD1}">
-              <a14:hiddenFill xmlns:a14="http://schemas.microsoft.com/office/drawing/2010/main" xmlns:a16="http://schemas.microsoft.com/office/drawing/2014/main" xmlns="">
+              <a14:hiddenFill xmlns="" xmlns:a16="http://schemas.microsoft.com/office/drawing/2014/main" xmlns:a14="http://schemas.microsoft.com/office/drawing/2010/main">
                 <a:solidFill>
                   <a:srgbClr val="FFFFFF"/>
                 </a:solidFill>
@@ -28036,7 +28036,7 @@
             </a:ln>
             <a:extLst>
               <a:ext uri="{91240B29-F687-4f45-9708-019B960494DF}">
-                <a14:hiddenLine xmlns:a14="http://schemas.microsoft.com/office/drawing/2010/main" xmlns:a16="http://schemas.microsoft.com/office/drawing/2014/main" xmlns="" w="9525">
+                <a14:hiddenLine xmlns="" xmlns:a16="http://schemas.microsoft.com/office/drawing/2014/main" xmlns:a14="http://schemas.microsoft.com/office/drawing/2010/main" w="9525">
                   <a:solidFill>
                     <a:srgbClr val="000000"/>
                   </a:solidFill>
@@ -28141,7 +28141,7 @@
             </a:ln>
             <a:extLst>
               <a:ext uri="{91240B29-F687-4f45-9708-019B960494DF}">
-                <a14:hiddenLine xmlns:a14="http://schemas.microsoft.com/office/drawing/2010/main" xmlns:a16="http://schemas.microsoft.com/office/drawing/2014/main" xmlns="" w="9525">
+                <a14:hiddenLine xmlns="" xmlns:a16="http://schemas.microsoft.com/office/drawing/2014/main" xmlns:a14="http://schemas.microsoft.com/office/drawing/2010/main" w="9525">
                   <a:solidFill>
                     <a:srgbClr val="000000"/>
                   </a:solidFill>
@@ -28246,7 +28246,7 @@
             </a:ln>
             <a:extLst>
               <a:ext uri="{91240B29-F687-4f45-9708-019B960494DF}">
-                <a14:hiddenLine xmlns:a14="http://schemas.microsoft.com/office/drawing/2010/main" xmlns:a16="http://schemas.microsoft.com/office/drawing/2014/main" xmlns="" w="9525">
+                <a14:hiddenLine xmlns="" xmlns:a16="http://schemas.microsoft.com/office/drawing/2014/main" xmlns:a14="http://schemas.microsoft.com/office/drawing/2010/main" w="9525">
                   <a:solidFill>
                     <a:srgbClr val="000000"/>
                   </a:solidFill>
@@ -28295,7 +28295,7 @@
             </a:ln>
             <a:extLst>
               <a:ext uri="{91240B29-F687-4f45-9708-019B960494DF}">
-                <a14:hiddenLine xmlns:a14="http://schemas.microsoft.com/office/drawing/2010/main" xmlns:a16="http://schemas.microsoft.com/office/drawing/2014/main" xmlns="" w="9525">
+                <a14:hiddenLine xmlns="" xmlns:a16="http://schemas.microsoft.com/office/drawing/2014/main" xmlns:a14="http://schemas.microsoft.com/office/drawing/2010/main" w="9525">
                   <a:solidFill>
                     <a:srgbClr val="000000"/>
                   </a:solidFill>
@@ -28400,7 +28400,7 @@
             </a:ln>
             <a:extLst>
               <a:ext uri="{91240B29-F687-4f45-9708-019B960494DF}">
-                <a14:hiddenLine xmlns:a14="http://schemas.microsoft.com/office/drawing/2010/main" xmlns:a16="http://schemas.microsoft.com/office/drawing/2014/main" xmlns="" w="9525">
+                <a14:hiddenLine xmlns="" xmlns:a16="http://schemas.microsoft.com/office/drawing/2014/main" xmlns:a14="http://schemas.microsoft.com/office/drawing/2010/main" w="9525">
                   <a:solidFill>
                     <a:srgbClr val="000000"/>
                   </a:solidFill>
@@ -28477,7 +28477,7 @@
             </a:ln>
             <a:extLst>
               <a:ext uri="{91240B29-F687-4f45-9708-019B960494DF}">
-                <a14:hiddenLine xmlns:a14="http://schemas.microsoft.com/office/drawing/2010/main" xmlns:a16="http://schemas.microsoft.com/office/drawing/2014/main" xmlns="" w="9525">
+                <a14:hiddenLine xmlns="" xmlns:a16="http://schemas.microsoft.com/office/drawing/2014/main" xmlns:a14="http://schemas.microsoft.com/office/drawing/2010/main" w="9525">
                   <a:solidFill>
                     <a:srgbClr val="000000"/>
                   </a:solidFill>
@@ -28554,7 +28554,7 @@
             </a:ln>
             <a:extLst>
               <a:ext uri="{91240B29-F687-4f45-9708-019B960494DF}">
-                <a14:hiddenLine xmlns:a14="http://schemas.microsoft.com/office/drawing/2010/main" xmlns:a16="http://schemas.microsoft.com/office/drawing/2014/main" xmlns="" w="9525">
+                <a14:hiddenLine xmlns="" xmlns:a16="http://schemas.microsoft.com/office/drawing/2014/main" xmlns:a14="http://schemas.microsoft.com/office/drawing/2010/main" w="9525">
                   <a:solidFill>
                     <a:srgbClr val="000000"/>
                   </a:solidFill>
@@ -28659,7 +28659,7 @@
             </a:ln>
             <a:extLst>
               <a:ext uri="{91240B29-F687-4f45-9708-019B960494DF}">
-                <a14:hiddenLine xmlns:a14="http://schemas.microsoft.com/office/drawing/2010/main" xmlns:a16="http://schemas.microsoft.com/office/drawing/2014/main" xmlns="" w="9525">
+                <a14:hiddenLine xmlns="" xmlns:a16="http://schemas.microsoft.com/office/drawing/2014/main" xmlns:a14="http://schemas.microsoft.com/office/drawing/2010/main" w="9525">
                   <a:solidFill>
                     <a:srgbClr val="000000"/>
                   </a:solidFill>
@@ -28736,7 +28736,7 @@
             </a:ln>
             <a:extLst>
               <a:ext uri="{91240B29-F687-4f45-9708-019B960494DF}">
-                <a14:hiddenLine xmlns:a14="http://schemas.microsoft.com/office/drawing/2010/main" xmlns:a16="http://schemas.microsoft.com/office/drawing/2014/main" xmlns="" w="9525">
+                <a14:hiddenLine xmlns="" xmlns:a16="http://schemas.microsoft.com/office/drawing/2014/main" xmlns:a14="http://schemas.microsoft.com/office/drawing/2010/main" w="9525">
                   <a:solidFill>
                     <a:srgbClr val="000000"/>
                   </a:solidFill>
@@ -28813,7 +28813,7 @@
             </a:ln>
             <a:extLst>
               <a:ext uri="{91240B29-F687-4f45-9708-019B960494DF}">
-                <a14:hiddenLine xmlns:a14="http://schemas.microsoft.com/office/drawing/2010/main" xmlns:a16="http://schemas.microsoft.com/office/drawing/2014/main" xmlns="" w="9525">
+                <a14:hiddenLine xmlns="" xmlns:a16="http://schemas.microsoft.com/office/drawing/2014/main" xmlns:a14="http://schemas.microsoft.com/office/drawing/2010/main" w="9525">
                   <a:solidFill>
                     <a:srgbClr val="000000"/>
                   </a:solidFill>
@@ -28918,7 +28918,7 @@
             </a:ln>
             <a:extLst>
               <a:ext uri="{91240B29-F687-4f45-9708-019B960494DF}">
-                <a14:hiddenLine xmlns:a14="http://schemas.microsoft.com/office/drawing/2010/main" xmlns:a16="http://schemas.microsoft.com/office/drawing/2014/main" xmlns="" w="9525">
+                <a14:hiddenLine xmlns="" xmlns:a16="http://schemas.microsoft.com/office/drawing/2014/main" xmlns:a14="http://schemas.microsoft.com/office/drawing/2010/main" w="9525">
                   <a:solidFill>
                     <a:srgbClr val="000000"/>
                   </a:solidFill>
@@ -29023,7 +29023,7 @@
             </a:ln>
             <a:extLst>
               <a:ext uri="{91240B29-F687-4f45-9708-019B960494DF}">
-                <a14:hiddenLine xmlns:a14="http://schemas.microsoft.com/office/drawing/2010/main" xmlns:a16="http://schemas.microsoft.com/office/drawing/2014/main" xmlns="" w="9525">
+                <a14:hiddenLine xmlns="" xmlns:a16="http://schemas.microsoft.com/office/drawing/2014/main" xmlns:a14="http://schemas.microsoft.com/office/drawing/2010/main" w="9525">
                   <a:solidFill>
                     <a:srgbClr val="000000"/>
                   </a:solidFill>
@@ -29100,7 +29100,7 @@
             </a:ln>
             <a:extLst>
               <a:ext uri="{91240B29-F687-4f45-9708-019B960494DF}">
-                <a14:hiddenLine xmlns:a14="http://schemas.microsoft.com/office/drawing/2010/main" xmlns:a16="http://schemas.microsoft.com/office/drawing/2014/main" xmlns="" w="9525">
+                <a14:hiddenLine xmlns="" xmlns:a16="http://schemas.microsoft.com/office/drawing/2014/main" xmlns:a14="http://schemas.microsoft.com/office/drawing/2010/main" w="9525">
                   <a:solidFill>
                     <a:srgbClr val="000000"/>
                   </a:solidFill>
@@ -29225,7 +29225,7 @@
             </a:ln>
             <a:extLst>
               <a:ext uri="{91240B29-F687-4f45-9708-019B960494DF}">
-                <a14:hiddenLine xmlns:a14="http://schemas.microsoft.com/office/drawing/2010/main" xmlns:a16="http://schemas.microsoft.com/office/drawing/2014/main" xmlns="" w="9525">
+                <a14:hiddenLine xmlns="" xmlns:a16="http://schemas.microsoft.com/office/drawing/2014/main" xmlns:a14="http://schemas.microsoft.com/office/drawing/2010/main" w="9525">
                   <a:solidFill>
                     <a:srgbClr val="000000"/>
                   </a:solidFill>
@@ -29302,7 +29302,7 @@
             </a:ln>
             <a:extLst>
               <a:ext uri="{91240B29-F687-4f45-9708-019B960494DF}">
-                <a14:hiddenLine xmlns:a14="http://schemas.microsoft.com/office/drawing/2010/main" xmlns:a16="http://schemas.microsoft.com/office/drawing/2014/main" xmlns="" w="9525">
+                <a14:hiddenLine xmlns="" xmlns:a16="http://schemas.microsoft.com/office/drawing/2014/main" xmlns:a14="http://schemas.microsoft.com/office/drawing/2010/main" w="9525">
                   <a:solidFill>
                     <a:srgbClr val="000000"/>
                   </a:solidFill>
@@ -29407,7 +29407,7 @@
             </a:ln>
             <a:extLst>
               <a:ext uri="{91240B29-F687-4f45-9708-019B960494DF}">
-                <a14:hiddenLine xmlns:a14="http://schemas.microsoft.com/office/drawing/2010/main" xmlns:a16="http://schemas.microsoft.com/office/drawing/2014/main" xmlns="" w="9525">
+                <a14:hiddenLine xmlns="" xmlns:a16="http://schemas.microsoft.com/office/drawing/2014/main" xmlns:a14="http://schemas.microsoft.com/office/drawing/2010/main" w="9525">
                   <a:solidFill>
                     <a:srgbClr val="000000"/>
                   </a:solidFill>
@@ -29512,7 +29512,7 @@
             </a:ln>
             <a:extLst>
               <a:ext uri="{91240B29-F687-4f45-9708-019B960494DF}">
-                <a14:hiddenLine xmlns:a14="http://schemas.microsoft.com/office/drawing/2010/main" xmlns:a16="http://schemas.microsoft.com/office/drawing/2014/main" xmlns="" w="9525">
+                <a14:hiddenLine xmlns="" xmlns:a16="http://schemas.microsoft.com/office/drawing/2014/main" xmlns:a14="http://schemas.microsoft.com/office/drawing/2010/main" w="9525">
                   <a:solidFill>
                     <a:srgbClr val="000000"/>
                   </a:solidFill>
@@ -29589,7 +29589,7 @@
             </a:ln>
             <a:extLst>
               <a:ext uri="{91240B29-F687-4f45-9708-019B960494DF}">
-                <a14:hiddenLine xmlns:a14="http://schemas.microsoft.com/office/drawing/2010/main" xmlns:a16="http://schemas.microsoft.com/office/drawing/2014/main" xmlns="" w="9525">
+                <a14:hiddenLine xmlns="" xmlns:a16="http://schemas.microsoft.com/office/drawing/2014/main" xmlns:a14="http://schemas.microsoft.com/office/drawing/2010/main" w="9525">
                   <a:solidFill>
                     <a:srgbClr val="000000"/>
                   </a:solidFill>
@@ -29694,7 +29694,7 @@
             </a:ln>
             <a:extLst>
               <a:ext uri="{91240B29-F687-4f45-9708-019B960494DF}">
-                <a14:hiddenLine xmlns:a14="http://schemas.microsoft.com/office/drawing/2010/main" xmlns:a16="http://schemas.microsoft.com/office/drawing/2014/main" xmlns="" w="9525">
+                <a14:hiddenLine xmlns="" xmlns:a16="http://schemas.microsoft.com/office/drawing/2014/main" xmlns:a14="http://schemas.microsoft.com/office/drawing/2010/main" w="9525">
                   <a:solidFill>
                     <a:srgbClr val="000000"/>
                   </a:solidFill>
@@ -29799,7 +29799,7 @@
             </a:ln>
             <a:extLst>
               <a:ext uri="{91240B29-F687-4f45-9708-019B960494DF}">
-                <a14:hiddenLine xmlns:a14="http://schemas.microsoft.com/office/drawing/2010/main" xmlns:a16="http://schemas.microsoft.com/office/drawing/2014/main" xmlns="" w="9525">
+                <a14:hiddenLine xmlns="" xmlns:a16="http://schemas.microsoft.com/office/drawing/2014/main" xmlns:a14="http://schemas.microsoft.com/office/drawing/2010/main" w="9525">
                   <a:solidFill>
                     <a:srgbClr val="000000"/>
                   </a:solidFill>
@@ -29870,7 +29870,7 @@
             </a:ln>
             <a:extLst>
               <a:ext uri="{91240B29-F687-4f45-9708-019B960494DF}">
-                <a14:hiddenLine xmlns:a14="http://schemas.microsoft.com/office/drawing/2010/main" xmlns:a16="http://schemas.microsoft.com/office/drawing/2014/main" xmlns="" w="9525">
+                <a14:hiddenLine xmlns="" xmlns:a16="http://schemas.microsoft.com/office/drawing/2014/main" xmlns:a14="http://schemas.microsoft.com/office/drawing/2010/main" w="9525">
                   <a:solidFill>
                     <a:srgbClr val="000000"/>
                   </a:solidFill>
@@ -29975,7 +29975,7 @@
             </a:ln>
             <a:extLst>
               <a:ext uri="{91240B29-F687-4f45-9708-019B960494DF}">
-                <a14:hiddenLine xmlns:a14="http://schemas.microsoft.com/office/drawing/2010/main" xmlns:a16="http://schemas.microsoft.com/office/drawing/2014/main" xmlns="" w="9525">
+                <a14:hiddenLine xmlns="" xmlns:a16="http://schemas.microsoft.com/office/drawing/2014/main" xmlns:a14="http://schemas.microsoft.com/office/drawing/2010/main" w="9525">
                   <a:solidFill>
                     <a:srgbClr val="000000"/>
                   </a:solidFill>
@@ -30046,7 +30046,7 @@
             </a:ln>
             <a:extLst>
               <a:ext uri="{91240B29-F687-4f45-9708-019B960494DF}">
-                <a14:hiddenLine xmlns:a14="http://schemas.microsoft.com/office/drawing/2010/main" xmlns:a16="http://schemas.microsoft.com/office/drawing/2014/main" xmlns="" w="9525">
+                <a14:hiddenLine xmlns="" xmlns:a16="http://schemas.microsoft.com/office/drawing/2014/main" xmlns:a14="http://schemas.microsoft.com/office/drawing/2010/main" w="9525">
                   <a:solidFill>
                     <a:srgbClr val="000000"/>
                   </a:solidFill>
@@ -30151,7 +30151,7 @@
             </a:ln>
             <a:extLst>
               <a:ext uri="{91240B29-F687-4f45-9708-019B960494DF}">
-                <a14:hiddenLine xmlns:a14="http://schemas.microsoft.com/office/drawing/2010/main" xmlns:a16="http://schemas.microsoft.com/office/drawing/2014/main" xmlns="" w="9525">
+                <a14:hiddenLine xmlns="" xmlns:a16="http://schemas.microsoft.com/office/drawing/2014/main" xmlns:a14="http://schemas.microsoft.com/office/drawing/2010/main" w="9525">
                   <a:solidFill>
                     <a:srgbClr val="000000"/>
                   </a:solidFill>
@@ -30234,7 +30234,7 @@
             </a:ln>
             <a:extLst>
               <a:ext uri="{91240B29-F687-4f45-9708-019B960494DF}">
-                <a14:hiddenLine xmlns:a14="http://schemas.microsoft.com/office/drawing/2010/main" xmlns:a16="http://schemas.microsoft.com/office/drawing/2014/main" xmlns="" w="9525">
+                <a14:hiddenLine xmlns="" xmlns:a16="http://schemas.microsoft.com/office/drawing/2014/main" xmlns:a14="http://schemas.microsoft.com/office/drawing/2010/main" w="9525">
                   <a:solidFill>
                     <a:srgbClr val="000000"/>
                   </a:solidFill>
@@ -30339,7 +30339,7 @@
             </a:ln>
             <a:extLst>
               <a:ext uri="{91240B29-F687-4f45-9708-019B960494DF}">
-                <a14:hiddenLine xmlns:a14="http://schemas.microsoft.com/office/drawing/2010/main" xmlns:a16="http://schemas.microsoft.com/office/drawing/2014/main" xmlns="" w="9525">
+                <a14:hiddenLine xmlns="" xmlns:a16="http://schemas.microsoft.com/office/drawing/2014/main" xmlns:a14="http://schemas.microsoft.com/office/drawing/2010/main" w="9525">
                   <a:solidFill>
                     <a:srgbClr val="000000"/>
                   </a:solidFill>
@@ -30422,7 +30422,7 @@
             </a:ln>
             <a:extLst>
               <a:ext uri="{91240B29-F687-4f45-9708-019B960494DF}">
-                <a14:hiddenLine xmlns:a14="http://schemas.microsoft.com/office/drawing/2010/main" xmlns:a16="http://schemas.microsoft.com/office/drawing/2014/main" xmlns="" w="9525">
+                <a14:hiddenLine xmlns="" xmlns:a16="http://schemas.microsoft.com/office/drawing/2014/main" xmlns:a14="http://schemas.microsoft.com/office/drawing/2010/main" w="9525">
                   <a:solidFill>
                     <a:srgbClr val="000000"/>
                   </a:solidFill>
@@ -30527,7 +30527,7 @@
             </a:ln>
             <a:extLst>
               <a:ext uri="{91240B29-F687-4f45-9708-019B960494DF}">
-                <a14:hiddenLine xmlns:a14="http://schemas.microsoft.com/office/drawing/2010/main" xmlns:a16="http://schemas.microsoft.com/office/drawing/2014/main" xmlns="" w="9525">
+                <a14:hiddenLine xmlns="" xmlns:a16="http://schemas.microsoft.com/office/drawing/2014/main" xmlns:a14="http://schemas.microsoft.com/office/drawing/2010/main" w="9525">
                   <a:solidFill>
                     <a:srgbClr val="000000"/>
                   </a:solidFill>
@@ -30576,7 +30576,7 @@
             </a:ln>
             <a:extLst>
               <a:ext uri="{91240B29-F687-4f45-9708-019B960494DF}">
-                <a14:hiddenLine xmlns:a14="http://schemas.microsoft.com/office/drawing/2010/main" xmlns:a16="http://schemas.microsoft.com/office/drawing/2014/main" xmlns="" w="9525">
+                <a14:hiddenLine xmlns="" xmlns:a16="http://schemas.microsoft.com/office/drawing/2014/main" xmlns:a14="http://schemas.microsoft.com/office/drawing/2010/main" w="9525">
                   <a:solidFill>
                     <a:srgbClr val="000000"/>
                   </a:solidFill>
@@ -30681,7 +30681,7 @@
             </a:ln>
             <a:extLst>
               <a:ext uri="{91240B29-F687-4f45-9708-019B960494DF}">
-                <a14:hiddenLine xmlns:a14="http://schemas.microsoft.com/office/drawing/2010/main" xmlns:a16="http://schemas.microsoft.com/office/drawing/2014/main" xmlns="" w="9525">
+                <a14:hiddenLine xmlns="" xmlns:a16="http://schemas.microsoft.com/office/drawing/2014/main" xmlns:a14="http://schemas.microsoft.com/office/drawing/2010/main" w="9525">
                   <a:solidFill>
                     <a:srgbClr val="000000"/>
                   </a:solidFill>
@@ -30758,7 +30758,7 @@
             </a:ln>
             <a:extLst>
               <a:ext uri="{91240B29-F687-4f45-9708-019B960494DF}">
-                <a14:hiddenLine xmlns:a14="http://schemas.microsoft.com/office/drawing/2010/main" xmlns:a16="http://schemas.microsoft.com/office/drawing/2014/main" xmlns="" w="9525">
+                <a14:hiddenLine xmlns="" xmlns:a16="http://schemas.microsoft.com/office/drawing/2014/main" xmlns:a14="http://schemas.microsoft.com/office/drawing/2010/main" w="9525">
                   <a:solidFill>
                     <a:srgbClr val="000000"/>
                   </a:solidFill>
@@ -30835,7 +30835,7 @@
             </a:ln>
             <a:extLst>
               <a:ext uri="{91240B29-F687-4f45-9708-019B960494DF}">
-                <a14:hiddenLine xmlns:a14="http://schemas.microsoft.com/office/drawing/2010/main" xmlns:a16="http://schemas.microsoft.com/office/drawing/2014/main" xmlns="" w="9525">
+                <a14:hiddenLine xmlns="" xmlns:a16="http://schemas.microsoft.com/office/drawing/2014/main" xmlns:a14="http://schemas.microsoft.com/office/drawing/2010/main" w="9525">
                   <a:solidFill>
                     <a:srgbClr val="000000"/>
                   </a:solidFill>
@@ -30940,7 +30940,7 @@
             </a:ln>
             <a:extLst>
               <a:ext uri="{91240B29-F687-4f45-9708-019B960494DF}">
-                <a14:hiddenLine xmlns:a14="http://schemas.microsoft.com/office/drawing/2010/main" xmlns:a16="http://schemas.microsoft.com/office/drawing/2014/main" xmlns="" w="9525">
+                <a14:hiddenLine xmlns="" xmlns:a16="http://schemas.microsoft.com/office/drawing/2014/main" xmlns:a14="http://schemas.microsoft.com/office/drawing/2010/main" w="9525">
                   <a:solidFill>
                     <a:srgbClr val="000000"/>
                   </a:solidFill>
@@ -31023,7 +31023,7 @@
             </a:ln>
             <a:extLst>
               <a:ext uri="{91240B29-F687-4f45-9708-019B960494DF}">
-                <a14:hiddenLine xmlns:a14="http://schemas.microsoft.com/office/drawing/2010/main" xmlns:a16="http://schemas.microsoft.com/office/drawing/2014/main" xmlns="" w="9525">
+                <a14:hiddenLine xmlns="" xmlns:a16="http://schemas.microsoft.com/office/drawing/2014/main" xmlns:a14="http://schemas.microsoft.com/office/drawing/2010/main" w="9525">
                   <a:solidFill>
                     <a:srgbClr val="000000"/>
                   </a:solidFill>
@@ -31100,7 +31100,7 @@
             </a:ln>
             <a:extLst>
               <a:ext uri="{91240B29-F687-4f45-9708-019B960494DF}">
-                <a14:hiddenLine xmlns:a14="http://schemas.microsoft.com/office/drawing/2010/main" xmlns:a16="http://schemas.microsoft.com/office/drawing/2014/main" xmlns="" w="9525">
+                <a14:hiddenLine xmlns="" xmlns:a16="http://schemas.microsoft.com/office/drawing/2014/main" xmlns:a14="http://schemas.microsoft.com/office/drawing/2010/main" w="9525">
                   <a:solidFill>
                     <a:srgbClr val="000000"/>
                   </a:solidFill>
@@ -31205,7 +31205,7 @@
             </a:ln>
             <a:extLst>
               <a:ext uri="{91240B29-F687-4f45-9708-019B960494DF}">
-                <a14:hiddenLine xmlns:a14="http://schemas.microsoft.com/office/drawing/2010/main" xmlns:a16="http://schemas.microsoft.com/office/drawing/2014/main" xmlns="" w="9525">
+                <a14:hiddenLine xmlns="" xmlns:a16="http://schemas.microsoft.com/office/drawing/2014/main" xmlns:a14="http://schemas.microsoft.com/office/drawing/2010/main" w="9525">
                   <a:solidFill>
                     <a:srgbClr val="000000"/>
                   </a:solidFill>
@@ -31282,7 +31282,7 @@
             </a:ln>
             <a:extLst>
               <a:ext uri="{91240B29-F687-4f45-9708-019B960494DF}">
-                <a14:hiddenLine xmlns:a14="http://schemas.microsoft.com/office/drawing/2010/main" xmlns:a16="http://schemas.microsoft.com/office/drawing/2014/main" xmlns="" w="9525">
+                <a14:hiddenLine xmlns="" xmlns:a16="http://schemas.microsoft.com/office/drawing/2014/main" xmlns:a14="http://schemas.microsoft.com/office/drawing/2010/main" w="9525">
                   <a:solidFill>
                     <a:srgbClr val="000000"/>
                   </a:solidFill>
@@ -31387,7 +31387,7 @@
             </a:ln>
             <a:extLst>
               <a:ext uri="{91240B29-F687-4f45-9708-019B960494DF}">
-                <a14:hiddenLine xmlns:a14="http://schemas.microsoft.com/office/drawing/2010/main" xmlns:a16="http://schemas.microsoft.com/office/drawing/2014/main" xmlns="" w="9525">
+                <a14:hiddenLine xmlns="" xmlns:a16="http://schemas.microsoft.com/office/drawing/2014/main" xmlns:a14="http://schemas.microsoft.com/office/drawing/2010/main" w="9525">
                   <a:solidFill>
                     <a:srgbClr val="000000"/>
                   </a:solidFill>
@@ -31464,7 +31464,7 @@
             </a:ln>
             <a:extLst>
               <a:ext uri="{91240B29-F687-4f45-9708-019B960494DF}">
-                <a14:hiddenLine xmlns:a14="http://schemas.microsoft.com/office/drawing/2010/main" xmlns:a16="http://schemas.microsoft.com/office/drawing/2014/main" xmlns="" w="9525">
+                <a14:hiddenLine xmlns="" xmlns:a16="http://schemas.microsoft.com/office/drawing/2014/main" xmlns:a14="http://schemas.microsoft.com/office/drawing/2010/main" w="9525">
                   <a:solidFill>
                     <a:srgbClr val="000000"/>
                   </a:solidFill>
@@ -31569,7 +31569,7 @@
             </a:ln>
             <a:extLst>
               <a:ext uri="{91240B29-F687-4f45-9708-019B960494DF}">
-                <a14:hiddenLine xmlns:a14="http://schemas.microsoft.com/office/drawing/2010/main" xmlns:a16="http://schemas.microsoft.com/office/drawing/2014/main" xmlns="" w="9525">
+                <a14:hiddenLine xmlns="" xmlns:a16="http://schemas.microsoft.com/office/drawing/2014/main" xmlns:a14="http://schemas.microsoft.com/office/drawing/2010/main" w="9525">
                   <a:solidFill>
                     <a:srgbClr val="000000"/>
                   </a:solidFill>
@@ -31618,7 +31618,7 @@
             </a:ln>
             <a:extLst>
               <a:ext uri="{91240B29-F687-4f45-9708-019B960494DF}">
-                <a14:hiddenLine xmlns:a14="http://schemas.microsoft.com/office/drawing/2010/main" xmlns:a16="http://schemas.microsoft.com/office/drawing/2014/main" xmlns="" w="9525">
+                <a14:hiddenLine xmlns="" xmlns:a16="http://schemas.microsoft.com/office/drawing/2014/main" xmlns:a14="http://schemas.microsoft.com/office/drawing/2010/main" w="9525">
                   <a:solidFill>
                     <a:srgbClr val="000000"/>
                   </a:solidFill>
@@ -31698,7 +31698,7 @@
             </a:ln>
             <a:extLst>
               <a:ext uri="{91240B29-F687-4f45-9708-019B960494DF}">
-                <a14:hiddenLine xmlns:a14="http://schemas.microsoft.com/office/drawing/2010/main" xmlns:a16="http://schemas.microsoft.com/office/drawing/2014/main" xmlns="" w="9525">
+                <a14:hiddenLine xmlns="" xmlns:a16="http://schemas.microsoft.com/office/drawing/2014/main" xmlns:a14="http://schemas.microsoft.com/office/drawing/2010/main" w="9525">
                   <a:solidFill>
                     <a:srgbClr val="000000"/>
                   </a:solidFill>
@@ -31803,7 +31803,7 @@
             </a:ln>
             <a:extLst>
               <a:ext uri="{91240B29-F687-4f45-9708-019B960494DF}">
-                <a14:hiddenLine xmlns:a14="http://schemas.microsoft.com/office/drawing/2010/main" xmlns:a16="http://schemas.microsoft.com/office/drawing/2014/main" xmlns="" w="9525">
+                <a14:hiddenLine xmlns="" xmlns:a16="http://schemas.microsoft.com/office/drawing/2014/main" xmlns:a14="http://schemas.microsoft.com/office/drawing/2010/main" w="9525">
                   <a:solidFill>
                     <a:srgbClr val="000000"/>
                   </a:solidFill>
@@ -31880,7 +31880,7 @@
             </a:ln>
             <a:extLst>
               <a:ext uri="{91240B29-F687-4f45-9708-019B960494DF}">
-                <a14:hiddenLine xmlns:a14="http://schemas.microsoft.com/office/drawing/2010/main" xmlns:a16="http://schemas.microsoft.com/office/drawing/2014/main" xmlns="" w="9525">
+                <a14:hiddenLine xmlns="" xmlns:a16="http://schemas.microsoft.com/office/drawing/2014/main" xmlns:a14="http://schemas.microsoft.com/office/drawing/2010/main" w="9525">
                   <a:solidFill>
                     <a:srgbClr val="000000"/>
                   </a:solidFill>
@@ -31985,7 +31985,7 @@
             </a:ln>
             <a:extLst>
               <a:ext uri="{91240B29-F687-4f45-9708-019B960494DF}">
-                <a14:hiddenLine xmlns:a14="http://schemas.microsoft.com/office/drawing/2010/main" xmlns:a16="http://schemas.microsoft.com/office/drawing/2014/main" xmlns="" w="9525">
+                <a14:hiddenLine xmlns="" xmlns:a16="http://schemas.microsoft.com/office/drawing/2014/main" xmlns:a14="http://schemas.microsoft.com/office/drawing/2010/main" w="9525">
                   <a:solidFill>
                     <a:srgbClr val="000000"/>
                   </a:solidFill>
@@ -32090,7 +32090,7 @@
             </a:ln>
             <a:extLst>
               <a:ext uri="{91240B29-F687-4f45-9708-019B960494DF}">
-                <a14:hiddenLine xmlns:a14="http://schemas.microsoft.com/office/drawing/2010/main" xmlns:a16="http://schemas.microsoft.com/office/drawing/2014/main" xmlns="" w="9525">
+                <a14:hiddenLine xmlns="" xmlns:a16="http://schemas.microsoft.com/office/drawing/2014/main" xmlns:a14="http://schemas.microsoft.com/office/drawing/2010/main" w="9525">
                   <a:solidFill>
                     <a:srgbClr val="000000"/>
                   </a:solidFill>
@@ -32170,7 +32170,7 @@
             </a:ln>
             <a:extLst>
               <a:ext uri="{91240B29-F687-4f45-9708-019B960494DF}">
-                <a14:hiddenLine xmlns:a14="http://schemas.microsoft.com/office/drawing/2010/main" xmlns:a16="http://schemas.microsoft.com/office/drawing/2014/main" xmlns="" w="9525">
+                <a14:hiddenLine xmlns="" xmlns:a16="http://schemas.microsoft.com/office/drawing/2014/main" xmlns:a14="http://schemas.microsoft.com/office/drawing/2010/main" w="9525">
                   <a:solidFill>
                     <a:srgbClr val="000000"/>
                   </a:solidFill>
@@ -32247,7 +32247,7 @@
             </a:ln>
             <a:extLst>
               <a:ext uri="{91240B29-F687-4f45-9708-019B960494DF}">
-                <a14:hiddenLine xmlns:a14="http://schemas.microsoft.com/office/drawing/2010/main" xmlns:a16="http://schemas.microsoft.com/office/drawing/2014/main" xmlns="" w="9525">
+                <a14:hiddenLine xmlns="" xmlns:a16="http://schemas.microsoft.com/office/drawing/2014/main" xmlns:a14="http://schemas.microsoft.com/office/drawing/2010/main" w="9525">
                   <a:solidFill>
                     <a:srgbClr val="000000"/>
                   </a:solidFill>
@@ -32352,7 +32352,7 @@
             </a:ln>
             <a:extLst>
               <a:ext uri="{91240B29-F687-4f45-9708-019B960494DF}">
-                <a14:hiddenLine xmlns:a14="http://schemas.microsoft.com/office/drawing/2010/main" xmlns:a16="http://schemas.microsoft.com/office/drawing/2014/main" xmlns="" w="9525">
+                <a14:hiddenLine xmlns="" xmlns:a16="http://schemas.microsoft.com/office/drawing/2014/main" xmlns:a14="http://schemas.microsoft.com/office/drawing/2010/main" w="9525">
                   <a:solidFill>
                     <a:srgbClr val="000000"/>
                   </a:solidFill>
@@ -32457,7 +32457,7 @@
             </a:ln>
             <a:extLst>
               <a:ext uri="{91240B29-F687-4f45-9708-019B960494DF}">
-                <a14:hiddenLine xmlns:a14="http://schemas.microsoft.com/office/drawing/2010/main" xmlns:a16="http://schemas.microsoft.com/office/drawing/2014/main" xmlns="" w="9525">
+                <a14:hiddenLine xmlns="" xmlns:a16="http://schemas.microsoft.com/office/drawing/2014/main" xmlns:a14="http://schemas.microsoft.com/office/drawing/2010/main" w="9525">
                   <a:solidFill>
                     <a:srgbClr val="000000"/>
                   </a:solidFill>
@@ -32534,7 +32534,7 @@
             </a:ln>
             <a:extLst>
               <a:ext uri="{91240B29-F687-4f45-9708-019B960494DF}">
-                <a14:hiddenLine xmlns:a14="http://schemas.microsoft.com/office/drawing/2010/main" xmlns:a16="http://schemas.microsoft.com/office/drawing/2014/main" xmlns="" w="9525">
+                <a14:hiddenLine xmlns="" xmlns:a16="http://schemas.microsoft.com/office/drawing/2014/main" xmlns:a14="http://schemas.microsoft.com/office/drawing/2010/main" w="9525">
                   <a:solidFill>
                     <a:srgbClr val="000000"/>
                   </a:solidFill>
@@ -32669,7 +32669,7 @@
             </a:ln>
             <a:extLst>
               <a:ext uri="{91240B29-F687-4f45-9708-019B960494DF}">
-                <a14:hiddenLine xmlns:a14="http://schemas.microsoft.com/office/drawing/2010/main" xmlns:a16="http://schemas.microsoft.com/office/drawing/2014/main" xmlns="" w="9525">
+                <a14:hiddenLine xmlns="" xmlns:a16="http://schemas.microsoft.com/office/drawing/2014/main" xmlns:a14="http://schemas.microsoft.com/office/drawing/2010/main" w="9525">
                   <a:solidFill>
                     <a:srgbClr val="000000"/>
                   </a:solidFill>
@@ -32752,7 +32752,7 @@
             </a:ln>
             <a:extLst>
               <a:ext uri="{91240B29-F687-4f45-9708-019B960494DF}">
-                <a14:hiddenLine xmlns:a14="http://schemas.microsoft.com/office/drawing/2010/main" xmlns:a16="http://schemas.microsoft.com/office/drawing/2014/main" xmlns="" w="9525">
+                <a14:hiddenLine xmlns="" xmlns:a16="http://schemas.microsoft.com/office/drawing/2014/main" xmlns:a14="http://schemas.microsoft.com/office/drawing/2010/main" w="9525">
                   <a:solidFill>
                     <a:srgbClr val="000000"/>
                   </a:solidFill>
@@ -32857,7 +32857,7 @@
             </a:ln>
             <a:extLst>
               <a:ext uri="{91240B29-F687-4f45-9708-019B960494DF}">
-                <a14:hiddenLine xmlns:a14="http://schemas.microsoft.com/office/drawing/2010/main" xmlns:a16="http://schemas.microsoft.com/office/drawing/2014/main" xmlns="" w="9525">
+                <a14:hiddenLine xmlns="" xmlns:a16="http://schemas.microsoft.com/office/drawing/2014/main" xmlns:a14="http://schemas.microsoft.com/office/drawing/2010/main" w="9525">
                   <a:solidFill>
                     <a:srgbClr val="000000"/>
                   </a:solidFill>
@@ -33014,7 +33014,7 @@
             <a:noFill/>
             <a:extLst>
               <a:ext uri="{909E8E84-426E-40dd-AFC4-6F175D3DCCD1}">
-                <a14:hiddenFill xmlns:a14="http://schemas.microsoft.com/office/drawing/2010/main" xmlns:p14="http://schemas.microsoft.com/office/powerpoint/2010/main" xmlns:a16="http://schemas.microsoft.com/office/drawing/2014/main" xmlns="">
+                <a14:hiddenFill xmlns="" xmlns:a16="http://schemas.microsoft.com/office/drawing/2014/main" xmlns:p14="http://schemas.microsoft.com/office/powerpoint/2010/main" xmlns:a14="http://schemas.microsoft.com/office/drawing/2010/main">
                   <a:solidFill>
                     <a:srgbClr val="FFFFFF"/>
                   </a:solidFill>
@@ -35323,7 +35323,7 @@
             </a:ln>
             <a:extLst>
               <a:ext uri="{91240B29-F687-4f45-9708-019B960494DF}">
-                <a14:hiddenLine xmlns:a14="http://schemas.microsoft.com/office/drawing/2010/main" xmlns:p14="http://schemas.microsoft.com/office/powerpoint/2010/main" xmlns:a16="http://schemas.microsoft.com/office/drawing/2014/main" xmlns="" w="9525">
+                <a14:hiddenLine xmlns="" xmlns:a16="http://schemas.microsoft.com/office/drawing/2014/main" xmlns:p14="http://schemas.microsoft.com/office/powerpoint/2010/main" xmlns:a14="http://schemas.microsoft.com/office/drawing/2010/main" w="9525">
                   <a:solidFill>
                     <a:srgbClr val="000000"/>
                   </a:solidFill>
@@ -35428,7 +35428,7 @@
             </a:ln>
             <a:extLst>
               <a:ext uri="{91240B29-F687-4f45-9708-019B960494DF}">
-                <a14:hiddenLine xmlns:a14="http://schemas.microsoft.com/office/drawing/2010/main" xmlns:p14="http://schemas.microsoft.com/office/powerpoint/2010/main" xmlns:a16="http://schemas.microsoft.com/office/drawing/2014/main" xmlns="" w="9525">
+                <a14:hiddenLine xmlns="" xmlns:a16="http://schemas.microsoft.com/office/drawing/2014/main" xmlns:p14="http://schemas.microsoft.com/office/powerpoint/2010/main" xmlns:a14="http://schemas.microsoft.com/office/drawing/2010/main" w="9525">
                   <a:solidFill>
                     <a:srgbClr val="000000"/>
                   </a:solidFill>
@@ -35533,7 +35533,7 @@
             </a:ln>
             <a:extLst>
               <a:ext uri="{91240B29-F687-4f45-9708-019B960494DF}">
-                <a14:hiddenLine xmlns:a14="http://schemas.microsoft.com/office/drawing/2010/main" xmlns:p14="http://schemas.microsoft.com/office/powerpoint/2010/main" xmlns:a16="http://schemas.microsoft.com/office/drawing/2014/main" xmlns="" w="9525">
+                <a14:hiddenLine xmlns="" xmlns:a16="http://schemas.microsoft.com/office/drawing/2014/main" xmlns:p14="http://schemas.microsoft.com/office/powerpoint/2010/main" xmlns:a14="http://schemas.microsoft.com/office/drawing/2010/main" w="9525">
                   <a:solidFill>
                     <a:srgbClr val="000000"/>
                   </a:solidFill>
@@ -35610,7 +35610,7 @@
             </a:ln>
             <a:extLst>
               <a:ext uri="{91240B29-F687-4f45-9708-019B960494DF}">
-                <a14:hiddenLine xmlns:a14="http://schemas.microsoft.com/office/drawing/2010/main" xmlns:p14="http://schemas.microsoft.com/office/powerpoint/2010/main" xmlns:a16="http://schemas.microsoft.com/office/drawing/2014/main" xmlns="" w="9525">
+                <a14:hiddenLine xmlns="" xmlns:a16="http://schemas.microsoft.com/office/drawing/2014/main" xmlns:p14="http://schemas.microsoft.com/office/powerpoint/2010/main" xmlns:a14="http://schemas.microsoft.com/office/drawing/2010/main" w="9525">
                   <a:solidFill>
                     <a:srgbClr val="000000"/>
                   </a:solidFill>
@@ -35715,7 +35715,7 @@
             </a:ln>
             <a:extLst>
               <a:ext uri="{91240B29-F687-4f45-9708-019B960494DF}">
-                <a14:hiddenLine xmlns:a14="http://schemas.microsoft.com/office/drawing/2010/main" xmlns:p14="http://schemas.microsoft.com/office/powerpoint/2010/main" xmlns:a16="http://schemas.microsoft.com/office/drawing/2014/main" xmlns="" w="9525">
+                <a14:hiddenLine xmlns="" xmlns:a16="http://schemas.microsoft.com/office/drawing/2014/main" xmlns:p14="http://schemas.microsoft.com/office/powerpoint/2010/main" xmlns:a14="http://schemas.microsoft.com/office/drawing/2010/main" w="9525">
                   <a:solidFill>
                     <a:srgbClr val="000000"/>
                   </a:solidFill>
@@ -35792,7 +35792,7 @@
             </a:ln>
             <a:extLst>
               <a:ext uri="{91240B29-F687-4f45-9708-019B960494DF}">
-                <a14:hiddenLine xmlns:a14="http://schemas.microsoft.com/office/drawing/2010/main" xmlns:p14="http://schemas.microsoft.com/office/powerpoint/2010/main" xmlns:a16="http://schemas.microsoft.com/office/drawing/2014/main" xmlns="" w="9525">
+                <a14:hiddenLine xmlns="" xmlns:a16="http://schemas.microsoft.com/office/drawing/2014/main" xmlns:p14="http://schemas.microsoft.com/office/powerpoint/2010/main" xmlns:a14="http://schemas.microsoft.com/office/drawing/2010/main" w="9525">
                   <a:solidFill>
                     <a:srgbClr val="000000"/>
                   </a:solidFill>
@@ -35869,7 +35869,7 @@
             </a:ln>
             <a:extLst>
               <a:ext uri="{91240B29-F687-4f45-9708-019B960494DF}">
-                <a14:hiddenLine xmlns:a14="http://schemas.microsoft.com/office/drawing/2010/main" xmlns:p14="http://schemas.microsoft.com/office/powerpoint/2010/main" xmlns:a16="http://schemas.microsoft.com/office/drawing/2014/main" xmlns="" w="9525">
+                <a14:hiddenLine xmlns="" xmlns:a16="http://schemas.microsoft.com/office/drawing/2014/main" xmlns:p14="http://schemas.microsoft.com/office/powerpoint/2010/main" xmlns:a14="http://schemas.microsoft.com/office/drawing/2010/main" w="9525">
                   <a:solidFill>
                     <a:srgbClr val="000000"/>
                   </a:solidFill>
@@ -35974,7 +35974,7 @@
             </a:ln>
             <a:extLst>
               <a:ext uri="{91240B29-F687-4f45-9708-019B960494DF}">
-                <a14:hiddenLine xmlns:a14="http://schemas.microsoft.com/office/drawing/2010/main" xmlns:p14="http://schemas.microsoft.com/office/powerpoint/2010/main" xmlns:a16="http://schemas.microsoft.com/office/drawing/2014/main" xmlns="" w="9525">
+                <a14:hiddenLine xmlns="" xmlns:a16="http://schemas.microsoft.com/office/drawing/2014/main" xmlns:p14="http://schemas.microsoft.com/office/powerpoint/2010/main" xmlns:a14="http://schemas.microsoft.com/office/drawing/2010/main" w="9525">
                   <a:solidFill>
                     <a:srgbClr val="000000"/>
                   </a:solidFill>
@@ -36079,7 +36079,7 @@
             </a:ln>
             <a:extLst>
               <a:ext uri="{91240B29-F687-4f45-9708-019B960494DF}">
-                <a14:hiddenLine xmlns:a14="http://schemas.microsoft.com/office/drawing/2010/main" xmlns:p14="http://schemas.microsoft.com/office/powerpoint/2010/main" xmlns:a16="http://schemas.microsoft.com/office/drawing/2014/main" xmlns="" w="9525">
+                <a14:hiddenLine xmlns="" xmlns:a16="http://schemas.microsoft.com/office/drawing/2014/main" xmlns:p14="http://schemas.microsoft.com/office/powerpoint/2010/main" xmlns:a14="http://schemas.microsoft.com/office/drawing/2010/main" w="9525">
                   <a:solidFill>
                     <a:srgbClr val="000000"/>
                   </a:solidFill>
@@ -36156,7 +36156,7 @@
             </a:ln>
             <a:extLst>
               <a:ext uri="{91240B29-F687-4f45-9708-019B960494DF}">
-                <a14:hiddenLine xmlns:a14="http://schemas.microsoft.com/office/drawing/2010/main" xmlns:p14="http://schemas.microsoft.com/office/powerpoint/2010/main" xmlns:a16="http://schemas.microsoft.com/office/drawing/2014/main" xmlns="" w="9525">
+                <a14:hiddenLine xmlns="" xmlns:a16="http://schemas.microsoft.com/office/drawing/2014/main" xmlns:p14="http://schemas.microsoft.com/office/powerpoint/2010/main" xmlns:a14="http://schemas.microsoft.com/office/drawing/2010/main" w="9525">
                   <a:solidFill>
                     <a:srgbClr val="000000"/>
                   </a:solidFill>
@@ -36281,7 +36281,7 @@
             </a:ln>
             <a:extLst>
               <a:ext uri="{91240B29-F687-4f45-9708-019B960494DF}">
-                <a14:hiddenLine xmlns:a14="http://schemas.microsoft.com/office/drawing/2010/main" xmlns:p14="http://schemas.microsoft.com/office/powerpoint/2010/main" xmlns:a16="http://schemas.microsoft.com/office/drawing/2014/main" xmlns="" w="9525">
+                <a14:hiddenLine xmlns="" xmlns:a16="http://schemas.microsoft.com/office/drawing/2014/main" xmlns:p14="http://schemas.microsoft.com/office/powerpoint/2010/main" xmlns:a14="http://schemas.microsoft.com/office/drawing/2010/main" w="9525">
                   <a:solidFill>
                     <a:srgbClr val="000000"/>
                   </a:solidFill>
@@ -36395,7 +36395,7 @@
             </a:ln>
             <a:extLst>
               <a:ext uri="{91240B29-F687-4f45-9708-019B960494DF}">
-                <a14:hiddenLine xmlns:a14="http://schemas.microsoft.com/office/drawing/2010/main" xmlns:p14="http://schemas.microsoft.com/office/powerpoint/2010/main" xmlns:a16="http://schemas.microsoft.com/office/drawing/2014/main" xmlns="" w="9525">
+                <a14:hiddenLine xmlns="" xmlns:a16="http://schemas.microsoft.com/office/drawing/2014/main" xmlns:p14="http://schemas.microsoft.com/office/powerpoint/2010/main" xmlns:a14="http://schemas.microsoft.com/office/drawing/2010/main" w="9525">
                   <a:solidFill>
                     <a:srgbClr val="000000"/>
                   </a:solidFill>
@@ -36472,7 +36472,7 @@
             </a:ln>
             <a:extLst>
               <a:ext uri="{91240B29-F687-4f45-9708-019B960494DF}">
-                <a14:hiddenLine xmlns:a14="http://schemas.microsoft.com/office/drawing/2010/main" xmlns:p14="http://schemas.microsoft.com/office/powerpoint/2010/main" xmlns:a16="http://schemas.microsoft.com/office/drawing/2014/main" xmlns="" w="9525">
+                <a14:hiddenLine xmlns="" xmlns:a16="http://schemas.microsoft.com/office/drawing/2014/main" xmlns:p14="http://schemas.microsoft.com/office/powerpoint/2010/main" xmlns:a14="http://schemas.microsoft.com/office/drawing/2010/main" w="9525">
                   <a:solidFill>
                     <a:srgbClr val="000000"/>
                   </a:solidFill>
@@ -36549,7 +36549,7 @@
             </a:ln>
             <a:extLst>
               <a:ext uri="{91240B29-F687-4f45-9708-019B960494DF}">
-                <a14:hiddenLine xmlns:a14="http://schemas.microsoft.com/office/drawing/2010/main" xmlns:p14="http://schemas.microsoft.com/office/powerpoint/2010/main" xmlns:a16="http://schemas.microsoft.com/office/drawing/2014/main" xmlns="" w="9525">
+                <a14:hiddenLine xmlns="" xmlns:a16="http://schemas.microsoft.com/office/drawing/2014/main" xmlns:p14="http://schemas.microsoft.com/office/powerpoint/2010/main" xmlns:a14="http://schemas.microsoft.com/office/drawing/2010/main" w="9525">
                   <a:solidFill>
                     <a:srgbClr val="000000"/>
                   </a:solidFill>
@@ -36654,7 +36654,7 @@
             </a:ln>
             <a:extLst>
               <a:ext uri="{91240B29-F687-4f45-9708-019B960494DF}">
-                <a14:hiddenLine xmlns:a14="http://schemas.microsoft.com/office/drawing/2010/main" xmlns:p14="http://schemas.microsoft.com/office/powerpoint/2010/main" xmlns:a16="http://schemas.microsoft.com/office/drawing/2014/main" xmlns="" w="9525">
+                <a14:hiddenLine xmlns="" xmlns:a16="http://schemas.microsoft.com/office/drawing/2014/main" xmlns:p14="http://schemas.microsoft.com/office/powerpoint/2010/main" xmlns:a14="http://schemas.microsoft.com/office/drawing/2010/main" w="9525">
                   <a:solidFill>
                     <a:srgbClr val="000000"/>
                   </a:solidFill>
@@ -36703,7 +36703,7 @@
             </a:ln>
             <a:extLst>
               <a:ext uri="{91240B29-F687-4f45-9708-019B960494DF}">
-                <a14:hiddenLine xmlns:a14="http://schemas.microsoft.com/office/drawing/2010/main" xmlns:p14="http://schemas.microsoft.com/office/powerpoint/2010/main" xmlns:a16="http://schemas.microsoft.com/office/drawing/2014/main" xmlns="" w="9525">
+                <a14:hiddenLine xmlns="" xmlns:a16="http://schemas.microsoft.com/office/drawing/2014/main" xmlns:p14="http://schemas.microsoft.com/office/powerpoint/2010/main" xmlns:a14="http://schemas.microsoft.com/office/drawing/2010/main" w="9525">
                   <a:solidFill>
                     <a:srgbClr val="000000"/>
                   </a:solidFill>
@@ -36783,7 +36783,7 @@
             </a:ln>
             <a:extLst>
               <a:ext uri="{91240B29-F687-4f45-9708-019B960494DF}">
-                <a14:hiddenLine xmlns:a14="http://schemas.microsoft.com/office/drawing/2010/main" xmlns:p14="http://schemas.microsoft.com/office/powerpoint/2010/main" xmlns:a16="http://schemas.microsoft.com/office/drawing/2014/main" xmlns="" w="9525">
+                <a14:hiddenLine xmlns="" xmlns:a16="http://schemas.microsoft.com/office/drawing/2014/main" xmlns:p14="http://schemas.microsoft.com/office/powerpoint/2010/main" xmlns:a14="http://schemas.microsoft.com/office/drawing/2010/main" w="9525">
                   <a:solidFill>
                     <a:srgbClr val="000000"/>
                   </a:solidFill>
@@ -36888,7 +36888,7 @@
             </a:ln>
             <a:extLst>
               <a:ext uri="{91240B29-F687-4f45-9708-019B960494DF}">
-                <a14:hiddenLine xmlns:a14="http://schemas.microsoft.com/office/drawing/2010/main" xmlns:p14="http://schemas.microsoft.com/office/powerpoint/2010/main" xmlns:a16="http://schemas.microsoft.com/office/drawing/2014/main" xmlns="" w="9525">
+                <a14:hiddenLine xmlns="" xmlns:a16="http://schemas.microsoft.com/office/drawing/2014/main" xmlns:p14="http://schemas.microsoft.com/office/powerpoint/2010/main" xmlns:a14="http://schemas.microsoft.com/office/drawing/2010/main" w="9525">
                   <a:solidFill>
                     <a:srgbClr val="000000"/>
                   </a:solidFill>
@@ -36965,7 +36965,7 @@
             </a:ln>
             <a:extLst>
               <a:ext uri="{91240B29-F687-4f45-9708-019B960494DF}">
-                <a14:hiddenLine xmlns:a14="http://schemas.microsoft.com/office/drawing/2010/main" xmlns:p14="http://schemas.microsoft.com/office/powerpoint/2010/main" xmlns:a16="http://schemas.microsoft.com/office/drawing/2014/main" xmlns="" w="9525">
+                <a14:hiddenLine xmlns="" xmlns:a16="http://schemas.microsoft.com/office/drawing/2014/main" xmlns:p14="http://schemas.microsoft.com/office/powerpoint/2010/main" xmlns:a14="http://schemas.microsoft.com/office/drawing/2010/main" w="9525">
                   <a:solidFill>
                     <a:srgbClr val="000000"/>
                   </a:solidFill>
@@ -37070,7 +37070,7 @@
             </a:ln>
             <a:extLst>
               <a:ext uri="{91240B29-F687-4f45-9708-019B960494DF}">
-                <a14:hiddenLine xmlns:a14="http://schemas.microsoft.com/office/drawing/2010/main" xmlns:p14="http://schemas.microsoft.com/office/powerpoint/2010/main" xmlns:a16="http://schemas.microsoft.com/office/drawing/2014/main" xmlns="" w="9525">
+                <a14:hiddenLine xmlns="" xmlns:a16="http://schemas.microsoft.com/office/drawing/2014/main" xmlns:p14="http://schemas.microsoft.com/office/powerpoint/2010/main" xmlns:a14="http://schemas.microsoft.com/office/drawing/2010/main" w="9525">
                   <a:solidFill>
                     <a:srgbClr val="000000"/>
                   </a:solidFill>
@@ -37150,7 +37150,7 @@
             </a:ln>
             <a:extLst>
               <a:ext uri="{91240B29-F687-4f45-9708-019B960494DF}">
-                <a14:hiddenLine xmlns:a14="http://schemas.microsoft.com/office/drawing/2010/main" xmlns:p14="http://schemas.microsoft.com/office/powerpoint/2010/main" xmlns:a16="http://schemas.microsoft.com/office/drawing/2014/main" xmlns="" w="9525">
+                <a14:hiddenLine xmlns="" xmlns:a16="http://schemas.microsoft.com/office/drawing/2014/main" xmlns:p14="http://schemas.microsoft.com/office/powerpoint/2010/main" xmlns:a14="http://schemas.microsoft.com/office/drawing/2010/main" w="9525">
                   <a:solidFill>
                     <a:srgbClr val="000000"/>
                   </a:solidFill>
@@ -37227,7 +37227,7 @@
             </a:ln>
             <a:extLst>
               <a:ext uri="{91240B29-F687-4f45-9708-019B960494DF}">
-                <a14:hiddenLine xmlns:a14="http://schemas.microsoft.com/office/drawing/2010/main" xmlns:p14="http://schemas.microsoft.com/office/powerpoint/2010/main" xmlns:a16="http://schemas.microsoft.com/office/drawing/2014/main" xmlns="" w="9525">
+                <a14:hiddenLine xmlns="" xmlns:a16="http://schemas.microsoft.com/office/drawing/2014/main" xmlns:p14="http://schemas.microsoft.com/office/powerpoint/2010/main" xmlns:a14="http://schemas.microsoft.com/office/drawing/2010/main" w="9525">
                   <a:solidFill>
                     <a:srgbClr val="000000"/>
                   </a:solidFill>
@@ -37332,7 +37332,7 @@
             </a:ln>
             <a:extLst>
               <a:ext uri="{91240B29-F687-4f45-9708-019B960494DF}">
-                <a14:hiddenLine xmlns:a14="http://schemas.microsoft.com/office/drawing/2010/main" xmlns:p14="http://schemas.microsoft.com/office/powerpoint/2010/main" xmlns:a16="http://schemas.microsoft.com/office/drawing/2014/main" xmlns="" w="9525">
+                <a14:hiddenLine xmlns="" xmlns:a16="http://schemas.microsoft.com/office/drawing/2014/main" xmlns:p14="http://schemas.microsoft.com/office/powerpoint/2010/main" xmlns:a14="http://schemas.microsoft.com/office/drawing/2010/main" w="9525">
                   <a:solidFill>
                     <a:srgbClr val="000000"/>
                   </a:solidFill>
@@ -37437,7 +37437,7 @@
             </a:ln>
             <a:extLst>
               <a:ext uri="{91240B29-F687-4f45-9708-019B960494DF}">
-                <a14:hiddenLine xmlns:a14="http://schemas.microsoft.com/office/drawing/2010/main" xmlns:p14="http://schemas.microsoft.com/office/powerpoint/2010/main" xmlns:a16="http://schemas.microsoft.com/office/drawing/2014/main" xmlns="" w="9525">
+                <a14:hiddenLine xmlns="" xmlns:a16="http://schemas.microsoft.com/office/drawing/2014/main" xmlns:p14="http://schemas.microsoft.com/office/powerpoint/2010/main" xmlns:a14="http://schemas.microsoft.com/office/drawing/2010/main" w="9525">
                   <a:solidFill>
                     <a:srgbClr val="000000"/>
                   </a:solidFill>
@@ -37517,7 +37517,7 @@
             </a:ln>
             <a:extLst>
               <a:ext uri="{91240B29-F687-4f45-9708-019B960494DF}">
-                <a14:hiddenLine xmlns:a14="http://schemas.microsoft.com/office/drawing/2010/main" xmlns:p14="http://schemas.microsoft.com/office/powerpoint/2010/main" xmlns:a16="http://schemas.microsoft.com/office/drawing/2014/main" xmlns="" w="9525">
+                <a14:hiddenLine xmlns="" xmlns:a16="http://schemas.microsoft.com/office/drawing/2014/main" xmlns:p14="http://schemas.microsoft.com/office/powerpoint/2010/main" xmlns:a14="http://schemas.microsoft.com/office/drawing/2010/main" w="9525">
                   <a:solidFill>
                     <a:srgbClr val="000000"/>
                   </a:solidFill>
@@ -37652,7 +37652,7 @@
             </a:ln>
             <a:extLst>
               <a:ext uri="{91240B29-F687-4f45-9708-019B960494DF}">
-                <a14:hiddenLine xmlns:a14="http://schemas.microsoft.com/office/drawing/2010/main" xmlns:p14="http://schemas.microsoft.com/office/powerpoint/2010/main" xmlns:a16="http://schemas.microsoft.com/office/drawing/2014/main" xmlns="" w="9525">
+                <a14:hiddenLine xmlns="" xmlns:a16="http://schemas.microsoft.com/office/drawing/2014/main" xmlns:p14="http://schemas.microsoft.com/office/powerpoint/2010/main" xmlns:a14="http://schemas.microsoft.com/office/drawing/2010/main" w="9525">
                   <a:solidFill>
                     <a:srgbClr val="000000"/>
                   </a:solidFill>
@@ -37803,7 +37803,15 @@
           <a:p>
             <a:r>
               <a:rPr lang="fr-CA" sz="1800" dirty="0"/>
-              <a:t>L’entraineur peut ajouter un joueur et il peut ajouter un événement. Il peut aussi modifier un événement.</a:t>
+              <a:t>L’entraineur peut ajouter un </a:t>
+            </a:r>
+            <a:r>
+              <a:rPr lang="fr-CA" sz="1800"/>
+              <a:t>joueur et un </a:t>
+            </a:r>
+            <a:r>
+              <a:rPr lang="fr-CA" sz="1800" dirty="0"/>
+              <a:t>événement. Il peut aussi modifier un événement.</a:t>
             </a:r>
           </a:p>
           <a:p>
@@ -37951,7 +37959,7 @@
             </a:ln>
             <a:extLst>
               <a:ext uri="{91240B29-F687-4f45-9708-019B960494DF}">
-                <a14:hiddenLine xmlns:a14="http://schemas.microsoft.com/office/drawing/2010/main" xmlns:p14="http://schemas.microsoft.com/office/powerpoint/2010/main" xmlns:a16="http://schemas.microsoft.com/office/drawing/2014/main" xmlns="" w="9525">
+                <a14:hiddenLine xmlns="" xmlns:a16="http://schemas.microsoft.com/office/drawing/2014/main" xmlns:p14="http://schemas.microsoft.com/office/powerpoint/2010/main" xmlns:a14="http://schemas.microsoft.com/office/drawing/2010/main" w="9525">
                   <a:solidFill>
                     <a:srgbClr val="000000"/>
                   </a:solidFill>
@@ -38081,7 +38089,7 @@
             </a:ln>
             <a:extLst>
               <a:ext uri="{91240B29-F687-4f45-9708-019B960494DF}">
-                <a14:hiddenLine xmlns:a14="http://schemas.microsoft.com/office/drawing/2010/main" xmlns:p14="http://schemas.microsoft.com/office/powerpoint/2010/main" xmlns:a16="http://schemas.microsoft.com/office/drawing/2014/main" xmlns="" w="9525">
+                <a14:hiddenLine xmlns="" xmlns:a16="http://schemas.microsoft.com/office/drawing/2014/main" xmlns:p14="http://schemas.microsoft.com/office/powerpoint/2010/main" xmlns:a14="http://schemas.microsoft.com/office/drawing/2010/main" w="9525">
                   <a:solidFill>
                     <a:srgbClr val="000000"/>
                   </a:solidFill>
@@ -38186,7 +38194,7 @@
             </a:ln>
             <a:extLst>
               <a:ext uri="{91240B29-F687-4f45-9708-019B960494DF}">
-                <a14:hiddenLine xmlns:a14="http://schemas.microsoft.com/office/drawing/2010/main" xmlns:p14="http://schemas.microsoft.com/office/powerpoint/2010/main" xmlns:a16="http://schemas.microsoft.com/office/drawing/2014/main" xmlns="" w="9525">
+                <a14:hiddenLine xmlns="" xmlns:a16="http://schemas.microsoft.com/office/drawing/2014/main" xmlns:p14="http://schemas.microsoft.com/office/powerpoint/2010/main" xmlns:a14="http://schemas.microsoft.com/office/drawing/2010/main" w="9525">
                   <a:solidFill>
                     <a:srgbClr val="000000"/>
                   </a:solidFill>
@@ -38266,7 +38274,7 @@
             </a:ln>
             <a:extLst>
               <a:ext uri="{91240B29-F687-4f45-9708-019B960494DF}">
-                <a14:hiddenLine xmlns:a14="http://schemas.microsoft.com/office/drawing/2010/main" xmlns:p14="http://schemas.microsoft.com/office/powerpoint/2010/main" xmlns:a16="http://schemas.microsoft.com/office/drawing/2014/main" xmlns="" w="9525">
+                <a14:hiddenLine xmlns="" xmlns:a16="http://schemas.microsoft.com/office/drawing/2014/main" xmlns:p14="http://schemas.microsoft.com/office/powerpoint/2010/main" xmlns:a14="http://schemas.microsoft.com/office/drawing/2010/main" w="9525">
                   <a:solidFill>
                     <a:srgbClr val="000000"/>
                   </a:solidFill>
@@ -38371,7 +38379,7 @@
             </a:ln>
             <a:extLst>
               <a:ext uri="{91240B29-F687-4f45-9708-019B960494DF}">
-                <a14:hiddenLine xmlns:a14="http://schemas.microsoft.com/office/drawing/2010/main" xmlns:p14="http://schemas.microsoft.com/office/powerpoint/2010/main" xmlns:a16="http://schemas.microsoft.com/office/drawing/2014/main" xmlns="" w="9525">
+                <a14:hiddenLine xmlns="" xmlns:a16="http://schemas.microsoft.com/office/drawing/2014/main" xmlns:p14="http://schemas.microsoft.com/office/powerpoint/2010/main" xmlns:a14="http://schemas.microsoft.com/office/drawing/2010/main" w="9525">
                   <a:solidFill>
                     <a:srgbClr val="000000"/>
                   </a:solidFill>
@@ -38454,7 +38462,7 @@
             </a:ln>
             <a:extLst>
               <a:ext uri="{91240B29-F687-4f45-9708-019B960494DF}">
-                <a14:hiddenLine xmlns:a14="http://schemas.microsoft.com/office/drawing/2010/main" xmlns:p14="http://schemas.microsoft.com/office/powerpoint/2010/main" xmlns:a16="http://schemas.microsoft.com/office/drawing/2014/main" xmlns="" w="9525">
+                <a14:hiddenLine xmlns="" xmlns:a16="http://schemas.microsoft.com/office/drawing/2014/main" xmlns:p14="http://schemas.microsoft.com/office/powerpoint/2010/main" xmlns:a14="http://schemas.microsoft.com/office/drawing/2010/main" w="9525">
                   <a:solidFill>
                     <a:srgbClr val="000000"/>
                   </a:solidFill>
@@ -38559,7 +38567,7 @@
             </a:ln>
             <a:extLst>
               <a:ext uri="{91240B29-F687-4f45-9708-019B960494DF}">
-                <a14:hiddenLine xmlns:a14="http://schemas.microsoft.com/office/drawing/2010/main" xmlns:p14="http://schemas.microsoft.com/office/powerpoint/2010/main" xmlns:a16="http://schemas.microsoft.com/office/drawing/2014/main" xmlns="" w="9525">
+                <a14:hiddenLine xmlns="" xmlns:a16="http://schemas.microsoft.com/office/drawing/2014/main" xmlns:p14="http://schemas.microsoft.com/office/powerpoint/2010/main" xmlns:a14="http://schemas.microsoft.com/office/drawing/2010/main" w="9525">
                   <a:solidFill>
                     <a:srgbClr val="000000"/>
                   </a:solidFill>
@@ -38642,7 +38650,7 @@
             </a:ln>
             <a:extLst>
               <a:ext uri="{91240B29-F687-4f45-9708-019B960494DF}">
-                <a14:hiddenLine xmlns:a14="http://schemas.microsoft.com/office/drawing/2010/main" xmlns:p14="http://schemas.microsoft.com/office/powerpoint/2010/main" xmlns:a16="http://schemas.microsoft.com/office/drawing/2014/main" xmlns="" w="9525">
+                <a14:hiddenLine xmlns="" xmlns:a16="http://schemas.microsoft.com/office/drawing/2014/main" xmlns:p14="http://schemas.microsoft.com/office/powerpoint/2010/main" xmlns:a14="http://schemas.microsoft.com/office/drawing/2010/main" w="9525">
                   <a:solidFill>
                     <a:srgbClr val="000000"/>
                   </a:solidFill>
@@ -38747,7 +38755,7 @@
             </a:ln>
             <a:extLst>
               <a:ext uri="{91240B29-F687-4f45-9708-019B960494DF}">
-                <a14:hiddenLine xmlns:a14="http://schemas.microsoft.com/office/drawing/2010/main" xmlns:p14="http://schemas.microsoft.com/office/powerpoint/2010/main" xmlns:a16="http://schemas.microsoft.com/office/drawing/2014/main" xmlns="" w="9525">
+                <a14:hiddenLine xmlns="" xmlns:a16="http://schemas.microsoft.com/office/drawing/2014/main" xmlns:p14="http://schemas.microsoft.com/office/powerpoint/2010/main" xmlns:a14="http://schemas.microsoft.com/office/drawing/2010/main" w="9525">
                   <a:solidFill>
                     <a:srgbClr val="000000"/>
                   </a:solidFill>
@@ -38796,7 +38804,7 @@
             </a:ln>
             <a:extLst>
               <a:ext uri="{91240B29-F687-4f45-9708-019B960494DF}">
-                <a14:hiddenLine xmlns:a14="http://schemas.microsoft.com/office/drawing/2010/main" xmlns:p14="http://schemas.microsoft.com/office/powerpoint/2010/main" xmlns:a16="http://schemas.microsoft.com/office/drawing/2014/main" xmlns="" w="9525">
+                <a14:hiddenLine xmlns="" xmlns:a16="http://schemas.microsoft.com/office/drawing/2014/main" xmlns:p14="http://schemas.microsoft.com/office/powerpoint/2010/main" xmlns:a14="http://schemas.microsoft.com/office/drawing/2010/main" w="9525">
                   <a:solidFill>
                     <a:srgbClr val="000000"/>
                   </a:solidFill>
@@ -38913,7 +38921,7 @@
           <a:noFill/>
           <a:extLst>
             <a:ext uri="{909E8E84-426E-40dd-AFC4-6F175D3DCCD1}">
-              <a14:hiddenFill xmlns:a14="http://schemas.microsoft.com/office/drawing/2010/main" xmlns:a16="http://schemas.microsoft.com/office/drawing/2014/main" xmlns="">
+              <a14:hiddenFill xmlns="" xmlns:a16="http://schemas.microsoft.com/office/drawing/2014/main" xmlns:a14="http://schemas.microsoft.com/office/drawing/2010/main">
                 <a:solidFill>
                   <a:srgbClr val="FFFFFF"/>
                 </a:solidFill>
@@ -39005,7 +39013,7 @@
             </a:ln>
             <a:extLst>
               <a:ext uri="{91240B29-F687-4f45-9708-019B960494DF}">
-                <a14:hiddenLine xmlns:a14="http://schemas.microsoft.com/office/drawing/2010/main" xmlns:a16="http://schemas.microsoft.com/office/drawing/2014/main" xmlns="" w="9525">
+                <a14:hiddenLine xmlns="" xmlns:a16="http://schemas.microsoft.com/office/drawing/2014/main" xmlns:a14="http://schemas.microsoft.com/office/drawing/2010/main" w="9525">
                   <a:solidFill>
                     <a:srgbClr val="000000"/>
                   </a:solidFill>
@@ -39110,7 +39118,7 @@
             </a:ln>
             <a:extLst>
               <a:ext uri="{91240B29-F687-4f45-9708-019B960494DF}">
-                <a14:hiddenLine xmlns:a14="http://schemas.microsoft.com/office/drawing/2010/main" xmlns:a16="http://schemas.microsoft.com/office/drawing/2014/main" xmlns="" w="9525">
+                <a14:hiddenLine xmlns="" xmlns:a16="http://schemas.microsoft.com/office/drawing/2014/main" xmlns:a14="http://schemas.microsoft.com/office/drawing/2010/main" w="9525">
                   <a:solidFill>
                     <a:srgbClr val="000000"/>
                   </a:solidFill>
@@ -39215,7 +39223,7 @@
             </a:ln>
             <a:extLst>
               <a:ext uri="{91240B29-F687-4f45-9708-019B960494DF}">
-                <a14:hiddenLine xmlns:a14="http://schemas.microsoft.com/office/drawing/2010/main" xmlns:a16="http://schemas.microsoft.com/office/drawing/2014/main" xmlns="" w="9525">
+                <a14:hiddenLine xmlns="" xmlns:a16="http://schemas.microsoft.com/office/drawing/2014/main" xmlns:a14="http://schemas.microsoft.com/office/drawing/2010/main" w="9525">
                   <a:solidFill>
                     <a:srgbClr val="000000"/>
                   </a:solidFill>
@@ -39264,7 +39272,7 @@
             </a:ln>
             <a:extLst>
               <a:ext uri="{91240B29-F687-4f45-9708-019B960494DF}">
-                <a14:hiddenLine xmlns:a14="http://schemas.microsoft.com/office/drawing/2010/main" xmlns:a16="http://schemas.microsoft.com/office/drawing/2014/main" xmlns="" w="9525">
+                <a14:hiddenLine xmlns="" xmlns:a16="http://schemas.microsoft.com/office/drawing/2014/main" xmlns:a14="http://schemas.microsoft.com/office/drawing/2010/main" w="9525">
                   <a:solidFill>
                     <a:srgbClr val="000000"/>
                   </a:solidFill>
@@ -39369,7 +39377,7 @@
             </a:ln>
             <a:extLst>
               <a:ext uri="{91240B29-F687-4f45-9708-019B960494DF}">
-                <a14:hiddenLine xmlns:a14="http://schemas.microsoft.com/office/drawing/2010/main" xmlns:a16="http://schemas.microsoft.com/office/drawing/2014/main" xmlns="" w="9525">
+                <a14:hiddenLine xmlns="" xmlns:a16="http://schemas.microsoft.com/office/drawing/2014/main" xmlns:a14="http://schemas.microsoft.com/office/drawing/2010/main" w="9525">
                   <a:solidFill>
                     <a:srgbClr val="000000"/>
                   </a:solidFill>
@@ -39446,7 +39454,7 @@
             </a:ln>
             <a:extLst>
               <a:ext uri="{91240B29-F687-4f45-9708-019B960494DF}">
-                <a14:hiddenLine xmlns:a14="http://schemas.microsoft.com/office/drawing/2010/main" xmlns:a16="http://schemas.microsoft.com/office/drawing/2014/main" xmlns="" w="9525">
+                <a14:hiddenLine xmlns="" xmlns:a16="http://schemas.microsoft.com/office/drawing/2014/main" xmlns:a14="http://schemas.microsoft.com/office/drawing/2010/main" w="9525">
                   <a:solidFill>
                     <a:srgbClr val="000000"/>
                   </a:solidFill>
@@ -39523,7 +39531,7 @@
             </a:ln>
             <a:extLst>
               <a:ext uri="{91240B29-F687-4f45-9708-019B960494DF}">
-                <a14:hiddenLine xmlns:a14="http://schemas.microsoft.com/office/drawing/2010/main" xmlns:a16="http://schemas.microsoft.com/office/drawing/2014/main" xmlns="" w="9525">
+                <a14:hiddenLine xmlns="" xmlns:a16="http://schemas.microsoft.com/office/drawing/2014/main" xmlns:a14="http://schemas.microsoft.com/office/drawing/2010/main" w="9525">
                   <a:solidFill>
                     <a:srgbClr val="000000"/>
                   </a:solidFill>
@@ -39628,7 +39636,7 @@
             </a:ln>
             <a:extLst>
               <a:ext uri="{91240B29-F687-4f45-9708-019B960494DF}">
-                <a14:hiddenLine xmlns:a14="http://schemas.microsoft.com/office/drawing/2010/main" xmlns:a16="http://schemas.microsoft.com/office/drawing/2014/main" xmlns="" w="9525">
+                <a14:hiddenLine xmlns="" xmlns:a16="http://schemas.microsoft.com/office/drawing/2014/main" xmlns:a14="http://schemas.microsoft.com/office/drawing/2010/main" w="9525">
                   <a:solidFill>
                     <a:srgbClr val="000000"/>
                   </a:solidFill>
@@ -39705,7 +39713,7 @@
             </a:ln>
             <a:extLst>
               <a:ext uri="{91240B29-F687-4f45-9708-019B960494DF}">
-                <a14:hiddenLine xmlns:a14="http://schemas.microsoft.com/office/drawing/2010/main" xmlns:a16="http://schemas.microsoft.com/office/drawing/2014/main" xmlns="" w="9525">
+                <a14:hiddenLine xmlns="" xmlns:a16="http://schemas.microsoft.com/office/drawing/2014/main" xmlns:a14="http://schemas.microsoft.com/office/drawing/2010/main" w="9525">
                   <a:solidFill>
                     <a:srgbClr val="000000"/>
                   </a:solidFill>
@@ -39782,7 +39790,7 @@
             </a:ln>
             <a:extLst>
               <a:ext uri="{91240B29-F687-4f45-9708-019B960494DF}">
-                <a14:hiddenLine xmlns:a14="http://schemas.microsoft.com/office/drawing/2010/main" xmlns:a16="http://schemas.microsoft.com/office/drawing/2014/main" xmlns="" w="9525">
+                <a14:hiddenLine xmlns="" xmlns:a16="http://schemas.microsoft.com/office/drawing/2014/main" xmlns:a14="http://schemas.microsoft.com/office/drawing/2010/main" w="9525">
                   <a:solidFill>
                     <a:srgbClr val="000000"/>
                   </a:solidFill>
@@ -39887,7 +39895,7 @@
             </a:ln>
             <a:extLst>
               <a:ext uri="{91240B29-F687-4f45-9708-019B960494DF}">
-                <a14:hiddenLine xmlns:a14="http://schemas.microsoft.com/office/drawing/2010/main" xmlns:a16="http://schemas.microsoft.com/office/drawing/2014/main" xmlns="" w="9525">
+                <a14:hiddenLine xmlns="" xmlns:a16="http://schemas.microsoft.com/office/drawing/2014/main" xmlns:a14="http://schemas.microsoft.com/office/drawing/2010/main" w="9525">
                   <a:solidFill>
                     <a:srgbClr val="000000"/>
                   </a:solidFill>
@@ -39992,7 +40000,7 @@
             </a:ln>
             <a:extLst>
               <a:ext uri="{91240B29-F687-4f45-9708-019B960494DF}">
-                <a14:hiddenLine xmlns:a14="http://schemas.microsoft.com/office/drawing/2010/main" xmlns:a16="http://schemas.microsoft.com/office/drawing/2014/main" xmlns="" w="9525">
+                <a14:hiddenLine xmlns="" xmlns:a16="http://schemas.microsoft.com/office/drawing/2014/main" xmlns:a14="http://schemas.microsoft.com/office/drawing/2010/main" w="9525">
                   <a:solidFill>
                     <a:srgbClr val="000000"/>
                   </a:solidFill>
@@ -40069,7 +40077,7 @@
             </a:ln>
             <a:extLst>
               <a:ext uri="{91240B29-F687-4f45-9708-019B960494DF}">
-                <a14:hiddenLine xmlns:a14="http://schemas.microsoft.com/office/drawing/2010/main" xmlns:a16="http://schemas.microsoft.com/office/drawing/2014/main" xmlns="" w="9525">
+                <a14:hiddenLine xmlns="" xmlns:a16="http://schemas.microsoft.com/office/drawing/2014/main" xmlns:a14="http://schemas.microsoft.com/office/drawing/2010/main" w="9525">
                   <a:solidFill>
                     <a:srgbClr val="000000"/>
                   </a:solidFill>
@@ -40194,7 +40202,7 @@
             </a:ln>
             <a:extLst>
               <a:ext uri="{91240B29-F687-4f45-9708-019B960494DF}">
-                <a14:hiddenLine xmlns:a14="http://schemas.microsoft.com/office/drawing/2010/main" xmlns:a16="http://schemas.microsoft.com/office/drawing/2014/main" xmlns="" w="9525">
+                <a14:hiddenLine xmlns="" xmlns:a16="http://schemas.microsoft.com/office/drawing/2014/main" xmlns:a14="http://schemas.microsoft.com/office/drawing/2010/main" w="9525">
                   <a:solidFill>
                     <a:srgbClr val="000000"/>
                   </a:solidFill>
@@ -40271,7 +40279,7 @@
             </a:ln>
             <a:extLst>
               <a:ext uri="{91240B29-F687-4f45-9708-019B960494DF}">
-                <a14:hiddenLine xmlns:a14="http://schemas.microsoft.com/office/drawing/2010/main" xmlns:a16="http://schemas.microsoft.com/office/drawing/2014/main" xmlns="" w="9525">
+                <a14:hiddenLine xmlns="" xmlns:a16="http://schemas.microsoft.com/office/drawing/2014/main" xmlns:a14="http://schemas.microsoft.com/office/drawing/2010/main" w="9525">
                   <a:solidFill>
                     <a:srgbClr val="000000"/>
                   </a:solidFill>
@@ -40376,7 +40384,7 @@
             </a:ln>
             <a:extLst>
               <a:ext uri="{91240B29-F687-4f45-9708-019B960494DF}">
-                <a14:hiddenLine xmlns:a14="http://schemas.microsoft.com/office/drawing/2010/main" xmlns:a16="http://schemas.microsoft.com/office/drawing/2014/main" xmlns="" w="9525">
+                <a14:hiddenLine xmlns="" xmlns:a16="http://schemas.microsoft.com/office/drawing/2014/main" xmlns:a14="http://schemas.microsoft.com/office/drawing/2010/main" w="9525">
                   <a:solidFill>
                     <a:srgbClr val="000000"/>
                   </a:solidFill>
@@ -40481,7 +40489,7 @@
             </a:ln>
             <a:extLst>
               <a:ext uri="{91240B29-F687-4f45-9708-019B960494DF}">
-                <a14:hiddenLine xmlns:a14="http://schemas.microsoft.com/office/drawing/2010/main" xmlns:a16="http://schemas.microsoft.com/office/drawing/2014/main" xmlns="" w="9525">
+                <a14:hiddenLine xmlns="" xmlns:a16="http://schemas.microsoft.com/office/drawing/2014/main" xmlns:a14="http://schemas.microsoft.com/office/drawing/2010/main" w="9525">
                   <a:solidFill>
                     <a:srgbClr val="000000"/>
                   </a:solidFill>
@@ -40558,7 +40566,7 @@
             </a:ln>
             <a:extLst>
               <a:ext uri="{91240B29-F687-4f45-9708-019B960494DF}">
-                <a14:hiddenLine xmlns:a14="http://schemas.microsoft.com/office/drawing/2010/main" xmlns:a16="http://schemas.microsoft.com/office/drawing/2014/main" xmlns="" w="9525">
+                <a14:hiddenLine xmlns="" xmlns:a16="http://schemas.microsoft.com/office/drawing/2014/main" xmlns:a14="http://schemas.microsoft.com/office/drawing/2010/main" w="9525">
                   <a:solidFill>
                     <a:srgbClr val="000000"/>
                   </a:solidFill>
@@ -40663,7 +40671,7 @@
             </a:ln>
             <a:extLst>
               <a:ext uri="{91240B29-F687-4f45-9708-019B960494DF}">
-                <a14:hiddenLine xmlns:a14="http://schemas.microsoft.com/office/drawing/2010/main" xmlns:a16="http://schemas.microsoft.com/office/drawing/2014/main" xmlns="" w="9525">
+                <a14:hiddenLine xmlns="" xmlns:a16="http://schemas.microsoft.com/office/drawing/2014/main" xmlns:a14="http://schemas.microsoft.com/office/drawing/2010/main" w="9525">
                   <a:solidFill>
                     <a:srgbClr val="000000"/>
                   </a:solidFill>
@@ -40768,7 +40776,7 @@
             </a:ln>
             <a:extLst>
               <a:ext uri="{91240B29-F687-4f45-9708-019B960494DF}">
-                <a14:hiddenLine xmlns:a14="http://schemas.microsoft.com/office/drawing/2010/main" xmlns:a16="http://schemas.microsoft.com/office/drawing/2014/main" xmlns="" w="9525">
+                <a14:hiddenLine xmlns="" xmlns:a16="http://schemas.microsoft.com/office/drawing/2014/main" xmlns:a14="http://schemas.microsoft.com/office/drawing/2010/main" w="9525">
                   <a:solidFill>
                     <a:srgbClr val="000000"/>
                   </a:solidFill>
@@ -40839,7 +40847,7 @@
             </a:ln>
             <a:extLst>
               <a:ext uri="{91240B29-F687-4f45-9708-019B960494DF}">
-                <a14:hiddenLine xmlns:a14="http://schemas.microsoft.com/office/drawing/2010/main" xmlns:a16="http://schemas.microsoft.com/office/drawing/2014/main" xmlns="" w="9525">
+                <a14:hiddenLine xmlns="" xmlns:a16="http://schemas.microsoft.com/office/drawing/2014/main" xmlns:a14="http://schemas.microsoft.com/office/drawing/2010/main" w="9525">
                   <a:solidFill>
                     <a:srgbClr val="000000"/>
                   </a:solidFill>
@@ -40944,7 +40952,7 @@
             </a:ln>
             <a:extLst>
               <a:ext uri="{91240B29-F687-4f45-9708-019B960494DF}">
-                <a14:hiddenLine xmlns:a14="http://schemas.microsoft.com/office/drawing/2010/main" xmlns:a16="http://schemas.microsoft.com/office/drawing/2014/main" xmlns="" w="9525">
+                <a14:hiddenLine xmlns="" xmlns:a16="http://schemas.microsoft.com/office/drawing/2014/main" xmlns:a14="http://schemas.microsoft.com/office/drawing/2010/main" w="9525">
                   <a:solidFill>
                     <a:srgbClr val="000000"/>
                   </a:solidFill>
@@ -41015,7 +41023,7 @@
             </a:ln>
             <a:extLst>
               <a:ext uri="{91240B29-F687-4f45-9708-019B960494DF}">
-                <a14:hiddenLine xmlns:a14="http://schemas.microsoft.com/office/drawing/2010/main" xmlns:a16="http://schemas.microsoft.com/office/drawing/2014/main" xmlns="" w="9525">
+                <a14:hiddenLine xmlns="" xmlns:a16="http://schemas.microsoft.com/office/drawing/2014/main" xmlns:a14="http://schemas.microsoft.com/office/drawing/2010/main" w="9525">
                   <a:solidFill>
                     <a:srgbClr val="000000"/>
                   </a:solidFill>
@@ -41120,7 +41128,7 @@
             </a:ln>
             <a:extLst>
               <a:ext uri="{91240B29-F687-4f45-9708-019B960494DF}">
-                <a14:hiddenLine xmlns:a14="http://schemas.microsoft.com/office/drawing/2010/main" xmlns:a16="http://schemas.microsoft.com/office/drawing/2014/main" xmlns="" w="9525">
+                <a14:hiddenLine xmlns="" xmlns:a16="http://schemas.microsoft.com/office/drawing/2014/main" xmlns:a14="http://schemas.microsoft.com/office/drawing/2010/main" w="9525">
                   <a:solidFill>
                     <a:srgbClr val="000000"/>
                   </a:solidFill>
@@ -41203,7 +41211,7 @@
             </a:ln>
             <a:extLst>
               <a:ext uri="{91240B29-F687-4f45-9708-019B960494DF}">
-                <a14:hiddenLine xmlns:a14="http://schemas.microsoft.com/office/drawing/2010/main" xmlns:a16="http://schemas.microsoft.com/office/drawing/2014/main" xmlns="" w="9525">
+                <a14:hiddenLine xmlns="" xmlns:a16="http://schemas.microsoft.com/office/drawing/2014/main" xmlns:a14="http://schemas.microsoft.com/office/drawing/2010/main" w="9525">
                   <a:solidFill>
                     <a:srgbClr val="000000"/>
                   </a:solidFill>
@@ -41308,7 +41316,7 @@
             </a:ln>
             <a:extLst>
               <a:ext uri="{91240B29-F687-4f45-9708-019B960494DF}">
-                <a14:hiddenLine xmlns:a14="http://schemas.microsoft.com/office/drawing/2010/main" xmlns:a16="http://schemas.microsoft.com/office/drawing/2014/main" xmlns="" w="9525">
+                <a14:hiddenLine xmlns="" xmlns:a16="http://schemas.microsoft.com/office/drawing/2014/main" xmlns:a14="http://schemas.microsoft.com/office/drawing/2010/main" w="9525">
                   <a:solidFill>
                     <a:srgbClr val="000000"/>
                   </a:solidFill>
@@ -41391,7 +41399,7 @@
             </a:ln>
             <a:extLst>
               <a:ext uri="{91240B29-F687-4f45-9708-019B960494DF}">
-                <a14:hiddenLine xmlns:a14="http://schemas.microsoft.com/office/drawing/2010/main" xmlns:a16="http://schemas.microsoft.com/office/drawing/2014/main" xmlns="" w="9525">
+                <a14:hiddenLine xmlns="" xmlns:a16="http://schemas.microsoft.com/office/drawing/2014/main" xmlns:a14="http://schemas.microsoft.com/office/drawing/2010/main" w="9525">
                   <a:solidFill>
                     <a:srgbClr val="000000"/>
                   </a:solidFill>
@@ -41496,7 +41504,7 @@
             </a:ln>
             <a:extLst>
               <a:ext uri="{91240B29-F687-4f45-9708-019B960494DF}">
-                <a14:hiddenLine xmlns:a14="http://schemas.microsoft.com/office/drawing/2010/main" xmlns:a16="http://schemas.microsoft.com/office/drawing/2014/main" xmlns="" w="9525">
+                <a14:hiddenLine xmlns="" xmlns:a16="http://schemas.microsoft.com/office/drawing/2014/main" xmlns:a14="http://schemas.microsoft.com/office/drawing/2010/main" w="9525">
                   <a:solidFill>
                     <a:srgbClr val="000000"/>
                   </a:solidFill>
@@ -41545,7 +41553,7 @@
             </a:ln>
             <a:extLst>
               <a:ext uri="{91240B29-F687-4f45-9708-019B960494DF}">
-                <a14:hiddenLine xmlns:a14="http://schemas.microsoft.com/office/drawing/2010/main" xmlns:a16="http://schemas.microsoft.com/office/drawing/2014/main" xmlns="" w="9525">
+                <a14:hiddenLine xmlns="" xmlns:a16="http://schemas.microsoft.com/office/drawing/2014/main" xmlns:a14="http://schemas.microsoft.com/office/drawing/2010/main" w="9525">
                   <a:solidFill>
                     <a:srgbClr val="000000"/>
                   </a:solidFill>
@@ -41650,7 +41658,7 @@
             </a:ln>
             <a:extLst>
               <a:ext uri="{91240B29-F687-4f45-9708-019B960494DF}">
-                <a14:hiddenLine xmlns:a14="http://schemas.microsoft.com/office/drawing/2010/main" xmlns:a16="http://schemas.microsoft.com/office/drawing/2014/main" xmlns="" w="9525">
+                <a14:hiddenLine xmlns="" xmlns:a16="http://schemas.microsoft.com/office/drawing/2014/main" xmlns:a14="http://schemas.microsoft.com/office/drawing/2010/main" w="9525">
                   <a:solidFill>
                     <a:srgbClr val="000000"/>
                   </a:solidFill>
@@ -41727,7 +41735,7 @@
             </a:ln>
             <a:extLst>
               <a:ext uri="{91240B29-F687-4f45-9708-019B960494DF}">
-                <a14:hiddenLine xmlns:a14="http://schemas.microsoft.com/office/drawing/2010/main" xmlns:a16="http://schemas.microsoft.com/office/drawing/2014/main" xmlns="" w="9525">
+                <a14:hiddenLine xmlns="" xmlns:a16="http://schemas.microsoft.com/office/drawing/2014/main" xmlns:a14="http://schemas.microsoft.com/office/drawing/2010/main" w="9525">
                   <a:solidFill>
                     <a:srgbClr val="000000"/>
                   </a:solidFill>
@@ -41804,7 +41812,7 @@
             </a:ln>
             <a:extLst>
               <a:ext uri="{91240B29-F687-4f45-9708-019B960494DF}">
-                <a14:hiddenLine xmlns:a14="http://schemas.microsoft.com/office/drawing/2010/main" xmlns:a16="http://schemas.microsoft.com/office/drawing/2014/main" xmlns="" w="9525">
+                <a14:hiddenLine xmlns="" xmlns:a16="http://schemas.microsoft.com/office/drawing/2014/main" xmlns:a14="http://schemas.microsoft.com/office/drawing/2010/main" w="9525">
                   <a:solidFill>
                     <a:srgbClr val="000000"/>
                   </a:solidFill>
@@ -41909,7 +41917,7 @@
             </a:ln>
             <a:extLst>
               <a:ext uri="{91240B29-F687-4f45-9708-019B960494DF}">
-                <a14:hiddenLine xmlns:a14="http://schemas.microsoft.com/office/drawing/2010/main" xmlns:a16="http://schemas.microsoft.com/office/drawing/2014/main" xmlns="" w="9525">
+                <a14:hiddenLine xmlns="" xmlns:a16="http://schemas.microsoft.com/office/drawing/2014/main" xmlns:a14="http://schemas.microsoft.com/office/drawing/2010/main" w="9525">
                   <a:solidFill>
                     <a:srgbClr val="000000"/>
                   </a:solidFill>
@@ -41992,7 +42000,7 @@
             </a:ln>
             <a:extLst>
               <a:ext uri="{91240B29-F687-4f45-9708-019B960494DF}">
-                <a14:hiddenLine xmlns:a14="http://schemas.microsoft.com/office/drawing/2010/main" xmlns:a16="http://schemas.microsoft.com/office/drawing/2014/main" xmlns="" w="9525">
+                <a14:hiddenLine xmlns="" xmlns:a16="http://schemas.microsoft.com/office/drawing/2014/main" xmlns:a14="http://schemas.microsoft.com/office/drawing/2010/main" w="9525">
                   <a:solidFill>
                     <a:srgbClr val="000000"/>
                   </a:solidFill>
@@ -42069,7 +42077,7 @@
             </a:ln>
             <a:extLst>
               <a:ext uri="{91240B29-F687-4f45-9708-019B960494DF}">
-                <a14:hiddenLine xmlns:a14="http://schemas.microsoft.com/office/drawing/2010/main" xmlns:a16="http://schemas.microsoft.com/office/drawing/2014/main" xmlns="" w="9525">
+                <a14:hiddenLine xmlns="" xmlns:a16="http://schemas.microsoft.com/office/drawing/2014/main" xmlns:a14="http://schemas.microsoft.com/office/drawing/2010/main" w="9525">
                   <a:solidFill>
                     <a:srgbClr val="000000"/>
                   </a:solidFill>
@@ -42174,7 +42182,7 @@
             </a:ln>
             <a:extLst>
               <a:ext uri="{91240B29-F687-4f45-9708-019B960494DF}">
-                <a14:hiddenLine xmlns:a14="http://schemas.microsoft.com/office/drawing/2010/main" xmlns:a16="http://schemas.microsoft.com/office/drawing/2014/main" xmlns="" w="9525">
+                <a14:hiddenLine xmlns="" xmlns:a16="http://schemas.microsoft.com/office/drawing/2014/main" xmlns:a14="http://schemas.microsoft.com/office/drawing/2010/main" w="9525">
                   <a:solidFill>
                     <a:srgbClr val="000000"/>
                   </a:solidFill>
@@ -42251,7 +42259,7 @@
             </a:ln>
             <a:extLst>
               <a:ext uri="{91240B29-F687-4f45-9708-019B960494DF}">
-                <a14:hiddenLine xmlns:a14="http://schemas.microsoft.com/office/drawing/2010/main" xmlns:a16="http://schemas.microsoft.com/office/drawing/2014/main" xmlns="" w="9525">
+                <a14:hiddenLine xmlns="" xmlns:a16="http://schemas.microsoft.com/office/drawing/2014/main" xmlns:a14="http://schemas.microsoft.com/office/drawing/2010/main" w="9525">
                   <a:solidFill>
                     <a:srgbClr val="000000"/>
                   </a:solidFill>
@@ -42356,7 +42364,7 @@
             </a:ln>
             <a:extLst>
               <a:ext uri="{91240B29-F687-4f45-9708-019B960494DF}">
-                <a14:hiddenLine xmlns:a14="http://schemas.microsoft.com/office/drawing/2010/main" xmlns:a16="http://schemas.microsoft.com/office/drawing/2014/main" xmlns="" w="9525">
+                <a14:hiddenLine xmlns="" xmlns:a16="http://schemas.microsoft.com/office/drawing/2014/main" xmlns:a14="http://schemas.microsoft.com/office/drawing/2010/main" w="9525">
                   <a:solidFill>
                     <a:srgbClr val="000000"/>
                   </a:solidFill>
@@ -42433,7 +42441,7 @@
             </a:ln>
             <a:extLst>
               <a:ext uri="{91240B29-F687-4f45-9708-019B960494DF}">
-                <a14:hiddenLine xmlns:a14="http://schemas.microsoft.com/office/drawing/2010/main" xmlns:a16="http://schemas.microsoft.com/office/drawing/2014/main" xmlns="" w="9525">
+                <a14:hiddenLine xmlns="" xmlns:a16="http://schemas.microsoft.com/office/drawing/2014/main" xmlns:a14="http://schemas.microsoft.com/office/drawing/2010/main" w="9525">
                   <a:solidFill>
                     <a:srgbClr val="000000"/>
                   </a:solidFill>
@@ -42538,7 +42546,7 @@
             </a:ln>
             <a:extLst>
               <a:ext uri="{91240B29-F687-4f45-9708-019B960494DF}">
-                <a14:hiddenLine xmlns:a14="http://schemas.microsoft.com/office/drawing/2010/main" xmlns:a16="http://schemas.microsoft.com/office/drawing/2014/main" xmlns="" w="9525">
+                <a14:hiddenLine xmlns="" xmlns:a16="http://schemas.microsoft.com/office/drawing/2014/main" xmlns:a14="http://schemas.microsoft.com/office/drawing/2010/main" w="9525">
                   <a:solidFill>
                     <a:srgbClr val="000000"/>
                   </a:solidFill>
@@ -42587,7 +42595,7 @@
             </a:ln>
             <a:extLst>
               <a:ext uri="{91240B29-F687-4f45-9708-019B960494DF}">
-                <a14:hiddenLine xmlns:a14="http://schemas.microsoft.com/office/drawing/2010/main" xmlns:a16="http://schemas.microsoft.com/office/drawing/2014/main" xmlns="" w="9525">
+                <a14:hiddenLine xmlns="" xmlns:a16="http://schemas.microsoft.com/office/drawing/2014/main" xmlns:a14="http://schemas.microsoft.com/office/drawing/2010/main" w="9525">
                   <a:solidFill>
                     <a:srgbClr val="000000"/>
                   </a:solidFill>
@@ -42667,7 +42675,7 @@
             </a:ln>
             <a:extLst>
               <a:ext uri="{91240B29-F687-4f45-9708-019B960494DF}">
-                <a14:hiddenLine xmlns:a14="http://schemas.microsoft.com/office/drawing/2010/main" xmlns:a16="http://schemas.microsoft.com/office/drawing/2014/main" xmlns="" w="9525">
+                <a14:hiddenLine xmlns="" xmlns:a16="http://schemas.microsoft.com/office/drawing/2014/main" xmlns:a14="http://schemas.microsoft.com/office/drawing/2010/main" w="9525">
                   <a:solidFill>
                     <a:srgbClr val="000000"/>
                   </a:solidFill>
@@ -42772,7 +42780,7 @@
             </a:ln>
             <a:extLst>
               <a:ext uri="{91240B29-F687-4f45-9708-019B960494DF}">
-                <a14:hiddenLine xmlns:a14="http://schemas.microsoft.com/office/drawing/2010/main" xmlns:a16="http://schemas.microsoft.com/office/drawing/2014/main" xmlns="" w="9525">
+                <a14:hiddenLine xmlns="" xmlns:a16="http://schemas.microsoft.com/office/drawing/2014/main" xmlns:a14="http://schemas.microsoft.com/office/drawing/2010/main" w="9525">
                   <a:solidFill>
                     <a:srgbClr val="000000"/>
                   </a:solidFill>
@@ -42849,7 +42857,7 @@
             </a:ln>
             <a:extLst>
               <a:ext uri="{91240B29-F687-4f45-9708-019B960494DF}">
-                <a14:hiddenLine xmlns:a14="http://schemas.microsoft.com/office/drawing/2010/main" xmlns:a16="http://schemas.microsoft.com/office/drawing/2014/main" xmlns="" w="9525">
+                <a14:hiddenLine xmlns="" xmlns:a16="http://schemas.microsoft.com/office/drawing/2014/main" xmlns:a14="http://schemas.microsoft.com/office/drawing/2010/main" w="9525">
                   <a:solidFill>
                     <a:srgbClr val="000000"/>
                   </a:solidFill>
@@ -42954,7 +42962,7 @@
             </a:ln>
             <a:extLst>
               <a:ext uri="{91240B29-F687-4f45-9708-019B960494DF}">
-                <a14:hiddenLine xmlns:a14="http://schemas.microsoft.com/office/drawing/2010/main" xmlns:a16="http://schemas.microsoft.com/office/drawing/2014/main" xmlns="" w="9525">
+                <a14:hiddenLine xmlns="" xmlns:a16="http://schemas.microsoft.com/office/drawing/2014/main" xmlns:a14="http://schemas.microsoft.com/office/drawing/2010/main" w="9525">
                   <a:solidFill>
                     <a:srgbClr val="000000"/>
                   </a:solidFill>
@@ -43059,7 +43067,7 @@
             </a:ln>
             <a:extLst>
               <a:ext uri="{91240B29-F687-4f45-9708-019B960494DF}">
-                <a14:hiddenLine xmlns:a14="http://schemas.microsoft.com/office/drawing/2010/main" xmlns:a16="http://schemas.microsoft.com/office/drawing/2014/main" xmlns="" w="9525">
+                <a14:hiddenLine xmlns="" xmlns:a16="http://schemas.microsoft.com/office/drawing/2014/main" xmlns:a14="http://schemas.microsoft.com/office/drawing/2010/main" w="9525">
                   <a:solidFill>
                     <a:srgbClr val="000000"/>
                   </a:solidFill>
@@ -43139,7 +43147,7 @@
             </a:ln>
             <a:extLst>
               <a:ext uri="{91240B29-F687-4f45-9708-019B960494DF}">
-                <a14:hiddenLine xmlns:a14="http://schemas.microsoft.com/office/drawing/2010/main" xmlns:a16="http://schemas.microsoft.com/office/drawing/2014/main" xmlns="" w="9525">
+                <a14:hiddenLine xmlns="" xmlns:a16="http://schemas.microsoft.com/office/drawing/2014/main" xmlns:a14="http://schemas.microsoft.com/office/drawing/2010/main" w="9525">
                   <a:solidFill>
                     <a:srgbClr val="000000"/>
                   </a:solidFill>
@@ -43216,7 +43224,7 @@
             </a:ln>
             <a:extLst>
               <a:ext uri="{91240B29-F687-4f45-9708-019B960494DF}">
-                <a14:hiddenLine xmlns:a14="http://schemas.microsoft.com/office/drawing/2010/main" xmlns:a16="http://schemas.microsoft.com/office/drawing/2014/main" xmlns="" w="9525">
+                <a14:hiddenLine xmlns="" xmlns:a16="http://schemas.microsoft.com/office/drawing/2014/main" xmlns:a14="http://schemas.microsoft.com/office/drawing/2010/main" w="9525">
                   <a:solidFill>
                     <a:srgbClr val="000000"/>
                   </a:solidFill>
@@ -43321,7 +43329,7 @@
             </a:ln>
             <a:extLst>
               <a:ext uri="{91240B29-F687-4f45-9708-019B960494DF}">
-                <a14:hiddenLine xmlns:a14="http://schemas.microsoft.com/office/drawing/2010/main" xmlns:a16="http://schemas.microsoft.com/office/drawing/2014/main" xmlns="" w="9525">
+                <a14:hiddenLine xmlns="" xmlns:a16="http://schemas.microsoft.com/office/drawing/2014/main" xmlns:a14="http://schemas.microsoft.com/office/drawing/2010/main" w="9525">
                   <a:solidFill>
                     <a:srgbClr val="000000"/>
                   </a:solidFill>
@@ -43426,7 +43434,7 @@
             </a:ln>
             <a:extLst>
               <a:ext uri="{91240B29-F687-4f45-9708-019B960494DF}">
-                <a14:hiddenLine xmlns:a14="http://schemas.microsoft.com/office/drawing/2010/main" xmlns:a16="http://schemas.microsoft.com/office/drawing/2014/main" xmlns="" w="9525">
+                <a14:hiddenLine xmlns="" xmlns:a16="http://schemas.microsoft.com/office/drawing/2014/main" xmlns:a14="http://schemas.microsoft.com/office/drawing/2010/main" w="9525">
                   <a:solidFill>
                     <a:srgbClr val="000000"/>
                   </a:solidFill>
@@ -43503,7 +43511,7 @@
             </a:ln>
             <a:extLst>
               <a:ext uri="{91240B29-F687-4f45-9708-019B960494DF}">
-                <a14:hiddenLine xmlns:a14="http://schemas.microsoft.com/office/drawing/2010/main" xmlns:a16="http://schemas.microsoft.com/office/drawing/2014/main" xmlns="" w="9525">
+                <a14:hiddenLine xmlns="" xmlns:a16="http://schemas.microsoft.com/office/drawing/2014/main" xmlns:a14="http://schemas.microsoft.com/office/drawing/2010/main" w="9525">
                   <a:solidFill>
                     <a:srgbClr val="000000"/>
                   </a:solidFill>
@@ -43638,7 +43646,7 @@
             </a:ln>
             <a:extLst>
               <a:ext uri="{91240B29-F687-4f45-9708-019B960494DF}">
-                <a14:hiddenLine xmlns:a14="http://schemas.microsoft.com/office/drawing/2010/main" xmlns:a16="http://schemas.microsoft.com/office/drawing/2014/main" xmlns="" w="9525">
+                <a14:hiddenLine xmlns="" xmlns:a16="http://schemas.microsoft.com/office/drawing/2014/main" xmlns:a14="http://schemas.microsoft.com/office/drawing/2010/main" w="9525">
                   <a:solidFill>
                     <a:srgbClr val="000000"/>
                   </a:solidFill>
@@ -43721,7 +43729,7 @@
             </a:ln>
             <a:extLst>
               <a:ext uri="{91240B29-F687-4f45-9708-019B960494DF}">
-                <a14:hiddenLine xmlns:a14="http://schemas.microsoft.com/office/drawing/2010/main" xmlns:a16="http://schemas.microsoft.com/office/drawing/2014/main" xmlns="" w="9525">
+                <a14:hiddenLine xmlns="" xmlns:a16="http://schemas.microsoft.com/office/drawing/2014/main" xmlns:a14="http://schemas.microsoft.com/office/drawing/2010/main" w="9525">
                   <a:solidFill>
                     <a:srgbClr val="000000"/>
                   </a:solidFill>
@@ -43826,7 +43834,7 @@
             </a:ln>
             <a:extLst>
               <a:ext uri="{91240B29-F687-4f45-9708-019B960494DF}">
-                <a14:hiddenLine xmlns:a14="http://schemas.microsoft.com/office/drawing/2010/main" xmlns:a16="http://schemas.microsoft.com/office/drawing/2014/main" xmlns="" w="9525">
+                <a14:hiddenLine xmlns="" xmlns:a16="http://schemas.microsoft.com/office/drawing/2014/main" xmlns:a14="http://schemas.microsoft.com/office/drawing/2010/main" w="9525">
                   <a:solidFill>
                     <a:srgbClr val="000000"/>
                   </a:solidFill>
@@ -43983,7 +43991,7 @@
             <a:noFill/>
             <a:extLst>
               <a:ext uri="{909E8E84-426E-40dd-AFC4-6F175D3DCCD1}">
-                <a14:hiddenFill xmlns:a14="http://schemas.microsoft.com/office/drawing/2010/main" xmlns:p14="http://schemas.microsoft.com/office/powerpoint/2010/main" xmlns:a16="http://schemas.microsoft.com/office/drawing/2014/main" xmlns="">
+                <a14:hiddenFill xmlns="" xmlns:a16="http://schemas.microsoft.com/office/drawing/2014/main" xmlns:p14="http://schemas.microsoft.com/office/powerpoint/2010/main" xmlns:a14="http://schemas.microsoft.com/office/drawing/2010/main">
                   <a:solidFill>
                     <a:srgbClr val="FFFFFF"/>
                   </a:solidFill>

--- a/Documentation/Revue 3/Presentation_Revue_3.pptx
+++ b/Documentation/Revue 3/Presentation_Revue_3.pptx
@@ -613,7 +613,7 @@
           <a:noFill/>
           <a:extLst>
             <a:ext uri="{909E8E84-426E-40dd-AFC4-6F175D3DCCD1}">
-              <a14:hiddenFill xmlns:a14="http://schemas.microsoft.com/office/drawing/2010/main" xmlns="">
+              <a14:hiddenFill xmlns="" xmlns:a14="http://schemas.microsoft.com/office/drawing/2010/main">
                 <a:solidFill>
                   <a:srgbClr val="FFFFFF"/>
                 </a:solidFill>
@@ -673,7 +673,7 @@
             </a:ln>
             <a:extLst>
               <a:ext uri="{91240B29-F687-4f45-9708-019B960494DF}">
-                <a14:hiddenLine xmlns:a14="http://schemas.microsoft.com/office/drawing/2010/main" xmlns="" w="9525">
+                <a14:hiddenLine xmlns="" xmlns:a14="http://schemas.microsoft.com/office/drawing/2010/main" w="9525">
                   <a:solidFill>
                     <a:srgbClr val="000000"/>
                   </a:solidFill>
@@ -763,7 +763,7 @@
             </a:ln>
             <a:extLst>
               <a:ext uri="{91240B29-F687-4f45-9708-019B960494DF}">
-                <a14:hiddenLine xmlns:a14="http://schemas.microsoft.com/office/drawing/2010/main" xmlns="" w="9525">
+                <a14:hiddenLine xmlns="" xmlns:a14="http://schemas.microsoft.com/office/drawing/2010/main" w="9525">
                   <a:solidFill>
                     <a:srgbClr val="000000"/>
                   </a:solidFill>
@@ -853,7 +853,7 @@
             </a:ln>
             <a:extLst>
               <a:ext uri="{91240B29-F687-4f45-9708-019B960494DF}">
-                <a14:hiddenLine xmlns:a14="http://schemas.microsoft.com/office/drawing/2010/main" xmlns="" w="9525">
+                <a14:hiddenLine xmlns="" xmlns:a14="http://schemas.microsoft.com/office/drawing/2010/main" w="9525">
                   <a:solidFill>
                     <a:srgbClr val="000000"/>
                   </a:solidFill>
@@ -887,7 +887,7 @@
             </a:ln>
             <a:extLst>
               <a:ext uri="{91240B29-F687-4f45-9708-019B960494DF}">
-                <a14:hiddenLine xmlns:a14="http://schemas.microsoft.com/office/drawing/2010/main" xmlns="" w="9525">
+                <a14:hiddenLine xmlns="" xmlns:a14="http://schemas.microsoft.com/office/drawing/2010/main" w="9525">
                   <a:solidFill>
                     <a:srgbClr val="000000"/>
                   </a:solidFill>
@@ -977,7 +977,7 @@
             </a:ln>
             <a:extLst>
               <a:ext uri="{91240B29-F687-4f45-9708-019B960494DF}">
-                <a14:hiddenLine xmlns:a14="http://schemas.microsoft.com/office/drawing/2010/main" xmlns="" w="9525">
+                <a14:hiddenLine xmlns="" xmlns:a14="http://schemas.microsoft.com/office/drawing/2010/main" w="9525">
                   <a:solidFill>
                     <a:srgbClr val="000000"/>
                   </a:solidFill>
@@ -1039,7 +1039,7 @@
             </a:ln>
             <a:extLst>
               <a:ext uri="{91240B29-F687-4f45-9708-019B960494DF}">
-                <a14:hiddenLine xmlns:a14="http://schemas.microsoft.com/office/drawing/2010/main" xmlns="" w="9525">
+                <a14:hiddenLine xmlns="" xmlns:a14="http://schemas.microsoft.com/office/drawing/2010/main" w="9525">
                   <a:solidFill>
                     <a:srgbClr val="000000"/>
                   </a:solidFill>
@@ -1101,7 +1101,7 @@
             </a:ln>
             <a:extLst>
               <a:ext uri="{91240B29-F687-4f45-9708-019B960494DF}">
-                <a14:hiddenLine xmlns:a14="http://schemas.microsoft.com/office/drawing/2010/main" xmlns="" w="9525">
+                <a14:hiddenLine xmlns="" xmlns:a14="http://schemas.microsoft.com/office/drawing/2010/main" w="9525">
                   <a:solidFill>
                     <a:srgbClr val="000000"/>
                   </a:solidFill>
@@ -1191,7 +1191,7 @@
             </a:ln>
             <a:extLst>
               <a:ext uri="{91240B29-F687-4f45-9708-019B960494DF}">
-                <a14:hiddenLine xmlns:a14="http://schemas.microsoft.com/office/drawing/2010/main" xmlns="" w="9525">
+                <a14:hiddenLine xmlns="" xmlns:a14="http://schemas.microsoft.com/office/drawing/2010/main" w="9525">
                   <a:solidFill>
                     <a:srgbClr val="000000"/>
                   </a:solidFill>
@@ -1253,7 +1253,7 @@
             </a:ln>
             <a:extLst>
               <a:ext uri="{91240B29-F687-4f45-9708-019B960494DF}">
-                <a14:hiddenLine xmlns:a14="http://schemas.microsoft.com/office/drawing/2010/main" xmlns="" w="9525">
+                <a14:hiddenLine xmlns="" xmlns:a14="http://schemas.microsoft.com/office/drawing/2010/main" w="9525">
                   <a:solidFill>
                     <a:srgbClr val="000000"/>
                   </a:solidFill>
@@ -1315,7 +1315,7 @@
             </a:ln>
             <a:extLst>
               <a:ext uri="{91240B29-F687-4f45-9708-019B960494DF}">
-                <a14:hiddenLine xmlns:a14="http://schemas.microsoft.com/office/drawing/2010/main" xmlns="" w="9525">
+                <a14:hiddenLine xmlns="" xmlns:a14="http://schemas.microsoft.com/office/drawing/2010/main" w="9525">
                   <a:solidFill>
                     <a:srgbClr val="000000"/>
                   </a:solidFill>
@@ -1405,7 +1405,7 @@
             </a:ln>
             <a:extLst>
               <a:ext uri="{91240B29-F687-4f45-9708-019B960494DF}">
-                <a14:hiddenLine xmlns:a14="http://schemas.microsoft.com/office/drawing/2010/main" xmlns="" w="9525">
+                <a14:hiddenLine xmlns="" xmlns:a14="http://schemas.microsoft.com/office/drawing/2010/main" w="9525">
                   <a:solidFill>
                     <a:srgbClr val="000000"/>
                   </a:solidFill>
@@ -1495,7 +1495,7 @@
             </a:ln>
             <a:extLst>
               <a:ext uri="{91240B29-F687-4f45-9708-019B960494DF}">
-                <a14:hiddenLine xmlns:a14="http://schemas.microsoft.com/office/drawing/2010/main" xmlns="" w="9525">
+                <a14:hiddenLine xmlns="" xmlns:a14="http://schemas.microsoft.com/office/drawing/2010/main" w="9525">
                   <a:solidFill>
                     <a:srgbClr val="000000"/>
                   </a:solidFill>
@@ -1557,7 +1557,7 @@
             </a:ln>
             <a:extLst>
               <a:ext uri="{91240B29-F687-4f45-9708-019B960494DF}">
-                <a14:hiddenLine xmlns:a14="http://schemas.microsoft.com/office/drawing/2010/main" xmlns="" w="9525">
+                <a14:hiddenLine xmlns="" xmlns:a14="http://schemas.microsoft.com/office/drawing/2010/main" w="9525">
                   <a:solidFill>
                     <a:srgbClr val="000000"/>
                   </a:solidFill>
@@ -1667,7 +1667,7 @@
             </a:ln>
             <a:extLst>
               <a:ext uri="{91240B29-F687-4f45-9708-019B960494DF}">
-                <a14:hiddenLine xmlns:a14="http://schemas.microsoft.com/office/drawing/2010/main" xmlns="" w="9525">
+                <a14:hiddenLine xmlns="" xmlns:a14="http://schemas.microsoft.com/office/drawing/2010/main" w="9525">
                   <a:solidFill>
                     <a:srgbClr val="000000"/>
                   </a:solidFill>
@@ -1729,7 +1729,7 @@
             </a:ln>
             <a:extLst>
               <a:ext uri="{91240B29-F687-4f45-9708-019B960494DF}">
-                <a14:hiddenLine xmlns:a14="http://schemas.microsoft.com/office/drawing/2010/main" xmlns="" w="9525">
+                <a14:hiddenLine xmlns="" xmlns:a14="http://schemas.microsoft.com/office/drawing/2010/main" w="9525">
                   <a:solidFill>
                     <a:srgbClr val="000000"/>
                   </a:solidFill>
@@ -1819,7 +1819,7 @@
             </a:ln>
             <a:extLst>
               <a:ext uri="{91240B29-F687-4f45-9708-019B960494DF}">
-                <a14:hiddenLine xmlns:a14="http://schemas.microsoft.com/office/drawing/2010/main" xmlns="" w="9525">
+                <a14:hiddenLine xmlns="" xmlns:a14="http://schemas.microsoft.com/office/drawing/2010/main" w="9525">
                   <a:solidFill>
                     <a:srgbClr val="000000"/>
                   </a:solidFill>
@@ -1909,7 +1909,7 @@
             </a:ln>
             <a:extLst>
               <a:ext uri="{91240B29-F687-4f45-9708-019B960494DF}">
-                <a14:hiddenLine xmlns:a14="http://schemas.microsoft.com/office/drawing/2010/main" xmlns="" w="9525">
+                <a14:hiddenLine xmlns="" xmlns:a14="http://schemas.microsoft.com/office/drawing/2010/main" w="9525">
                   <a:solidFill>
                     <a:srgbClr val="000000"/>
                   </a:solidFill>
@@ -1971,7 +1971,7 @@
             </a:ln>
             <a:extLst>
               <a:ext uri="{91240B29-F687-4f45-9708-019B960494DF}">
-                <a14:hiddenLine xmlns:a14="http://schemas.microsoft.com/office/drawing/2010/main" xmlns="" w="9525">
+                <a14:hiddenLine xmlns="" xmlns:a14="http://schemas.microsoft.com/office/drawing/2010/main" w="9525">
                   <a:solidFill>
                     <a:srgbClr val="000000"/>
                   </a:solidFill>
@@ -2061,7 +2061,7 @@
             </a:ln>
             <a:extLst>
               <a:ext uri="{91240B29-F687-4f45-9708-019B960494DF}">
-                <a14:hiddenLine xmlns:a14="http://schemas.microsoft.com/office/drawing/2010/main" xmlns="" w="9525">
+                <a14:hiddenLine xmlns="" xmlns:a14="http://schemas.microsoft.com/office/drawing/2010/main" w="9525">
                   <a:solidFill>
                     <a:srgbClr val="000000"/>
                   </a:solidFill>
@@ -2151,7 +2151,7 @@
             </a:ln>
             <a:extLst>
               <a:ext uri="{91240B29-F687-4f45-9708-019B960494DF}">
-                <a14:hiddenLine xmlns:a14="http://schemas.microsoft.com/office/drawing/2010/main" xmlns="" w="9525">
+                <a14:hiddenLine xmlns="" xmlns:a14="http://schemas.microsoft.com/office/drawing/2010/main" w="9525">
                   <a:solidFill>
                     <a:srgbClr val="000000"/>
                   </a:solidFill>
@@ -2207,7 +2207,7 @@
             </a:ln>
             <a:extLst>
               <a:ext uri="{91240B29-F687-4f45-9708-019B960494DF}">
-                <a14:hiddenLine xmlns:a14="http://schemas.microsoft.com/office/drawing/2010/main" xmlns="" w="9525">
+                <a14:hiddenLine xmlns="" xmlns:a14="http://schemas.microsoft.com/office/drawing/2010/main" w="9525">
                   <a:solidFill>
                     <a:srgbClr val="000000"/>
                   </a:solidFill>
@@ -2297,7 +2297,7 @@
             </a:ln>
             <a:extLst>
               <a:ext uri="{91240B29-F687-4f45-9708-019B960494DF}">
-                <a14:hiddenLine xmlns:a14="http://schemas.microsoft.com/office/drawing/2010/main" xmlns="" w="9525">
+                <a14:hiddenLine xmlns="" xmlns:a14="http://schemas.microsoft.com/office/drawing/2010/main" w="9525">
                   <a:solidFill>
                     <a:srgbClr val="000000"/>
                   </a:solidFill>
@@ -2353,7 +2353,7 @@
             </a:ln>
             <a:extLst>
               <a:ext uri="{91240B29-F687-4f45-9708-019B960494DF}">
-                <a14:hiddenLine xmlns:a14="http://schemas.microsoft.com/office/drawing/2010/main" xmlns="" w="9525">
+                <a14:hiddenLine xmlns="" xmlns:a14="http://schemas.microsoft.com/office/drawing/2010/main" w="9525">
                   <a:solidFill>
                     <a:srgbClr val="000000"/>
                   </a:solidFill>
@@ -2443,7 +2443,7 @@
             </a:ln>
             <a:extLst>
               <a:ext uri="{91240B29-F687-4f45-9708-019B960494DF}">
-                <a14:hiddenLine xmlns:a14="http://schemas.microsoft.com/office/drawing/2010/main" xmlns="" w="9525">
+                <a14:hiddenLine xmlns="" xmlns:a14="http://schemas.microsoft.com/office/drawing/2010/main" w="9525">
                   <a:solidFill>
                     <a:srgbClr val="000000"/>
                   </a:solidFill>
@@ -2511,7 +2511,7 @@
             </a:ln>
             <a:extLst>
               <a:ext uri="{91240B29-F687-4f45-9708-019B960494DF}">
-                <a14:hiddenLine xmlns:a14="http://schemas.microsoft.com/office/drawing/2010/main" xmlns="" w="9525">
+                <a14:hiddenLine xmlns="" xmlns:a14="http://schemas.microsoft.com/office/drawing/2010/main" w="9525">
                   <a:solidFill>
                     <a:srgbClr val="000000"/>
                   </a:solidFill>
@@ -2601,7 +2601,7 @@
             </a:ln>
             <a:extLst>
               <a:ext uri="{91240B29-F687-4f45-9708-019B960494DF}">
-                <a14:hiddenLine xmlns:a14="http://schemas.microsoft.com/office/drawing/2010/main" xmlns="" w="9525">
+                <a14:hiddenLine xmlns="" xmlns:a14="http://schemas.microsoft.com/office/drawing/2010/main" w="9525">
                   <a:solidFill>
                     <a:srgbClr val="000000"/>
                   </a:solidFill>
@@ -2669,7 +2669,7 @@
             </a:ln>
             <a:extLst>
               <a:ext uri="{91240B29-F687-4f45-9708-019B960494DF}">
-                <a14:hiddenLine xmlns:a14="http://schemas.microsoft.com/office/drawing/2010/main" xmlns="" w="9525">
+                <a14:hiddenLine xmlns="" xmlns:a14="http://schemas.microsoft.com/office/drawing/2010/main" w="9525">
                   <a:solidFill>
                     <a:srgbClr val="000000"/>
                   </a:solidFill>
@@ -2759,7 +2759,7 @@
             </a:ln>
             <a:extLst>
               <a:ext uri="{91240B29-F687-4f45-9708-019B960494DF}">
-                <a14:hiddenLine xmlns:a14="http://schemas.microsoft.com/office/drawing/2010/main" xmlns="" w="9525">
+                <a14:hiddenLine xmlns="" xmlns:a14="http://schemas.microsoft.com/office/drawing/2010/main" w="9525">
                   <a:solidFill>
                     <a:srgbClr val="000000"/>
                   </a:solidFill>
@@ -2793,7 +2793,7 @@
             </a:ln>
             <a:extLst>
               <a:ext uri="{91240B29-F687-4f45-9708-019B960494DF}">
-                <a14:hiddenLine xmlns:a14="http://schemas.microsoft.com/office/drawing/2010/main" xmlns="" w="9525">
+                <a14:hiddenLine xmlns="" xmlns:a14="http://schemas.microsoft.com/office/drawing/2010/main" w="9525">
                   <a:solidFill>
                     <a:srgbClr val="000000"/>
                   </a:solidFill>
@@ -2883,7 +2883,7 @@
             </a:ln>
             <a:extLst>
               <a:ext uri="{91240B29-F687-4f45-9708-019B960494DF}">
-                <a14:hiddenLine xmlns:a14="http://schemas.microsoft.com/office/drawing/2010/main" xmlns="" w="9525">
+                <a14:hiddenLine xmlns="" xmlns:a14="http://schemas.microsoft.com/office/drawing/2010/main" w="9525">
                   <a:solidFill>
                     <a:srgbClr val="000000"/>
                   </a:solidFill>
@@ -2945,7 +2945,7 @@
             </a:ln>
             <a:extLst>
               <a:ext uri="{91240B29-F687-4f45-9708-019B960494DF}">
-                <a14:hiddenLine xmlns:a14="http://schemas.microsoft.com/office/drawing/2010/main" xmlns="" w="9525">
+                <a14:hiddenLine xmlns="" xmlns:a14="http://schemas.microsoft.com/office/drawing/2010/main" w="9525">
                   <a:solidFill>
                     <a:srgbClr val="000000"/>
                   </a:solidFill>
@@ -3007,7 +3007,7 @@
             </a:ln>
             <a:extLst>
               <a:ext uri="{91240B29-F687-4f45-9708-019B960494DF}">
-                <a14:hiddenLine xmlns:a14="http://schemas.microsoft.com/office/drawing/2010/main" xmlns="" w="9525">
+                <a14:hiddenLine xmlns="" xmlns:a14="http://schemas.microsoft.com/office/drawing/2010/main" w="9525">
                   <a:solidFill>
                     <a:srgbClr val="000000"/>
                   </a:solidFill>
@@ -3097,7 +3097,7 @@
             </a:ln>
             <a:extLst>
               <a:ext uri="{91240B29-F687-4f45-9708-019B960494DF}">
-                <a14:hiddenLine xmlns:a14="http://schemas.microsoft.com/office/drawing/2010/main" xmlns="" w="9525">
+                <a14:hiddenLine xmlns="" xmlns:a14="http://schemas.microsoft.com/office/drawing/2010/main" w="9525">
                   <a:solidFill>
                     <a:srgbClr val="000000"/>
                   </a:solidFill>
@@ -3165,7 +3165,7 @@
             </a:ln>
             <a:extLst>
               <a:ext uri="{91240B29-F687-4f45-9708-019B960494DF}">
-                <a14:hiddenLine xmlns:a14="http://schemas.microsoft.com/office/drawing/2010/main" xmlns="" w="9525">
+                <a14:hiddenLine xmlns="" xmlns:a14="http://schemas.microsoft.com/office/drawing/2010/main" w="9525">
                   <a:solidFill>
                     <a:srgbClr val="000000"/>
                   </a:solidFill>
@@ -3227,7 +3227,7 @@
             </a:ln>
             <a:extLst>
               <a:ext uri="{91240B29-F687-4f45-9708-019B960494DF}">
-                <a14:hiddenLine xmlns:a14="http://schemas.microsoft.com/office/drawing/2010/main" xmlns="" w="9525">
+                <a14:hiddenLine xmlns="" xmlns:a14="http://schemas.microsoft.com/office/drawing/2010/main" w="9525">
                   <a:solidFill>
                     <a:srgbClr val="000000"/>
                   </a:solidFill>
@@ -3317,7 +3317,7 @@
             </a:ln>
             <a:extLst>
               <a:ext uri="{91240B29-F687-4f45-9708-019B960494DF}">
-                <a14:hiddenLine xmlns:a14="http://schemas.microsoft.com/office/drawing/2010/main" xmlns="" w="9525">
+                <a14:hiddenLine xmlns="" xmlns:a14="http://schemas.microsoft.com/office/drawing/2010/main" w="9525">
                   <a:solidFill>
                     <a:srgbClr val="000000"/>
                   </a:solidFill>
@@ -3379,7 +3379,7 @@
             </a:ln>
             <a:extLst>
               <a:ext uri="{91240B29-F687-4f45-9708-019B960494DF}">
-                <a14:hiddenLine xmlns:a14="http://schemas.microsoft.com/office/drawing/2010/main" xmlns="" w="9525">
+                <a14:hiddenLine xmlns="" xmlns:a14="http://schemas.microsoft.com/office/drawing/2010/main" w="9525">
                   <a:solidFill>
                     <a:srgbClr val="000000"/>
                   </a:solidFill>
@@ -3469,7 +3469,7 @@
             </a:ln>
             <a:extLst>
               <a:ext uri="{91240B29-F687-4f45-9708-019B960494DF}">
-                <a14:hiddenLine xmlns:a14="http://schemas.microsoft.com/office/drawing/2010/main" xmlns="" w="9525">
+                <a14:hiddenLine xmlns="" xmlns:a14="http://schemas.microsoft.com/office/drawing/2010/main" w="9525">
                   <a:solidFill>
                     <a:srgbClr val="000000"/>
                   </a:solidFill>
@@ -3531,7 +3531,7 @@
             </a:ln>
             <a:extLst>
               <a:ext uri="{91240B29-F687-4f45-9708-019B960494DF}">
-                <a14:hiddenLine xmlns:a14="http://schemas.microsoft.com/office/drawing/2010/main" xmlns="" w="9525">
+                <a14:hiddenLine xmlns="" xmlns:a14="http://schemas.microsoft.com/office/drawing/2010/main" w="9525">
                   <a:solidFill>
                     <a:srgbClr val="000000"/>
                   </a:solidFill>
@@ -3621,7 +3621,7 @@
             </a:ln>
             <a:extLst>
               <a:ext uri="{91240B29-F687-4f45-9708-019B960494DF}">
-                <a14:hiddenLine xmlns:a14="http://schemas.microsoft.com/office/drawing/2010/main" xmlns="" w="9525">
+                <a14:hiddenLine xmlns="" xmlns:a14="http://schemas.microsoft.com/office/drawing/2010/main" w="9525">
                   <a:solidFill>
                     <a:srgbClr val="000000"/>
                   </a:solidFill>
@@ -3655,7 +3655,7 @@
             </a:ln>
             <a:extLst>
               <a:ext uri="{91240B29-F687-4f45-9708-019B960494DF}">
-                <a14:hiddenLine xmlns:a14="http://schemas.microsoft.com/office/drawing/2010/main" xmlns="" w="9525">
+                <a14:hiddenLine xmlns="" xmlns:a14="http://schemas.microsoft.com/office/drawing/2010/main" w="9525">
                   <a:solidFill>
                     <a:srgbClr val="000000"/>
                   </a:solidFill>
@@ -3720,7 +3720,7 @@
             </a:ln>
             <a:extLst>
               <a:ext uri="{91240B29-F687-4f45-9708-019B960494DF}">
-                <a14:hiddenLine xmlns:a14="http://schemas.microsoft.com/office/drawing/2010/main" xmlns="" w="9525">
+                <a14:hiddenLine xmlns="" xmlns:a14="http://schemas.microsoft.com/office/drawing/2010/main" w="9525">
                   <a:solidFill>
                     <a:srgbClr val="000000"/>
                   </a:solidFill>
@@ -3810,7 +3810,7 @@
             </a:ln>
             <a:extLst>
               <a:ext uri="{91240B29-F687-4f45-9708-019B960494DF}">
-                <a14:hiddenLine xmlns:a14="http://schemas.microsoft.com/office/drawing/2010/main" xmlns="" w="9525">
+                <a14:hiddenLine xmlns="" xmlns:a14="http://schemas.microsoft.com/office/drawing/2010/main" w="9525">
                   <a:solidFill>
                     <a:srgbClr val="000000"/>
                   </a:solidFill>
@@ -3872,7 +3872,7 @@
             </a:ln>
             <a:extLst>
               <a:ext uri="{91240B29-F687-4f45-9708-019B960494DF}">
-                <a14:hiddenLine xmlns:a14="http://schemas.microsoft.com/office/drawing/2010/main" xmlns="" w="9525">
+                <a14:hiddenLine xmlns="" xmlns:a14="http://schemas.microsoft.com/office/drawing/2010/main" w="9525">
                   <a:solidFill>
                     <a:srgbClr val="000000"/>
                   </a:solidFill>
@@ -3962,7 +3962,7 @@
             </a:ln>
             <a:extLst>
               <a:ext uri="{91240B29-F687-4f45-9708-019B960494DF}">
-                <a14:hiddenLine xmlns:a14="http://schemas.microsoft.com/office/drawing/2010/main" xmlns="" w="9525">
+                <a14:hiddenLine xmlns="" xmlns:a14="http://schemas.microsoft.com/office/drawing/2010/main" w="9525">
                   <a:solidFill>
                     <a:srgbClr val="000000"/>
                   </a:solidFill>
@@ -4052,7 +4052,7 @@
             </a:ln>
             <a:extLst>
               <a:ext uri="{91240B29-F687-4f45-9708-019B960494DF}">
-                <a14:hiddenLine xmlns:a14="http://schemas.microsoft.com/office/drawing/2010/main" xmlns="" w="9525">
+                <a14:hiddenLine xmlns="" xmlns:a14="http://schemas.microsoft.com/office/drawing/2010/main" w="9525">
                   <a:solidFill>
                     <a:srgbClr val="000000"/>
                   </a:solidFill>
@@ -4117,7 +4117,7 @@
             </a:ln>
             <a:extLst>
               <a:ext uri="{91240B29-F687-4f45-9708-019B960494DF}">
-                <a14:hiddenLine xmlns:a14="http://schemas.microsoft.com/office/drawing/2010/main" xmlns="" w="9525">
+                <a14:hiddenLine xmlns="" xmlns:a14="http://schemas.microsoft.com/office/drawing/2010/main" w="9525">
                   <a:solidFill>
                     <a:srgbClr val="000000"/>
                   </a:solidFill>
@@ -4179,7 +4179,7 @@
             </a:ln>
             <a:extLst>
               <a:ext uri="{91240B29-F687-4f45-9708-019B960494DF}">
-                <a14:hiddenLine xmlns:a14="http://schemas.microsoft.com/office/drawing/2010/main" xmlns="" w="9525">
+                <a14:hiddenLine xmlns="" xmlns:a14="http://schemas.microsoft.com/office/drawing/2010/main" w="9525">
                   <a:solidFill>
                     <a:srgbClr val="000000"/>
                   </a:solidFill>
@@ -4269,7 +4269,7 @@
             </a:ln>
             <a:extLst>
               <a:ext uri="{91240B29-F687-4f45-9708-019B960494DF}">
-                <a14:hiddenLine xmlns:a14="http://schemas.microsoft.com/office/drawing/2010/main" xmlns="" w="9525">
+                <a14:hiddenLine xmlns="" xmlns:a14="http://schemas.microsoft.com/office/drawing/2010/main" w="9525">
                   <a:solidFill>
                     <a:srgbClr val="000000"/>
                   </a:solidFill>
@@ -4359,7 +4359,7 @@
             </a:ln>
             <a:extLst>
               <a:ext uri="{91240B29-F687-4f45-9708-019B960494DF}">
-                <a14:hiddenLine xmlns:a14="http://schemas.microsoft.com/office/drawing/2010/main" xmlns="" w="9525">
+                <a14:hiddenLine xmlns="" xmlns:a14="http://schemas.microsoft.com/office/drawing/2010/main" w="9525">
                   <a:solidFill>
                     <a:srgbClr val="000000"/>
                   </a:solidFill>
@@ -4421,7 +4421,7 @@
             </a:ln>
             <a:extLst>
               <a:ext uri="{91240B29-F687-4f45-9708-019B960494DF}">
-                <a14:hiddenLine xmlns:a14="http://schemas.microsoft.com/office/drawing/2010/main" xmlns="" w="9525">
+                <a14:hiddenLine xmlns="" xmlns:a14="http://schemas.microsoft.com/office/drawing/2010/main" w="9525">
                   <a:solidFill>
                     <a:srgbClr val="000000"/>
                   </a:solidFill>
@@ -4541,7 +4541,7 @@
             </a:ln>
             <a:extLst>
               <a:ext uri="{91240B29-F687-4f45-9708-019B960494DF}">
-                <a14:hiddenLine xmlns:a14="http://schemas.microsoft.com/office/drawing/2010/main" xmlns="" w="9525">
+                <a14:hiddenLine xmlns="" xmlns:a14="http://schemas.microsoft.com/office/drawing/2010/main" w="9525">
                   <a:solidFill>
                     <a:srgbClr val="000000"/>
                   </a:solidFill>
@@ -4609,7 +4609,7 @@
             </a:ln>
             <a:extLst>
               <a:ext uri="{91240B29-F687-4f45-9708-019B960494DF}">
-                <a14:hiddenLine xmlns:a14="http://schemas.microsoft.com/office/drawing/2010/main" xmlns="" w="9525">
+                <a14:hiddenLine xmlns="" xmlns:a14="http://schemas.microsoft.com/office/drawing/2010/main" w="9525">
                   <a:solidFill>
                     <a:srgbClr val="000000"/>
                   </a:solidFill>
@@ -4699,7 +4699,7 @@
             </a:ln>
             <a:extLst>
               <a:ext uri="{91240B29-F687-4f45-9708-019B960494DF}">
-                <a14:hiddenLine xmlns:a14="http://schemas.microsoft.com/office/drawing/2010/main" xmlns="" w="9525">
+                <a14:hiddenLine xmlns="" xmlns:a14="http://schemas.microsoft.com/office/drawing/2010/main" w="9525">
                   <a:solidFill>
                     <a:srgbClr val="000000"/>
                   </a:solidFill>
@@ -9506,7 +9506,7 @@
           <a:noFill/>
           <a:extLst>
             <a:ext uri="{909E8E84-426E-40dd-AFC4-6F175D3DCCD1}">
-              <a14:hiddenFill xmlns:a14="http://schemas.microsoft.com/office/drawing/2010/main" xmlns="">
+              <a14:hiddenFill xmlns="" xmlns:a14="http://schemas.microsoft.com/office/drawing/2010/main">
                 <a:solidFill>
                   <a:srgbClr val="FFFFFF"/>
                 </a:solidFill>
@@ -9580,7 +9580,7 @@
               </a:ln>
               <a:extLst>
                 <a:ext uri="{91240B29-F687-4f45-9708-019B960494DF}">
-                  <a14:hiddenLine xmlns:a14="http://schemas.microsoft.com/office/drawing/2010/main" xmlns="" w="9525">
+                  <a14:hiddenLine xmlns="" xmlns:a14="http://schemas.microsoft.com/office/drawing/2010/main" w="9525">
                     <a:solidFill>
                       <a:srgbClr val="000000"/>
                     </a:solidFill>
@@ -9670,7 +9670,7 @@
               </a:ln>
               <a:extLst>
                 <a:ext uri="{91240B29-F687-4f45-9708-019B960494DF}">
-                  <a14:hiddenLine xmlns:a14="http://schemas.microsoft.com/office/drawing/2010/main" xmlns="" w="9525">
+                  <a14:hiddenLine xmlns="" xmlns:a14="http://schemas.microsoft.com/office/drawing/2010/main" w="9525">
                     <a:solidFill>
                       <a:srgbClr val="000000"/>
                     </a:solidFill>
@@ -9760,7 +9760,7 @@
               </a:ln>
               <a:extLst>
                 <a:ext uri="{91240B29-F687-4f45-9708-019B960494DF}">
-                  <a14:hiddenLine xmlns:a14="http://schemas.microsoft.com/office/drawing/2010/main" xmlns="" w="9525">
+                  <a14:hiddenLine xmlns="" xmlns:a14="http://schemas.microsoft.com/office/drawing/2010/main" w="9525">
                     <a:solidFill>
                       <a:srgbClr val="000000"/>
                     </a:solidFill>
@@ -9822,7 +9822,7 @@
               </a:ln>
               <a:extLst>
                 <a:ext uri="{91240B29-F687-4f45-9708-019B960494DF}">
-                  <a14:hiddenLine xmlns:a14="http://schemas.microsoft.com/office/drawing/2010/main" xmlns="" w="9525">
+                  <a14:hiddenLine xmlns="" xmlns:a14="http://schemas.microsoft.com/office/drawing/2010/main" w="9525">
                     <a:solidFill>
                       <a:srgbClr val="000000"/>
                     </a:solidFill>
@@ -9912,7 +9912,7 @@
               </a:ln>
               <a:extLst>
                 <a:ext uri="{91240B29-F687-4f45-9708-019B960494DF}">
-                  <a14:hiddenLine xmlns:a14="http://schemas.microsoft.com/office/drawing/2010/main" xmlns="" w="9525">
+                  <a14:hiddenLine xmlns="" xmlns:a14="http://schemas.microsoft.com/office/drawing/2010/main" w="9525">
                     <a:solidFill>
                       <a:srgbClr val="000000"/>
                     </a:solidFill>
@@ -9974,7 +9974,7 @@
               </a:ln>
               <a:extLst>
                 <a:ext uri="{91240B29-F687-4f45-9708-019B960494DF}">
-                  <a14:hiddenLine xmlns:a14="http://schemas.microsoft.com/office/drawing/2010/main" xmlns="" w="9525">
+                  <a14:hiddenLine xmlns="" xmlns:a14="http://schemas.microsoft.com/office/drawing/2010/main" w="9525">
                     <a:solidFill>
                       <a:srgbClr val="000000"/>
                     </a:solidFill>
@@ -10036,7 +10036,7 @@
               </a:ln>
               <a:extLst>
                 <a:ext uri="{91240B29-F687-4f45-9708-019B960494DF}">
-                  <a14:hiddenLine xmlns:a14="http://schemas.microsoft.com/office/drawing/2010/main" xmlns="" w="9525">
+                  <a14:hiddenLine xmlns="" xmlns:a14="http://schemas.microsoft.com/office/drawing/2010/main" w="9525">
                     <a:solidFill>
                       <a:srgbClr val="000000"/>
                     </a:solidFill>
@@ -10126,7 +10126,7 @@
               </a:ln>
               <a:extLst>
                 <a:ext uri="{91240B29-F687-4f45-9708-019B960494DF}">
-                  <a14:hiddenLine xmlns:a14="http://schemas.microsoft.com/office/drawing/2010/main" xmlns="" w="9525">
+                  <a14:hiddenLine xmlns="" xmlns:a14="http://schemas.microsoft.com/office/drawing/2010/main" w="9525">
                     <a:solidFill>
                       <a:srgbClr val="000000"/>
                     </a:solidFill>
@@ -10216,7 +10216,7 @@
               </a:ln>
               <a:extLst>
                 <a:ext uri="{91240B29-F687-4f45-9708-019B960494DF}">
-                  <a14:hiddenLine xmlns:a14="http://schemas.microsoft.com/office/drawing/2010/main" xmlns="" w="9525">
+                  <a14:hiddenLine xmlns="" xmlns:a14="http://schemas.microsoft.com/office/drawing/2010/main" w="9525">
                     <a:solidFill>
                       <a:srgbClr val="000000"/>
                     </a:solidFill>
@@ -10278,7 +10278,7 @@
               </a:ln>
               <a:extLst>
                 <a:ext uri="{91240B29-F687-4f45-9708-019B960494DF}">
-                  <a14:hiddenLine xmlns:a14="http://schemas.microsoft.com/office/drawing/2010/main" xmlns="" w="9525">
+                  <a14:hiddenLine xmlns="" xmlns:a14="http://schemas.microsoft.com/office/drawing/2010/main" w="9525">
                     <a:solidFill>
                       <a:srgbClr val="000000"/>
                     </a:solidFill>
@@ -10388,7 +10388,7 @@
               </a:ln>
               <a:extLst>
                 <a:ext uri="{91240B29-F687-4f45-9708-019B960494DF}">
-                  <a14:hiddenLine xmlns:a14="http://schemas.microsoft.com/office/drawing/2010/main" xmlns="" w="9525">
+                  <a14:hiddenLine xmlns="" xmlns:a14="http://schemas.microsoft.com/office/drawing/2010/main" w="9525">
                     <a:solidFill>
                       <a:srgbClr val="000000"/>
                     </a:solidFill>
@@ -10472,7 +10472,7 @@
               </a:ln>
               <a:extLst>
                 <a:ext uri="{91240B29-F687-4f45-9708-019B960494DF}">
-                  <a14:hiddenLine xmlns:a14="http://schemas.microsoft.com/office/drawing/2010/main" xmlns="" w="9525">
+                  <a14:hiddenLine xmlns="" xmlns:a14="http://schemas.microsoft.com/office/drawing/2010/main" w="9525">
                     <a:solidFill>
                       <a:srgbClr val="000000"/>
                     </a:solidFill>
@@ -10534,7 +10534,7 @@
               </a:ln>
               <a:extLst>
                 <a:ext uri="{91240B29-F687-4f45-9708-019B960494DF}">
-                  <a14:hiddenLine xmlns:a14="http://schemas.microsoft.com/office/drawing/2010/main" xmlns="" w="9525">
+                  <a14:hiddenLine xmlns="" xmlns:a14="http://schemas.microsoft.com/office/drawing/2010/main" w="9525">
                     <a:solidFill>
                       <a:srgbClr val="000000"/>
                     </a:solidFill>
@@ -10596,7 +10596,7 @@
               </a:ln>
               <a:extLst>
                 <a:ext uri="{91240B29-F687-4f45-9708-019B960494DF}">
-                  <a14:hiddenLine xmlns:a14="http://schemas.microsoft.com/office/drawing/2010/main" xmlns="" w="9525">
+                  <a14:hiddenLine xmlns="" xmlns:a14="http://schemas.microsoft.com/office/drawing/2010/main" w="9525">
                     <a:solidFill>
                       <a:srgbClr val="000000"/>
                     </a:solidFill>
@@ -10686,7 +10686,7 @@
               </a:ln>
               <a:extLst>
                 <a:ext uri="{91240B29-F687-4f45-9708-019B960494DF}">
-                  <a14:hiddenLine xmlns:a14="http://schemas.microsoft.com/office/drawing/2010/main" xmlns="" w="9525">
+                  <a14:hiddenLine xmlns="" xmlns:a14="http://schemas.microsoft.com/office/drawing/2010/main" w="9525">
                     <a:solidFill>
                       <a:srgbClr val="000000"/>
                     </a:solidFill>
@@ -10720,7 +10720,7 @@
               </a:ln>
               <a:extLst>
                 <a:ext uri="{91240B29-F687-4f45-9708-019B960494DF}">
-                  <a14:hiddenLine xmlns:a14="http://schemas.microsoft.com/office/drawing/2010/main" xmlns="" w="9525">
+                  <a14:hiddenLine xmlns="" xmlns:a14="http://schemas.microsoft.com/office/drawing/2010/main" w="9525">
                     <a:solidFill>
                       <a:srgbClr val="000000"/>
                     </a:solidFill>
@@ -10785,7 +10785,7 @@
               </a:ln>
               <a:extLst>
                 <a:ext uri="{91240B29-F687-4f45-9708-019B960494DF}">
-                  <a14:hiddenLine xmlns:a14="http://schemas.microsoft.com/office/drawing/2010/main" xmlns="" w="9525">
+                  <a14:hiddenLine xmlns="" xmlns:a14="http://schemas.microsoft.com/office/drawing/2010/main" w="9525">
                     <a:solidFill>
                       <a:srgbClr val="000000"/>
                     </a:solidFill>
@@ -10875,7 +10875,7 @@
               </a:ln>
               <a:extLst>
                 <a:ext uri="{91240B29-F687-4f45-9708-019B960494DF}">
-                  <a14:hiddenLine xmlns:a14="http://schemas.microsoft.com/office/drawing/2010/main" xmlns="" w="9525">
+                  <a14:hiddenLine xmlns="" xmlns:a14="http://schemas.microsoft.com/office/drawing/2010/main" w="9525">
                     <a:solidFill>
                       <a:srgbClr val="000000"/>
                     </a:solidFill>
@@ -10937,7 +10937,7 @@
               </a:ln>
               <a:extLst>
                 <a:ext uri="{91240B29-F687-4f45-9708-019B960494DF}">
-                  <a14:hiddenLine xmlns:a14="http://schemas.microsoft.com/office/drawing/2010/main" xmlns="" w="9525">
+                  <a14:hiddenLine xmlns="" xmlns:a14="http://schemas.microsoft.com/office/drawing/2010/main" w="9525">
                     <a:solidFill>
                       <a:srgbClr val="000000"/>
                     </a:solidFill>
@@ -11027,7 +11027,7 @@
               </a:ln>
               <a:extLst>
                 <a:ext uri="{91240B29-F687-4f45-9708-019B960494DF}">
-                  <a14:hiddenLine xmlns:a14="http://schemas.microsoft.com/office/drawing/2010/main" xmlns="" w="9525">
+                  <a14:hiddenLine xmlns="" xmlns:a14="http://schemas.microsoft.com/office/drawing/2010/main" w="9525">
                     <a:solidFill>
                       <a:srgbClr val="000000"/>
                     </a:solidFill>
@@ -11092,7 +11092,7 @@
               </a:ln>
               <a:extLst>
                 <a:ext uri="{91240B29-F687-4f45-9708-019B960494DF}">
-                  <a14:hiddenLine xmlns:a14="http://schemas.microsoft.com/office/drawing/2010/main" xmlns="" w="9525">
+                  <a14:hiddenLine xmlns="" xmlns:a14="http://schemas.microsoft.com/office/drawing/2010/main" w="9525">
                     <a:solidFill>
                       <a:srgbClr val="000000"/>
                     </a:solidFill>
@@ -11154,7 +11154,7 @@
               </a:ln>
               <a:extLst>
                 <a:ext uri="{91240B29-F687-4f45-9708-019B960494DF}">
-                  <a14:hiddenLine xmlns:a14="http://schemas.microsoft.com/office/drawing/2010/main" xmlns="" w="9525">
+                  <a14:hiddenLine xmlns="" xmlns:a14="http://schemas.microsoft.com/office/drawing/2010/main" w="9525">
                     <a:solidFill>
                       <a:srgbClr val="000000"/>
                     </a:solidFill>
@@ -11244,7 +11244,7 @@
               </a:ln>
               <a:extLst>
                 <a:ext uri="{91240B29-F687-4f45-9708-019B960494DF}">
-                  <a14:hiddenLine xmlns:a14="http://schemas.microsoft.com/office/drawing/2010/main" xmlns="" w="9525">
+                  <a14:hiddenLine xmlns="" xmlns:a14="http://schemas.microsoft.com/office/drawing/2010/main" w="9525">
                     <a:solidFill>
                       <a:srgbClr val="000000"/>
                     </a:solidFill>
@@ -11334,7 +11334,7 @@
               </a:ln>
               <a:extLst>
                 <a:ext uri="{91240B29-F687-4f45-9708-019B960494DF}">
-                  <a14:hiddenLine xmlns:a14="http://schemas.microsoft.com/office/drawing/2010/main" xmlns="" w="9525">
+                  <a14:hiddenLine xmlns="" xmlns:a14="http://schemas.microsoft.com/office/drawing/2010/main" w="9525">
                     <a:solidFill>
                       <a:srgbClr val="000000"/>
                     </a:solidFill>
@@ -11399,7 +11399,7 @@
               </a:ln>
               <a:extLst>
                 <a:ext uri="{91240B29-F687-4f45-9708-019B960494DF}">
-                  <a14:hiddenLine xmlns:a14="http://schemas.microsoft.com/office/drawing/2010/main" xmlns="" w="9525">
+                  <a14:hiddenLine xmlns="" xmlns:a14="http://schemas.microsoft.com/office/drawing/2010/main" w="9525">
                     <a:solidFill>
                       <a:srgbClr val="000000"/>
                     </a:solidFill>
@@ -11519,7 +11519,7 @@
               </a:ln>
               <a:extLst>
                 <a:ext uri="{91240B29-F687-4f45-9708-019B960494DF}">
-                  <a14:hiddenLine xmlns:a14="http://schemas.microsoft.com/office/drawing/2010/main" xmlns="" w="9525">
+                  <a14:hiddenLine xmlns="" xmlns:a14="http://schemas.microsoft.com/office/drawing/2010/main" w="9525">
                     <a:solidFill>
                       <a:srgbClr val="000000"/>
                     </a:solidFill>
@@ -11617,7 +11617,7 @@
               </a:ln>
               <a:extLst>
                 <a:ext uri="{91240B29-F687-4f45-9708-019B960494DF}">
-                  <a14:hiddenLine xmlns:a14="http://schemas.microsoft.com/office/drawing/2010/main" xmlns="" w="9525">
+                  <a14:hiddenLine xmlns="" xmlns:a14="http://schemas.microsoft.com/office/drawing/2010/main" w="9525">
                     <a:solidFill>
                       <a:srgbClr val="000000"/>
                     </a:solidFill>
@@ -11732,7 +11732,7 @@
               </a:ln>
               <a:extLst>
                 <a:ext uri="{91240B29-F687-4f45-9708-019B960494DF}">
-                  <a14:hiddenLine xmlns:a14="http://schemas.microsoft.com/office/drawing/2010/main" xmlns="" w="9525">
+                  <a14:hiddenLine xmlns="" xmlns:a14="http://schemas.microsoft.com/office/drawing/2010/main" w="9525">
                     <a:solidFill>
                       <a:srgbClr val="000000"/>
                     </a:solidFill>
@@ -11822,7 +11822,7 @@
               </a:ln>
               <a:extLst>
                 <a:ext uri="{91240B29-F687-4f45-9708-019B960494DF}">
-                  <a14:hiddenLine xmlns:a14="http://schemas.microsoft.com/office/drawing/2010/main" xmlns="" w="9525">
+                  <a14:hiddenLine xmlns="" xmlns:a14="http://schemas.microsoft.com/office/drawing/2010/main" w="9525">
                     <a:solidFill>
                       <a:srgbClr val="000000"/>
                     </a:solidFill>
@@ -11887,7 +11887,7 @@
               </a:ln>
               <a:extLst>
                 <a:ext uri="{91240B29-F687-4f45-9708-019B960494DF}">
-                  <a14:hiddenLine xmlns:a14="http://schemas.microsoft.com/office/drawing/2010/main" xmlns="" w="9525">
+                  <a14:hiddenLine xmlns="" xmlns:a14="http://schemas.microsoft.com/office/drawing/2010/main" w="9525">
                     <a:solidFill>
                       <a:srgbClr val="000000"/>
                     </a:solidFill>
@@ -11977,7 +11977,7 @@
               </a:ln>
               <a:extLst>
                 <a:ext uri="{91240B29-F687-4f45-9708-019B960494DF}">
-                  <a14:hiddenLine xmlns:a14="http://schemas.microsoft.com/office/drawing/2010/main" xmlns="" w="9525">
+                  <a14:hiddenLine xmlns="" xmlns:a14="http://schemas.microsoft.com/office/drawing/2010/main" w="9525">
                     <a:solidFill>
                       <a:srgbClr val="000000"/>
                     </a:solidFill>
@@ -12045,7 +12045,7 @@
               </a:ln>
               <a:extLst>
                 <a:ext uri="{91240B29-F687-4f45-9708-019B960494DF}">
-                  <a14:hiddenLine xmlns:a14="http://schemas.microsoft.com/office/drawing/2010/main" xmlns="" w="9525">
+                  <a14:hiddenLine xmlns="" xmlns:a14="http://schemas.microsoft.com/office/drawing/2010/main" w="9525">
                     <a:solidFill>
                       <a:srgbClr val="000000"/>
                     </a:solidFill>
@@ -12135,7 +12135,7 @@
               </a:ln>
               <a:extLst>
                 <a:ext uri="{91240B29-F687-4f45-9708-019B960494DF}">
-                  <a14:hiddenLine xmlns:a14="http://schemas.microsoft.com/office/drawing/2010/main" xmlns="" w="9525">
+                  <a14:hiddenLine xmlns="" xmlns:a14="http://schemas.microsoft.com/office/drawing/2010/main" w="9525">
                     <a:solidFill>
                       <a:srgbClr val="000000"/>
                     </a:solidFill>
@@ -12203,7 +12203,7 @@
               </a:ln>
               <a:extLst>
                 <a:ext uri="{91240B29-F687-4f45-9708-019B960494DF}">
-                  <a14:hiddenLine xmlns:a14="http://schemas.microsoft.com/office/drawing/2010/main" xmlns="" w="9525">
+                  <a14:hiddenLine xmlns="" xmlns:a14="http://schemas.microsoft.com/office/drawing/2010/main" w="9525">
                     <a:solidFill>
                       <a:srgbClr val="000000"/>
                     </a:solidFill>
@@ -12293,7 +12293,7 @@
               </a:ln>
               <a:extLst>
                 <a:ext uri="{91240B29-F687-4f45-9708-019B960494DF}">
-                  <a14:hiddenLine xmlns:a14="http://schemas.microsoft.com/office/drawing/2010/main" xmlns="" w="9525">
+                  <a14:hiddenLine xmlns="" xmlns:a14="http://schemas.microsoft.com/office/drawing/2010/main" w="9525">
                     <a:solidFill>
                       <a:srgbClr val="000000"/>
                     </a:solidFill>
@@ -12327,7 +12327,7 @@
               </a:ln>
               <a:extLst>
                 <a:ext uri="{91240B29-F687-4f45-9708-019B960494DF}">
-                  <a14:hiddenLine xmlns:a14="http://schemas.microsoft.com/office/drawing/2010/main" xmlns="" w="9525">
+                  <a14:hiddenLine xmlns="" xmlns:a14="http://schemas.microsoft.com/office/drawing/2010/main" w="9525">
                     <a:solidFill>
                       <a:srgbClr val="000000"/>
                     </a:solidFill>
@@ -13305,7 +13305,7 @@
           <a:noFill/>
           <a:extLst>
             <a:ext uri="{909E8E84-426E-40dd-AFC4-6F175D3DCCD1}">
-              <a14:hiddenFill xmlns="" xmlns:a16="http://schemas.microsoft.com/office/drawing/2014/main" xmlns:a14="http://schemas.microsoft.com/office/drawing/2010/main">
+              <a14:hiddenFill xmlns:a14="http://schemas.microsoft.com/office/drawing/2010/main" xmlns:a16="http://schemas.microsoft.com/office/drawing/2014/main" xmlns="">
                 <a:solidFill>
                   <a:srgbClr val="FFFFFF"/>
                 </a:solidFill>
@@ -13397,7 +13397,7 @@
             </a:ln>
             <a:extLst>
               <a:ext uri="{91240B29-F687-4f45-9708-019B960494DF}">
-                <a14:hiddenLine xmlns="" xmlns:a16="http://schemas.microsoft.com/office/drawing/2014/main" xmlns:a14="http://schemas.microsoft.com/office/drawing/2010/main" w="9525">
+                <a14:hiddenLine xmlns:a14="http://schemas.microsoft.com/office/drawing/2010/main" xmlns:a16="http://schemas.microsoft.com/office/drawing/2014/main" xmlns="" w="9525">
                   <a:solidFill>
                     <a:srgbClr val="000000"/>
                   </a:solidFill>
@@ -13502,7 +13502,7 @@
             </a:ln>
             <a:extLst>
               <a:ext uri="{91240B29-F687-4f45-9708-019B960494DF}">
-                <a14:hiddenLine xmlns="" xmlns:a16="http://schemas.microsoft.com/office/drawing/2014/main" xmlns:a14="http://schemas.microsoft.com/office/drawing/2010/main" w="9525">
+                <a14:hiddenLine xmlns:a14="http://schemas.microsoft.com/office/drawing/2010/main" xmlns:a16="http://schemas.microsoft.com/office/drawing/2014/main" xmlns="" w="9525">
                   <a:solidFill>
                     <a:srgbClr val="000000"/>
                   </a:solidFill>
@@ -13607,7 +13607,7 @@
             </a:ln>
             <a:extLst>
               <a:ext uri="{91240B29-F687-4f45-9708-019B960494DF}">
-                <a14:hiddenLine xmlns="" xmlns:a16="http://schemas.microsoft.com/office/drawing/2014/main" xmlns:a14="http://schemas.microsoft.com/office/drawing/2010/main" w="9525">
+                <a14:hiddenLine xmlns:a14="http://schemas.microsoft.com/office/drawing/2010/main" xmlns:a16="http://schemas.microsoft.com/office/drawing/2014/main" xmlns="" w="9525">
                   <a:solidFill>
                     <a:srgbClr val="000000"/>
                   </a:solidFill>
@@ -13656,7 +13656,7 @@
             </a:ln>
             <a:extLst>
               <a:ext uri="{91240B29-F687-4f45-9708-019B960494DF}">
-                <a14:hiddenLine xmlns="" xmlns:a16="http://schemas.microsoft.com/office/drawing/2014/main" xmlns:a14="http://schemas.microsoft.com/office/drawing/2010/main" w="9525">
+                <a14:hiddenLine xmlns:a14="http://schemas.microsoft.com/office/drawing/2010/main" xmlns:a16="http://schemas.microsoft.com/office/drawing/2014/main" xmlns="" w="9525">
                   <a:solidFill>
                     <a:srgbClr val="000000"/>
                   </a:solidFill>
@@ -13761,7 +13761,7 @@
             </a:ln>
             <a:extLst>
               <a:ext uri="{91240B29-F687-4f45-9708-019B960494DF}">
-                <a14:hiddenLine xmlns="" xmlns:a16="http://schemas.microsoft.com/office/drawing/2014/main" xmlns:a14="http://schemas.microsoft.com/office/drawing/2010/main" w="9525">
+                <a14:hiddenLine xmlns:a14="http://schemas.microsoft.com/office/drawing/2010/main" xmlns:a16="http://schemas.microsoft.com/office/drawing/2014/main" xmlns="" w="9525">
                   <a:solidFill>
                     <a:srgbClr val="000000"/>
                   </a:solidFill>
@@ -13838,7 +13838,7 @@
             </a:ln>
             <a:extLst>
               <a:ext uri="{91240B29-F687-4f45-9708-019B960494DF}">
-                <a14:hiddenLine xmlns="" xmlns:a16="http://schemas.microsoft.com/office/drawing/2014/main" xmlns:a14="http://schemas.microsoft.com/office/drawing/2010/main" w="9525">
+                <a14:hiddenLine xmlns:a14="http://schemas.microsoft.com/office/drawing/2010/main" xmlns:a16="http://schemas.microsoft.com/office/drawing/2014/main" xmlns="" w="9525">
                   <a:solidFill>
                     <a:srgbClr val="000000"/>
                   </a:solidFill>
@@ -13915,7 +13915,7 @@
             </a:ln>
             <a:extLst>
               <a:ext uri="{91240B29-F687-4f45-9708-019B960494DF}">
-                <a14:hiddenLine xmlns="" xmlns:a16="http://schemas.microsoft.com/office/drawing/2014/main" xmlns:a14="http://schemas.microsoft.com/office/drawing/2010/main" w="9525">
+                <a14:hiddenLine xmlns:a14="http://schemas.microsoft.com/office/drawing/2010/main" xmlns:a16="http://schemas.microsoft.com/office/drawing/2014/main" xmlns="" w="9525">
                   <a:solidFill>
                     <a:srgbClr val="000000"/>
                   </a:solidFill>
@@ -14020,7 +14020,7 @@
             </a:ln>
             <a:extLst>
               <a:ext uri="{91240B29-F687-4f45-9708-019B960494DF}">
-                <a14:hiddenLine xmlns="" xmlns:a16="http://schemas.microsoft.com/office/drawing/2014/main" xmlns:a14="http://schemas.microsoft.com/office/drawing/2010/main" w="9525">
+                <a14:hiddenLine xmlns:a14="http://schemas.microsoft.com/office/drawing/2010/main" xmlns:a16="http://schemas.microsoft.com/office/drawing/2014/main" xmlns="" w="9525">
                   <a:solidFill>
                     <a:srgbClr val="000000"/>
                   </a:solidFill>
@@ -14097,7 +14097,7 @@
             </a:ln>
             <a:extLst>
               <a:ext uri="{91240B29-F687-4f45-9708-019B960494DF}">
-                <a14:hiddenLine xmlns="" xmlns:a16="http://schemas.microsoft.com/office/drawing/2014/main" xmlns:a14="http://schemas.microsoft.com/office/drawing/2010/main" w="9525">
+                <a14:hiddenLine xmlns:a14="http://schemas.microsoft.com/office/drawing/2010/main" xmlns:a16="http://schemas.microsoft.com/office/drawing/2014/main" xmlns="" w="9525">
                   <a:solidFill>
                     <a:srgbClr val="000000"/>
                   </a:solidFill>
@@ -14174,7 +14174,7 @@
             </a:ln>
             <a:extLst>
               <a:ext uri="{91240B29-F687-4f45-9708-019B960494DF}">
-                <a14:hiddenLine xmlns="" xmlns:a16="http://schemas.microsoft.com/office/drawing/2014/main" xmlns:a14="http://schemas.microsoft.com/office/drawing/2010/main" w="9525">
+                <a14:hiddenLine xmlns:a14="http://schemas.microsoft.com/office/drawing/2010/main" xmlns:a16="http://schemas.microsoft.com/office/drawing/2014/main" xmlns="" w="9525">
                   <a:solidFill>
                     <a:srgbClr val="000000"/>
                   </a:solidFill>
@@ -14279,7 +14279,7 @@
             </a:ln>
             <a:extLst>
               <a:ext uri="{91240B29-F687-4f45-9708-019B960494DF}">
-                <a14:hiddenLine xmlns="" xmlns:a16="http://schemas.microsoft.com/office/drawing/2014/main" xmlns:a14="http://schemas.microsoft.com/office/drawing/2010/main" w="9525">
+                <a14:hiddenLine xmlns:a14="http://schemas.microsoft.com/office/drawing/2010/main" xmlns:a16="http://schemas.microsoft.com/office/drawing/2014/main" xmlns="" w="9525">
                   <a:solidFill>
                     <a:srgbClr val="000000"/>
                   </a:solidFill>
@@ -14384,7 +14384,7 @@
             </a:ln>
             <a:extLst>
               <a:ext uri="{91240B29-F687-4f45-9708-019B960494DF}">
-                <a14:hiddenLine xmlns="" xmlns:a16="http://schemas.microsoft.com/office/drawing/2014/main" xmlns:a14="http://schemas.microsoft.com/office/drawing/2010/main" w="9525">
+                <a14:hiddenLine xmlns:a14="http://schemas.microsoft.com/office/drawing/2010/main" xmlns:a16="http://schemas.microsoft.com/office/drawing/2014/main" xmlns="" w="9525">
                   <a:solidFill>
                     <a:srgbClr val="000000"/>
                   </a:solidFill>
@@ -14461,7 +14461,7 @@
             </a:ln>
             <a:extLst>
               <a:ext uri="{91240B29-F687-4f45-9708-019B960494DF}">
-                <a14:hiddenLine xmlns="" xmlns:a16="http://schemas.microsoft.com/office/drawing/2014/main" xmlns:a14="http://schemas.microsoft.com/office/drawing/2010/main" w="9525">
+                <a14:hiddenLine xmlns:a14="http://schemas.microsoft.com/office/drawing/2010/main" xmlns:a16="http://schemas.microsoft.com/office/drawing/2014/main" xmlns="" w="9525">
                   <a:solidFill>
                     <a:srgbClr val="000000"/>
                   </a:solidFill>
@@ -14586,7 +14586,7 @@
             </a:ln>
             <a:extLst>
               <a:ext uri="{91240B29-F687-4f45-9708-019B960494DF}">
-                <a14:hiddenLine xmlns="" xmlns:a16="http://schemas.microsoft.com/office/drawing/2014/main" xmlns:a14="http://schemas.microsoft.com/office/drawing/2010/main" w="9525">
+                <a14:hiddenLine xmlns:a14="http://schemas.microsoft.com/office/drawing/2010/main" xmlns:a16="http://schemas.microsoft.com/office/drawing/2014/main" xmlns="" w="9525">
                   <a:solidFill>
                     <a:srgbClr val="000000"/>
                   </a:solidFill>
@@ -14663,7 +14663,7 @@
             </a:ln>
             <a:extLst>
               <a:ext uri="{91240B29-F687-4f45-9708-019B960494DF}">
-                <a14:hiddenLine xmlns="" xmlns:a16="http://schemas.microsoft.com/office/drawing/2014/main" xmlns:a14="http://schemas.microsoft.com/office/drawing/2010/main" w="9525">
+                <a14:hiddenLine xmlns:a14="http://schemas.microsoft.com/office/drawing/2010/main" xmlns:a16="http://schemas.microsoft.com/office/drawing/2014/main" xmlns="" w="9525">
                   <a:solidFill>
                     <a:srgbClr val="000000"/>
                   </a:solidFill>
@@ -14768,7 +14768,7 @@
             </a:ln>
             <a:extLst>
               <a:ext uri="{91240B29-F687-4f45-9708-019B960494DF}">
-                <a14:hiddenLine xmlns="" xmlns:a16="http://schemas.microsoft.com/office/drawing/2014/main" xmlns:a14="http://schemas.microsoft.com/office/drawing/2010/main" w="9525">
+                <a14:hiddenLine xmlns:a14="http://schemas.microsoft.com/office/drawing/2010/main" xmlns:a16="http://schemas.microsoft.com/office/drawing/2014/main" xmlns="" w="9525">
                   <a:solidFill>
                     <a:srgbClr val="000000"/>
                   </a:solidFill>
@@ -14873,7 +14873,7 @@
             </a:ln>
             <a:extLst>
               <a:ext uri="{91240B29-F687-4f45-9708-019B960494DF}">
-                <a14:hiddenLine xmlns="" xmlns:a16="http://schemas.microsoft.com/office/drawing/2014/main" xmlns:a14="http://schemas.microsoft.com/office/drawing/2010/main" w="9525">
+                <a14:hiddenLine xmlns:a14="http://schemas.microsoft.com/office/drawing/2010/main" xmlns:a16="http://schemas.microsoft.com/office/drawing/2014/main" xmlns="" w="9525">
                   <a:solidFill>
                     <a:srgbClr val="000000"/>
                   </a:solidFill>
@@ -14950,7 +14950,7 @@
             </a:ln>
             <a:extLst>
               <a:ext uri="{91240B29-F687-4f45-9708-019B960494DF}">
-                <a14:hiddenLine xmlns="" xmlns:a16="http://schemas.microsoft.com/office/drawing/2014/main" xmlns:a14="http://schemas.microsoft.com/office/drawing/2010/main" w="9525">
+                <a14:hiddenLine xmlns:a14="http://schemas.microsoft.com/office/drawing/2010/main" xmlns:a16="http://schemas.microsoft.com/office/drawing/2014/main" xmlns="" w="9525">
                   <a:solidFill>
                     <a:srgbClr val="000000"/>
                   </a:solidFill>
@@ -15055,7 +15055,7 @@
             </a:ln>
             <a:extLst>
               <a:ext uri="{91240B29-F687-4f45-9708-019B960494DF}">
-                <a14:hiddenLine xmlns="" xmlns:a16="http://schemas.microsoft.com/office/drawing/2014/main" xmlns:a14="http://schemas.microsoft.com/office/drawing/2010/main" w="9525">
+                <a14:hiddenLine xmlns:a14="http://schemas.microsoft.com/office/drawing/2010/main" xmlns:a16="http://schemas.microsoft.com/office/drawing/2014/main" xmlns="" w="9525">
                   <a:solidFill>
                     <a:srgbClr val="000000"/>
                   </a:solidFill>
@@ -15160,7 +15160,7 @@
             </a:ln>
             <a:extLst>
               <a:ext uri="{91240B29-F687-4f45-9708-019B960494DF}">
-                <a14:hiddenLine xmlns="" xmlns:a16="http://schemas.microsoft.com/office/drawing/2014/main" xmlns:a14="http://schemas.microsoft.com/office/drawing/2010/main" w="9525">
+                <a14:hiddenLine xmlns:a14="http://schemas.microsoft.com/office/drawing/2010/main" xmlns:a16="http://schemas.microsoft.com/office/drawing/2014/main" xmlns="" w="9525">
                   <a:solidFill>
                     <a:srgbClr val="000000"/>
                   </a:solidFill>
@@ -15231,7 +15231,7 @@
             </a:ln>
             <a:extLst>
               <a:ext uri="{91240B29-F687-4f45-9708-019B960494DF}">
-                <a14:hiddenLine xmlns="" xmlns:a16="http://schemas.microsoft.com/office/drawing/2014/main" xmlns:a14="http://schemas.microsoft.com/office/drawing/2010/main" w="9525">
+                <a14:hiddenLine xmlns:a14="http://schemas.microsoft.com/office/drawing/2010/main" xmlns:a16="http://schemas.microsoft.com/office/drawing/2014/main" xmlns="" w="9525">
                   <a:solidFill>
                     <a:srgbClr val="000000"/>
                   </a:solidFill>
@@ -15336,7 +15336,7 @@
             </a:ln>
             <a:extLst>
               <a:ext uri="{91240B29-F687-4f45-9708-019B960494DF}">
-                <a14:hiddenLine xmlns="" xmlns:a16="http://schemas.microsoft.com/office/drawing/2014/main" xmlns:a14="http://schemas.microsoft.com/office/drawing/2010/main" w="9525">
+                <a14:hiddenLine xmlns:a14="http://schemas.microsoft.com/office/drawing/2010/main" xmlns:a16="http://schemas.microsoft.com/office/drawing/2014/main" xmlns="" w="9525">
                   <a:solidFill>
                     <a:srgbClr val="000000"/>
                   </a:solidFill>
@@ -15407,7 +15407,7 @@
             </a:ln>
             <a:extLst>
               <a:ext uri="{91240B29-F687-4f45-9708-019B960494DF}">
-                <a14:hiddenLine xmlns="" xmlns:a16="http://schemas.microsoft.com/office/drawing/2014/main" xmlns:a14="http://schemas.microsoft.com/office/drawing/2010/main" w="9525">
+                <a14:hiddenLine xmlns:a14="http://schemas.microsoft.com/office/drawing/2010/main" xmlns:a16="http://schemas.microsoft.com/office/drawing/2014/main" xmlns="" w="9525">
                   <a:solidFill>
                     <a:srgbClr val="000000"/>
                   </a:solidFill>
@@ -15512,7 +15512,7 @@
             </a:ln>
             <a:extLst>
               <a:ext uri="{91240B29-F687-4f45-9708-019B960494DF}">
-                <a14:hiddenLine xmlns="" xmlns:a16="http://schemas.microsoft.com/office/drawing/2014/main" xmlns:a14="http://schemas.microsoft.com/office/drawing/2010/main" w="9525">
+                <a14:hiddenLine xmlns:a14="http://schemas.microsoft.com/office/drawing/2010/main" xmlns:a16="http://schemas.microsoft.com/office/drawing/2014/main" xmlns="" w="9525">
                   <a:solidFill>
                     <a:srgbClr val="000000"/>
                   </a:solidFill>
@@ -15595,7 +15595,7 @@
             </a:ln>
             <a:extLst>
               <a:ext uri="{91240B29-F687-4f45-9708-019B960494DF}">
-                <a14:hiddenLine xmlns="" xmlns:a16="http://schemas.microsoft.com/office/drawing/2014/main" xmlns:a14="http://schemas.microsoft.com/office/drawing/2010/main" w="9525">
+                <a14:hiddenLine xmlns:a14="http://schemas.microsoft.com/office/drawing/2010/main" xmlns:a16="http://schemas.microsoft.com/office/drawing/2014/main" xmlns="" w="9525">
                   <a:solidFill>
                     <a:srgbClr val="000000"/>
                   </a:solidFill>
@@ -15700,7 +15700,7 @@
             </a:ln>
             <a:extLst>
               <a:ext uri="{91240B29-F687-4f45-9708-019B960494DF}">
-                <a14:hiddenLine xmlns="" xmlns:a16="http://schemas.microsoft.com/office/drawing/2014/main" xmlns:a14="http://schemas.microsoft.com/office/drawing/2010/main" w="9525">
+                <a14:hiddenLine xmlns:a14="http://schemas.microsoft.com/office/drawing/2010/main" xmlns:a16="http://schemas.microsoft.com/office/drawing/2014/main" xmlns="" w="9525">
                   <a:solidFill>
                     <a:srgbClr val="000000"/>
                   </a:solidFill>
@@ -15783,7 +15783,7 @@
             </a:ln>
             <a:extLst>
               <a:ext uri="{91240B29-F687-4f45-9708-019B960494DF}">
-                <a14:hiddenLine xmlns="" xmlns:a16="http://schemas.microsoft.com/office/drawing/2014/main" xmlns:a14="http://schemas.microsoft.com/office/drawing/2010/main" w="9525">
+                <a14:hiddenLine xmlns:a14="http://schemas.microsoft.com/office/drawing/2010/main" xmlns:a16="http://schemas.microsoft.com/office/drawing/2014/main" xmlns="" w="9525">
                   <a:solidFill>
                     <a:srgbClr val="000000"/>
                   </a:solidFill>
@@ -15888,7 +15888,7 @@
             </a:ln>
             <a:extLst>
               <a:ext uri="{91240B29-F687-4f45-9708-019B960494DF}">
-                <a14:hiddenLine xmlns="" xmlns:a16="http://schemas.microsoft.com/office/drawing/2014/main" xmlns:a14="http://schemas.microsoft.com/office/drawing/2010/main" w="9525">
+                <a14:hiddenLine xmlns:a14="http://schemas.microsoft.com/office/drawing/2010/main" xmlns:a16="http://schemas.microsoft.com/office/drawing/2014/main" xmlns="" w="9525">
                   <a:solidFill>
                     <a:srgbClr val="000000"/>
                   </a:solidFill>
@@ -15937,7 +15937,7 @@
             </a:ln>
             <a:extLst>
               <a:ext uri="{91240B29-F687-4f45-9708-019B960494DF}">
-                <a14:hiddenLine xmlns="" xmlns:a16="http://schemas.microsoft.com/office/drawing/2014/main" xmlns:a14="http://schemas.microsoft.com/office/drawing/2010/main" w="9525">
+                <a14:hiddenLine xmlns:a14="http://schemas.microsoft.com/office/drawing/2010/main" xmlns:a16="http://schemas.microsoft.com/office/drawing/2014/main" xmlns="" w="9525">
                   <a:solidFill>
                     <a:srgbClr val="000000"/>
                   </a:solidFill>
@@ -16042,7 +16042,7 @@
             </a:ln>
             <a:extLst>
               <a:ext uri="{91240B29-F687-4f45-9708-019B960494DF}">
-                <a14:hiddenLine xmlns="" xmlns:a16="http://schemas.microsoft.com/office/drawing/2014/main" xmlns:a14="http://schemas.microsoft.com/office/drawing/2010/main" w="9525">
+                <a14:hiddenLine xmlns:a14="http://schemas.microsoft.com/office/drawing/2010/main" xmlns:a16="http://schemas.microsoft.com/office/drawing/2014/main" xmlns="" w="9525">
                   <a:solidFill>
                     <a:srgbClr val="000000"/>
                   </a:solidFill>
@@ -16119,7 +16119,7 @@
             </a:ln>
             <a:extLst>
               <a:ext uri="{91240B29-F687-4f45-9708-019B960494DF}">
-                <a14:hiddenLine xmlns="" xmlns:a16="http://schemas.microsoft.com/office/drawing/2014/main" xmlns:a14="http://schemas.microsoft.com/office/drawing/2010/main" w="9525">
+                <a14:hiddenLine xmlns:a14="http://schemas.microsoft.com/office/drawing/2010/main" xmlns:a16="http://schemas.microsoft.com/office/drawing/2014/main" xmlns="" w="9525">
                   <a:solidFill>
                     <a:srgbClr val="000000"/>
                   </a:solidFill>
@@ -16196,7 +16196,7 @@
             </a:ln>
             <a:extLst>
               <a:ext uri="{91240B29-F687-4f45-9708-019B960494DF}">
-                <a14:hiddenLine xmlns="" xmlns:a16="http://schemas.microsoft.com/office/drawing/2014/main" xmlns:a14="http://schemas.microsoft.com/office/drawing/2010/main" w="9525">
+                <a14:hiddenLine xmlns:a14="http://schemas.microsoft.com/office/drawing/2010/main" xmlns:a16="http://schemas.microsoft.com/office/drawing/2014/main" xmlns="" w="9525">
                   <a:solidFill>
                     <a:srgbClr val="000000"/>
                   </a:solidFill>
@@ -16301,7 +16301,7 @@
             </a:ln>
             <a:extLst>
               <a:ext uri="{91240B29-F687-4f45-9708-019B960494DF}">
-                <a14:hiddenLine xmlns="" xmlns:a16="http://schemas.microsoft.com/office/drawing/2014/main" xmlns:a14="http://schemas.microsoft.com/office/drawing/2010/main" w="9525">
+                <a14:hiddenLine xmlns:a14="http://schemas.microsoft.com/office/drawing/2010/main" xmlns:a16="http://schemas.microsoft.com/office/drawing/2014/main" xmlns="" w="9525">
                   <a:solidFill>
                     <a:srgbClr val="000000"/>
                   </a:solidFill>
@@ -16384,7 +16384,7 @@
             </a:ln>
             <a:extLst>
               <a:ext uri="{91240B29-F687-4f45-9708-019B960494DF}">
-                <a14:hiddenLine xmlns="" xmlns:a16="http://schemas.microsoft.com/office/drawing/2014/main" xmlns:a14="http://schemas.microsoft.com/office/drawing/2010/main" w="9525">
+                <a14:hiddenLine xmlns:a14="http://schemas.microsoft.com/office/drawing/2010/main" xmlns:a16="http://schemas.microsoft.com/office/drawing/2014/main" xmlns="" w="9525">
                   <a:solidFill>
                     <a:srgbClr val="000000"/>
                   </a:solidFill>
@@ -16461,7 +16461,7 @@
             </a:ln>
             <a:extLst>
               <a:ext uri="{91240B29-F687-4f45-9708-019B960494DF}">
-                <a14:hiddenLine xmlns="" xmlns:a16="http://schemas.microsoft.com/office/drawing/2014/main" xmlns:a14="http://schemas.microsoft.com/office/drawing/2010/main" w="9525">
+                <a14:hiddenLine xmlns:a14="http://schemas.microsoft.com/office/drawing/2010/main" xmlns:a16="http://schemas.microsoft.com/office/drawing/2014/main" xmlns="" w="9525">
                   <a:solidFill>
                     <a:srgbClr val="000000"/>
                   </a:solidFill>
@@ -16566,7 +16566,7 @@
             </a:ln>
             <a:extLst>
               <a:ext uri="{91240B29-F687-4f45-9708-019B960494DF}">
-                <a14:hiddenLine xmlns="" xmlns:a16="http://schemas.microsoft.com/office/drawing/2014/main" xmlns:a14="http://schemas.microsoft.com/office/drawing/2010/main" w="9525">
+                <a14:hiddenLine xmlns:a14="http://schemas.microsoft.com/office/drawing/2010/main" xmlns:a16="http://schemas.microsoft.com/office/drawing/2014/main" xmlns="" w="9525">
                   <a:solidFill>
                     <a:srgbClr val="000000"/>
                   </a:solidFill>
@@ -16643,7 +16643,7 @@
             </a:ln>
             <a:extLst>
               <a:ext uri="{91240B29-F687-4f45-9708-019B960494DF}">
-                <a14:hiddenLine xmlns="" xmlns:a16="http://schemas.microsoft.com/office/drawing/2014/main" xmlns:a14="http://schemas.microsoft.com/office/drawing/2010/main" w="9525">
+                <a14:hiddenLine xmlns:a14="http://schemas.microsoft.com/office/drawing/2010/main" xmlns:a16="http://schemas.microsoft.com/office/drawing/2014/main" xmlns="" w="9525">
                   <a:solidFill>
                     <a:srgbClr val="000000"/>
                   </a:solidFill>
@@ -16748,7 +16748,7 @@
             </a:ln>
             <a:extLst>
               <a:ext uri="{91240B29-F687-4f45-9708-019B960494DF}">
-                <a14:hiddenLine xmlns="" xmlns:a16="http://schemas.microsoft.com/office/drawing/2014/main" xmlns:a14="http://schemas.microsoft.com/office/drawing/2010/main" w="9525">
+                <a14:hiddenLine xmlns:a14="http://schemas.microsoft.com/office/drawing/2010/main" xmlns:a16="http://schemas.microsoft.com/office/drawing/2014/main" xmlns="" w="9525">
                   <a:solidFill>
                     <a:srgbClr val="000000"/>
                   </a:solidFill>
@@ -16825,7 +16825,7 @@
             </a:ln>
             <a:extLst>
               <a:ext uri="{91240B29-F687-4f45-9708-019B960494DF}">
-                <a14:hiddenLine xmlns="" xmlns:a16="http://schemas.microsoft.com/office/drawing/2014/main" xmlns:a14="http://schemas.microsoft.com/office/drawing/2010/main" w="9525">
+                <a14:hiddenLine xmlns:a14="http://schemas.microsoft.com/office/drawing/2010/main" xmlns:a16="http://schemas.microsoft.com/office/drawing/2014/main" xmlns="" w="9525">
                   <a:solidFill>
                     <a:srgbClr val="000000"/>
                   </a:solidFill>
@@ -16930,7 +16930,7 @@
             </a:ln>
             <a:extLst>
               <a:ext uri="{91240B29-F687-4f45-9708-019B960494DF}">
-                <a14:hiddenLine xmlns="" xmlns:a16="http://schemas.microsoft.com/office/drawing/2014/main" xmlns:a14="http://schemas.microsoft.com/office/drawing/2010/main" w="9525">
+                <a14:hiddenLine xmlns:a14="http://schemas.microsoft.com/office/drawing/2010/main" xmlns:a16="http://schemas.microsoft.com/office/drawing/2014/main" xmlns="" w="9525">
                   <a:solidFill>
                     <a:srgbClr val="000000"/>
                   </a:solidFill>
@@ -16979,7 +16979,7 @@
             </a:ln>
             <a:extLst>
               <a:ext uri="{91240B29-F687-4f45-9708-019B960494DF}">
-                <a14:hiddenLine xmlns="" xmlns:a16="http://schemas.microsoft.com/office/drawing/2014/main" xmlns:a14="http://schemas.microsoft.com/office/drawing/2010/main" w="9525">
+                <a14:hiddenLine xmlns:a14="http://schemas.microsoft.com/office/drawing/2010/main" xmlns:a16="http://schemas.microsoft.com/office/drawing/2014/main" xmlns="" w="9525">
                   <a:solidFill>
                     <a:srgbClr val="000000"/>
                   </a:solidFill>
@@ -17059,7 +17059,7 @@
             </a:ln>
             <a:extLst>
               <a:ext uri="{91240B29-F687-4f45-9708-019B960494DF}">
-                <a14:hiddenLine xmlns="" xmlns:a16="http://schemas.microsoft.com/office/drawing/2014/main" xmlns:a14="http://schemas.microsoft.com/office/drawing/2010/main" w="9525">
+                <a14:hiddenLine xmlns:a14="http://schemas.microsoft.com/office/drawing/2010/main" xmlns:a16="http://schemas.microsoft.com/office/drawing/2014/main" xmlns="" w="9525">
                   <a:solidFill>
                     <a:srgbClr val="000000"/>
                   </a:solidFill>
@@ -17164,7 +17164,7 @@
             </a:ln>
             <a:extLst>
               <a:ext uri="{91240B29-F687-4f45-9708-019B960494DF}">
-                <a14:hiddenLine xmlns="" xmlns:a16="http://schemas.microsoft.com/office/drawing/2014/main" xmlns:a14="http://schemas.microsoft.com/office/drawing/2010/main" w="9525">
+                <a14:hiddenLine xmlns:a14="http://schemas.microsoft.com/office/drawing/2010/main" xmlns:a16="http://schemas.microsoft.com/office/drawing/2014/main" xmlns="" w="9525">
                   <a:solidFill>
                     <a:srgbClr val="000000"/>
                   </a:solidFill>
@@ -17241,7 +17241,7 @@
             </a:ln>
             <a:extLst>
               <a:ext uri="{91240B29-F687-4f45-9708-019B960494DF}">
-                <a14:hiddenLine xmlns="" xmlns:a16="http://schemas.microsoft.com/office/drawing/2014/main" xmlns:a14="http://schemas.microsoft.com/office/drawing/2010/main" w="9525">
+                <a14:hiddenLine xmlns:a14="http://schemas.microsoft.com/office/drawing/2010/main" xmlns:a16="http://schemas.microsoft.com/office/drawing/2014/main" xmlns="" w="9525">
                   <a:solidFill>
                     <a:srgbClr val="000000"/>
                   </a:solidFill>
@@ -17346,7 +17346,7 @@
             </a:ln>
             <a:extLst>
               <a:ext uri="{91240B29-F687-4f45-9708-019B960494DF}">
-                <a14:hiddenLine xmlns="" xmlns:a16="http://schemas.microsoft.com/office/drawing/2014/main" xmlns:a14="http://schemas.microsoft.com/office/drawing/2010/main" w="9525">
+                <a14:hiddenLine xmlns:a14="http://schemas.microsoft.com/office/drawing/2010/main" xmlns:a16="http://schemas.microsoft.com/office/drawing/2014/main" xmlns="" w="9525">
                   <a:solidFill>
                     <a:srgbClr val="000000"/>
                   </a:solidFill>
@@ -17451,7 +17451,7 @@
             </a:ln>
             <a:extLst>
               <a:ext uri="{91240B29-F687-4f45-9708-019B960494DF}">
-                <a14:hiddenLine xmlns="" xmlns:a16="http://schemas.microsoft.com/office/drawing/2014/main" xmlns:a14="http://schemas.microsoft.com/office/drawing/2010/main" w="9525">
+                <a14:hiddenLine xmlns:a14="http://schemas.microsoft.com/office/drawing/2010/main" xmlns:a16="http://schemas.microsoft.com/office/drawing/2014/main" xmlns="" w="9525">
                   <a:solidFill>
                     <a:srgbClr val="000000"/>
                   </a:solidFill>
@@ -17531,7 +17531,7 @@
             </a:ln>
             <a:extLst>
               <a:ext uri="{91240B29-F687-4f45-9708-019B960494DF}">
-                <a14:hiddenLine xmlns="" xmlns:a16="http://schemas.microsoft.com/office/drawing/2014/main" xmlns:a14="http://schemas.microsoft.com/office/drawing/2010/main" w="9525">
+                <a14:hiddenLine xmlns:a14="http://schemas.microsoft.com/office/drawing/2010/main" xmlns:a16="http://schemas.microsoft.com/office/drawing/2014/main" xmlns="" w="9525">
                   <a:solidFill>
                     <a:srgbClr val="000000"/>
                   </a:solidFill>
@@ -17608,7 +17608,7 @@
             </a:ln>
             <a:extLst>
               <a:ext uri="{91240B29-F687-4f45-9708-019B960494DF}">
-                <a14:hiddenLine xmlns="" xmlns:a16="http://schemas.microsoft.com/office/drawing/2014/main" xmlns:a14="http://schemas.microsoft.com/office/drawing/2010/main" w="9525">
+                <a14:hiddenLine xmlns:a14="http://schemas.microsoft.com/office/drawing/2010/main" xmlns:a16="http://schemas.microsoft.com/office/drawing/2014/main" xmlns="" w="9525">
                   <a:solidFill>
                     <a:srgbClr val="000000"/>
                   </a:solidFill>
@@ -17713,7 +17713,7 @@
             </a:ln>
             <a:extLst>
               <a:ext uri="{91240B29-F687-4f45-9708-019B960494DF}">
-                <a14:hiddenLine xmlns="" xmlns:a16="http://schemas.microsoft.com/office/drawing/2014/main" xmlns:a14="http://schemas.microsoft.com/office/drawing/2010/main" w="9525">
+                <a14:hiddenLine xmlns:a14="http://schemas.microsoft.com/office/drawing/2010/main" xmlns:a16="http://schemas.microsoft.com/office/drawing/2014/main" xmlns="" w="9525">
                   <a:solidFill>
                     <a:srgbClr val="000000"/>
                   </a:solidFill>
@@ -17818,7 +17818,7 @@
             </a:ln>
             <a:extLst>
               <a:ext uri="{91240B29-F687-4f45-9708-019B960494DF}">
-                <a14:hiddenLine xmlns="" xmlns:a16="http://schemas.microsoft.com/office/drawing/2014/main" xmlns:a14="http://schemas.microsoft.com/office/drawing/2010/main" w="9525">
+                <a14:hiddenLine xmlns:a14="http://schemas.microsoft.com/office/drawing/2010/main" xmlns:a16="http://schemas.microsoft.com/office/drawing/2014/main" xmlns="" w="9525">
                   <a:solidFill>
                     <a:srgbClr val="000000"/>
                   </a:solidFill>
@@ -17895,7 +17895,7 @@
             </a:ln>
             <a:extLst>
               <a:ext uri="{91240B29-F687-4f45-9708-019B960494DF}">
-                <a14:hiddenLine xmlns="" xmlns:a16="http://schemas.microsoft.com/office/drawing/2014/main" xmlns:a14="http://schemas.microsoft.com/office/drawing/2010/main" w="9525">
+                <a14:hiddenLine xmlns:a14="http://schemas.microsoft.com/office/drawing/2010/main" xmlns:a16="http://schemas.microsoft.com/office/drawing/2014/main" xmlns="" w="9525">
                   <a:solidFill>
                     <a:srgbClr val="000000"/>
                   </a:solidFill>
@@ -18030,7 +18030,7 @@
             </a:ln>
             <a:extLst>
               <a:ext uri="{91240B29-F687-4f45-9708-019B960494DF}">
-                <a14:hiddenLine xmlns="" xmlns:a16="http://schemas.microsoft.com/office/drawing/2014/main" xmlns:a14="http://schemas.microsoft.com/office/drawing/2010/main" w="9525">
+                <a14:hiddenLine xmlns:a14="http://schemas.microsoft.com/office/drawing/2010/main" xmlns:a16="http://schemas.microsoft.com/office/drawing/2014/main" xmlns="" w="9525">
                   <a:solidFill>
                     <a:srgbClr val="000000"/>
                   </a:solidFill>
@@ -18113,7 +18113,7 @@
             </a:ln>
             <a:extLst>
               <a:ext uri="{91240B29-F687-4f45-9708-019B960494DF}">
-                <a14:hiddenLine xmlns="" xmlns:a16="http://schemas.microsoft.com/office/drawing/2014/main" xmlns:a14="http://schemas.microsoft.com/office/drawing/2010/main" w="9525">
+                <a14:hiddenLine xmlns:a14="http://schemas.microsoft.com/office/drawing/2010/main" xmlns:a16="http://schemas.microsoft.com/office/drawing/2014/main" xmlns="" w="9525">
                   <a:solidFill>
                     <a:srgbClr val="000000"/>
                   </a:solidFill>
@@ -18218,7 +18218,7 @@
             </a:ln>
             <a:extLst>
               <a:ext uri="{91240B29-F687-4f45-9708-019B960494DF}">
-                <a14:hiddenLine xmlns="" xmlns:a16="http://schemas.microsoft.com/office/drawing/2014/main" xmlns:a14="http://schemas.microsoft.com/office/drawing/2010/main" w="9525">
+                <a14:hiddenLine xmlns:a14="http://schemas.microsoft.com/office/drawing/2010/main" xmlns:a16="http://schemas.microsoft.com/office/drawing/2014/main" xmlns="" w="9525">
                   <a:solidFill>
                     <a:srgbClr val="000000"/>
                   </a:solidFill>
@@ -18375,7 +18375,7 @@
             <a:noFill/>
             <a:extLst>
               <a:ext uri="{909E8E84-426E-40dd-AFC4-6F175D3DCCD1}">
-                <a14:hiddenFill xmlns="" xmlns:a16="http://schemas.microsoft.com/office/drawing/2014/main" xmlns:p14="http://schemas.microsoft.com/office/powerpoint/2010/main" xmlns:a14="http://schemas.microsoft.com/office/drawing/2010/main">
+                <a14:hiddenFill xmlns:a14="http://schemas.microsoft.com/office/drawing/2010/main" xmlns:p14="http://schemas.microsoft.com/office/powerpoint/2010/main" xmlns:a16="http://schemas.microsoft.com/office/drawing/2014/main" xmlns="">
                   <a:solidFill>
                     <a:srgbClr val="FFFFFF"/>
                   </a:solidFill>
@@ -20490,7 +20490,7 @@
           <a:p>
             <a:r>
               <a:rPr lang="fr-CA" dirty="0"/>
-              <a:t>Difficultés rencontrées</a:t>
+              <a:t>Problèmes rencontrés</a:t>
             </a:r>
           </a:p>
         </p:txBody>
@@ -20515,6 +20515,9 @@
         <p:txBody>
           <a:bodyPr/>
           <a:lstStyle/>
+          <a:p>
+            <a:endParaRPr lang="fr-CA" dirty="0"/>
+          </a:p>
           <a:p>
             <a:r>
               <a:rPr lang="fr-CA" dirty="0"/>
@@ -20858,7 +20861,7 @@
           <a:noFill/>
           <a:extLst>
             <a:ext uri="{909E8E84-426E-40dd-AFC4-6F175D3DCCD1}">
-              <a14:hiddenFill xmlns:a14="http://schemas.microsoft.com/office/drawing/2010/main" xmlns:a16="http://schemas.microsoft.com/office/drawing/2014/main" xmlns="">
+              <a14:hiddenFill xmlns="" xmlns:a16="http://schemas.microsoft.com/office/drawing/2014/main" xmlns:a14="http://schemas.microsoft.com/office/drawing/2010/main">
                 <a:solidFill>
                   <a:srgbClr val="FFFFFF"/>
                 </a:solidFill>
@@ -20950,7 +20953,7 @@
             </a:ln>
             <a:extLst>
               <a:ext uri="{91240B29-F687-4f45-9708-019B960494DF}">
-                <a14:hiddenLine xmlns:a14="http://schemas.microsoft.com/office/drawing/2010/main" xmlns:a16="http://schemas.microsoft.com/office/drawing/2014/main" xmlns="" w="9525">
+                <a14:hiddenLine xmlns="" xmlns:a16="http://schemas.microsoft.com/office/drawing/2014/main" xmlns:a14="http://schemas.microsoft.com/office/drawing/2010/main" w="9525">
                   <a:solidFill>
                     <a:srgbClr val="000000"/>
                   </a:solidFill>
@@ -21055,7 +21058,7 @@
             </a:ln>
             <a:extLst>
               <a:ext uri="{91240B29-F687-4f45-9708-019B960494DF}">
-                <a14:hiddenLine xmlns:a14="http://schemas.microsoft.com/office/drawing/2010/main" xmlns:a16="http://schemas.microsoft.com/office/drawing/2014/main" xmlns="" w="9525">
+                <a14:hiddenLine xmlns="" xmlns:a16="http://schemas.microsoft.com/office/drawing/2014/main" xmlns:a14="http://schemas.microsoft.com/office/drawing/2010/main" w="9525">
                   <a:solidFill>
                     <a:srgbClr val="000000"/>
                   </a:solidFill>
@@ -21160,7 +21163,7 @@
             </a:ln>
             <a:extLst>
               <a:ext uri="{91240B29-F687-4f45-9708-019B960494DF}">
-                <a14:hiddenLine xmlns:a14="http://schemas.microsoft.com/office/drawing/2010/main" xmlns:a16="http://schemas.microsoft.com/office/drawing/2014/main" xmlns="" w="9525">
+                <a14:hiddenLine xmlns="" xmlns:a16="http://schemas.microsoft.com/office/drawing/2014/main" xmlns:a14="http://schemas.microsoft.com/office/drawing/2010/main" w="9525">
                   <a:solidFill>
                     <a:srgbClr val="000000"/>
                   </a:solidFill>
@@ -21209,7 +21212,7 @@
             </a:ln>
             <a:extLst>
               <a:ext uri="{91240B29-F687-4f45-9708-019B960494DF}">
-                <a14:hiddenLine xmlns:a14="http://schemas.microsoft.com/office/drawing/2010/main" xmlns:a16="http://schemas.microsoft.com/office/drawing/2014/main" xmlns="" w="9525">
+                <a14:hiddenLine xmlns="" xmlns:a16="http://schemas.microsoft.com/office/drawing/2014/main" xmlns:a14="http://schemas.microsoft.com/office/drawing/2010/main" w="9525">
                   <a:solidFill>
                     <a:srgbClr val="000000"/>
                   </a:solidFill>
@@ -21314,7 +21317,7 @@
             </a:ln>
             <a:extLst>
               <a:ext uri="{91240B29-F687-4f45-9708-019B960494DF}">
-                <a14:hiddenLine xmlns:a14="http://schemas.microsoft.com/office/drawing/2010/main" xmlns:a16="http://schemas.microsoft.com/office/drawing/2014/main" xmlns="" w="9525">
+                <a14:hiddenLine xmlns="" xmlns:a16="http://schemas.microsoft.com/office/drawing/2014/main" xmlns:a14="http://schemas.microsoft.com/office/drawing/2010/main" w="9525">
                   <a:solidFill>
                     <a:srgbClr val="000000"/>
                   </a:solidFill>
@@ -21391,7 +21394,7 @@
             </a:ln>
             <a:extLst>
               <a:ext uri="{91240B29-F687-4f45-9708-019B960494DF}">
-                <a14:hiddenLine xmlns:a14="http://schemas.microsoft.com/office/drawing/2010/main" xmlns:a16="http://schemas.microsoft.com/office/drawing/2014/main" xmlns="" w="9525">
+                <a14:hiddenLine xmlns="" xmlns:a16="http://schemas.microsoft.com/office/drawing/2014/main" xmlns:a14="http://schemas.microsoft.com/office/drawing/2010/main" w="9525">
                   <a:solidFill>
                     <a:srgbClr val="000000"/>
                   </a:solidFill>
@@ -21468,7 +21471,7 @@
             </a:ln>
             <a:extLst>
               <a:ext uri="{91240B29-F687-4f45-9708-019B960494DF}">
-                <a14:hiddenLine xmlns:a14="http://schemas.microsoft.com/office/drawing/2010/main" xmlns:a16="http://schemas.microsoft.com/office/drawing/2014/main" xmlns="" w="9525">
+                <a14:hiddenLine xmlns="" xmlns:a16="http://schemas.microsoft.com/office/drawing/2014/main" xmlns:a14="http://schemas.microsoft.com/office/drawing/2010/main" w="9525">
                   <a:solidFill>
                     <a:srgbClr val="000000"/>
                   </a:solidFill>
@@ -21573,7 +21576,7 @@
             </a:ln>
             <a:extLst>
               <a:ext uri="{91240B29-F687-4f45-9708-019B960494DF}">
-                <a14:hiddenLine xmlns:a14="http://schemas.microsoft.com/office/drawing/2010/main" xmlns:a16="http://schemas.microsoft.com/office/drawing/2014/main" xmlns="" w="9525">
+                <a14:hiddenLine xmlns="" xmlns:a16="http://schemas.microsoft.com/office/drawing/2014/main" xmlns:a14="http://schemas.microsoft.com/office/drawing/2010/main" w="9525">
                   <a:solidFill>
                     <a:srgbClr val="000000"/>
                   </a:solidFill>
@@ -21650,7 +21653,7 @@
             </a:ln>
             <a:extLst>
               <a:ext uri="{91240B29-F687-4f45-9708-019B960494DF}">
-                <a14:hiddenLine xmlns:a14="http://schemas.microsoft.com/office/drawing/2010/main" xmlns:a16="http://schemas.microsoft.com/office/drawing/2014/main" xmlns="" w="9525">
+                <a14:hiddenLine xmlns="" xmlns:a16="http://schemas.microsoft.com/office/drawing/2014/main" xmlns:a14="http://schemas.microsoft.com/office/drawing/2010/main" w="9525">
                   <a:solidFill>
                     <a:srgbClr val="000000"/>
                   </a:solidFill>
@@ -21727,7 +21730,7 @@
             </a:ln>
             <a:extLst>
               <a:ext uri="{91240B29-F687-4f45-9708-019B960494DF}">
-                <a14:hiddenLine xmlns:a14="http://schemas.microsoft.com/office/drawing/2010/main" xmlns:a16="http://schemas.microsoft.com/office/drawing/2014/main" xmlns="" w="9525">
+                <a14:hiddenLine xmlns="" xmlns:a16="http://schemas.microsoft.com/office/drawing/2014/main" xmlns:a14="http://schemas.microsoft.com/office/drawing/2010/main" w="9525">
                   <a:solidFill>
                     <a:srgbClr val="000000"/>
                   </a:solidFill>
@@ -21832,7 +21835,7 @@
             </a:ln>
             <a:extLst>
               <a:ext uri="{91240B29-F687-4f45-9708-019B960494DF}">
-                <a14:hiddenLine xmlns:a14="http://schemas.microsoft.com/office/drawing/2010/main" xmlns:a16="http://schemas.microsoft.com/office/drawing/2014/main" xmlns="" w="9525">
+                <a14:hiddenLine xmlns="" xmlns:a16="http://schemas.microsoft.com/office/drawing/2014/main" xmlns:a14="http://schemas.microsoft.com/office/drawing/2010/main" w="9525">
                   <a:solidFill>
                     <a:srgbClr val="000000"/>
                   </a:solidFill>
@@ -21937,7 +21940,7 @@
             </a:ln>
             <a:extLst>
               <a:ext uri="{91240B29-F687-4f45-9708-019B960494DF}">
-                <a14:hiddenLine xmlns:a14="http://schemas.microsoft.com/office/drawing/2010/main" xmlns:a16="http://schemas.microsoft.com/office/drawing/2014/main" xmlns="" w="9525">
+                <a14:hiddenLine xmlns="" xmlns:a16="http://schemas.microsoft.com/office/drawing/2014/main" xmlns:a14="http://schemas.microsoft.com/office/drawing/2010/main" w="9525">
                   <a:solidFill>
                     <a:srgbClr val="000000"/>
                   </a:solidFill>
@@ -22014,7 +22017,7 @@
             </a:ln>
             <a:extLst>
               <a:ext uri="{91240B29-F687-4f45-9708-019B960494DF}">
-                <a14:hiddenLine xmlns:a14="http://schemas.microsoft.com/office/drawing/2010/main" xmlns:a16="http://schemas.microsoft.com/office/drawing/2014/main" xmlns="" w="9525">
+                <a14:hiddenLine xmlns="" xmlns:a16="http://schemas.microsoft.com/office/drawing/2014/main" xmlns:a14="http://schemas.microsoft.com/office/drawing/2010/main" w="9525">
                   <a:solidFill>
                     <a:srgbClr val="000000"/>
                   </a:solidFill>
@@ -22139,7 +22142,7 @@
             </a:ln>
             <a:extLst>
               <a:ext uri="{91240B29-F687-4f45-9708-019B960494DF}">
-                <a14:hiddenLine xmlns:a14="http://schemas.microsoft.com/office/drawing/2010/main" xmlns:a16="http://schemas.microsoft.com/office/drawing/2014/main" xmlns="" w="9525">
+                <a14:hiddenLine xmlns="" xmlns:a16="http://schemas.microsoft.com/office/drawing/2014/main" xmlns:a14="http://schemas.microsoft.com/office/drawing/2010/main" w="9525">
                   <a:solidFill>
                     <a:srgbClr val="000000"/>
                   </a:solidFill>
@@ -22216,7 +22219,7 @@
             </a:ln>
             <a:extLst>
               <a:ext uri="{91240B29-F687-4f45-9708-019B960494DF}">
-                <a14:hiddenLine xmlns:a14="http://schemas.microsoft.com/office/drawing/2010/main" xmlns:a16="http://schemas.microsoft.com/office/drawing/2014/main" xmlns="" w="9525">
+                <a14:hiddenLine xmlns="" xmlns:a16="http://schemas.microsoft.com/office/drawing/2014/main" xmlns:a14="http://schemas.microsoft.com/office/drawing/2010/main" w="9525">
                   <a:solidFill>
                     <a:srgbClr val="000000"/>
                   </a:solidFill>
@@ -22321,7 +22324,7 @@
             </a:ln>
             <a:extLst>
               <a:ext uri="{91240B29-F687-4f45-9708-019B960494DF}">
-                <a14:hiddenLine xmlns:a14="http://schemas.microsoft.com/office/drawing/2010/main" xmlns:a16="http://schemas.microsoft.com/office/drawing/2014/main" xmlns="" w="9525">
+                <a14:hiddenLine xmlns="" xmlns:a16="http://schemas.microsoft.com/office/drawing/2014/main" xmlns:a14="http://schemas.microsoft.com/office/drawing/2010/main" w="9525">
                   <a:solidFill>
                     <a:srgbClr val="000000"/>
                   </a:solidFill>
@@ -22426,7 +22429,7 @@
             </a:ln>
             <a:extLst>
               <a:ext uri="{91240B29-F687-4f45-9708-019B960494DF}">
-                <a14:hiddenLine xmlns:a14="http://schemas.microsoft.com/office/drawing/2010/main" xmlns:a16="http://schemas.microsoft.com/office/drawing/2014/main" xmlns="" w="9525">
+                <a14:hiddenLine xmlns="" xmlns:a16="http://schemas.microsoft.com/office/drawing/2014/main" xmlns:a14="http://schemas.microsoft.com/office/drawing/2010/main" w="9525">
                   <a:solidFill>
                     <a:srgbClr val="000000"/>
                   </a:solidFill>
@@ -22503,7 +22506,7 @@
             </a:ln>
             <a:extLst>
               <a:ext uri="{91240B29-F687-4f45-9708-019B960494DF}">
-                <a14:hiddenLine xmlns:a14="http://schemas.microsoft.com/office/drawing/2010/main" xmlns:a16="http://schemas.microsoft.com/office/drawing/2014/main" xmlns="" w="9525">
+                <a14:hiddenLine xmlns="" xmlns:a16="http://schemas.microsoft.com/office/drawing/2014/main" xmlns:a14="http://schemas.microsoft.com/office/drawing/2010/main" w="9525">
                   <a:solidFill>
                     <a:srgbClr val="000000"/>
                   </a:solidFill>
@@ -22608,7 +22611,7 @@
             </a:ln>
             <a:extLst>
               <a:ext uri="{91240B29-F687-4f45-9708-019B960494DF}">
-                <a14:hiddenLine xmlns:a14="http://schemas.microsoft.com/office/drawing/2010/main" xmlns:a16="http://schemas.microsoft.com/office/drawing/2014/main" xmlns="" w="9525">
+                <a14:hiddenLine xmlns="" xmlns:a16="http://schemas.microsoft.com/office/drawing/2014/main" xmlns:a14="http://schemas.microsoft.com/office/drawing/2010/main" w="9525">
                   <a:solidFill>
                     <a:srgbClr val="000000"/>
                   </a:solidFill>
@@ -22713,7 +22716,7 @@
             </a:ln>
             <a:extLst>
               <a:ext uri="{91240B29-F687-4f45-9708-019B960494DF}">
-                <a14:hiddenLine xmlns:a14="http://schemas.microsoft.com/office/drawing/2010/main" xmlns:a16="http://schemas.microsoft.com/office/drawing/2014/main" xmlns="" w="9525">
+                <a14:hiddenLine xmlns="" xmlns:a16="http://schemas.microsoft.com/office/drawing/2014/main" xmlns:a14="http://schemas.microsoft.com/office/drawing/2010/main" w="9525">
                   <a:solidFill>
                     <a:srgbClr val="000000"/>
                   </a:solidFill>
@@ -22784,7 +22787,7 @@
             </a:ln>
             <a:extLst>
               <a:ext uri="{91240B29-F687-4f45-9708-019B960494DF}">
-                <a14:hiddenLine xmlns:a14="http://schemas.microsoft.com/office/drawing/2010/main" xmlns:a16="http://schemas.microsoft.com/office/drawing/2014/main" xmlns="" w="9525">
+                <a14:hiddenLine xmlns="" xmlns:a16="http://schemas.microsoft.com/office/drawing/2014/main" xmlns:a14="http://schemas.microsoft.com/office/drawing/2010/main" w="9525">
                   <a:solidFill>
                     <a:srgbClr val="000000"/>
                   </a:solidFill>
@@ -22889,7 +22892,7 @@
             </a:ln>
             <a:extLst>
               <a:ext uri="{91240B29-F687-4f45-9708-019B960494DF}">
-                <a14:hiddenLine xmlns:a14="http://schemas.microsoft.com/office/drawing/2010/main" xmlns:a16="http://schemas.microsoft.com/office/drawing/2014/main" xmlns="" w="9525">
+                <a14:hiddenLine xmlns="" xmlns:a16="http://schemas.microsoft.com/office/drawing/2014/main" xmlns:a14="http://schemas.microsoft.com/office/drawing/2010/main" w="9525">
                   <a:solidFill>
                     <a:srgbClr val="000000"/>
                   </a:solidFill>
@@ -22960,7 +22963,7 @@
             </a:ln>
             <a:extLst>
               <a:ext uri="{91240B29-F687-4f45-9708-019B960494DF}">
-                <a14:hiddenLine xmlns:a14="http://schemas.microsoft.com/office/drawing/2010/main" xmlns:a16="http://schemas.microsoft.com/office/drawing/2014/main" xmlns="" w="9525">
+                <a14:hiddenLine xmlns="" xmlns:a16="http://schemas.microsoft.com/office/drawing/2014/main" xmlns:a14="http://schemas.microsoft.com/office/drawing/2010/main" w="9525">
                   <a:solidFill>
                     <a:srgbClr val="000000"/>
                   </a:solidFill>
@@ -23065,7 +23068,7 @@
             </a:ln>
             <a:extLst>
               <a:ext uri="{91240B29-F687-4f45-9708-019B960494DF}">
-                <a14:hiddenLine xmlns:a14="http://schemas.microsoft.com/office/drawing/2010/main" xmlns:a16="http://schemas.microsoft.com/office/drawing/2014/main" xmlns="" w="9525">
+                <a14:hiddenLine xmlns="" xmlns:a16="http://schemas.microsoft.com/office/drawing/2014/main" xmlns:a14="http://schemas.microsoft.com/office/drawing/2010/main" w="9525">
                   <a:solidFill>
                     <a:srgbClr val="000000"/>
                   </a:solidFill>
@@ -23148,7 +23151,7 @@
             </a:ln>
             <a:extLst>
               <a:ext uri="{91240B29-F687-4f45-9708-019B960494DF}">
-                <a14:hiddenLine xmlns:a14="http://schemas.microsoft.com/office/drawing/2010/main" xmlns:a16="http://schemas.microsoft.com/office/drawing/2014/main" xmlns="" w="9525">
+                <a14:hiddenLine xmlns="" xmlns:a16="http://schemas.microsoft.com/office/drawing/2014/main" xmlns:a14="http://schemas.microsoft.com/office/drawing/2010/main" w="9525">
                   <a:solidFill>
                     <a:srgbClr val="000000"/>
                   </a:solidFill>
@@ -23253,7 +23256,7 @@
             </a:ln>
             <a:extLst>
               <a:ext uri="{91240B29-F687-4f45-9708-019B960494DF}">
-                <a14:hiddenLine xmlns:a14="http://schemas.microsoft.com/office/drawing/2010/main" xmlns:a16="http://schemas.microsoft.com/office/drawing/2014/main" xmlns="" w="9525">
+                <a14:hiddenLine xmlns="" xmlns:a16="http://schemas.microsoft.com/office/drawing/2014/main" xmlns:a14="http://schemas.microsoft.com/office/drawing/2010/main" w="9525">
                   <a:solidFill>
                     <a:srgbClr val="000000"/>
                   </a:solidFill>
@@ -23336,7 +23339,7 @@
             </a:ln>
             <a:extLst>
               <a:ext uri="{91240B29-F687-4f45-9708-019B960494DF}">
-                <a14:hiddenLine xmlns:a14="http://schemas.microsoft.com/office/drawing/2010/main" xmlns:a16="http://schemas.microsoft.com/office/drawing/2014/main" xmlns="" w="9525">
+                <a14:hiddenLine xmlns="" xmlns:a16="http://schemas.microsoft.com/office/drawing/2014/main" xmlns:a14="http://schemas.microsoft.com/office/drawing/2010/main" w="9525">
                   <a:solidFill>
                     <a:srgbClr val="000000"/>
                   </a:solidFill>
@@ -23441,7 +23444,7 @@
             </a:ln>
             <a:extLst>
               <a:ext uri="{91240B29-F687-4f45-9708-019B960494DF}">
-                <a14:hiddenLine xmlns:a14="http://schemas.microsoft.com/office/drawing/2010/main" xmlns:a16="http://schemas.microsoft.com/office/drawing/2014/main" xmlns="" w="9525">
+                <a14:hiddenLine xmlns="" xmlns:a16="http://schemas.microsoft.com/office/drawing/2014/main" xmlns:a14="http://schemas.microsoft.com/office/drawing/2010/main" w="9525">
                   <a:solidFill>
                     <a:srgbClr val="000000"/>
                   </a:solidFill>
@@ -23490,7 +23493,7 @@
             </a:ln>
             <a:extLst>
               <a:ext uri="{91240B29-F687-4f45-9708-019B960494DF}">
-                <a14:hiddenLine xmlns:a14="http://schemas.microsoft.com/office/drawing/2010/main" xmlns:a16="http://schemas.microsoft.com/office/drawing/2014/main" xmlns="" w="9525">
+                <a14:hiddenLine xmlns="" xmlns:a16="http://schemas.microsoft.com/office/drawing/2014/main" xmlns:a14="http://schemas.microsoft.com/office/drawing/2010/main" w="9525">
                   <a:solidFill>
                     <a:srgbClr val="000000"/>
                   </a:solidFill>
@@ -23595,7 +23598,7 @@
             </a:ln>
             <a:extLst>
               <a:ext uri="{91240B29-F687-4f45-9708-019B960494DF}">
-                <a14:hiddenLine xmlns:a14="http://schemas.microsoft.com/office/drawing/2010/main" xmlns:a16="http://schemas.microsoft.com/office/drawing/2014/main" xmlns="" w="9525">
+                <a14:hiddenLine xmlns="" xmlns:a16="http://schemas.microsoft.com/office/drawing/2014/main" xmlns:a14="http://schemas.microsoft.com/office/drawing/2010/main" w="9525">
                   <a:solidFill>
                     <a:srgbClr val="000000"/>
                   </a:solidFill>
@@ -23672,7 +23675,7 @@
             </a:ln>
             <a:extLst>
               <a:ext uri="{91240B29-F687-4f45-9708-019B960494DF}">
-                <a14:hiddenLine xmlns:a14="http://schemas.microsoft.com/office/drawing/2010/main" xmlns:a16="http://schemas.microsoft.com/office/drawing/2014/main" xmlns="" w="9525">
+                <a14:hiddenLine xmlns="" xmlns:a16="http://schemas.microsoft.com/office/drawing/2014/main" xmlns:a14="http://schemas.microsoft.com/office/drawing/2010/main" w="9525">
                   <a:solidFill>
                     <a:srgbClr val="000000"/>
                   </a:solidFill>
@@ -23749,7 +23752,7 @@
             </a:ln>
             <a:extLst>
               <a:ext uri="{91240B29-F687-4f45-9708-019B960494DF}">
-                <a14:hiddenLine xmlns:a14="http://schemas.microsoft.com/office/drawing/2010/main" xmlns:a16="http://schemas.microsoft.com/office/drawing/2014/main" xmlns="" w="9525">
+                <a14:hiddenLine xmlns="" xmlns:a16="http://schemas.microsoft.com/office/drawing/2014/main" xmlns:a14="http://schemas.microsoft.com/office/drawing/2010/main" w="9525">
                   <a:solidFill>
                     <a:srgbClr val="000000"/>
                   </a:solidFill>
@@ -23854,7 +23857,7 @@
             </a:ln>
             <a:extLst>
               <a:ext uri="{91240B29-F687-4f45-9708-019B960494DF}">
-                <a14:hiddenLine xmlns:a14="http://schemas.microsoft.com/office/drawing/2010/main" xmlns:a16="http://schemas.microsoft.com/office/drawing/2014/main" xmlns="" w="9525">
+                <a14:hiddenLine xmlns="" xmlns:a16="http://schemas.microsoft.com/office/drawing/2014/main" xmlns:a14="http://schemas.microsoft.com/office/drawing/2010/main" w="9525">
                   <a:solidFill>
                     <a:srgbClr val="000000"/>
                   </a:solidFill>
@@ -23937,7 +23940,7 @@
             </a:ln>
             <a:extLst>
               <a:ext uri="{91240B29-F687-4f45-9708-019B960494DF}">
-                <a14:hiddenLine xmlns:a14="http://schemas.microsoft.com/office/drawing/2010/main" xmlns:a16="http://schemas.microsoft.com/office/drawing/2014/main" xmlns="" w="9525">
+                <a14:hiddenLine xmlns="" xmlns:a16="http://schemas.microsoft.com/office/drawing/2014/main" xmlns:a14="http://schemas.microsoft.com/office/drawing/2010/main" w="9525">
                   <a:solidFill>
                     <a:srgbClr val="000000"/>
                   </a:solidFill>
@@ -24014,7 +24017,7 @@
             </a:ln>
             <a:extLst>
               <a:ext uri="{91240B29-F687-4f45-9708-019B960494DF}">
-                <a14:hiddenLine xmlns:a14="http://schemas.microsoft.com/office/drawing/2010/main" xmlns:a16="http://schemas.microsoft.com/office/drawing/2014/main" xmlns="" w="9525">
+                <a14:hiddenLine xmlns="" xmlns:a16="http://schemas.microsoft.com/office/drawing/2014/main" xmlns:a14="http://schemas.microsoft.com/office/drawing/2010/main" w="9525">
                   <a:solidFill>
                     <a:srgbClr val="000000"/>
                   </a:solidFill>
@@ -24119,7 +24122,7 @@
             </a:ln>
             <a:extLst>
               <a:ext uri="{91240B29-F687-4f45-9708-019B960494DF}">
-                <a14:hiddenLine xmlns:a14="http://schemas.microsoft.com/office/drawing/2010/main" xmlns:a16="http://schemas.microsoft.com/office/drawing/2014/main" xmlns="" w="9525">
+                <a14:hiddenLine xmlns="" xmlns:a16="http://schemas.microsoft.com/office/drawing/2014/main" xmlns:a14="http://schemas.microsoft.com/office/drawing/2010/main" w="9525">
                   <a:solidFill>
                     <a:srgbClr val="000000"/>
                   </a:solidFill>
@@ -24196,7 +24199,7 @@
             </a:ln>
             <a:extLst>
               <a:ext uri="{91240B29-F687-4f45-9708-019B960494DF}">
-                <a14:hiddenLine xmlns:a14="http://schemas.microsoft.com/office/drawing/2010/main" xmlns:a16="http://schemas.microsoft.com/office/drawing/2014/main" xmlns="" w="9525">
+                <a14:hiddenLine xmlns="" xmlns:a16="http://schemas.microsoft.com/office/drawing/2014/main" xmlns:a14="http://schemas.microsoft.com/office/drawing/2010/main" w="9525">
                   <a:solidFill>
                     <a:srgbClr val="000000"/>
                   </a:solidFill>
@@ -24301,7 +24304,7 @@
             </a:ln>
             <a:extLst>
               <a:ext uri="{91240B29-F687-4f45-9708-019B960494DF}">
-                <a14:hiddenLine xmlns:a14="http://schemas.microsoft.com/office/drawing/2010/main" xmlns:a16="http://schemas.microsoft.com/office/drawing/2014/main" xmlns="" w="9525">
+                <a14:hiddenLine xmlns="" xmlns:a16="http://schemas.microsoft.com/office/drawing/2014/main" xmlns:a14="http://schemas.microsoft.com/office/drawing/2010/main" w="9525">
                   <a:solidFill>
                     <a:srgbClr val="000000"/>
                   </a:solidFill>
@@ -24378,7 +24381,7 @@
             </a:ln>
             <a:extLst>
               <a:ext uri="{91240B29-F687-4f45-9708-019B960494DF}">
-                <a14:hiddenLine xmlns:a14="http://schemas.microsoft.com/office/drawing/2010/main" xmlns:a16="http://schemas.microsoft.com/office/drawing/2014/main" xmlns="" w="9525">
+                <a14:hiddenLine xmlns="" xmlns:a16="http://schemas.microsoft.com/office/drawing/2014/main" xmlns:a14="http://schemas.microsoft.com/office/drawing/2010/main" w="9525">
                   <a:solidFill>
                     <a:srgbClr val="000000"/>
                   </a:solidFill>
@@ -24483,7 +24486,7 @@
             </a:ln>
             <a:extLst>
               <a:ext uri="{91240B29-F687-4f45-9708-019B960494DF}">
-                <a14:hiddenLine xmlns:a14="http://schemas.microsoft.com/office/drawing/2010/main" xmlns:a16="http://schemas.microsoft.com/office/drawing/2014/main" xmlns="" w="9525">
+                <a14:hiddenLine xmlns="" xmlns:a16="http://schemas.microsoft.com/office/drawing/2014/main" xmlns:a14="http://schemas.microsoft.com/office/drawing/2010/main" w="9525">
                   <a:solidFill>
                     <a:srgbClr val="000000"/>
                   </a:solidFill>
@@ -24532,7 +24535,7 @@
             </a:ln>
             <a:extLst>
               <a:ext uri="{91240B29-F687-4f45-9708-019B960494DF}">
-                <a14:hiddenLine xmlns:a14="http://schemas.microsoft.com/office/drawing/2010/main" xmlns:a16="http://schemas.microsoft.com/office/drawing/2014/main" xmlns="" w="9525">
+                <a14:hiddenLine xmlns="" xmlns:a16="http://schemas.microsoft.com/office/drawing/2014/main" xmlns:a14="http://schemas.microsoft.com/office/drawing/2010/main" w="9525">
                   <a:solidFill>
                     <a:srgbClr val="000000"/>
                   </a:solidFill>
@@ -24612,7 +24615,7 @@
             </a:ln>
             <a:extLst>
               <a:ext uri="{91240B29-F687-4f45-9708-019B960494DF}">
-                <a14:hiddenLine xmlns:a14="http://schemas.microsoft.com/office/drawing/2010/main" xmlns:a16="http://schemas.microsoft.com/office/drawing/2014/main" xmlns="" w="9525">
+                <a14:hiddenLine xmlns="" xmlns:a16="http://schemas.microsoft.com/office/drawing/2014/main" xmlns:a14="http://schemas.microsoft.com/office/drawing/2010/main" w="9525">
                   <a:solidFill>
                     <a:srgbClr val="000000"/>
                   </a:solidFill>
@@ -24717,7 +24720,7 @@
             </a:ln>
             <a:extLst>
               <a:ext uri="{91240B29-F687-4f45-9708-019B960494DF}">
-                <a14:hiddenLine xmlns:a14="http://schemas.microsoft.com/office/drawing/2010/main" xmlns:a16="http://schemas.microsoft.com/office/drawing/2014/main" xmlns="" w="9525">
+                <a14:hiddenLine xmlns="" xmlns:a16="http://schemas.microsoft.com/office/drawing/2014/main" xmlns:a14="http://schemas.microsoft.com/office/drawing/2010/main" w="9525">
                   <a:solidFill>
                     <a:srgbClr val="000000"/>
                   </a:solidFill>
@@ -24794,7 +24797,7 @@
             </a:ln>
             <a:extLst>
               <a:ext uri="{91240B29-F687-4f45-9708-019B960494DF}">
-                <a14:hiddenLine xmlns:a14="http://schemas.microsoft.com/office/drawing/2010/main" xmlns:a16="http://schemas.microsoft.com/office/drawing/2014/main" xmlns="" w="9525">
+                <a14:hiddenLine xmlns="" xmlns:a16="http://schemas.microsoft.com/office/drawing/2014/main" xmlns:a14="http://schemas.microsoft.com/office/drawing/2010/main" w="9525">
                   <a:solidFill>
                     <a:srgbClr val="000000"/>
                   </a:solidFill>
@@ -24899,7 +24902,7 @@
             </a:ln>
             <a:extLst>
               <a:ext uri="{91240B29-F687-4f45-9708-019B960494DF}">
-                <a14:hiddenLine xmlns:a14="http://schemas.microsoft.com/office/drawing/2010/main" xmlns:a16="http://schemas.microsoft.com/office/drawing/2014/main" xmlns="" w="9525">
+                <a14:hiddenLine xmlns="" xmlns:a16="http://schemas.microsoft.com/office/drawing/2014/main" xmlns:a14="http://schemas.microsoft.com/office/drawing/2010/main" w="9525">
                   <a:solidFill>
                     <a:srgbClr val="000000"/>
                   </a:solidFill>
@@ -25004,7 +25007,7 @@
             </a:ln>
             <a:extLst>
               <a:ext uri="{91240B29-F687-4f45-9708-019B960494DF}">
-                <a14:hiddenLine xmlns:a14="http://schemas.microsoft.com/office/drawing/2010/main" xmlns:a16="http://schemas.microsoft.com/office/drawing/2014/main" xmlns="" w="9525">
+                <a14:hiddenLine xmlns="" xmlns:a16="http://schemas.microsoft.com/office/drawing/2014/main" xmlns:a14="http://schemas.microsoft.com/office/drawing/2010/main" w="9525">
                   <a:solidFill>
                     <a:srgbClr val="000000"/>
                   </a:solidFill>
@@ -25084,7 +25087,7 @@
             </a:ln>
             <a:extLst>
               <a:ext uri="{91240B29-F687-4f45-9708-019B960494DF}">
-                <a14:hiddenLine xmlns:a14="http://schemas.microsoft.com/office/drawing/2010/main" xmlns:a16="http://schemas.microsoft.com/office/drawing/2014/main" xmlns="" w="9525">
+                <a14:hiddenLine xmlns="" xmlns:a16="http://schemas.microsoft.com/office/drawing/2014/main" xmlns:a14="http://schemas.microsoft.com/office/drawing/2010/main" w="9525">
                   <a:solidFill>
                     <a:srgbClr val="000000"/>
                   </a:solidFill>
@@ -25161,7 +25164,7 @@
             </a:ln>
             <a:extLst>
               <a:ext uri="{91240B29-F687-4f45-9708-019B960494DF}">
-                <a14:hiddenLine xmlns:a14="http://schemas.microsoft.com/office/drawing/2010/main" xmlns:a16="http://schemas.microsoft.com/office/drawing/2014/main" xmlns="" w="9525">
+                <a14:hiddenLine xmlns="" xmlns:a16="http://schemas.microsoft.com/office/drawing/2014/main" xmlns:a14="http://schemas.microsoft.com/office/drawing/2010/main" w="9525">
                   <a:solidFill>
                     <a:srgbClr val="000000"/>
                   </a:solidFill>
@@ -25266,7 +25269,7 @@
             </a:ln>
             <a:extLst>
               <a:ext uri="{91240B29-F687-4f45-9708-019B960494DF}">
-                <a14:hiddenLine xmlns:a14="http://schemas.microsoft.com/office/drawing/2010/main" xmlns:a16="http://schemas.microsoft.com/office/drawing/2014/main" xmlns="" w="9525">
+                <a14:hiddenLine xmlns="" xmlns:a16="http://schemas.microsoft.com/office/drawing/2014/main" xmlns:a14="http://schemas.microsoft.com/office/drawing/2010/main" w="9525">
                   <a:solidFill>
                     <a:srgbClr val="000000"/>
                   </a:solidFill>
@@ -25371,7 +25374,7 @@
             </a:ln>
             <a:extLst>
               <a:ext uri="{91240B29-F687-4f45-9708-019B960494DF}">
-                <a14:hiddenLine xmlns:a14="http://schemas.microsoft.com/office/drawing/2010/main" xmlns:a16="http://schemas.microsoft.com/office/drawing/2014/main" xmlns="" w="9525">
+                <a14:hiddenLine xmlns="" xmlns:a16="http://schemas.microsoft.com/office/drawing/2014/main" xmlns:a14="http://schemas.microsoft.com/office/drawing/2010/main" w="9525">
                   <a:solidFill>
                     <a:srgbClr val="000000"/>
                   </a:solidFill>
@@ -25448,7 +25451,7 @@
             </a:ln>
             <a:extLst>
               <a:ext uri="{91240B29-F687-4f45-9708-019B960494DF}">
-                <a14:hiddenLine xmlns:a14="http://schemas.microsoft.com/office/drawing/2010/main" xmlns:a16="http://schemas.microsoft.com/office/drawing/2014/main" xmlns="" w="9525">
+                <a14:hiddenLine xmlns="" xmlns:a16="http://schemas.microsoft.com/office/drawing/2014/main" xmlns:a14="http://schemas.microsoft.com/office/drawing/2010/main" w="9525">
                   <a:solidFill>
                     <a:srgbClr val="000000"/>
                   </a:solidFill>
@@ -25583,7 +25586,7 @@
             </a:ln>
             <a:extLst>
               <a:ext uri="{91240B29-F687-4f45-9708-019B960494DF}">
-                <a14:hiddenLine xmlns:a14="http://schemas.microsoft.com/office/drawing/2010/main" xmlns:a16="http://schemas.microsoft.com/office/drawing/2014/main" xmlns="" w="9525">
+                <a14:hiddenLine xmlns="" xmlns:a16="http://schemas.microsoft.com/office/drawing/2014/main" xmlns:a14="http://schemas.microsoft.com/office/drawing/2010/main" w="9525">
                   <a:solidFill>
                     <a:srgbClr val="000000"/>
                   </a:solidFill>
@@ -25666,7 +25669,7 @@
             </a:ln>
             <a:extLst>
               <a:ext uri="{91240B29-F687-4f45-9708-019B960494DF}">
-                <a14:hiddenLine xmlns:a14="http://schemas.microsoft.com/office/drawing/2010/main" xmlns:a16="http://schemas.microsoft.com/office/drawing/2014/main" xmlns="" w="9525">
+                <a14:hiddenLine xmlns="" xmlns:a16="http://schemas.microsoft.com/office/drawing/2014/main" xmlns:a14="http://schemas.microsoft.com/office/drawing/2010/main" w="9525">
                   <a:solidFill>
                     <a:srgbClr val="000000"/>
                   </a:solidFill>
@@ -25771,7 +25774,7 @@
             </a:ln>
             <a:extLst>
               <a:ext uri="{91240B29-F687-4f45-9708-019B960494DF}">
-                <a14:hiddenLine xmlns:a14="http://schemas.microsoft.com/office/drawing/2010/main" xmlns:a16="http://schemas.microsoft.com/office/drawing/2014/main" xmlns="" w="9525">
+                <a14:hiddenLine xmlns="" xmlns:a16="http://schemas.microsoft.com/office/drawing/2014/main" xmlns:a14="http://schemas.microsoft.com/office/drawing/2010/main" w="9525">
                   <a:solidFill>
                     <a:srgbClr val="000000"/>
                   </a:solidFill>
@@ -25928,7 +25931,7 @@
             <a:noFill/>
             <a:extLst>
               <a:ext uri="{909E8E84-426E-40dd-AFC4-6F175D3DCCD1}">
-                <a14:hiddenFill xmlns:a14="http://schemas.microsoft.com/office/drawing/2010/main" xmlns:p14="http://schemas.microsoft.com/office/powerpoint/2010/main" xmlns:a16="http://schemas.microsoft.com/office/drawing/2014/main" xmlns="">
+                <a14:hiddenFill xmlns="" xmlns:a16="http://schemas.microsoft.com/office/drawing/2014/main" xmlns:p14="http://schemas.microsoft.com/office/powerpoint/2010/main" xmlns:a14="http://schemas.microsoft.com/office/drawing/2010/main">
                   <a:solidFill>
                     <a:srgbClr val="FFFFFF"/>
                   </a:solidFill>
@@ -28028,7 +28031,7 @@
           <a:noFill/>
           <a:extLst>
             <a:ext uri="{909E8E84-426E-40dd-AFC4-6F175D3DCCD1}">
-              <a14:hiddenFill xmlns="" xmlns:a16="http://schemas.microsoft.com/office/drawing/2014/main" xmlns:a14="http://schemas.microsoft.com/office/drawing/2010/main">
+              <a14:hiddenFill xmlns:a14="http://schemas.microsoft.com/office/drawing/2010/main" xmlns:a16="http://schemas.microsoft.com/office/drawing/2014/main" xmlns="">
                 <a:solidFill>
                   <a:srgbClr val="FFFFFF"/>
                 </a:solidFill>
@@ -28120,7 +28123,7 @@
             </a:ln>
             <a:extLst>
               <a:ext uri="{91240B29-F687-4f45-9708-019B960494DF}">
-                <a14:hiddenLine xmlns="" xmlns:a16="http://schemas.microsoft.com/office/drawing/2014/main" xmlns:a14="http://schemas.microsoft.com/office/drawing/2010/main" w="9525">
+                <a14:hiddenLine xmlns:a14="http://schemas.microsoft.com/office/drawing/2010/main" xmlns:a16="http://schemas.microsoft.com/office/drawing/2014/main" xmlns="" w="9525">
                   <a:solidFill>
                     <a:srgbClr val="000000"/>
                   </a:solidFill>
@@ -28225,7 +28228,7 @@
             </a:ln>
             <a:extLst>
               <a:ext uri="{91240B29-F687-4f45-9708-019B960494DF}">
-                <a14:hiddenLine xmlns="" xmlns:a16="http://schemas.microsoft.com/office/drawing/2014/main" xmlns:a14="http://schemas.microsoft.com/office/drawing/2010/main" w="9525">
+                <a14:hiddenLine xmlns:a14="http://schemas.microsoft.com/office/drawing/2010/main" xmlns:a16="http://schemas.microsoft.com/office/drawing/2014/main" xmlns="" w="9525">
                   <a:solidFill>
                     <a:srgbClr val="000000"/>
                   </a:solidFill>
@@ -28330,7 +28333,7 @@
             </a:ln>
             <a:extLst>
               <a:ext uri="{91240B29-F687-4f45-9708-019B960494DF}">
-                <a14:hiddenLine xmlns="" xmlns:a16="http://schemas.microsoft.com/office/drawing/2014/main" xmlns:a14="http://schemas.microsoft.com/office/drawing/2010/main" w="9525">
+                <a14:hiddenLine xmlns:a14="http://schemas.microsoft.com/office/drawing/2010/main" xmlns:a16="http://schemas.microsoft.com/office/drawing/2014/main" xmlns="" w="9525">
                   <a:solidFill>
                     <a:srgbClr val="000000"/>
                   </a:solidFill>
@@ -28379,7 +28382,7 @@
             </a:ln>
             <a:extLst>
               <a:ext uri="{91240B29-F687-4f45-9708-019B960494DF}">
-                <a14:hiddenLine xmlns="" xmlns:a16="http://schemas.microsoft.com/office/drawing/2014/main" xmlns:a14="http://schemas.microsoft.com/office/drawing/2010/main" w="9525">
+                <a14:hiddenLine xmlns:a14="http://schemas.microsoft.com/office/drawing/2010/main" xmlns:a16="http://schemas.microsoft.com/office/drawing/2014/main" xmlns="" w="9525">
                   <a:solidFill>
                     <a:srgbClr val="000000"/>
                   </a:solidFill>
@@ -28484,7 +28487,7 @@
             </a:ln>
             <a:extLst>
               <a:ext uri="{91240B29-F687-4f45-9708-019B960494DF}">
-                <a14:hiddenLine xmlns="" xmlns:a16="http://schemas.microsoft.com/office/drawing/2014/main" xmlns:a14="http://schemas.microsoft.com/office/drawing/2010/main" w="9525">
+                <a14:hiddenLine xmlns:a14="http://schemas.microsoft.com/office/drawing/2010/main" xmlns:a16="http://schemas.microsoft.com/office/drawing/2014/main" xmlns="" w="9525">
                   <a:solidFill>
                     <a:srgbClr val="000000"/>
                   </a:solidFill>
@@ -28561,7 +28564,7 @@
             </a:ln>
             <a:extLst>
               <a:ext uri="{91240B29-F687-4f45-9708-019B960494DF}">
-                <a14:hiddenLine xmlns="" xmlns:a16="http://schemas.microsoft.com/office/drawing/2014/main" xmlns:a14="http://schemas.microsoft.com/office/drawing/2010/main" w="9525">
+                <a14:hiddenLine xmlns:a14="http://schemas.microsoft.com/office/drawing/2010/main" xmlns:a16="http://schemas.microsoft.com/office/drawing/2014/main" xmlns="" w="9525">
                   <a:solidFill>
                     <a:srgbClr val="000000"/>
                   </a:solidFill>
@@ -28638,7 +28641,7 @@
             </a:ln>
             <a:extLst>
               <a:ext uri="{91240B29-F687-4f45-9708-019B960494DF}">
-                <a14:hiddenLine xmlns="" xmlns:a16="http://schemas.microsoft.com/office/drawing/2014/main" xmlns:a14="http://schemas.microsoft.com/office/drawing/2010/main" w="9525">
+                <a14:hiddenLine xmlns:a14="http://schemas.microsoft.com/office/drawing/2010/main" xmlns:a16="http://schemas.microsoft.com/office/drawing/2014/main" xmlns="" w="9525">
                   <a:solidFill>
                     <a:srgbClr val="000000"/>
                   </a:solidFill>
@@ -28743,7 +28746,7 @@
             </a:ln>
             <a:extLst>
               <a:ext uri="{91240B29-F687-4f45-9708-019B960494DF}">
-                <a14:hiddenLine xmlns="" xmlns:a16="http://schemas.microsoft.com/office/drawing/2014/main" xmlns:a14="http://schemas.microsoft.com/office/drawing/2010/main" w="9525">
+                <a14:hiddenLine xmlns:a14="http://schemas.microsoft.com/office/drawing/2010/main" xmlns:a16="http://schemas.microsoft.com/office/drawing/2014/main" xmlns="" w="9525">
                   <a:solidFill>
                     <a:srgbClr val="000000"/>
                   </a:solidFill>
@@ -28820,7 +28823,7 @@
             </a:ln>
             <a:extLst>
               <a:ext uri="{91240B29-F687-4f45-9708-019B960494DF}">
-                <a14:hiddenLine xmlns="" xmlns:a16="http://schemas.microsoft.com/office/drawing/2014/main" xmlns:a14="http://schemas.microsoft.com/office/drawing/2010/main" w="9525">
+                <a14:hiddenLine xmlns:a14="http://schemas.microsoft.com/office/drawing/2010/main" xmlns:a16="http://schemas.microsoft.com/office/drawing/2014/main" xmlns="" w="9525">
                   <a:solidFill>
                     <a:srgbClr val="000000"/>
                   </a:solidFill>
@@ -28897,7 +28900,7 @@
             </a:ln>
             <a:extLst>
               <a:ext uri="{91240B29-F687-4f45-9708-019B960494DF}">
-                <a14:hiddenLine xmlns="" xmlns:a16="http://schemas.microsoft.com/office/drawing/2014/main" xmlns:a14="http://schemas.microsoft.com/office/drawing/2010/main" w="9525">
+                <a14:hiddenLine xmlns:a14="http://schemas.microsoft.com/office/drawing/2010/main" xmlns:a16="http://schemas.microsoft.com/office/drawing/2014/main" xmlns="" w="9525">
                   <a:solidFill>
                     <a:srgbClr val="000000"/>
                   </a:solidFill>
@@ -29002,7 +29005,7 @@
             </a:ln>
             <a:extLst>
               <a:ext uri="{91240B29-F687-4f45-9708-019B960494DF}">
-                <a14:hiddenLine xmlns="" xmlns:a16="http://schemas.microsoft.com/office/drawing/2014/main" xmlns:a14="http://schemas.microsoft.com/office/drawing/2010/main" w="9525">
+                <a14:hiddenLine xmlns:a14="http://schemas.microsoft.com/office/drawing/2010/main" xmlns:a16="http://schemas.microsoft.com/office/drawing/2014/main" xmlns="" w="9525">
                   <a:solidFill>
                     <a:srgbClr val="000000"/>
                   </a:solidFill>
@@ -29107,7 +29110,7 @@
             </a:ln>
             <a:extLst>
               <a:ext uri="{91240B29-F687-4f45-9708-019B960494DF}">
-                <a14:hiddenLine xmlns="" xmlns:a16="http://schemas.microsoft.com/office/drawing/2014/main" xmlns:a14="http://schemas.microsoft.com/office/drawing/2010/main" w="9525">
+                <a14:hiddenLine xmlns:a14="http://schemas.microsoft.com/office/drawing/2010/main" xmlns:a16="http://schemas.microsoft.com/office/drawing/2014/main" xmlns="" w="9525">
                   <a:solidFill>
                     <a:srgbClr val="000000"/>
                   </a:solidFill>
@@ -29184,7 +29187,7 @@
             </a:ln>
             <a:extLst>
               <a:ext uri="{91240B29-F687-4f45-9708-019B960494DF}">
-                <a14:hiddenLine xmlns="" xmlns:a16="http://schemas.microsoft.com/office/drawing/2014/main" xmlns:a14="http://schemas.microsoft.com/office/drawing/2010/main" w="9525">
+                <a14:hiddenLine xmlns:a14="http://schemas.microsoft.com/office/drawing/2010/main" xmlns:a16="http://schemas.microsoft.com/office/drawing/2014/main" xmlns="" w="9525">
                   <a:solidFill>
                     <a:srgbClr val="000000"/>
                   </a:solidFill>
@@ -29309,7 +29312,7 @@
             </a:ln>
             <a:extLst>
               <a:ext uri="{91240B29-F687-4f45-9708-019B960494DF}">
-                <a14:hiddenLine xmlns="" xmlns:a16="http://schemas.microsoft.com/office/drawing/2014/main" xmlns:a14="http://schemas.microsoft.com/office/drawing/2010/main" w="9525">
+                <a14:hiddenLine xmlns:a14="http://schemas.microsoft.com/office/drawing/2010/main" xmlns:a16="http://schemas.microsoft.com/office/drawing/2014/main" xmlns="" w="9525">
                   <a:solidFill>
                     <a:srgbClr val="000000"/>
                   </a:solidFill>
@@ -29386,7 +29389,7 @@
             </a:ln>
             <a:extLst>
               <a:ext uri="{91240B29-F687-4f45-9708-019B960494DF}">
-                <a14:hiddenLine xmlns="" xmlns:a16="http://schemas.microsoft.com/office/drawing/2014/main" xmlns:a14="http://schemas.microsoft.com/office/drawing/2010/main" w="9525">
+                <a14:hiddenLine xmlns:a14="http://schemas.microsoft.com/office/drawing/2010/main" xmlns:a16="http://schemas.microsoft.com/office/drawing/2014/main" xmlns="" w="9525">
                   <a:solidFill>
                     <a:srgbClr val="000000"/>
                   </a:solidFill>
@@ -29491,7 +29494,7 @@
             </a:ln>
             <a:extLst>
               <a:ext uri="{91240B29-F687-4f45-9708-019B960494DF}">
-                <a14:hiddenLine xmlns="" xmlns:a16="http://schemas.microsoft.com/office/drawing/2014/main" xmlns:a14="http://schemas.microsoft.com/office/drawing/2010/main" w="9525">
+                <a14:hiddenLine xmlns:a14="http://schemas.microsoft.com/office/drawing/2010/main" xmlns:a16="http://schemas.microsoft.com/office/drawing/2014/main" xmlns="" w="9525">
                   <a:solidFill>
                     <a:srgbClr val="000000"/>
                   </a:solidFill>
@@ -29596,7 +29599,7 @@
             </a:ln>
             <a:extLst>
               <a:ext uri="{91240B29-F687-4f45-9708-019B960494DF}">
-                <a14:hiddenLine xmlns="" xmlns:a16="http://schemas.microsoft.com/office/drawing/2014/main" xmlns:a14="http://schemas.microsoft.com/office/drawing/2010/main" w="9525">
+                <a14:hiddenLine xmlns:a14="http://schemas.microsoft.com/office/drawing/2010/main" xmlns:a16="http://schemas.microsoft.com/office/drawing/2014/main" xmlns="" w="9525">
                   <a:solidFill>
                     <a:srgbClr val="000000"/>
                   </a:solidFill>
@@ -29673,7 +29676,7 @@
             </a:ln>
             <a:extLst>
               <a:ext uri="{91240B29-F687-4f45-9708-019B960494DF}">
-                <a14:hiddenLine xmlns="" xmlns:a16="http://schemas.microsoft.com/office/drawing/2014/main" xmlns:a14="http://schemas.microsoft.com/office/drawing/2010/main" w="9525">
+                <a14:hiddenLine xmlns:a14="http://schemas.microsoft.com/office/drawing/2010/main" xmlns:a16="http://schemas.microsoft.com/office/drawing/2014/main" xmlns="" w="9525">
                   <a:solidFill>
                     <a:srgbClr val="000000"/>
                   </a:solidFill>
@@ -29778,7 +29781,7 @@
             </a:ln>
             <a:extLst>
               <a:ext uri="{91240B29-F687-4f45-9708-019B960494DF}">
-                <a14:hiddenLine xmlns="" xmlns:a16="http://schemas.microsoft.com/office/drawing/2014/main" xmlns:a14="http://schemas.microsoft.com/office/drawing/2010/main" w="9525">
+                <a14:hiddenLine xmlns:a14="http://schemas.microsoft.com/office/drawing/2010/main" xmlns:a16="http://schemas.microsoft.com/office/drawing/2014/main" xmlns="" w="9525">
                   <a:solidFill>
                     <a:srgbClr val="000000"/>
                   </a:solidFill>
@@ -29883,7 +29886,7 @@
             </a:ln>
             <a:extLst>
               <a:ext uri="{91240B29-F687-4f45-9708-019B960494DF}">
-                <a14:hiddenLine xmlns="" xmlns:a16="http://schemas.microsoft.com/office/drawing/2014/main" xmlns:a14="http://schemas.microsoft.com/office/drawing/2010/main" w="9525">
+                <a14:hiddenLine xmlns:a14="http://schemas.microsoft.com/office/drawing/2010/main" xmlns:a16="http://schemas.microsoft.com/office/drawing/2014/main" xmlns="" w="9525">
                   <a:solidFill>
                     <a:srgbClr val="000000"/>
                   </a:solidFill>
@@ -29954,7 +29957,7 @@
             </a:ln>
             <a:extLst>
               <a:ext uri="{91240B29-F687-4f45-9708-019B960494DF}">
-                <a14:hiddenLine xmlns="" xmlns:a16="http://schemas.microsoft.com/office/drawing/2014/main" xmlns:a14="http://schemas.microsoft.com/office/drawing/2010/main" w="9525">
+                <a14:hiddenLine xmlns:a14="http://schemas.microsoft.com/office/drawing/2010/main" xmlns:a16="http://schemas.microsoft.com/office/drawing/2014/main" xmlns="" w="9525">
                   <a:solidFill>
                     <a:srgbClr val="000000"/>
                   </a:solidFill>
@@ -30059,7 +30062,7 @@
             </a:ln>
             <a:extLst>
               <a:ext uri="{91240B29-F687-4f45-9708-019B960494DF}">
-                <a14:hiddenLine xmlns="" xmlns:a16="http://schemas.microsoft.com/office/drawing/2014/main" xmlns:a14="http://schemas.microsoft.com/office/drawing/2010/main" w="9525">
+                <a14:hiddenLine xmlns:a14="http://schemas.microsoft.com/office/drawing/2010/main" xmlns:a16="http://schemas.microsoft.com/office/drawing/2014/main" xmlns="" w="9525">
                   <a:solidFill>
                     <a:srgbClr val="000000"/>
                   </a:solidFill>
@@ -30130,7 +30133,7 @@
             </a:ln>
             <a:extLst>
               <a:ext uri="{91240B29-F687-4f45-9708-019B960494DF}">
-                <a14:hiddenLine xmlns="" xmlns:a16="http://schemas.microsoft.com/office/drawing/2014/main" xmlns:a14="http://schemas.microsoft.com/office/drawing/2010/main" w="9525">
+                <a14:hiddenLine xmlns:a14="http://schemas.microsoft.com/office/drawing/2010/main" xmlns:a16="http://schemas.microsoft.com/office/drawing/2014/main" xmlns="" w="9525">
                   <a:solidFill>
                     <a:srgbClr val="000000"/>
                   </a:solidFill>
@@ -30235,7 +30238,7 @@
             </a:ln>
             <a:extLst>
               <a:ext uri="{91240B29-F687-4f45-9708-019B960494DF}">
-                <a14:hiddenLine xmlns="" xmlns:a16="http://schemas.microsoft.com/office/drawing/2014/main" xmlns:a14="http://schemas.microsoft.com/office/drawing/2010/main" w="9525">
+                <a14:hiddenLine xmlns:a14="http://schemas.microsoft.com/office/drawing/2010/main" xmlns:a16="http://schemas.microsoft.com/office/drawing/2014/main" xmlns="" w="9525">
                   <a:solidFill>
                     <a:srgbClr val="000000"/>
                   </a:solidFill>
@@ -30318,7 +30321,7 @@
             </a:ln>
             <a:extLst>
               <a:ext uri="{91240B29-F687-4f45-9708-019B960494DF}">
-                <a14:hiddenLine xmlns="" xmlns:a16="http://schemas.microsoft.com/office/drawing/2014/main" xmlns:a14="http://schemas.microsoft.com/office/drawing/2010/main" w="9525">
+                <a14:hiddenLine xmlns:a14="http://schemas.microsoft.com/office/drawing/2010/main" xmlns:a16="http://schemas.microsoft.com/office/drawing/2014/main" xmlns="" w="9525">
                   <a:solidFill>
                     <a:srgbClr val="000000"/>
                   </a:solidFill>
@@ -30423,7 +30426,7 @@
             </a:ln>
             <a:extLst>
               <a:ext uri="{91240B29-F687-4f45-9708-019B960494DF}">
-                <a14:hiddenLine xmlns="" xmlns:a16="http://schemas.microsoft.com/office/drawing/2014/main" xmlns:a14="http://schemas.microsoft.com/office/drawing/2010/main" w="9525">
+                <a14:hiddenLine xmlns:a14="http://schemas.microsoft.com/office/drawing/2010/main" xmlns:a16="http://schemas.microsoft.com/office/drawing/2014/main" xmlns="" w="9525">
                   <a:solidFill>
                     <a:srgbClr val="000000"/>
                   </a:solidFill>
@@ -30506,7 +30509,7 @@
             </a:ln>
             <a:extLst>
               <a:ext uri="{91240B29-F687-4f45-9708-019B960494DF}">
-                <a14:hiddenLine xmlns="" xmlns:a16="http://schemas.microsoft.com/office/drawing/2014/main" xmlns:a14="http://schemas.microsoft.com/office/drawing/2010/main" w="9525">
+                <a14:hiddenLine xmlns:a14="http://schemas.microsoft.com/office/drawing/2010/main" xmlns:a16="http://schemas.microsoft.com/office/drawing/2014/main" xmlns="" w="9525">
                   <a:solidFill>
                     <a:srgbClr val="000000"/>
                   </a:solidFill>
@@ -30611,7 +30614,7 @@
             </a:ln>
             <a:extLst>
               <a:ext uri="{91240B29-F687-4f45-9708-019B960494DF}">
-                <a14:hiddenLine xmlns="" xmlns:a16="http://schemas.microsoft.com/office/drawing/2014/main" xmlns:a14="http://schemas.microsoft.com/office/drawing/2010/main" w="9525">
+                <a14:hiddenLine xmlns:a14="http://schemas.microsoft.com/office/drawing/2010/main" xmlns:a16="http://schemas.microsoft.com/office/drawing/2014/main" xmlns="" w="9525">
                   <a:solidFill>
                     <a:srgbClr val="000000"/>
                   </a:solidFill>
@@ -30660,7 +30663,7 @@
             </a:ln>
             <a:extLst>
               <a:ext uri="{91240B29-F687-4f45-9708-019B960494DF}">
-                <a14:hiddenLine xmlns="" xmlns:a16="http://schemas.microsoft.com/office/drawing/2014/main" xmlns:a14="http://schemas.microsoft.com/office/drawing/2010/main" w="9525">
+                <a14:hiddenLine xmlns:a14="http://schemas.microsoft.com/office/drawing/2010/main" xmlns:a16="http://schemas.microsoft.com/office/drawing/2014/main" xmlns="" w="9525">
                   <a:solidFill>
                     <a:srgbClr val="000000"/>
                   </a:solidFill>
@@ -30765,7 +30768,7 @@
             </a:ln>
             <a:extLst>
               <a:ext uri="{91240B29-F687-4f45-9708-019B960494DF}">
-                <a14:hiddenLine xmlns="" xmlns:a16="http://schemas.microsoft.com/office/drawing/2014/main" xmlns:a14="http://schemas.microsoft.com/office/drawing/2010/main" w="9525">
+                <a14:hiddenLine xmlns:a14="http://schemas.microsoft.com/office/drawing/2010/main" xmlns:a16="http://schemas.microsoft.com/office/drawing/2014/main" xmlns="" w="9525">
                   <a:solidFill>
                     <a:srgbClr val="000000"/>
                   </a:solidFill>
@@ -30842,7 +30845,7 @@
             </a:ln>
             <a:extLst>
               <a:ext uri="{91240B29-F687-4f45-9708-019B960494DF}">
-                <a14:hiddenLine xmlns="" xmlns:a16="http://schemas.microsoft.com/office/drawing/2014/main" xmlns:a14="http://schemas.microsoft.com/office/drawing/2010/main" w="9525">
+                <a14:hiddenLine xmlns:a14="http://schemas.microsoft.com/office/drawing/2010/main" xmlns:a16="http://schemas.microsoft.com/office/drawing/2014/main" xmlns="" w="9525">
                   <a:solidFill>
                     <a:srgbClr val="000000"/>
                   </a:solidFill>
@@ -30919,7 +30922,7 @@
             </a:ln>
             <a:extLst>
               <a:ext uri="{91240B29-F687-4f45-9708-019B960494DF}">
-                <a14:hiddenLine xmlns="" xmlns:a16="http://schemas.microsoft.com/office/drawing/2014/main" xmlns:a14="http://schemas.microsoft.com/office/drawing/2010/main" w="9525">
+                <a14:hiddenLine xmlns:a14="http://schemas.microsoft.com/office/drawing/2010/main" xmlns:a16="http://schemas.microsoft.com/office/drawing/2014/main" xmlns="" w="9525">
                   <a:solidFill>
                     <a:srgbClr val="000000"/>
                   </a:solidFill>
@@ -31024,7 +31027,7 @@
             </a:ln>
             <a:extLst>
               <a:ext uri="{91240B29-F687-4f45-9708-019B960494DF}">
-                <a14:hiddenLine xmlns="" xmlns:a16="http://schemas.microsoft.com/office/drawing/2014/main" xmlns:a14="http://schemas.microsoft.com/office/drawing/2010/main" w="9525">
+                <a14:hiddenLine xmlns:a14="http://schemas.microsoft.com/office/drawing/2010/main" xmlns:a16="http://schemas.microsoft.com/office/drawing/2014/main" xmlns="" w="9525">
                   <a:solidFill>
                     <a:srgbClr val="000000"/>
                   </a:solidFill>
@@ -31107,7 +31110,7 @@
             </a:ln>
             <a:extLst>
               <a:ext uri="{91240B29-F687-4f45-9708-019B960494DF}">
-                <a14:hiddenLine xmlns="" xmlns:a16="http://schemas.microsoft.com/office/drawing/2014/main" xmlns:a14="http://schemas.microsoft.com/office/drawing/2010/main" w="9525">
+                <a14:hiddenLine xmlns:a14="http://schemas.microsoft.com/office/drawing/2010/main" xmlns:a16="http://schemas.microsoft.com/office/drawing/2014/main" xmlns="" w="9525">
                   <a:solidFill>
                     <a:srgbClr val="000000"/>
                   </a:solidFill>
@@ -31184,7 +31187,7 @@
             </a:ln>
             <a:extLst>
               <a:ext uri="{91240B29-F687-4f45-9708-019B960494DF}">
-                <a14:hiddenLine xmlns="" xmlns:a16="http://schemas.microsoft.com/office/drawing/2014/main" xmlns:a14="http://schemas.microsoft.com/office/drawing/2010/main" w="9525">
+                <a14:hiddenLine xmlns:a14="http://schemas.microsoft.com/office/drawing/2010/main" xmlns:a16="http://schemas.microsoft.com/office/drawing/2014/main" xmlns="" w="9525">
                   <a:solidFill>
                     <a:srgbClr val="000000"/>
                   </a:solidFill>
@@ -31289,7 +31292,7 @@
             </a:ln>
             <a:extLst>
               <a:ext uri="{91240B29-F687-4f45-9708-019B960494DF}">
-                <a14:hiddenLine xmlns="" xmlns:a16="http://schemas.microsoft.com/office/drawing/2014/main" xmlns:a14="http://schemas.microsoft.com/office/drawing/2010/main" w="9525">
+                <a14:hiddenLine xmlns:a14="http://schemas.microsoft.com/office/drawing/2010/main" xmlns:a16="http://schemas.microsoft.com/office/drawing/2014/main" xmlns="" w="9525">
                   <a:solidFill>
                     <a:srgbClr val="000000"/>
                   </a:solidFill>
@@ -31366,7 +31369,7 @@
             </a:ln>
             <a:extLst>
               <a:ext uri="{91240B29-F687-4f45-9708-019B960494DF}">
-                <a14:hiddenLine xmlns="" xmlns:a16="http://schemas.microsoft.com/office/drawing/2014/main" xmlns:a14="http://schemas.microsoft.com/office/drawing/2010/main" w="9525">
+                <a14:hiddenLine xmlns:a14="http://schemas.microsoft.com/office/drawing/2010/main" xmlns:a16="http://schemas.microsoft.com/office/drawing/2014/main" xmlns="" w="9525">
                   <a:solidFill>
                     <a:srgbClr val="000000"/>
                   </a:solidFill>
@@ -31471,7 +31474,7 @@
             </a:ln>
             <a:extLst>
               <a:ext uri="{91240B29-F687-4f45-9708-019B960494DF}">
-                <a14:hiddenLine xmlns="" xmlns:a16="http://schemas.microsoft.com/office/drawing/2014/main" xmlns:a14="http://schemas.microsoft.com/office/drawing/2010/main" w="9525">
+                <a14:hiddenLine xmlns:a14="http://schemas.microsoft.com/office/drawing/2010/main" xmlns:a16="http://schemas.microsoft.com/office/drawing/2014/main" xmlns="" w="9525">
                   <a:solidFill>
                     <a:srgbClr val="000000"/>
                   </a:solidFill>
@@ -31548,7 +31551,7 @@
             </a:ln>
             <a:extLst>
               <a:ext uri="{91240B29-F687-4f45-9708-019B960494DF}">
-                <a14:hiddenLine xmlns="" xmlns:a16="http://schemas.microsoft.com/office/drawing/2014/main" xmlns:a14="http://schemas.microsoft.com/office/drawing/2010/main" w="9525">
+                <a14:hiddenLine xmlns:a14="http://schemas.microsoft.com/office/drawing/2010/main" xmlns:a16="http://schemas.microsoft.com/office/drawing/2014/main" xmlns="" w="9525">
                   <a:solidFill>
                     <a:srgbClr val="000000"/>
                   </a:solidFill>
@@ -31653,7 +31656,7 @@
             </a:ln>
             <a:extLst>
               <a:ext uri="{91240B29-F687-4f45-9708-019B960494DF}">
-                <a14:hiddenLine xmlns="" xmlns:a16="http://schemas.microsoft.com/office/drawing/2014/main" xmlns:a14="http://schemas.microsoft.com/office/drawing/2010/main" w="9525">
+                <a14:hiddenLine xmlns:a14="http://schemas.microsoft.com/office/drawing/2010/main" xmlns:a16="http://schemas.microsoft.com/office/drawing/2014/main" xmlns="" w="9525">
                   <a:solidFill>
                     <a:srgbClr val="000000"/>
                   </a:solidFill>
@@ -31702,7 +31705,7 @@
             </a:ln>
             <a:extLst>
               <a:ext uri="{91240B29-F687-4f45-9708-019B960494DF}">
-                <a14:hiddenLine xmlns="" xmlns:a16="http://schemas.microsoft.com/office/drawing/2014/main" xmlns:a14="http://schemas.microsoft.com/office/drawing/2010/main" w="9525">
+                <a14:hiddenLine xmlns:a14="http://schemas.microsoft.com/office/drawing/2010/main" xmlns:a16="http://schemas.microsoft.com/office/drawing/2014/main" xmlns="" w="9525">
                   <a:solidFill>
                     <a:srgbClr val="000000"/>
                   </a:solidFill>
@@ -31782,7 +31785,7 @@
             </a:ln>
             <a:extLst>
               <a:ext uri="{91240B29-F687-4f45-9708-019B960494DF}">
-                <a14:hiddenLine xmlns="" xmlns:a16="http://schemas.microsoft.com/office/drawing/2014/main" xmlns:a14="http://schemas.microsoft.com/office/drawing/2010/main" w="9525">
+                <a14:hiddenLine xmlns:a14="http://schemas.microsoft.com/office/drawing/2010/main" xmlns:a16="http://schemas.microsoft.com/office/drawing/2014/main" xmlns="" w="9525">
                   <a:solidFill>
                     <a:srgbClr val="000000"/>
                   </a:solidFill>
@@ -31887,7 +31890,7 @@
             </a:ln>
             <a:extLst>
               <a:ext uri="{91240B29-F687-4f45-9708-019B960494DF}">
-                <a14:hiddenLine xmlns="" xmlns:a16="http://schemas.microsoft.com/office/drawing/2014/main" xmlns:a14="http://schemas.microsoft.com/office/drawing/2010/main" w="9525">
+                <a14:hiddenLine xmlns:a14="http://schemas.microsoft.com/office/drawing/2010/main" xmlns:a16="http://schemas.microsoft.com/office/drawing/2014/main" xmlns="" w="9525">
                   <a:solidFill>
                     <a:srgbClr val="000000"/>
                   </a:solidFill>
@@ -31964,7 +31967,7 @@
             </a:ln>
             <a:extLst>
               <a:ext uri="{91240B29-F687-4f45-9708-019B960494DF}">
-                <a14:hiddenLine xmlns="" xmlns:a16="http://schemas.microsoft.com/office/drawing/2014/main" xmlns:a14="http://schemas.microsoft.com/office/drawing/2010/main" w="9525">
+                <a14:hiddenLine xmlns:a14="http://schemas.microsoft.com/office/drawing/2010/main" xmlns:a16="http://schemas.microsoft.com/office/drawing/2014/main" xmlns="" w="9525">
                   <a:solidFill>
                     <a:srgbClr val="000000"/>
                   </a:solidFill>
@@ -32069,7 +32072,7 @@
             </a:ln>
             <a:extLst>
               <a:ext uri="{91240B29-F687-4f45-9708-019B960494DF}">
-                <a14:hiddenLine xmlns="" xmlns:a16="http://schemas.microsoft.com/office/drawing/2014/main" xmlns:a14="http://schemas.microsoft.com/office/drawing/2010/main" w="9525">
+                <a14:hiddenLine xmlns:a14="http://schemas.microsoft.com/office/drawing/2010/main" xmlns:a16="http://schemas.microsoft.com/office/drawing/2014/main" xmlns="" w="9525">
                   <a:solidFill>
                     <a:srgbClr val="000000"/>
                   </a:solidFill>
@@ -32174,7 +32177,7 @@
             </a:ln>
             <a:extLst>
               <a:ext uri="{91240B29-F687-4f45-9708-019B960494DF}">
-                <a14:hiddenLine xmlns="" xmlns:a16="http://schemas.microsoft.com/office/drawing/2014/main" xmlns:a14="http://schemas.microsoft.com/office/drawing/2010/main" w="9525">
+                <a14:hiddenLine xmlns:a14="http://schemas.microsoft.com/office/drawing/2010/main" xmlns:a16="http://schemas.microsoft.com/office/drawing/2014/main" xmlns="" w="9525">
                   <a:solidFill>
                     <a:srgbClr val="000000"/>
                   </a:solidFill>
@@ -32254,7 +32257,7 @@
             </a:ln>
             <a:extLst>
               <a:ext uri="{91240B29-F687-4f45-9708-019B960494DF}">
-                <a14:hiddenLine xmlns="" xmlns:a16="http://schemas.microsoft.com/office/drawing/2014/main" xmlns:a14="http://schemas.microsoft.com/office/drawing/2010/main" w="9525">
+                <a14:hiddenLine xmlns:a14="http://schemas.microsoft.com/office/drawing/2010/main" xmlns:a16="http://schemas.microsoft.com/office/drawing/2014/main" xmlns="" w="9525">
                   <a:solidFill>
                     <a:srgbClr val="000000"/>
                   </a:solidFill>
@@ -32331,7 +32334,7 @@
             </a:ln>
             <a:extLst>
               <a:ext uri="{91240B29-F687-4f45-9708-019B960494DF}">
-                <a14:hiddenLine xmlns="" xmlns:a16="http://schemas.microsoft.com/office/drawing/2014/main" xmlns:a14="http://schemas.microsoft.com/office/drawing/2010/main" w="9525">
+                <a14:hiddenLine xmlns:a14="http://schemas.microsoft.com/office/drawing/2010/main" xmlns:a16="http://schemas.microsoft.com/office/drawing/2014/main" xmlns="" w="9525">
                   <a:solidFill>
                     <a:srgbClr val="000000"/>
                   </a:solidFill>
@@ -32436,7 +32439,7 @@
             </a:ln>
             <a:extLst>
               <a:ext uri="{91240B29-F687-4f45-9708-019B960494DF}">
-                <a14:hiddenLine xmlns="" xmlns:a16="http://schemas.microsoft.com/office/drawing/2014/main" xmlns:a14="http://schemas.microsoft.com/office/drawing/2010/main" w="9525">
+                <a14:hiddenLine xmlns:a14="http://schemas.microsoft.com/office/drawing/2010/main" xmlns:a16="http://schemas.microsoft.com/office/drawing/2014/main" xmlns="" w="9525">
                   <a:solidFill>
                     <a:srgbClr val="000000"/>
                   </a:solidFill>
@@ -32541,7 +32544,7 @@
             </a:ln>
             <a:extLst>
               <a:ext uri="{91240B29-F687-4f45-9708-019B960494DF}">
-                <a14:hiddenLine xmlns="" xmlns:a16="http://schemas.microsoft.com/office/drawing/2014/main" xmlns:a14="http://schemas.microsoft.com/office/drawing/2010/main" w="9525">
+                <a14:hiddenLine xmlns:a14="http://schemas.microsoft.com/office/drawing/2010/main" xmlns:a16="http://schemas.microsoft.com/office/drawing/2014/main" xmlns="" w="9525">
                   <a:solidFill>
                     <a:srgbClr val="000000"/>
                   </a:solidFill>
@@ -32618,7 +32621,7 @@
             </a:ln>
             <a:extLst>
               <a:ext uri="{91240B29-F687-4f45-9708-019B960494DF}">
-                <a14:hiddenLine xmlns="" xmlns:a16="http://schemas.microsoft.com/office/drawing/2014/main" xmlns:a14="http://schemas.microsoft.com/office/drawing/2010/main" w="9525">
+                <a14:hiddenLine xmlns:a14="http://schemas.microsoft.com/office/drawing/2010/main" xmlns:a16="http://schemas.microsoft.com/office/drawing/2014/main" xmlns="" w="9525">
                   <a:solidFill>
                     <a:srgbClr val="000000"/>
                   </a:solidFill>
@@ -32753,7 +32756,7 @@
             </a:ln>
             <a:extLst>
               <a:ext uri="{91240B29-F687-4f45-9708-019B960494DF}">
-                <a14:hiddenLine xmlns="" xmlns:a16="http://schemas.microsoft.com/office/drawing/2014/main" xmlns:a14="http://schemas.microsoft.com/office/drawing/2010/main" w="9525">
+                <a14:hiddenLine xmlns:a14="http://schemas.microsoft.com/office/drawing/2010/main" xmlns:a16="http://schemas.microsoft.com/office/drawing/2014/main" xmlns="" w="9525">
                   <a:solidFill>
                     <a:srgbClr val="000000"/>
                   </a:solidFill>
@@ -32836,7 +32839,7 @@
             </a:ln>
             <a:extLst>
               <a:ext uri="{91240B29-F687-4f45-9708-019B960494DF}">
-                <a14:hiddenLine xmlns="" xmlns:a16="http://schemas.microsoft.com/office/drawing/2014/main" xmlns:a14="http://schemas.microsoft.com/office/drawing/2010/main" w="9525">
+                <a14:hiddenLine xmlns:a14="http://schemas.microsoft.com/office/drawing/2010/main" xmlns:a16="http://schemas.microsoft.com/office/drawing/2014/main" xmlns="" w="9525">
                   <a:solidFill>
                     <a:srgbClr val="000000"/>
                   </a:solidFill>
@@ -32941,7 +32944,7 @@
             </a:ln>
             <a:extLst>
               <a:ext uri="{91240B29-F687-4f45-9708-019B960494DF}">
-                <a14:hiddenLine xmlns="" xmlns:a16="http://schemas.microsoft.com/office/drawing/2014/main" xmlns:a14="http://schemas.microsoft.com/office/drawing/2010/main" w="9525">
+                <a14:hiddenLine xmlns:a14="http://schemas.microsoft.com/office/drawing/2010/main" xmlns:a16="http://schemas.microsoft.com/office/drawing/2014/main" xmlns="" w="9525">
                   <a:solidFill>
                     <a:srgbClr val="000000"/>
                   </a:solidFill>
@@ -33098,7 +33101,7 @@
             <a:noFill/>
             <a:extLst>
               <a:ext uri="{909E8E84-426E-40dd-AFC4-6F175D3DCCD1}">
-                <a14:hiddenFill xmlns="" xmlns:a16="http://schemas.microsoft.com/office/drawing/2014/main" xmlns:p14="http://schemas.microsoft.com/office/powerpoint/2010/main" xmlns:a14="http://schemas.microsoft.com/office/drawing/2010/main">
+                <a14:hiddenFill xmlns:a14="http://schemas.microsoft.com/office/drawing/2010/main" xmlns:p14="http://schemas.microsoft.com/office/powerpoint/2010/main" xmlns:a16="http://schemas.microsoft.com/office/drawing/2014/main" xmlns="">
                   <a:solidFill>
                     <a:srgbClr val="FFFFFF"/>
                   </a:solidFill>
@@ -35286,7 +35289,7 @@
             </a:ln>
             <a:extLst>
               <a:ext uri="{91240B29-F687-4f45-9708-019B960494DF}">
-                <a14:hiddenLine xmlns="" xmlns:a16="http://schemas.microsoft.com/office/drawing/2014/main" xmlns:p14="http://schemas.microsoft.com/office/powerpoint/2010/main" xmlns:a14="http://schemas.microsoft.com/office/drawing/2010/main" w="9525">
+                <a14:hiddenLine xmlns:a14="http://schemas.microsoft.com/office/drawing/2010/main" xmlns:p14="http://schemas.microsoft.com/office/powerpoint/2010/main" xmlns:a16="http://schemas.microsoft.com/office/drawing/2014/main" xmlns="" w="9525">
                   <a:solidFill>
                     <a:srgbClr val="000000"/>
                   </a:solidFill>
@@ -35391,7 +35394,7 @@
             </a:ln>
             <a:extLst>
               <a:ext uri="{91240B29-F687-4f45-9708-019B960494DF}">
-                <a14:hiddenLine xmlns="" xmlns:a16="http://schemas.microsoft.com/office/drawing/2014/main" xmlns:p14="http://schemas.microsoft.com/office/powerpoint/2010/main" xmlns:a14="http://schemas.microsoft.com/office/drawing/2010/main" w="9525">
+                <a14:hiddenLine xmlns:a14="http://schemas.microsoft.com/office/drawing/2010/main" xmlns:p14="http://schemas.microsoft.com/office/powerpoint/2010/main" xmlns:a16="http://schemas.microsoft.com/office/drawing/2014/main" xmlns="" w="9525">
                   <a:solidFill>
                     <a:srgbClr val="000000"/>
                   </a:solidFill>
@@ -35496,7 +35499,7 @@
             </a:ln>
             <a:extLst>
               <a:ext uri="{91240B29-F687-4f45-9708-019B960494DF}">
-                <a14:hiddenLine xmlns="" xmlns:a16="http://schemas.microsoft.com/office/drawing/2014/main" xmlns:p14="http://schemas.microsoft.com/office/powerpoint/2010/main" xmlns:a14="http://schemas.microsoft.com/office/drawing/2010/main" w="9525">
+                <a14:hiddenLine xmlns:a14="http://schemas.microsoft.com/office/drawing/2010/main" xmlns:p14="http://schemas.microsoft.com/office/powerpoint/2010/main" xmlns:a16="http://schemas.microsoft.com/office/drawing/2014/main" xmlns="" w="9525">
                   <a:solidFill>
                     <a:srgbClr val="000000"/>
                   </a:solidFill>
@@ -35573,7 +35576,7 @@
             </a:ln>
             <a:extLst>
               <a:ext uri="{91240B29-F687-4f45-9708-019B960494DF}">
-                <a14:hiddenLine xmlns="" xmlns:a16="http://schemas.microsoft.com/office/drawing/2014/main" xmlns:p14="http://schemas.microsoft.com/office/powerpoint/2010/main" xmlns:a14="http://schemas.microsoft.com/office/drawing/2010/main" w="9525">
+                <a14:hiddenLine xmlns:a14="http://schemas.microsoft.com/office/drawing/2010/main" xmlns:p14="http://schemas.microsoft.com/office/powerpoint/2010/main" xmlns:a16="http://schemas.microsoft.com/office/drawing/2014/main" xmlns="" w="9525">
                   <a:solidFill>
                     <a:srgbClr val="000000"/>
                   </a:solidFill>
@@ -35678,7 +35681,7 @@
             </a:ln>
             <a:extLst>
               <a:ext uri="{91240B29-F687-4f45-9708-019B960494DF}">
-                <a14:hiddenLine xmlns="" xmlns:a16="http://schemas.microsoft.com/office/drawing/2014/main" xmlns:p14="http://schemas.microsoft.com/office/powerpoint/2010/main" xmlns:a14="http://schemas.microsoft.com/office/drawing/2010/main" w="9525">
+                <a14:hiddenLine xmlns:a14="http://schemas.microsoft.com/office/drawing/2010/main" xmlns:p14="http://schemas.microsoft.com/office/powerpoint/2010/main" xmlns:a16="http://schemas.microsoft.com/office/drawing/2014/main" xmlns="" w="9525">
                   <a:solidFill>
                     <a:srgbClr val="000000"/>
                   </a:solidFill>
@@ -35755,7 +35758,7 @@
             </a:ln>
             <a:extLst>
               <a:ext uri="{91240B29-F687-4f45-9708-019B960494DF}">
-                <a14:hiddenLine xmlns="" xmlns:a16="http://schemas.microsoft.com/office/drawing/2014/main" xmlns:p14="http://schemas.microsoft.com/office/powerpoint/2010/main" xmlns:a14="http://schemas.microsoft.com/office/drawing/2010/main" w="9525">
+                <a14:hiddenLine xmlns:a14="http://schemas.microsoft.com/office/drawing/2010/main" xmlns:p14="http://schemas.microsoft.com/office/powerpoint/2010/main" xmlns:a16="http://schemas.microsoft.com/office/drawing/2014/main" xmlns="" w="9525">
                   <a:solidFill>
                     <a:srgbClr val="000000"/>
                   </a:solidFill>
@@ -35832,7 +35835,7 @@
             </a:ln>
             <a:extLst>
               <a:ext uri="{91240B29-F687-4f45-9708-019B960494DF}">
-                <a14:hiddenLine xmlns="" xmlns:a16="http://schemas.microsoft.com/office/drawing/2014/main" xmlns:p14="http://schemas.microsoft.com/office/powerpoint/2010/main" xmlns:a14="http://schemas.microsoft.com/office/drawing/2010/main" w="9525">
+                <a14:hiddenLine xmlns:a14="http://schemas.microsoft.com/office/drawing/2010/main" xmlns:p14="http://schemas.microsoft.com/office/powerpoint/2010/main" xmlns:a16="http://schemas.microsoft.com/office/drawing/2014/main" xmlns="" w="9525">
                   <a:solidFill>
                     <a:srgbClr val="000000"/>
                   </a:solidFill>
@@ -35937,7 +35940,7 @@
             </a:ln>
             <a:extLst>
               <a:ext uri="{91240B29-F687-4f45-9708-019B960494DF}">
-                <a14:hiddenLine xmlns="" xmlns:a16="http://schemas.microsoft.com/office/drawing/2014/main" xmlns:p14="http://schemas.microsoft.com/office/powerpoint/2010/main" xmlns:a14="http://schemas.microsoft.com/office/drawing/2010/main" w="9525">
+                <a14:hiddenLine xmlns:a14="http://schemas.microsoft.com/office/drawing/2010/main" xmlns:p14="http://schemas.microsoft.com/office/powerpoint/2010/main" xmlns:a16="http://schemas.microsoft.com/office/drawing/2014/main" xmlns="" w="9525">
                   <a:solidFill>
                     <a:srgbClr val="000000"/>
                   </a:solidFill>
@@ -36042,7 +36045,7 @@
             </a:ln>
             <a:extLst>
               <a:ext uri="{91240B29-F687-4f45-9708-019B960494DF}">
-                <a14:hiddenLine xmlns="" xmlns:a16="http://schemas.microsoft.com/office/drawing/2014/main" xmlns:p14="http://schemas.microsoft.com/office/powerpoint/2010/main" xmlns:a14="http://schemas.microsoft.com/office/drawing/2010/main" w="9525">
+                <a14:hiddenLine xmlns:a14="http://schemas.microsoft.com/office/drawing/2010/main" xmlns:p14="http://schemas.microsoft.com/office/powerpoint/2010/main" xmlns:a16="http://schemas.microsoft.com/office/drawing/2014/main" xmlns="" w="9525">
                   <a:solidFill>
                     <a:srgbClr val="000000"/>
                   </a:solidFill>
@@ -36119,7 +36122,7 @@
             </a:ln>
             <a:extLst>
               <a:ext uri="{91240B29-F687-4f45-9708-019B960494DF}">
-                <a14:hiddenLine xmlns="" xmlns:a16="http://schemas.microsoft.com/office/drawing/2014/main" xmlns:p14="http://schemas.microsoft.com/office/powerpoint/2010/main" xmlns:a14="http://schemas.microsoft.com/office/drawing/2010/main" w="9525">
+                <a14:hiddenLine xmlns:a14="http://schemas.microsoft.com/office/drawing/2010/main" xmlns:p14="http://schemas.microsoft.com/office/powerpoint/2010/main" xmlns:a16="http://schemas.microsoft.com/office/drawing/2014/main" xmlns="" w="9525">
                   <a:solidFill>
                     <a:srgbClr val="000000"/>
                   </a:solidFill>
@@ -36244,7 +36247,7 @@
             </a:ln>
             <a:extLst>
               <a:ext uri="{91240B29-F687-4f45-9708-019B960494DF}">
-                <a14:hiddenLine xmlns="" xmlns:a16="http://schemas.microsoft.com/office/drawing/2014/main" xmlns:p14="http://schemas.microsoft.com/office/powerpoint/2010/main" xmlns:a14="http://schemas.microsoft.com/office/drawing/2010/main" w="9525">
+                <a14:hiddenLine xmlns:a14="http://schemas.microsoft.com/office/drawing/2010/main" xmlns:p14="http://schemas.microsoft.com/office/powerpoint/2010/main" xmlns:a16="http://schemas.microsoft.com/office/drawing/2014/main" xmlns="" w="9525">
                   <a:solidFill>
                     <a:srgbClr val="000000"/>
                   </a:solidFill>
@@ -36358,7 +36361,7 @@
             </a:ln>
             <a:extLst>
               <a:ext uri="{91240B29-F687-4f45-9708-019B960494DF}">
-                <a14:hiddenLine xmlns="" xmlns:a16="http://schemas.microsoft.com/office/drawing/2014/main" xmlns:p14="http://schemas.microsoft.com/office/powerpoint/2010/main" xmlns:a14="http://schemas.microsoft.com/office/drawing/2010/main" w="9525">
+                <a14:hiddenLine xmlns:a14="http://schemas.microsoft.com/office/drawing/2010/main" xmlns:p14="http://schemas.microsoft.com/office/powerpoint/2010/main" xmlns:a16="http://schemas.microsoft.com/office/drawing/2014/main" xmlns="" w="9525">
                   <a:solidFill>
                     <a:srgbClr val="000000"/>
                   </a:solidFill>
@@ -36435,7 +36438,7 @@
             </a:ln>
             <a:extLst>
               <a:ext uri="{91240B29-F687-4f45-9708-019B960494DF}">
-                <a14:hiddenLine xmlns="" xmlns:a16="http://schemas.microsoft.com/office/drawing/2014/main" xmlns:p14="http://schemas.microsoft.com/office/powerpoint/2010/main" xmlns:a14="http://schemas.microsoft.com/office/drawing/2010/main" w="9525">
+                <a14:hiddenLine xmlns:a14="http://schemas.microsoft.com/office/drawing/2010/main" xmlns:p14="http://schemas.microsoft.com/office/powerpoint/2010/main" xmlns:a16="http://schemas.microsoft.com/office/drawing/2014/main" xmlns="" w="9525">
                   <a:solidFill>
                     <a:srgbClr val="000000"/>
                   </a:solidFill>
@@ -36512,7 +36515,7 @@
             </a:ln>
             <a:extLst>
               <a:ext uri="{91240B29-F687-4f45-9708-019B960494DF}">
-                <a14:hiddenLine xmlns="" xmlns:a16="http://schemas.microsoft.com/office/drawing/2014/main" xmlns:p14="http://schemas.microsoft.com/office/powerpoint/2010/main" xmlns:a14="http://schemas.microsoft.com/office/drawing/2010/main" w="9525">
+                <a14:hiddenLine xmlns:a14="http://schemas.microsoft.com/office/drawing/2010/main" xmlns:p14="http://schemas.microsoft.com/office/powerpoint/2010/main" xmlns:a16="http://schemas.microsoft.com/office/drawing/2014/main" xmlns="" w="9525">
                   <a:solidFill>
                     <a:srgbClr val="000000"/>
                   </a:solidFill>
@@ -36617,7 +36620,7 @@
             </a:ln>
             <a:extLst>
               <a:ext uri="{91240B29-F687-4f45-9708-019B960494DF}">
-                <a14:hiddenLine xmlns="" xmlns:a16="http://schemas.microsoft.com/office/drawing/2014/main" xmlns:p14="http://schemas.microsoft.com/office/powerpoint/2010/main" xmlns:a14="http://schemas.microsoft.com/office/drawing/2010/main" w="9525">
+                <a14:hiddenLine xmlns:a14="http://schemas.microsoft.com/office/drawing/2010/main" xmlns:p14="http://schemas.microsoft.com/office/powerpoint/2010/main" xmlns:a16="http://schemas.microsoft.com/office/drawing/2014/main" xmlns="" w="9525">
                   <a:solidFill>
                     <a:srgbClr val="000000"/>
                   </a:solidFill>
@@ -36666,7 +36669,7 @@
             </a:ln>
             <a:extLst>
               <a:ext uri="{91240B29-F687-4f45-9708-019B960494DF}">
-                <a14:hiddenLine xmlns="" xmlns:a16="http://schemas.microsoft.com/office/drawing/2014/main" xmlns:p14="http://schemas.microsoft.com/office/powerpoint/2010/main" xmlns:a14="http://schemas.microsoft.com/office/drawing/2010/main" w="9525">
+                <a14:hiddenLine xmlns:a14="http://schemas.microsoft.com/office/drawing/2010/main" xmlns:p14="http://schemas.microsoft.com/office/powerpoint/2010/main" xmlns:a16="http://schemas.microsoft.com/office/drawing/2014/main" xmlns="" w="9525">
                   <a:solidFill>
                     <a:srgbClr val="000000"/>
                   </a:solidFill>
@@ -36746,7 +36749,7 @@
             </a:ln>
             <a:extLst>
               <a:ext uri="{91240B29-F687-4f45-9708-019B960494DF}">
-                <a14:hiddenLine xmlns="" xmlns:a16="http://schemas.microsoft.com/office/drawing/2014/main" xmlns:p14="http://schemas.microsoft.com/office/powerpoint/2010/main" xmlns:a14="http://schemas.microsoft.com/office/drawing/2010/main" w="9525">
+                <a14:hiddenLine xmlns:a14="http://schemas.microsoft.com/office/drawing/2010/main" xmlns:p14="http://schemas.microsoft.com/office/powerpoint/2010/main" xmlns:a16="http://schemas.microsoft.com/office/drawing/2014/main" xmlns="" w="9525">
                   <a:solidFill>
                     <a:srgbClr val="000000"/>
                   </a:solidFill>
@@ -36851,7 +36854,7 @@
             </a:ln>
             <a:extLst>
               <a:ext uri="{91240B29-F687-4f45-9708-019B960494DF}">
-                <a14:hiddenLine xmlns="" xmlns:a16="http://schemas.microsoft.com/office/drawing/2014/main" xmlns:p14="http://schemas.microsoft.com/office/powerpoint/2010/main" xmlns:a14="http://schemas.microsoft.com/office/drawing/2010/main" w="9525">
+                <a14:hiddenLine xmlns:a14="http://schemas.microsoft.com/office/drawing/2010/main" xmlns:p14="http://schemas.microsoft.com/office/powerpoint/2010/main" xmlns:a16="http://schemas.microsoft.com/office/drawing/2014/main" xmlns="" w="9525">
                   <a:solidFill>
                     <a:srgbClr val="000000"/>
                   </a:solidFill>
@@ -36928,7 +36931,7 @@
             </a:ln>
             <a:extLst>
               <a:ext uri="{91240B29-F687-4f45-9708-019B960494DF}">
-                <a14:hiddenLine xmlns="" xmlns:a16="http://schemas.microsoft.com/office/drawing/2014/main" xmlns:p14="http://schemas.microsoft.com/office/powerpoint/2010/main" xmlns:a14="http://schemas.microsoft.com/office/drawing/2010/main" w="9525">
+                <a14:hiddenLine xmlns:a14="http://schemas.microsoft.com/office/drawing/2010/main" xmlns:p14="http://schemas.microsoft.com/office/powerpoint/2010/main" xmlns:a16="http://schemas.microsoft.com/office/drawing/2014/main" xmlns="" w="9525">
                   <a:solidFill>
                     <a:srgbClr val="000000"/>
                   </a:solidFill>
@@ -37033,7 +37036,7 @@
             </a:ln>
             <a:extLst>
               <a:ext uri="{91240B29-F687-4f45-9708-019B960494DF}">
-                <a14:hiddenLine xmlns="" xmlns:a16="http://schemas.microsoft.com/office/drawing/2014/main" xmlns:p14="http://schemas.microsoft.com/office/powerpoint/2010/main" xmlns:a14="http://schemas.microsoft.com/office/drawing/2010/main" w="9525">
+                <a14:hiddenLine xmlns:a14="http://schemas.microsoft.com/office/drawing/2010/main" xmlns:p14="http://schemas.microsoft.com/office/powerpoint/2010/main" xmlns:a16="http://schemas.microsoft.com/office/drawing/2014/main" xmlns="" w="9525">
                   <a:solidFill>
                     <a:srgbClr val="000000"/>
                   </a:solidFill>
@@ -37113,7 +37116,7 @@
             </a:ln>
             <a:extLst>
               <a:ext uri="{91240B29-F687-4f45-9708-019B960494DF}">
-                <a14:hiddenLine xmlns="" xmlns:a16="http://schemas.microsoft.com/office/drawing/2014/main" xmlns:p14="http://schemas.microsoft.com/office/powerpoint/2010/main" xmlns:a14="http://schemas.microsoft.com/office/drawing/2010/main" w="9525">
+                <a14:hiddenLine xmlns:a14="http://schemas.microsoft.com/office/drawing/2010/main" xmlns:p14="http://schemas.microsoft.com/office/powerpoint/2010/main" xmlns:a16="http://schemas.microsoft.com/office/drawing/2014/main" xmlns="" w="9525">
                   <a:solidFill>
                     <a:srgbClr val="000000"/>
                   </a:solidFill>
@@ -37190,7 +37193,7 @@
             </a:ln>
             <a:extLst>
               <a:ext uri="{91240B29-F687-4f45-9708-019B960494DF}">
-                <a14:hiddenLine xmlns="" xmlns:a16="http://schemas.microsoft.com/office/drawing/2014/main" xmlns:p14="http://schemas.microsoft.com/office/powerpoint/2010/main" xmlns:a14="http://schemas.microsoft.com/office/drawing/2010/main" w="9525">
+                <a14:hiddenLine xmlns:a14="http://schemas.microsoft.com/office/drawing/2010/main" xmlns:p14="http://schemas.microsoft.com/office/powerpoint/2010/main" xmlns:a16="http://schemas.microsoft.com/office/drawing/2014/main" xmlns="" w="9525">
                   <a:solidFill>
                     <a:srgbClr val="000000"/>
                   </a:solidFill>
@@ -37295,7 +37298,7 @@
             </a:ln>
             <a:extLst>
               <a:ext uri="{91240B29-F687-4f45-9708-019B960494DF}">
-                <a14:hiddenLine xmlns="" xmlns:a16="http://schemas.microsoft.com/office/drawing/2014/main" xmlns:p14="http://schemas.microsoft.com/office/powerpoint/2010/main" xmlns:a14="http://schemas.microsoft.com/office/drawing/2010/main" w="9525">
+                <a14:hiddenLine xmlns:a14="http://schemas.microsoft.com/office/drawing/2010/main" xmlns:p14="http://schemas.microsoft.com/office/powerpoint/2010/main" xmlns:a16="http://schemas.microsoft.com/office/drawing/2014/main" xmlns="" w="9525">
                   <a:solidFill>
                     <a:srgbClr val="000000"/>
                   </a:solidFill>
@@ -37400,7 +37403,7 @@
             </a:ln>
             <a:extLst>
               <a:ext uri="{91240B29-F687-4f45-9708-019B960494DF}">
-                <a14:hiddenLine xmlns="" xmlns:a16="http://schemas.microsoft.com/office/drawing/2014/main" xmlns:p14="http://schemas.microsoft.com/office/powerpoint/2010/main" xmlns:a14="http://schemas.microsoft.com/office/drawing/2010/main" w="9525">
+                <a14:hiddenLine xmlns:a14="http://schemas.microsoft.com/office/drawing/2010/main" xmlns:p14="http://schemas.microsoft.com/office/powerpoint/2010/main" xmlns:a16="http://schemas.microsoft.com/office/drawing/2014/main" xmlns="" w="9525">
                   <a:solidFill>
                     <a:srgbClr val="000000"/>
                   </a:solidFill>
@@ -37480,7 +37483,7 @@
             </a:ln>
             <a:extLst>
               <a:ext uri="{91240B29-F687-4f45-9708-019B960494DF}">
-                <a14:hiddenLine xmlns="" xmlns:a16="http://schemas.microsoft.com/office/drawing/2014/main" xmlns:p14="http://schemas.microsoft.com/office/powerpoint/2010/main" xmlns:a14="http://schemas.microsoft.com/office/drawing/2010/main" w="9525">
+                <a14:hiddenLine xmlns:a14="http://schemas.microsoft.com/office/drawing/2010/main" xmlns:p14="http://schemas.microsoft.com/office/powerpoint/2010/main" xmlns:a16="http://schemas.microsoft.com/office/drawing/2014/main" xmlns="" w="9525">
                   <a:solidFill>
                     <a:srgbClr val="000000"/>
                   </a:solidFill>
@@ -37615,7 +37618,7 @@
             </a:ln>
             <a:extLst>
               <a:ext uri="{91240B29-F687-4f45-9708-019B960494DF}">
-                <a14:hiddenLine xmlns="" xmlns:a16="http://schemas.microsoft.com/office/drawing/2014/main" xmlns:p14="http://schemas.microsoft.com/office/powerpoint/2010/main" xmlns:a14="http://schemas.microsoft.com/office/drawing/2010/main" w="9525">
+                <a14:hiddenLine xmlns:a14="http://schemas.microsoft.com/office/drawing/2010/main" xmlns:p14="http://schemas.microsoft.com/office/powerpoint/2010/main" xmlns:a16="http://schemas.microsoft.com/office/drawing/2014/main" xmlns="" w="9525">
                   <a:solidFill>
                     <a:srgbClr val="000000"/>
                   </a:solidFill>
@@ -37914,7 +37917,7 @@
             </a:ln>
             <a:extLst>
               <a:ext uri="{91240B29-F687-4f45-9708-019B960494DF}">
-                <a14:hiddenLine xmlns="" xmlns:a16="http://schemas.microsoft.com/office/drawing/2014/main" xmlns:p14="http://schemas.microsoft.com/office/powerpoint/2010/main" xmlns:a14="http://schemas.microsoft.com/office/drawing/2010/main" w="9525">
+                <a14:hiddenLine xmlns:a14="http://schemas.microsoft.com/office/drawing/2010/main" xmlns:p14="http://schemas.microsoft.com/office/powerpoint/2010/main" xmlns:a16="http://schemas.microsoft.com/office/drawing/2014/main" xmlns="" w="9525">
                   <a:solidFill>
                     <a:srgbClr val="000000"/>
                   </a:solidFill>
@@ -38044,7 +38047,7 @@
             </a:ln>
             <a:extLst>
               <a:ext uri="{91240B29-F687-4f45-9708-019B960494DF}">
-                <a14:hiddenLine xmlns="" xmlns:a16="http://schemas.microsoft.com/office/drawing/2014/main" xmlns:p14="http://schemas.microsoft.com/office/powerpoint/2010/main" xmlns:a14="http://schemas.microsoft.com/office/drawing/2010/main" w="9525">
+                <a14:hiddenLine xmlns:a14="http://schemas.microsoft.com/office/drawing/2010/main" xmlns:p14="http://schemas.microsoft.com/office/powerpoint/2010/main" xmlns:a16="http://schemas.microsoft.com/office/drawing/2014/main" xmlns="" w="9525">
                   <a:solidFill>
                     <a:srgbClr val="000000"/>
                   </a:solidFill>
@@ -38149,7 +38152,7 @@
             </a:ln>
             <a:extLst>
               <a:ext uri="{91240B29-F687-4f45-9708-019B960494DF}">
-                <a14:hiddenLine xmlns="" xmlns:a16="http://schemas.microsoft.com/office/drawing/2014/main" xmlns:p14="http://schemas.microsoft.com/office/powerpoint/2010/main" xmlns:a14="http://schemas.microsoft.com/office/drawing/2010/main" w="9525">
+                <a14:hiddenLine xmlns:a14="http://schemas.microsoft.com/office/drawing/2010/main" xmlns:p14="http://schemas.microsoft.com/office/powerpoint/2010/main" xmlns:a16="http://schemas.microsoft.com/office/drawing/2014/main" xmlns="" w="9525">
                   <a:solidFill>
                     <a:srgbClr val="000000"/>
                   </a:solidFill>
@@ -38229,7 +38232,7 @@
             </a:ln>
             <a:extLst>
               <a:ext uri="{91240B29-F687-4f45-9708-019B960494DF}">
-                <a14:hiddenLine xmlns="" xmlns:a16="http://schemas.microsoft.com/office/drawing/2014/main" xmlns:p14="http://schemas.microsoft.com/office/powerpoint/2010/main" xmlns:a14="http://schemas.microsoft.com/office/drawing/2010/main" w="9525">
+                <a14:hiddenLine xmlns:a14="http://schemas.microsoft.com/office/drawing/2010/main" xmlns:p14="http://schemas.microsoft.com/office/powerpoint/2010/main" xmlns:a16="http://schemas.microsoft.com/office/drawing/2014/main" xmlns="" w="9525">
                   <a:solidFill>
                     <a:srgbClr val="000000"/>
                   </a:solidFill>
@@ -38334,7 +38337,7 @@
             </a:ln>
             <a:extLst>
               <a:ext uri="{91240B29-F687-4f45-9708-019B960494DF}">
-                <a14:hiddenLine xmlns="" xmlns:a16="http://schemas.microsoft.com/office/drawing/2014/main" xmlns:p14="http://schemas.microsoft.com/office/powerpoint/2010/main" xmlns:a14="http://schemas.microsoft.com/office/drawing/2010/main" w="9525">
+                <a14:hiddenLine xmlns:a14="http://schemas.microsoft.com/office/drawing/2010/main" xmlns:p14="http://schemas.microsoft.com/office/powerpoint/2010/main" xmlns:a16="http://schemas.microsoft.com/office/drawing/2014/main" xmlns="" w="9525">
                   <a:solidFill>
                     <a:srgbClr val="000000"/>
                   </a:solidFill>
@@ -38417,7 +38420,7 @@
             </a:ln>
             <a:extLst>
               <a:ext uri="{91240B29-F687-4f45-9708-019B960494DF}">
-                <a14:hiddenLine xmlns="" xmlns:a16="http://schemas.microsoft.com/office/drawing/2014/main" xmlns:p14="http://schemas.microsoft.com/office/powerpoint/2010/main" xmlns:a14="http://schemas.microsoft.com/office/drawing/2010/main" w="9525">
+                <a14:hiddenLine xmlns:a14="http://schemas.microsoft.com/office/drawing/2010/main" xmlns:p14="http://schemas.microsoft.com/office/powerpoint/2010/main" xmlns:a16="http://schemas.microsoft.com/office/drawing/2014/main" xmlns="" w="9525">
                   <a:solidFill>
                     <a:srgbClr val="000000"/>
                   </a:solidFill>
@@ -38522,7 +38525,7 @@
             </a:ln>
             <a:extLst>
               <a:ext uri="{91240B29-F687-4f45-9708-019B960494DF}">
-                <a14:hiddenLine xmlns="" xmlns:a16="http://schemas.microsoft.com/office/drawing/2014/main" xmlns:p14="http://schemas.microsoft.com/office/powerpoint/2010/main" xmlns:a14="http://schemas.microsoft.com/office/drawing/2010/main" w="9525">
+                <a14:hiddenLine xmlns:a14="http://schemas.microsoft.com/office/drawing/2010/main" xmlns:p14="http://schemas.microsoft.com/office/powerpoint/2010/main" xmlns:a16="http://schemas.microsoft.com/office/drawing/2014/main" xmlns="" w="9525">
                   <a:solidFill>
                     <a:srgbClr val="000000"/>
                   </a:solidFill>
@@ -38605,7 +38608,7 @@
             </a:ln>
             <a:extLst>
               <a:ext uri="{91240B29-F687-4f45-9708-019B960494DF}">
-                <a14:hiddenLine xmlns="" xmlns:a16="http://schemas.microsoft.com/office/drawing/2014/main" xmlns:p14="http://schemas.microsoft.com/office/powerpoint/2010/main" xmlns:a14="http://schemas.microsoft.com/office/drawing/2010/main" w="9525">
+                <a14:hiddenLine xmlns:a14="http://schemas.microsoft.com/office/drawing/2010/main" xmlns:p14="http://schemas.microsoft.com/office/powerpoint/2010/main" xmlns:a16="http://schemas.microsoft.com/office/drawing/2014/main" xmlns="" w="9525">
                   <a:solidFill>
                     <a:srgbClr val="000000"/>
                   </a:solidFill>
@@ -38710,7 +38713,7 @@
             </a:ln>
             <a:extLst>
               <a:ext uri="{91240B29-F687-4f45-9708-019B960494DF}">
-                <a14:hiddenLine xmlns="" xmlns:a16="http://schemas.microsoft.com/office/drawing/2014/main" xmlns:p14="http://schemas.microsoft.com/office/powerpoint/2010/main" xmlns:a14="http://schemas.microsoft.com/office/drawing/2010/main" w="9525">
+                <a14:hiddenLine xmlns:a14="http://schemas.microsoft.com/office/drawing/2010/main" xmlns:p14="http://schemas.microsoft.com/office/powerpoint/2010/main" xmlns:a16="http://schemas.microsoft.com/office/drawing/2014/main" xmlns="" w="9525">
                   <a:solidFill>
                     <a:srgbClr val="000000"/>
                   </a:solidFill>
@@ -38759,7 +38762,7 @@
             </a:ln>
             <a:extLst>
               <a:ext uri="{91240B29-F687-4f45-9708-019B960494DF}">
-                <a14:hiddenLine xmlns="" xmlns:a16="http://schemas.microsoft.com/office/drawing/2014/main" xmlns:p14="http://schemas.microsoft.com/office/powerpoint/2010/main" xmlns:a14="http://schemas.microsoft.com/office/drawing/2010/main" w="9525">
+                <a14:hiddenLine xmlns:a14="http://schemas.microsoft.com/office/drawing/2010/main" xmlns:p14="http://schemas.microsoft.com/office/powerpoint/2010/main" xmlns:a16="http://schemas.microsoft.com/office/drawing/2014/main" xmlns="" w="9525">
                   <a:solidFill>
                     <a:srgbClr val="000000"/>
                   </a:solidFill>
@@ -38876,7 +38879,7 @@
           <a:noFill/>
           <a:extLst>
             <a:ext uri="{909E8E84-426E-40dd-AFC4-6F175D3DCCD1}">
-              <a14:hiddenFill xmlns="" xmlns:a16="http://schemas.microsoft.com/office/drawing/2014/main" xmlns:a14="http://schemas.microsoft.com/office/drawing/2010/main">
+              <a14:hiddenFill xmlns:a14="http://schemas.microsoft.com/office/drawing/2010/main" xmlns:a16="http://schemas.microsoft.com/office/drawing/2014/main" xmlns="">
                 <a:solidFill>
                   <a:srgbClr val="FFFFFF"/>
                 </a:solidFill>
@@ -38968,7 +38971,7 @@
             </a:ln>
             <a:extLst>
               <a:ext uri="{91240B29-F687-4f45-9708-019B960494DF}">
-                <a14:hiddenLine xmlns="" xmlns:a16="http://schemas.microsoft.com/office/drawing/2014/main" xmlns:a14="http://schemas.microsoft.com/office/drawing/2010/main" w="9525">
+                <a14:hiddenLine xmlns:a14="http://schemas.microsoft.com/office/drawing/2010/main" xmlns:a16="http://schemas.microsoft.com/office/drawing/2014/main" xmlns="" w="9525">
                   <a:solidFill>
                     <a:srgbClr val="000000"/>
                   </a:solidFill>
@@ -39073,7 +39076,7 @@
             </a:ln>
             <a:extLst>
               <a:ext uri="{91240B29-F687-4f45-9708-019B960494DF}">
-                <a14:hiddenLine xmlns="" xmlns:a16="http://schemas.microsoft.com/office/drawing/2014/main" xmlns:a14="http://schemas.microsoft.com/office/drawing/2010/main" w="9525">
+                <a14:hiddenLine xmlns:a14="http://schemas.microsoft.com/office/drawing/2010/main" xmlns:a16="http://schemas.microsoft.com/office/drawing/2014/main" xmlns="" w="9525">
                   <a:solidFill>
                     <a:srgbClr val="000000"/>
                   </a:solidFill>
@@ -39178,7 +39181,7 @@
             </a:ln>
             <a:extLst>
               <a:ext uri="{91240B29-F687-4f45-9708-019B960494DF}">
-                <a14:hiddenLine xmlns="" xmlns:a16="http://schemas.microsoft.com/office/drawing/2014/main" xmlns:a14="http://schemas.microsoft.com/office/drawing/2010/main" w="9525">
+                <a14:hiddenLine xmlns:a14="http://schemas.microsoft.com/office/drawing/2010/main" xmlns:a16="http://schemas.microsoft.com/office/drawing/2014/main" xmlns="" w="9525">
                   <a:solidFill>
                     <a:srgbClr val="000000"/>
                   </a:solidFill>
@@ -39227,7 +39230,7 @@
             </a:ln>
             <a:extLst>
               <a:ext uri="{91240B29-F687-4f45-9708-019B960494DF}">
-                <a14:hiddenLine xmlns="" xmlns:a16="http://schemas.microsoft.com/office/drawing/2014/main" xmlns:a14="http://schemas.microsoft.com/office/drawing/2010/main" w="9525">
+                <a14:hiddenLine xmlns:a14="http://schemas.microsoft.com/office/drawing/2010/main" xmlns:a16="http://schemas.microsoft.com/office/drawing/2014/main" xmlns="" w="9525">
                   <a:solidFill>
                     <a:srgbClr val="000000"/>
                   </a:solidFill>
@@ -39332,7 +39335,7 @@
             </a:ln>
             <a:extLst>
               <a:ext uri="{91240B29-F687-4f45-9708-019B960494DF}">
-                <a14:hiddenLine xmlns="" xmlns:a16="http://schemas.microsoft.com/office/drawing/2014/main" xmlns:a14="http://schemas.microsoft.com/office/drawing/2010/main" w="9525">
+                <a14:hiddenLine xmlns:a14="http://schemas.microsoft.com/office/drawing/2010/main" xmlns:a16="http://schemas.microsoft.com/office/drawing/2014/main" xmlns="" w="9525">
                   <a:solidFill>
                     <a:srgbClr val="000000"/>
                   </a:solidFill>
@@ -39409,7 +39412,7 @@
             </a:ln>
             <a:extLst>
               <a:ext uri="{91240B29-F687-4f45-9708-019B960494DF}">
-                <a14:hiddenLine xmlns="" xmlns:a16="http://schemas.microsoft.com/office/drawing/2014/main" xmlns:a14="http://schemas.microsoft.com/office/drawing/2010/main" w="9525">
+                <a14:hiddenLine xmlns:a14="http://schemas.microsoft.com/office/drawing/2010/main" xmlns:a16="http://schemas.microsoft.com/office/drawing/2014/main" xmlns="" w="9525">
                   <a:solidFill>
                     <a:srgbClr val="000000"/>
                   </a:solidFill>
@@ -39486,7 +39489,7 @@
             </a:ln>
             <a:extLst>
               <a:ext uri="{91240B29-F687-4f45-9708-019B960494DF}">
-                <a14:hiddenLine xmlns="" xmlns:a16="http://schemas.microsoft.com/office/drawing/2014/main" xmlns:a14="http://schemas.microsoft.com/office/drawing/2010/main" w="9525">
+                <a14:hiddenLine xmlns:a14="http://schemas.microsoft.com/office/drawing/2010/main" xmlns:a16="http://schemas.microsoft.com/office/drawing/2014/main" xmlns="" w="9525">
                   <a:solidFill>
                     <a:srgbClr val="000000"/>
                   </a:solidFill>
@@ -39591,7 +39594,7 @@
             </a:ln>
             <a:extLst>
               <a:ext uri="{91240B29-F687-4f45-9708-019B960494DF}">
-                <a14:hiddenLine xmlns="" xmlns:a16="http://schemas.microsoft.com/office/drawing/2014/main" xmlns:a14="http://schemas.microsoft.com/office/drawing/2010/main" w="9525">
+                <a14:hiddenLine xmlns:a14="http://schemas.microsoft.com/office/drawing/2010/main" xmlns:a16="http://schemas.microsoft.com/office/drawing/2014/main" xmlns="" w="9525">
                   <a:solidFill>
                     <a:srgbClr val="000000"/>
                   </a:solidFill>
@@ -39668,7 +39671,7 @@
             </a:ln>
             <a:extLst>
               <a:ext uri="{91240B29-F687-4f45-9708-019B960494DF}">
-                <a14:hiddenLine xmlns="" xmlns:a16="http://schemas.microsoft.com/office/drawing/2014/main" xmlns:a14="http://schemas.microsoft.com/office/drawing/2010/main" w="9525">
+                <a14:hiddenLine xmlns:a14="http://schemas.microsoft.com/office/drawing/2010/main" xmlns:a16="http://schemas.microsoft.com/office/drawing/2014/main" xmlns="" w="9525">
                   <a:solidFill>
                     <a:srgbClr val="000000"/>
                   </a:solidFill>
@@ -39745,7 +39748,7 @@
             </a:ln>
             <a:extLst>
               <a:ext uri="{91240B29-F687-4f45-9708-019B960494DF}">
-                <a14:hiddenLine xmlns="" xmlns:a16="http://schemas.microsoft.com/office/drawing/2014/main" xmlns:a14="http://schemas.microsoft.com/office/drawing/2010/main" w="9525">
+                <a14:hiddenLine xmlns:a14="http://schemas.microsoft.com/office/drawing/2010/main" xmlns:a16="http://schemas.microsoft.com/office/drawing/2014/main" xmlns="" w="9525">
                   <a:solidFill>
                     <a:srgbClr val="000000"/>
                   </a:solidFill>
@@ -39850,7 +39853,7 @@
             </a:ln>
             <a:extLst>
               <a:ext uri="{91240B29-F687-4f45-9708-019B960494DF}">
-                <a14:hiddenLine xmlns="" xmlns:a16="http://schemas.microsoft.com/office/drawing/2014/main" xmlns:a14="http://schemas.microsoft.com/office/drawing/2010/main" w="9525">
+                <a14:hiddenLine xmlns:a14="http://schemas.microsoft.com/office/drawing/2010/main" xmlns:a16="http://schemas.microsoft.com/office/drawing/2014/main" xmlns="" w="9525">
                   <a:solidFill>
                     <a:srgbClr val="000000"/>
                   </a:solidFill>
@@ -39955,7 +39958,7 @@
             </a:ln>
             <a:extLst>
               <a:ext uri="{91240B29-F687-4f45-9708-019B960494DF}">
-                <a14:hiddenLine xmlns="" xmlns:a16="http://schemas.microsoft.com/office/drawing/2014/main" xmlns:a14="http://schemas.microsoft.com/office/drawing/2010/main" w="9525">
+                <a14:hiddenLine xmlns:a14="http://schemas.microsoft.com/office/drawing/2010/main" xmlns:a16="http://schemas.microsoft.com/office/drawing/2014/main" xmlns="" w="9525">
                   <a:solidFill>
                     <a:srgbClr val="000000"/>
                   </a:solidFill>
@@ -40032,7 +40035,7 @@
             </a:ln>
             <a:extLst>
               <a:ext uri="{91240B29-F687-4f45-9708-019B960494DF}">
-                <a14:hiddenLine xmlns="" xmlns:a16="http://schemas.microsoft.com/office/drawing/2014/main" xmlns:a14="http://schemas.microsoft.com/office/drawing/2010/main" w="9525">
+                <a14:hiddenLine xmlns:a14="http://schemas.microsoft.com/office/drawing/2010/main" xmlns:a16="http://schemas.microsoft.com/office/drawing/2014/main" xmlns="" w="9525">
                   <a:solidFill>
                     <a:srgbClr val="000000"/>
                   </a:solidFill>
@@ -40157,7 +40160,7 @@
             </a:ln>
             <a:extLst>
               <a:ext uri="{91240B29-F687-4f45-9708-019B960494DF}">
-                <a14:hiddenLine xmlns="" xmlns:a16="http://schemas.microsoft.com/office/drawing/2014/main" xmlns:a14="http://schemas.microsoft.com/office/drawing/2010/main" w="9525">
+                <a14:hiddenLine xmlns:a14="http://schemas.microsoft.com/office/drawing/2010/main" xmlns:a16="http://schemas.microsoft.com/office/drawing/2014/main" xmlns="" w="9525">
                   <a:solidFill>
                     <a:srgbClr val="000000"/>
                   </a:solidFill>
@@ -40234,7 +40237,7 @@
             </a:ln>
             <a:extLst>
               <a:ext uri="{91240B29-F687-4f45-9708-019B960494DF}">
-                <a14:hiddenLine xmlns="" xmlns:a16="http://schemas.microsoft.com/office/drawing/2014/main" xmlns:a14="http://schemas.microsoft.com/office/drawing/2010/main" w="9525">
+                <a14:hiddenLine xmlns:a14="http://schemas.microsoft.com/office/drawing/2010/main" xmlns:a16="http://schemas.microsoft.com/office/drawing/2014/main" xmlns="" w="9525">
                   <a:solidFill>
                     <a:srgbClr val="000000"/>
                   </a:solidFill>
@@ -40339,7 +40342,7 @@
             </a:ln>
             <a:extLst>
               <a:ext uri="{91240B29-F687-4f45-9708-019B960494DF}">
-                <a14:hiddenLine xmlns="" xmlns:a16="http://schemas.microsoft.com/office/drawing/2014/main" xmlns:a14="http://schemas.microsoft.com/office/drawing/2010/main" w="9525">
+                <a14:hiddenLine xmlns:a14="http://schemas.microsoft.com/office/drawing/2010/main" xmlns:a16="http://schemas.microsoft.com/office/drawing/2014/main" xmlns="" w="9525">
                   <a:solidFill>
                     <a:srgbClr val="000000"/>
                   </a:solidFill>
@@ -40444,7 +40447,7 @@
             </a:ln>
             <a:extLst>
               <a:ext uri="{91240B29-F687-4f45-9708-019B960494DF}">
-                <a14:hiddenLine xmlns="" xmlns:a16="http://schemas.microsoft.com/office/drawing/2014/main" xmlns:a14="http://schemas.microsoft.com/office/drawing/2010/main" w="9525">
+                <a14:hiddenLine xmlns:a14="http://schemas.microsoft.com/office/drawing/2010/main" xmlns:a16="http://schemas.microsoft.com/office/drawing/2014/main" xmlns="" w="9525">
                   <a:solidFill>
                     <a:srgbClr val="000000"/>
                   </a:solidFill>
@@ -40521,7 +40524,7 @@
             </a:ln>
             <a:extLst>
               <a:ext uri="{91240B29-F687-4f45-9708-019B960494DF}">
-                <a14:hiddenLine xmlns="" xmlns:a16="http://schemas.microsoft.com/office/drawing/2014/main" xmlns:a14="http://schemas.microsoft.com/office/drawing/2010/main" w="9525">
+                <a14:hiddenLine xmlns:a14="http://schemas.microsoft.com/office/drawing/2010/main" xmlns:a16="http://schemas.microsoft.com/office/drawing/2014/main" xmlns="" w="9525">
                   <a:solidFill>
                     <a:srgbClr val="000000"/>
                   </a:solidFill>
@@ -40626,7 +40629,7 @@
             </a:ln>
             <a:extLst>
               <a:ext uri="{91240B29-F687-4f45-9708-019B960494DF}">
-                <a14:hiddenLine xmlns="" xmlns:a16="http://schemas.microsoft.com/office/drawing/2014/main" xmlns:a14="http://schemas.microsoft.com/office/drawing/2010/main" w="9525">
+                <a14:hiddenLine xmlns:a14="http://schemas.microsoft.com/office/drawing/2010/main" xmlns:a16="http://schemas.microsoft.com/office/drawing/2014/main" xmlns="" w="9525">
                   <a:solidFill>
                     <a:srgbClr val="000000"/>
                   </a:solidFill>
@@ -40731,7 +40734,7 @@
             </a:ln>
             <a:extLst>
               <a:ext uri="{91240B29-F687-4f45-9708-019B960494DF}">
-                <a14:hiddenLine xmlns="" xmlns:a16="http://schemas.microsoft.com/office/drawing/2014/main" xmlns:a14="http://schemas.microsoft.com/office/drawing/2010/main" w="9525">
+                <a14:hiddenLine xmlns:a14="http://schemas.microsoft.com/office/drawing/2010/main" xmlns:a16="http://schemas.microsoft.com/office/drawing/2014/main" xmlns="" w="9525">
                   <a:solidFill>
                     <a:srgbClr val="000000"/>
                   </a:solidFill>
@@ -40802,7 +40805,7 @@
             </a:ln>
             <a:extLst>
               <a:ext uri="{91240B29-F687-4f45-9708-019B960494DF}">
-                <a14:hiddenLine xmlns="" xmlns:a16="http://schemas.microsoft.com/office/drawing/2014/main" xmlns:a14="http://schemas.microsoft.com/office/drawing/2010/main" w="9525">
+                <a14:hiddenLine xmlns:a14="http://schemas.microsoft.com/office/drawing/2010/main" xmlns:a16="http://schemas.microsoft.com/office/drawing/2014/main" xmlns="" w="9525">
                   <a:solidFill>
                     <a:srgbClr val="000000"/>
                   </a:solidFill>
@@ -40907,7 +40910,7 @@
             </a:ln>
             <a:extLst>
               <a:ext uri="{91240B29-F687-4f45-9708-019B960494DF}">
-                <a14:hiddenLine xmlns="" xmlns:a16="http://schemas.microsoft.com/office/drawing/2014/main" xmlns:a14="http://schemas.microsoft.com/office/drawing/2010/main" w="9525">
+                <a14:hiddenLine xmlns:a14="http://schemas.microsoft.com/office/drawing/2010/main" xmlns:a16="http://schemas.microsoft.com/office/drawing/2014/main" xmlns="" w="9525">
                   <a:solidFill>
                     <a:srgbClr val="000000"/>
                   </a:solidFill>
@@ -40978,7 +40981,7 @@
             </a:ln>
             <a:extLst>
               <a:ext uri="{91240B29-F687-4f45-9708-019B960494DF}">
-                <a14:hiddenLine xmlns="" xmlns:a16="http://schemas.microsoft.com/office/drawing/2014/main" xmlns:a14="http://schemas.microsoft.com/office/drawing/2010/main" w="9525">
+                <a14:hiddenLine xmlns:a14="http://schemas.microsoft.com/office/drawing/2010/main" xmlns:a16="http://schemas.microsoft.com/office/drawing/2014/main" xmlns="" w="9525">
                   <a:solidFill>
                     <a:srgbClr val="000000"/>
                   </a:solidFill>
@@ -41083,7 +41086,7 @@
             </a:ln>
             <a:extLst>
               <a:ext uri="{91240B29-F687-4f45-9708-019B960494DF}">
-                <a14:hiddenLine xmlns="" xmlns:a16="http://schemas.microsoft.com/office/drawing/2014/main" xmlns:a14="http://schemas.microsoft.com/office/drawing/2010/main" w="9525">
+                <a14:hiddenLine xmlns:a14="http://schemas.microsoft.com/office/drawing/2010/main" xmlns:a16="http://schemas.microsoft.com/office/drawing/2014/main" xmlns="" w="9525">
                   <a:solidFill>
                     <a:srgbClr val="000000"/>
                   </a:solidFill>
@@ -41166,7 +41169,7 @@
             </a:ln>
             <a:extLst>
               <a:ext uri="{91240B29-F687-4f45-9708-019B960494DF}">
-                <a14:hiddenLine xmlns="" xmlns:a16="http://schemas.microsoft.com/office/drawing/2014/main" xmlns:a14="http://schemas.microsoft.com/office/drawing/2010/main" w="9525">
+                <a14:hiddenLine xmlns:a14="http://schemas.microsoft.com/office/drawing/2010/main" xmlns:a16="http://schemas.microsoft.com/office/drawing/2014/main" xmlns="" w="9525">
                   <a:solidFill>
                     <a:srgbClr val="000000"/>
                   </a:solidFill>
@@ -41271,7 +41274,7 @@
             </a:ln>
             <a:extLst>
               <a:ext uri="{91240B29-F687-4f45-9708-019B960494DF}">
-                <a14:hiddenLine xmlns="" xmlns:a16="http://schemas.microsoft.com/office/drawing/2014/main" xmlns:a14="http://schemas.microsoft.com/office/drawing/2010/main" w="9525">
+                <a14:hiddenLine xmlns:a14="http://schemas.microsoft.com/office/drawing/2010/main" xmlns:a16="http://schemas.microsoft.com/office/drawing/2014/main" xmlns="" w="9525">
                   <a:solidFill>
                     <a:srgbClr val="000000"/>
                   </a:solidFill>
@@ -41354,7 +41357,7 @@
             </a:ln>
             <a:extLst>
               <a:ext uri="{91240B29-F687-4f45-9708-019B960494DF}">
-                <a14:hiddenLine xmlns="" xmlns:a16="http://schemas.microsoft.com/office/drawing/2014/main" xmlns:a14="http://schemas.microsoft.com/office/drawing/2010/main" w="9525">
+                <a14:hiddenLine xmlns:a14="http://schemas.microsoft.com/office/drawing/2010/main" xmlns:a16="http://schemas.microsoft.com/office/drawing/2014/main" xmlns="" w="9525">
                   <a:solidFill>
                     <a:srgbClr val="000000"/>
                   </a:solidFill>
@@ -41459,7 +41462,7 @@
             </a:ln>
             <a:extLst>
               <a:ext uri="{91240B29-F687-4f45-9708-019B960494DF}">
-                <a14:hiddenLine xmlns="" xmlns:a16="http://schemas.microsoft.com/office/drawing/2014/main" xmlns:a14="http://schemas.microsoft.com/office/drawing/2010/main" w="9525">
+                <a14:hiddenLine xmlns:a14="http://schemas.microsoft.com/office/drawing/2010/main" xmlns:a16="http://schemas.microsoft.com/office/drawing/2014/main" xmlns="" w="9525">
                   <a:solidFill>
                     <a:srgbClr val="000000"/>
                   </a:solidFill>
@@ -41508,7 +41511,7 @@
             </a:ln>
             <a:extLst>
               <a:ext uri="{91240B29-F687-4f45-9708-019B960494DF}">
-                <a14:hiddenLine xmlns="" xmlns:a16="http://schemas.microsoft.com/office/drawing/2014/main" xmlns:a14="http://schemas.microsoft.com/office/drawing/2010/main" w="9525">
+                <a14:hiddenLine xmlns:a14="http://schemas.microsoft.com/office/drawing/2010/main" xmlns:a16="http://schemas.microsoft.com/office/drawing/2014/main" xmlns="" w="9525">
                   <a:solidFill>
                     <a:srgbClr val="000000"/>
                   </a:solidFill>
@@ -41613,7 +41616,7 @@
             </a:ln>
             <a:extLst>
               <a:ext uri="{91240B29-F687-4f45-9708-019B960494DF}">
-                <a14:hiddenLine xmlns="" xmlns:a16="http://schemas.microsoft.com/office/drawing/2014/main" xmlns:a14="http://schemas.microsoft.com/office/drawing/2010/main" w="9525">
+                <a14:hiddenLine xmlns:a14="http://schemas.microsoft.com/office/drawing/2010/main" xmlns:a16="http://schemas.microsoft.com/office/drawing/2014/main" xmlns="" w="9525">
                   <a:solidFill>
                     <a:srgbClr val="000000"/>
                   </a:solidFill>
@@ -41690,7 +41693,7 @@
             </a:ln>
             <a:extLst>
               <a:ext uri="{91240B29-F687-4f45-9708-019B960494DF}">
-                <a14:hiddenLine xmlns="" xmlns:a16="http://schemas.microsoft.com/office/drawing/2014/main" xmlns:a14="http://schemas.microsoft.com/office/drawing/2010/main" w="9525">
+                <a14:hiddenLine xmlns:a14="http://schemas.microsoft.com/office/drawing/2010/main" xmlns:a16="http://schemas.microsoft.com/office/drawing/2014/main" xmlns="" w="9525">
                   <a:solidFill>
                     <a:srgbClr val="000000"/>
                   </a:solidFill>
@@ -41767,7 +41770,7 @@
             </a:ln>
             <a:extLst>
               <a:ext uri="{91240B29-F687-4f45-9708-019B960494DF}">
-                <a14:hiddenLine xmlns="" xmlns:a16="http://schemas.microsoft.com/office/drawing/2014/main" xmlns:a14="http://schemas.microsoft.com/office/drawing/2010/main" w="9525">
+                <a14:hiddenLine xmlns:a14="http://schemas.microsoft.com/office/drawing/2010/main" xmlns:a16="http://schemas.microsoft.com/office/drawing/2014/main" xmlns="" w="9525">
                   <a:solidFill>
                     <a:srgbClr val="000000"/>
                   </a:solidFill>
@@ -41872,7 +41875,7 @@
             </a:ln>
             <a:extLst>
               <a:ext uri="{91240B29-F687-4f45-9708-019B960494DF}">
-                <a14:hiddenLine xmlns="" xmlns:a16="http://schemas.microsoft.com/office/drawing/2014/main" xmlns:a14="http://schemas.microsoft.com/office/drawing/2010/main" w="9525">
+                <a14:hiddenLine xmlns:a14="http://schemas.microsoft.com/office/drawing/2010/main" xmlns:a16="http://schemas.microsoft.com/office/drawing/2014/main" xmlns="" w="9525">
                   <a:solidFill>
                     <a:srgbClr val="000000"/>
                   </a:solidFill>
@@ -41955,7 +41958,7 @@
             </a:ln>
             <a:extLst>
               <a:ext uri="{91240B29-F687-4f45-9708-019B960494DF}">
-                <a14:hiddenLine xmlns="" xmlns:a16="http://schemas.microsoft.com/office/drawing/2014/main" xmlns:a14="http://schemas.microsoft.com/office/drawing/2010/main" w="9525">
+                <a14:hiddenLine xmlns:a14="http://schemas.microsoft.com/office/drawing/2010/main" xmlns:a16="http://schemas.microsoft.com/office/drawing/2014/main" xmlns="" w="9525">
                   <a:solidFill>
                     <a:srgbClr val="000000"/>
                   </a:solidFill>
@@ -42032,7 +42035,7 @@
             </a:ln>
             <a:extLst>
               <a:ext uri="{91240B29-F687-4f45-9708-019B960494DF}">
-                <a14:hiddenLine xmlns="" xmlns:a16="http://schemas.microsoft.com/office/drawing/2014/main" xmlns:a14="http://schemas.microsoft.com/office/drawing/2010/main" w="9525">
+                <a14:hiddenLine xmlns:a14="http://schemas.microsoft.com/office/drawing/2010/main" xmlns:a16="http://schemas.microsoft.com/office/drawing/2014/main" xmlns="" w="9525">
                   <a:solidFill>
                     <a:srgbClr val="000000"/>
                   </a:solidFill>
@@ -42137,7 +42140,7 @@
             </a:ln>
             <a:extLst>
               <a:ext uri="{91240B29-F687-4f45-9708-019B960494DF}">
-                <a14:hiddenLine xmlns="" xmlns:a16="http://schemas.microsoft.com/office/drawing/2014/main" xmlns:a14="http://schemas.microsoft.com/office/drawing/2010/main" w="9525">
+                <a14:hiddenLine xmlns:a14="http://schemas.microsoft.com/office/drawing/2010/main" xmlns:a16="http://schemas.microsoft.com/office/drawing/2014/main" xmlns="" w="9525">
                   <a:solidFill>
                     <a:srgbClr val="000000"/>
                   </a:solidFill>
@@ -42214,7 +42217,7 @@
             </a:ln>
             <a:extLst>
               <a:ext uri="{91240B29-F687-4f45-9708-019B960494DF}">
-                <a14:hiddenLine xmlns="" xmlns:a16="http://schemas.microsoft.com/office/drawing/2014/main" xmlns:a14="http://schemas.microsoft.com/office/drawing/2010/main" w="9525">
+                <a14:hiddenLine xmlns:a14="http://schemas.microsoft.com/office/drawing/2010/main" xmlns:a16="http://schemas.microsoft.com/office/drawing/2014/main" xmlns="" w="9525">
                   <a:solidFill>
                     <a:srgbClr val="000000"/>
                   </a:solidFill>
@@ -42319,7 +42322,7 @@
             </a:ln>
             <a:extLst>
               <a:ext uri="{91240B29-F687-4f45-9708-019B960494DF}">
-                <a14:hiddenLine xmlns="" xmlns:a16="http://schemas.microsoft.com/office/drawing/2014/main" xmlns:a14="http://schemas.microsoft.com/office/drawing/2010/main" w="9525">
+                <a14:hiddenLine xmlns:a14="http://schemas.microsoft.com/office/drawing/2010/main" xmlns:a16="http://schemas.microsoft.com/office/drawing/2014/main" xmlns="" w="9525">
                   <a:solidFill>
                     <a:srgbClr val="000000"/>
                   </a:solidFill>
@@ -42396,7 +42399,7 @@
             </a:ln>
             <a:extLst>
               <a:ext uri="{91240B29-F687-4f45-9708-019B960494DF}">
-                <a14:hiddenLine xmlns="" xmlns:a16="http://schemas.microsoft.com/office/drawing/2014/main" xmlns:a14="http://schemas.microsoft.com/office/drawing/2010/main" w="9525">
+                <a14:hiddenLine xmlns:a14="http://schemas.microsoft.com/office/drawing/2010/main" xmlns:a16="http://schemas.microsoft.com/office/drawing/2014/main" xmlns="" w="9525">
                   <a:solidFill>
                     <a:srgbClr val="000000"/>
                   </a:solidFill>
@@ -42501,7 +42504,7 @@
             </a:ln>
             <a:extLst>
               <a:ext uri="{91240B29-F687-4f45-9708-019B960494DF}">
-                <a14:hiddenLine xmlns="" xmlns:a16="http://schemas.microsoft.com/office/drawing/2014/main" xmlns:a14="http://schemas.microsoft.com/office/drawing/2010/main" w="9525">
+                <a14:hiddenLine xmlns:a14="http://schemas.microsoft.com/office/drawing/2010/main" xmlns:a16="http://schemas.microsoft.com/office/drawing/2014/main" xmlns="" w="9525">
                   <a:solidFill>
                     <a:srgbClr val="000000"/>
                   </a:solidFill>
@@ -42550,7 +42553,7 @@
             </a:ln>
             <a:extLst>
               <a:ext uri="{91240B29-F687-4f45-9708-019B960494DF}">
-                <a14:hiddenLine xmlns="" xmlns:a16="http://schemas.microsoft.com/office/drawing/2014/main" xmlns:a14="http://schemas.microsoft.com/office/drawing/2010/main" w="9525">
+                <a14:hiddenLine xmlns:a14="http://schemas.microsoft.com/office/drawing/2010/main" xmlns:a16="http://schemas.microsoft.com/office/drawing/2014/main" xmlns="" w="9525">
                   <a:solidFill>
                     <a:srgbClr val="000000"/>
                   </a:solidFill>
@@ -42630,7 +42633,7 @@
             </a:ln>
             <a:extLst>
               <a:ext uri="{91240B29-F687-4f45-9708-019B960494DF}">
-                <a14:hiddenLine xmlns="" xmlns:a16="http://schemas.microsoft.com/office/drawing/2014/main" xmlns:a14="http://schemas.microsoft.com/office/drawing/2010/main" w="9525">
+                <a14:hiddenLine xmlns:a14="http://schemas.microsoft.com/office/drawing/2010/main" xmlns:a16="http://schemas.microsoft.com/office/drawing/2014/main" xmlns="" w="9525">
                   <a:solidFill>
                     <a:srgbClr val="000000"/>
                   </a:solidFill>
@@ -42735,7 +42738,7 @@
             </a:ln>
             <a:extLst>
               <a:ext uri="{91240B29-F687-4f45-9708-019B960494DF}">
-                <a14:hiddenLine xmlns="" xmlns:a16="http://schemas.microsoft.com/office/drawing/2014/main" xmlns:a14="http://schemas.microsoft.com/office/drawing/2010/main" w="9525">
+                <a14:hiddenLine xmlns:a14="http://schemas.microsoft.com/office/drawing/2010/main" xmlns:a16="http://schemas.microsoft.com/office/drawing/2014/main" xmlns="" w="9525">
                   <a:solidFill>
                     <a:srgbClr val="000000"/>
                   </a:solidFill>
@@ -42812,7 +42815,7 @@
             </a:ln>
             <a:extLst>
               <a:ext uri="{91240B29-F687-4f45-9708-019B960494DF}">
-                <a14:hiddenLine xmlns="" xmlns:a16="http://schemas.microsoft.com/office/drawing/2014/main" xmlns:a14="http://schemas.microsoft.com/office/drawing/2010/main" w="9525">
+                <a14:hiddenLine xmlns:a14="http://schemas.microsoft.com/office/drawing/2010/main" xmlns:a16="http://schemas.microsoft.com/office/drawing/2014/main" xmlns="" w="9525">
                   <a:solidFill>
                     <a:srgbClr val="000000"/>
                   </a:solidFill>
@@ -42917,7 +42920,7 @@
             </a:ln>
             <a:extLst>
               <a:ext uri="{91240B29-F687-4f45-9708-019B960494DF}">
-                <a14:hiddenLine xmlns="" xmlns:a16="http://schemas.microsoft.com/office/drawing/2014/main" xmlns:a14="http://schemas.microsoft.com/office/drawing/2010/main" w="9525">
+                <a14:hiddenLine xmlns:a14="http://schemas.microsoft.com/office/drawing/2010/main" xmlns:a16="http://schemas.microsoft.com/office/drawing/2014/main" xmlns="" w="9525">
                   <a:solidFill>
                     <a:srgbClr val="000000"/>
                   </a:solidFill>
@@ -43022,7 +43025,7 @@
             </a:ln>
             <a:extLst>
               <a:ext uri="{91240B29-F687-4f45-9708-019B960494DF}">
-                <a14:hiddenLine xmlns="" xmlns:a16="http://schemas.microsoft.com/office/drawing/2014/main" xmlns:a14="http://schemas.microsoft.com/office/drawing/2010/main" w="9525">
+                <a14:hiddenLine xmlns:a14="http://schemas.microsoft.com/office/drawing/2010/main" xmlns:a16="http://schemas.microsoft.com/office/drawing/2014/main" xmlns="" w="9525">
                   <a:solidFill>
                     <a:srgbClr val="000000"/>
                   </a:solidFill>
@@ -43102,7 +43105,7 @@
             </a:ln>
             <a:extLst>
               <a:ext uri="{91240B29-F687-4f45-9708-019B960494DF}">
-                <a14:hiddenLine xmlns="" xmlns:a16="http://schemas.microsoft.com/office/drawing/2014/main" xmlns:a14="http://schemas.microsoft.com/office/drawing/2010/main" w="9525">
+                <a14:hiddenLine xmlns:a14="http://schemas.microsoft.com/office/drawing/2010/main" xmlns:a16="http://schemas.microsoft.com/office/drawing/2014/main" xmlns="" w="9525">
                   <a:solidFill>
                     <a:srgbClr val="000000"/>
                   </a:solidFill>
@@ -43179,7 +43182,7 @@
             </a:ln>
             <a:extLst>
               <a:ext uri="{91240B29-F687-4f45-9708-019B960494DF}">
-                <a14:hiddenLine xmlns="" xmlns:a16="http://schemas.microsoft.com/office/drawing/2014/main" xmlns:a14="http://schemas.microsoft.com/office/drawing/2010/main" w="9525">
+                <a14:hiddenLine xmlns:a14="http://schemas.microsoft.com/office/drawing/2010/main" xmlns:a16="http://schemas.microsoft.com/office/drawing/2014/main" xmlns="" w="9525">
                   <a:solidFill>
                     <a:srgbClr val="000000"/>
                   </a:solidFill>
@@ -43284,7 +43287,7 @@
             </a:ln>
             <a:extLst>
               <a:ext uri="{91240B29-F687-4f45-9708-019B960494DF}">
-                <a14:hiddenLine xmlns="" xmlns:a16="http://schemas.microsoft.com/office/drawing/2014/main" xmlns:a14="http://schemas.microsoft.com/office/drawing/2010/main" w="9525">
+                <a14:hiddenLine xmlns:a14="http://schemas.microsoft.com/office/drawing/2010/main" xmlns:a16="http://schemas.microsoft.com/office/drawing/2014/main" xmlns="" w="9525">
                   <a:solidFill>
                     <a:srgbClr val="000000"/>
                   </a:solidFill>
@@ -43389,7 +43392,7 @@
             </a:ln>
             <a:extLst>
               <a:ext uri="{91240B29-F687-4f45-9708-019B960494DF}">
-                <a14:hiddenLine xmlns="" xmlns:a16="http://schemas.microsoft.com/office/drawing/2014/main" xmlns:a14="http://schemas.microsoft.com/office/drawing/2010/main" w="9525">
+                <a14:hiddenLine xmlns:a14="http://schemas.microsoft.com/office/drawing/2010/main" xmlns:a16="http://schemas.microsoft.com/office/drawing/2014/main" xmlns="" w="9525">
                   <a:solidFill>
                     <a:srgbClr val="000000"/>
                   </a:solidFill>
@@ -43466,7 +43469,7 @@
             </a:ln>
             <a:extLst>
               <a:ext uri="{91240B29-F687-4f45-9708-019B960494DF}">
-                <a14:hiddenLine xmlns="" xmlns:a16="http://schemas.microsoft.com/office/drawing/2014/main" xmlns:a14="http://schemas.microsoft.com/office/drawing/2010/main" w="9525">
+                <a14:hiddenLine xmlns:a14="http://schemas.microsoft.com/office/drawing/2010/main" xmlns:a16="http://schemas.microsoft.com/office/drawing/2014/main" xmlns="" w="9525">
                   <a:solidFill>
                     <a:srgbClr val="000000"/>
                   </a:solidFill>
@@ -43601,7 +43604,7 @@
             </a:ln>
             <a:extLst>
               <a:ext uri="{91240B29-F687-4f45-9708-019B960494DF}">
-                <a14:hiddenLine xmlns="" xmlns:a16="http://schemas.microsoft.com/office/drawing/2014/main" xmlns:a14="http://schemas.microsoft.com/office/drawing/2010/main" w="9525">
+                <a14:hiddenLine xmlns:a14="http://schemas.microsoft.com/office/drawing/2010/main" xmlns:a16="http://schemas.microsoft.com/office/drawing/2014/main" xmlns="" w="9525">
                   <a:solidFill>
                     <a:srgbClr val="000000"/>
                   </a:solidFill>
@@ -43684,7 +43687,7 @@
             </a:ln>
             <a:extLst>
               <a:ext uri="{91240B29-F687-4f45-9708-019B960494DF}">
-                <a14:hiddenLine xmlns="" xmlns:a16="http://schemas.microsoft.com/office/drawing/2014/main" xmlns:a14="http://schemas.microsoft.com/office/drawing/2010/main" w="9525">
+                <a14:hiddenLine xmlns:a14="http://schemas.microsoft.com/office/drawing/2010/main" xmlns:a16="http://schemas.microsoft.com/office/drawing/2014/main" xmlns="" w="9525">
                   <a:solidFill>
                     <a:srgbClr val="000000"/>
                   </a:solidFill>
@@ -43789,7 +43792,7 @@
             </a:ln>
             <a:extLst>
               <a:ext uri="{91240B29-F687-4f45-9708-019B960494DF}">
-                <a14:hiddenLine xmlns="" xmlns:a16="http://schemas.microsoft.com/office/drawing/2014/main" xmlns:a14="http://schemas.microsoft.com/office/drawing/2010/main" w="9525">
+                <a14:hiddenLine xmlns:a14="http://schemas.microsoft.com/office/drawing/2010/main" xmlns:a16="http://schemas.microsoft.com/office/drawing/2014/main" xmlns="" w="9525">
                   <a:solidFill>
                     <a:srgbClr val="000000"/>
                   </a:solidFill>
@@ -43946,7 +43949,7 @@
             <a:noFill/>
             <a:extLst>
               <a:ext uri="{909E8E84-426E-40dd-AFC4-6F175D3DCCD1}">
-                <a14:hiddenFill xmlns="" xmlns:a16="http://schemas.microsoft.com/office/drawing/2014/main" xmlns:p14="http://schemas.microsoft.com/office/powerpoint/2010/main" xmlns:a14="http://schemas.microsoft.com/office/drawing/2010/main">
+                <a14:hiddenFill xmlns:a14="http://schemas.microsoft.com/office/drawing/2010/main" xmlns:p14="http://schemas.microsoft.com/office/powerpoint/2010/main" xmlns:a16="http://schemas.microsoft.com/office/drawing/2014/main" xmlns="">
                   <a:solidFill>
                     <a:srgbClr val="FFFFFF"/>
                   </a:solidFill>

--- a/Documentation/Revue 3/Presentation_Revue_3.pptx
+++ b/Documentation/Revue 3/Presentation_Revue_3.pptx
@@ -20516,6 +20516,9 @@
           <a:bodyPr/>
           <a:lstStyle/>
           <a:p>
+            <a:pPr marL="0" indent="0">
+              <a:buNone/>
+            </a:pPr>
             <a:endParaRPr lang="fr-CA" dirty="0"/>
           </a:p>
           <a:p>

--- a/Documentation/Revue 3/Presentation_Revue_3.pptx
+++ b/Documentation/Revue 3/Presentation_Revue_3.pptx
@@ -554,6 +554,90 @@
     <p:extLst>
       <p:ext uri="{BB962C8B-B14F-4D97-AF65-F5344CB8AC3E}">
         <p14:creationId xmlns:p14="http://schemas.microsoft.com/office/powerpoint/2010/main" val="3936039814"/>
+      </p:ext>
+    </p:extLst>
+  </p:cSld>
+  <p:clrMapOvr>
+    <a:masterClrMapping/>
+  </p:clrMapOvr>
+</p:notes>
+</file>
+
+<file path=ppt/notesSlides/notesSlide2.xml><?xml version="1.0" encoding="utf-8"?>
+<p:notes xmlns:a="http://schemas.openxmlformats.org/drawingml/2006/main" xmlns:r="http://schemas.openxmlformats.org/officeDocument/2006/relationships" xmlns:p="http://schemas.openxmlformats.org/presentationml/2006/main">
+  <p:cSld>
+    <p:spTree>
+      <p:nvGrpSpPr>
+        <p:cNvPr id="1" name=""/>
+        <p:cNvGrpSpPr/>
+        <p:nvPr/>
+      </p:nvGrpSpPr>
+      <p:grpSpPr>
+        <a:xfrm>
+          <a:off x="0" y="0"/>
+          <a:ext cx="0" cy="0"/>
+          <a:chOff x="0" y="0"/>
+          <a:chExt cx="0" cy="0"/>
+        </a:xfrm>
+      </p:grpSpPr>
+      <p:sp>
+        <p:nvSpPr>
+          <p:cNvPr id="2" name="Espace réservé de l'image des diapositives 1"/>
+          <p:cNvSpPr>
+            <a:spLocks noGrp="1" noRot="1" noChangeAspect="1"/>
+          </p:cNvSpPr>
+          <p:nvPr>
+            <p:ph type="sldImg"/>
+          </p:nvPr>
+        </p:nvSpPr>
+        <p:spPr/>
+      </p:sp>
+      <p:sp>
+        <p:nvSpPr>
+          <p:cNvPr id="3" name="Espace réservé des notes 2"/>
+          <p:cNvSpPr>
+            <a:spLocks noGrp="1"/>
+          </p:cNvSpPr>
+          <p:nvPr>
+            <p:ph type="body" idx="1"/>
+          </p:nvPr>
+        </p:nvSpPr>
+        <p:spPr/>
+        <p:txBody>
+          <a:bodyPr/>
+          <a:lstStyle/>
+          <a:p>
+            <a:endParaRPr lang="fr-CA"/>
+          </a:p>
+        </p:txBody>
+      </p:sp>
+      <p:sp>
+        <p:nvSpPr>
+          <p:cNvPr id="4" name="Espace réservé du numéro de diapositive 3"/>
+          <p:cNvSpPr>
+            <a:spLocks noGrp="1"/>
+          </p:cNvSpPr>
+          <p:nvPr>
+            <p:ph type="sldNum" sz="quarter" idx="5"/>
+          </p:nvPr>
+        </p:nvSpPr>
+        <p:spPr/>
+        <p:txBody>
+          <a:bodyPr/>
+          <a:lstStyle/>
+          <a:p>
+            <a:fld id="{0F97CADA-CBF8-4C33-85E6-B7A9FFC0A05E}" type="slidenum">
+              <a:rPr lang="en-CA" smtClean="0"/>
+              <a:t>11</a:t>
+            </a:fld>
+            <a:endParaRPr lang="en-CA"/>
+          </a:p>
+        </p:txBody>
+      </p:sp>
+    </p:spTree>
+    <p:extLst>
+      <p:ext uri="{BB962C8B-B14F-4D97-AF65-F5344CB8AC3E}">
+        <p14:creationId xmlns:p14="http://schemas.microsoft.com/office/powerpoint/2010/main" val="3448641309"/>
       </p:ext>
     </p:extLst>
   </p:cSld>
@@ -20403,10 +20487,10 @@
       </p:grpSpPr>
       <p:pic>
         <p:nvPicPr>
-          <p:cNvPr id="3" name="Image 2" descr="Une image contenant capture d’écran, texte, diagramme, ligne&#10;&#10;Description générée automatiquement">
+          <p:cNvPr id="4" name="Image 3" descr="Une image contenant texte, capture d’écran, diagramme, Logiciel multimédia">
             <a:extLst>
               <a:ext uri="{FF2B5EF4-FFF2-40B4-BE49-F238E27FC236}">
-                <a16:creationId xmlns:a16="http://schemas.microsoft.com/office/drawing/2014/main" id="{A12DBEA2-2EB7-F040-E2E5-BC6141DA5D1D}"/>
+                <a16:creationId xmlns:a16="http://schemas.microsoft.com/office/drawing/2014/main" id="{E7C7179E-A56D-6A6A-AA9C-AAB0537C7209}"/>
               </a:ext>
             </a:extLst>
           </p:cNvPr>
@@ -20416,7 +20500,7 @@
           <p:nvPr/>
         </p:nvPicPr>
         <p:blipFill>
-          <a:blip r:embed="rId2">
+          <a:blip r:embed="rId3">
             <a:extLst>
               <a:ext uri="{28A0092B-C50C-407E-A947-70E740481C1C}">
                 <a14:useLocalDpi xmlns:a14="http://schemas.microsoft.com/office/drawing/2010/main" val="0"/>
@@ -20429,8 +20513,8 @@
         </p:blipFill>
         <p:spPr>
           <a:xfrm>
-            <a:off x="1275677" y="532996"/>
-            <a:ext cx="9640645" cy="5792008"/>
+            <a:off x="0" y="0"/>
+            <a:ext cx="12191999" cy="6832653"/>
           </a:xfrm>
           <a:prstGeom prst="rect">
             <a:avLst/>

--- a/Documentation/Revue 3/Presentation_Revue_3.pptx
+++ b/Documentation/Revue 3/Presentation_Revue_3.pptx
@@ -697,7 +697,7 @@
           <a:noFill/>
           <a:extLst>
             <a:ext uri="{909E8E84-426E-40dd-AFC4-6F175D3DCCD1}">
-              <a14:hiddenFill xmlns="" xmlns:a14="http://schemas.microsoft.com/office/drawing/2010/main">
+              <a14:hiddenFill xmlns:a14="http://schemas.microsoft.com/office/drawing/2010/main" xmlns="">
                 <a:solidFill>
                   <a:srgbClr val="FFFFFF"/>
                 </a:solidFill>
@@ -757,7 +757,7 @@
             </a:ln>
             <a:extLst>
               <a:ext uri="{91240B29-F687-4f45-9708-019B960494DF}">
-                <a14:hiddenLine xmlns="" xmlns:a14="http://schemas.microsoft.com/office/drawing/2010/main" w="9525">
+                <a14:hiddenLine xmlns:a14="http://schemas.microsoft.com/office/drawing/2010/main" xmlns="" w="9525">
                   <a:solidFill>
                     <a:srgbClr val="000000"/>
                   </a:solidFill>
@@ -847,7 +847,7 @@
             </a:ln>
             <a:extLst>
               <a:ext uri="{91240B29-F687-4f45-9708-019B960494DF}">
-                <a14:hiddenLine xmlns="" xmlns:a14="http://schemas.microsoft.com/office/drawing/2010/main" w="9525">
+                <a14:hiddenLine xmlns:a14="http://schemas.microsoft.com/office/drawing/2010/main" xmlns="" w="9525">
                   <a:solidFill>
                     <a:srgbClr val="000000"/>
                   </a:solidFill>
@@ -937,7 +937,7 @@
             </a:ln>
             <a:extLst>
               <a:ext uri="{91240B29-F687-4f45-9708-019B960494DF}">
-                <a14:hiddenLine xmlns="" xmlns:a14="http://schemas.microsoft.com/office/drawing/2010/main" w="9525">
+                <a14:hiddenLine xmlns:a14="http://schemas.microsoft.com/office/drawing/2010/main" xmlns="" w="9525">
                   <a:solidFill>
                     <a:srgbClr val="000000"/>
                   </a:solidFill>
@@ -971,7 +971,7 @@
             </a:ln>
             <a:extLst>
               <a:ext uri="{91240B29-F687-4f45-9708-019B960494DF}">
-                <a14:hiddenLine xmlns="" xmlns:a14="http://schemas.microsoft.com/office/drawing/2010/main" w="9525">
+                <a14:hiddenLine xmlns:a14="http://schemas.microsoft.com/office/drawing/2010/main" xmlns="" w="9525">
                   <a:solidFill>
                     <a:srgbClr val="000000"/>
                   </a:solidFill>
@@ -1061,7 +1061,7 @@
             </a:ln>
             <a:extLst>
               <a:ext uri="{91240B29-F687-4f45-9708-019B960494DF}">
-                <a14:hiddenLine xmlns="" xmlns:a14="http://schemas.microsoft.com/office/drawing/2010/main" w="9525">
+                <a14:hiddenLine xmlns:a14="http://schemas.microsoft.com/office/drawing/2010/main" xmlns="" w="9525">
                   <a:solidFill>
                     <a:srgbClr val="000000"/>
                   </a:solidFill>
@@ -1123,7 +1123,7 @@
             </a:ln>
             <a:extLst>
               <a:ext uri="{91240B29-F687-4f45-9708-019B960494DF}">
-                <a14:hiddenLine xmlns="" xmlns:a14="http://schemas.microsoft.com/office/drawing/2010/main" w="9525">
+                <a14:hiddenLine xmlns:a14="http://schemas.microsoft.com/office/drawing/2010/main" xmlns="" w="9525">
                   <a:solidFill>
                     <a:srgbClr val="000000"/>
                   </a:solidFill>
@@ -1185,7 +1185,7 @@
             </a:ln>
             <a:extLst>
               <a:ext uri="{91240B29-F687-4f45-9708-019B960494DF}">
-                <a14:hiddenLine xmlns="" xmlns:a14="http://schemas.microsoft.com/office/drawing/2010/main" w="9525">
+                <a14:hiddenLine xmlns:a14="http://schemas.microsoft.com/office/drawing/2010/main" xmlns="" w="9525">
                   <a:solidFill>
                     <a:srgbClr val="000000"/>
                   </a:solidFill>
@@ -1275,7 +1275,7 @@
             </a:ln>
             <a:extLst>
               <a:ext uri="{91240B29-F687-4f45-9708-019B960494DF}">
-                <a14:hiddenLine xmlns="" xmlns:a14="http://schemas.microsoft.com/office/drawing/2010/main" w="9525">
+                <a14:hiddenLine xmlns:a14="http://schemas.microsoft.com/office/drawing/2010/main" xmlns="" w="9525">
                   <a:solidFill>
                     <a:srgbClr val="000000"/>
                   </a:solidFill>
@@ -1337,7 +1337,7 @@
             </a:ln>
             <a:extLst>
               <a:ext uri="{91240B29-F687-4f45-9708-019B960494DF}">
-                <a14:hiddenLine xmlns="" xmlns:a14="http://schemas.microsoft.com/office/drawing/2010/main" w="9525">
+                <a14:hiddenLine xmlns:a14="http://schemas.microsoft.com/office/drawing/2010/main" xmlns="" w="9525">
                   <a:solidFill>
                     <a:srgbClr val="000000"/>
                   </a:solidFill>
@@ -1399,7 +1399,7 @@
             </a:ln>
             <a:extLst>
               <a:ext uri="{91240B29-F687-4f45-9708-019B960494DF}">
-                <a14:hiddenLine xmlns="" xmlns:a14="http://schemas.microsoft.com/office/drawing/2010/main" w="9525">
+                <a14:hiddenLine xmlns:a14="http://schemas.microsoft.com/office/drawing/2010/main" xmlns="" w="9525">
                   <a:solidFill>
                     <a:srgbClr val="000000"/>
                   </a:solidFill>
@@ -1489,7 +1489,7 @@
             </a:ln>
             <a:extLst>
               <a:ext uri="{91240B29-F687-4f45-9708-019B960494DF}">
-                <a14:hiddenLine xmlns="" xmlns:a14="http://schemas.microsoft.com/office/drawing/2010/main" w="9525">
+                <a14:hiddenLine xmlns:a14="http://schemas.microsoft.com/office/drawing/2010/main" xmlns="" w="9525">
                   <a:solidFill>
                     <a:srgbClr val="000000"/>
                   </a:solidFill>
@@ -1579,7 +1579,7 @@
             </a:ln>
             <a:extLst>
               <a:ext uri="{91240B29-F687-4f45-9708-019B960494DF}">
-                <a14:hiddenLine xmlns="" xmlns:a14="http://schemas.microsoft.com/office/drawing/2010/main" w="9525">
+                <a14:hiddenLine xmlns:a14="http://schemas.microsoft.com/office/drawing/2010/main" xmlns="" w="9525">
                   <a:solidFill>
                     <a:srgbClr val="000000"/>
                   </a:solidFill>
@@ -1641,7 +1641,7 @@
             </a:ln>
             <a:extLst>
               <a:ext uri="{91240B29-F687-4f45-9708-019B960494DF}">
-                <a14:hiddenLine xmlns="" xmlns:a14="http://schemas.microsoft.com/office/drawing/2010/main" w="9525">
+                <a14:hiddenLine xmlns:a14="http://schemas.microsoft.com/office/drawing/2010/main" xmlns="" w="9525">
                   <a:solidFill>
                     <a:srgbClr val="000000"/>
                   </a:solidFill>
@@ -1751,7 +1751,7 @@
             </a:ln>
             <a:extLst>
               <a:ext uri="{91240B29-F687-4f45-9708-019B960494DF}">
-                <a14:hiddenLine xmlns="" xmlns:a14="http://schemas.microsoft.com/office/drawing/2010/main" w="9525">
+                <a14:hiddenLine xmlns:a14="http://schemas.microsoft.com/office/drawing/2010/main" xmlns="" w="9525">
                   <a:solidFill>
                     <a:srgbClr val="000000"/>
                   </a:solidFill>
@@ -1813,7 +1813,7 @@
             </a:ln>
             <a:extLst>
               <a:ext uri="{91240B29-F687-4f45-9708-019B960494DF}">
-                <a14:hiddenLine xmlns="" xmlns:a14="http://schemas.microsoft.com/office/drawing/2010/main" w="9525">
+                <a14:hiddenLine xmlns:a14="http://schemas.microsoft.com/office/drawing/2010/main" xmlns="" w="9525">
                   <a:solidFill>
                     <a:srgbClr val="000000"/>
                   </a:solidFill>
@@ -1903,7 +1903,7 @@
             </a:ln>
             <a:extLst>
               <a:ext uri="{91240B29-F687-4f45-9708-019B960494DF}">
-                <a14:hiddenLine xmlns="" xmlns:a14="http://schemas.microsoft.com/office/drawing/2010/main" w="9525">
+                <a14:hiddenLine xmlns:a14="http://schemas.microsoft.com/office/drawing/2010/main" xmlns="" w="9525">
                   <a:solidFill>
                     <a:srgbClr val="000000"/>
                   </a:solidFill>
@@ -1993,7 +1993,7 @@
             </a:ln>
             <a:extLst>
               <a:ext uri="{91240B29-F687-4f45-9708-019B960494DF}">
-                <a14:hiddenLine xmlns="" xmlns:a14="http://schemas.microsoft.com/office/drawing/2010/main" w="9525">
+                <a14:hiddenLine xmlns:a14="http://schemas.microsoft.com/office/drawing/2010/main" xmlns="" w="9525">
                   <a:solidFill>
                     <a:srgbClr val="000000"/>
                   </a:solidFill>
@@ -2055,7 +2055,7 @@
             </a:ln>
             <a:extLst>
               <a:ext uri="{91240B29-F687-4f45-9708-019B960494DF}">
-                <a14:hiddenLine xmlns="" xmlns:a14="http://schemas.microsoft.com/office/drawing/2010/main" w="9525">
+                <a14:hiddenLine xmlns:a14="http://schemas.microsoft.com/office/drawing/2010/main" xmlns="" w="9525">
                   <a:solidFill>
                     <a:srgbClr val="000000"/>
                   </a:solidFill>
@@ -2145,7 +2145,7 @@
             </a:ln>
             <a:extLst>
               <a:ext uri="{91240B29-F687-4f45-9708-019B960494DF}">
-                <a14:hiddenLine xmlns="" xmlns:a14="http://schemas.microsoft.com/office/drawing/2010/main" w="9525">
+                <a14:hiddenLine xmlns:a14="http://schemas.microsoft.com/office/drawing/2010/main" xmlns="" w="9525">
                   <a:solidFill>
                     <a:srgbClr val="000000"/>
                   </a:solidFill>
@@ -2235,7 +2235,7 @@
             </a:ln>
             <a:extLst>
               <a:ext uri="{91240B29-F687-4f45-9708-019B960494DF}">
-                <a14:hiddenLine xmlns="" xmlns:a14="http://schemas.microsoft.com/office/drawing/2010/main" w="9525">
+                <a14:hiddenLine xmlns:a14="http://schemas.microsoft.com/office/drawing/2010/main" xmlns="" w="9525">
                   <a:solidFill>
                     <a:srgbClr val="000000"/>
                   </a:solidFill>
@@ -2291,7 +2291,7 @@
             </a:ln>
             <a:extLst>
               <a:ext uri="{91240B29-F687-4f45-9708-019B960494DF}">
-                <a14:hiddenLine xmlns="" xmlns:a14="http://schemas.microsoft.com/office/drawing/2010/main" w="9525">
+                <a14:hiddenLine xmlns:a14="http://schemas.microsoft.com/office/drawing/2010/main" xmlns="" w="9525">
                   <a:solidFill>
                     <a:srgbClr val="000000"/>
                   </a:solidFill>
@@ -2381,7 +2381,7 @@
             </a:ln>
             <a:extLst>
               <a:ext uri="{91240B29-F687-4f45-9708-019B960494DF}">
-                <a14:hiddenLine xmlns="" xmlns:a14="http://schemas.microsoft.com/office/drawing/2010/main" w="9525">
+                <a14:hiddenLine xmlns:a14="http://schemas.microsoft.com/office/drawing/2010/main" xmlns="" w="9525">
                   <a:solidFill>
                     <a:srgbClr val="000000"/>
                   </a:solidFill>
@@ -2437,7 +2437,7 @@
             </a:ln>
             <a:extLst>
               <a:ext uri="{91240B29-F687-4f45-9708-019B960494DF}">
-                <a14:hiddenLine xmlns="" xmlns:a14="http://schemas.microsoft.com/office/drawing/2010/main" w="9525">
+                <a14:hiddenLine xmlns:a14="http://schemas.microsoft.com/office/drawing/2010/main" xmlns="" w="9525">
                   <a:solidFill>
                     <a:srgbClr val="000000"/>
                   </a:solidFill>
@@ -2527,7 +2527,7 @@
             </a:ln>
             <a:extLst>
               <a:ext uri="{91240B29-F687-4f45-9708-019B960494DF}">
-                <a14:hiddenLine xmlns="" xmlns:a14="http://schemas.microsoft.com/office/drawing/2010/main" w="9525">
+                <a14:hiddenLine xmlns:a14="http://schemas.microsoft.com/office/drawing/2010/main" xmlns="" w="9525">
                   <a:solidFill>
                     <a:srgbClr val="000000"/>
                   </a:solidFill>
@@ -2595,7 +2595,7 @@
             </a:ln>
             <a:extLst>
               <a:ext uri="{91240B29-F687-4f45-9708-019B960494DF}">
-                <a14:hiddenLine xmlns="" xmlns:a14="http://schemas.microsoft.com/office/drawing/2010/main" w="9525">
+                <a14:hiddenLine xmlns:a14="http://schemas.microsoft.com/office/drawing/2010/main" xmlns="" w="9525">
                   <a:solidFill>
                     <a:srgbClr val="000000"/>
                   </a:solidFill>
@@ -2685,7 +2685,7 @@
             </a:ln>
             <a:extLst>
               <a:ext uri="{91240B29-F687-4f45-9708-019B960494DF}">
-                <a14:hiddenLine xmlns="" xmlns:a14="http://schemas.microsoft.com/office/drawing/2010/main" w="9525">
+                <a14:hiddenLine xmlns:a14="http://schemas.microsoft.com/office/drawing/2010/main" xmlns="" w="9525">
                   <a:solidFill>
                     <a:srgbClr val="000000"/>
                   </a:solidFill>
@@ -2753,7 +2753,7 @@
             </a:ln>
             <a:extLst>
               <a:ext uri="{91240B29-F687-4f45-9708-019B960494DF}">
-                <a14:hiddenLine xmlns="" xmlns:a14="http://schemas.microsoft.com/office/drawing/2010/main" w="9525">
+                <a14:hiddenLine xmlns:a14="http://schemas.microsoft.com/office/drawing/2010/main" xmlns="" w="9525">
                   <a:solidFill>
                     <a:srgbClr val="000000"/>
                   </a:solidFill>
@@ -2843,7 +2843,7 @@
             </a:ln>
             <a:extLst>
               <a:ext uri="{91240B29-F687-4f45-9708-019B960494DF}">
-                <a14:hiddenLine xmlns="" xmlns:a14="http://schemas.microsoft.com/office/drawing/2010/main" w="9525">
+                <a14:hiddenLine xmlns:a14="http://schemas.microsoft.com/office/drawing/2010/main" xmlns="" w="9525">
                   <a:solidFill>
                     <a:srgbClr val="000000"/>
                   </a:solidFill>
@@ -2877,7 +2877,7 @@
             </a:ln>
             <a:extLst>
               <a:ext uri="{91240B29-F687-4f45-9708-019B960494DF}">
-                <a14:hiddenLine xmlns="" xmlns:a14="http://schemas.microsoft.com/office/drawing/2010/main" w="9525">
+                <a14:hiddenLine xmlns:a14="http://schemas.microsoft.com/office/drawing/2010/main" xmlns="" w="9525">
                   <a:solidFill>
                     <a:srgbClr val="000000"/>
                   </a:solidFill>
@@ -2967,7 +2967,7 @@
             </a:ln>
             <a:extLst>
               <a:ext uri="{91240B29-F687-4f45-9708-019B960494DF}">
-                <a14:hiddenLine xmlns="" xmlns:a14="http://schemas.microsoft.com/office/drawing/2010/main" w="9525">
+                <a14:hiddenLine xmlns:a14="http://schemas.microsoft.com/office/drawing/2010/main" xmlns="" w="9525">
                   <a:solidFill>
                     <a:srgbClr val="000000"/>
                   </a:solidFill>
@@ -3029,7 +3029,7 @@
             </a:ln>
             <a:extLst>
               <a:ext uri="{91240B29-F687-4f45-9708-019B960494DF}">
-                <a14:hiddenLine xmlns="" xmlns:a14="http://schemas.microsoft.com/office/drawing/2010/main" w="9525">
+                <a14:hiddenLine xmlns:a14="http://schemas.microsoft.com/office/drawing/2010/main" xmlns="" w="9525">
                   <a:solidFill>
                     <a:srgbClr val="000000"/>
                   </a:solidFill>
@@ -3091,7 +3091,7 @@
             </a:ln>
             <a:extLst>
               <a:ext uri="{91240B29-F687-4f45-9708-019B960494DF}">
-                <a14:hiddenLine xmlns="" xmlns:a14="http://schemas.microsoft.com/office/drawing/2010/main" w="9525">
+                <a14:hiddenLine xmlns:a14="http://schemas.microsoft.com/office/drawing/2010/main" xmlns="" w="9525">
                   <a:solidFill>
                     <a:srgbClr val="000000"/>
                   </a:solidFill>
@@ -3181,7 +3181,7 @@
             </a:ln>
             <a:extLst>
               <a:ext uri="{91240B29-F687-4f45-9708-019B960494DF}">
-                <a14:hiddenLine xmlns="" xmlns:a14="http://schemas.microsoft.com/office/drawing/2010/main" w="9525">
+                <a14:hiddenLine xmlns:a14="http://schemas.microsoft.com/office/drawing/2010/main" xmlns="" w="9525">
                   <a:solidFill>
                     <a:srgbClr val="000000"/>
                   </a:solidFill>
@@ -3249,7 +3249,7 @@
             </a:ln>
             <a:extLst>
               <a:ext uri="{91240B29-F687-4f45-9708-019B960494DF}">
-                <a14:hiddenLine xmlns="" xmlns:a14="http://schemas.microsoft.com/office/drawing/2010/main" w="9525">
+                <a14:hiddenLine xmlns:a14="http://schemas.microsoft.com/office/drawing/2010/main" xmlns="" w="9525">
                   <a:solidFill>
                     <a:srgbClr val="000000"/>
                   </a:solidFill>
@@ -3311,7 +3311,7 @@
             </a:ln>
             <a:extLst>
               <a:ext uri="{91240B29-F687-4f45-9708-019B960494DF}">
-                <a14:hiddenLine xmlns="" xmlns:a14="http://schemas.microsoft.com/office/drawing/2010/main" w="9525">
+                <a14:hiddenLine xmlns:a14="http://schemas.microsoft.com/office/drawing/2010/main" xmlns="" w="9525">
                   <a:solidFill>
                     <a:srgbClr val="000000"/>
                   </a:solidFill>
@@ -3401,7 +3401,7 @@
             </a:ln>
             <a:extLst>
               <a:ext uri="{91240B29-F687-4f45-9708-019B960494DF}">
-                <a14:hiddenLine xmlns="" xmlns:a14="http://schemas.microsoft.com/office/drawing/2010/main" w="9525">
+                <a14:hiddenLine xmlns:a14="http://schemas.microsoft.com/office/drawing/2010/main" xmlns="" w="9525">
                   <a:solidFill>
                     <a:srgbClr val="000000"/>
                   </a:solidFill>
@@ -3463,7 +3463,7 @@
             </a:ln>
             <a:extLst>
               <a:ext uri="{91240B29-F687-4f45-9708-019B960494DF}">
-                <a14:hiddenLine xmlns="" xmlns:a14="http://schemas.microsoft.com/office/drawing/2010/main" w="9525">
+                <a14:hiddenLine xmlns:a14="http://schemas.microsoft.com/office/drawing/2010/main" xmlns="" w="9525">
                   <a:solidFill>
                     <a:srgbClr val="000000"/>
                   </a:solidFill>
@@ -3553,7 +3553,7 @@
             </a:ln>
             <a:extLst>
               <a:ext uri="{91240B29-F687-4f45-9708-019B960494DF}">
-                <a14:hiddenLine xmlns="" xmlns:a14="http://schemas.microsoft.com/office/drawing/2010/main" w="9525">
+                <a14:hiddenLine xmlns:a14="http://schemas.microsoft.com/office/drawing/2010/main" xmlns="" w="9525">
                   <a:solidFill>
                     <a:srgbClr val="000000"/>
                   </a:solidFill>
@@ -3615,7 +3615,7 @@
             </a:ln>
             <a:extLst>
               <a:ext uri="{91240B29-F687-4f45-9708-019B960494DF}">
-                <a14:hiddenLine xmlns="" xmlns:a14="http://schemas.microsoft.com/office/drawing/2010/main" w="9525">
+                <a14:hiddenLine xmlns:a14="http://schemas.microsoft.com/office/drawing/2010/main" xmlns="" w="9525">
                   <a:solidFill>
                     <a:srgbClr val="000000"/>
                   </a:solidFill>
@@ -3705,7 +3705,7 @@
             </a:ln>
             <a:extLst>
               <a:ext uri="{91240B29-F687-4f45-9708-019B960494DF}">
-                <a14:hiddenLine xmlns="" xmlns:a14="http://schemas.microsoft.com/office/drawing/2010/main" w="9525">
+                <a14:hiddenLine xmlns:a14="http://schemas.microsoft.com/office/drawing/2010/main" xmlns="" w="9525">
                   <a:solidFill>
                     <a:srgbClr val="000000"/>
                   </a:solidFill>
@@ -3739,7 +3739,7 @@
             </a:ln>
             <a:extLst>
               <a:ext uri="{91240B29-F687-4f45-9708-019B960494DF}">
-                <a14:hiddenLine xmlns="" xmlns:a14="http://schemas.microsoft.com/office/drawing/2010/main" w="9525">
+                <a14:hiddenLine xmlns:a14="http://schemas.microsoft.com/office/drawing/2010/main" xmlns="" w="9525">
                   <a:solidFill>
                     <a:srgbClr val="000000"/>
                   </a:solidFill>
@@ -3804,7 +3804,7 @@
             </a:ln>
             <a:extLst>
               <a:ext uri="{91240B29-F687-4f45-9708-019B960494DF}">
-                <a14:hiddenLine xmlns="" xmlns:a14="http://schemas.microsoft.com/office/drawing/2010/main" w="9525">
+                <a14:hiddenLine xmlns:a14="http://schemas.microsoft.com/office/drawing/2010/main" xmlns="" w="9525">
                   <a:solidFill>
                     <a:srgbClr val="000000"/>
                   </a:solidFill>
@@ -3894,7 +3894,7 @@
             </a:ln>
             <a:extLst>
               <a:ext uri="{91240B29-F687-4f45-9708-019B960494DF}">
-                <a14:hiddenLine xmlns="" xmlns:a14="http://schemas.microsoft.com/office/drawing/2010/main" w="9525">
+                <a14:hiddenLine xmlns:a14="http://schemas.microsoft.com/office/drawing/2010/main" xmlns="" w="9525">
                   <a:solidFill>
                     <a:srgbClr val="000000"/>
                   </a:solidFill>
@@ -3956,7 +3956,7 @@
             </a:ln>
             <a:extLst>
               <a:ext uri="{91240B29-F687-4f45-9708-019B960494DF}">
-                <a14:hiddenLine xmlns="" xmlns:a14="http://schemas.microsoft.com/office/drawing/2010/main" w="9525">
+                <a14:hiddenLine xmlns:a14="http://schemas.microsoft.com/office/drawing/2010/main" xmlns="" w="9525">
                   <a:solidFill>
                     <a:srgbClr val="000000"/>
                   </a:solidFill>
@@ -4046,7 +4046,7 @@
             </a:ln>
             <a:extLst>
               <a:ext uri="{91240B29-F687-4f45-9708-019B960494DF}">
-                <a14:hiddenLine xmlns="" xmlns:a14="http://schemas.microsoft.com/office/drawing/2010/main" w="9525">
+                <a14:hiddenLine xmlns:a14="http://schemas.microsoft.com/office/drawing/2010/main" xmlns="" w="9525">
                   <a:solidFill>
                     <a:srgbClr val="000000"/>
                   </a:solidFill>
@@ -4136,7 +4136,7 @@
             </a:ln>
             <a:extLst>
               <a:ext uri="{91240B29-F687-4f45-9708-019B960494DF}">
-                <a14:hiddenLine xmlns="" xmlns:a14="http://schemas.microsoft.com/office/drawing/2010/main" w="9525">
+                <a14:hiddenLine xmlns:a14="http://schemas.microsoft.com/office/drawing/2010/main" xmlns="" w="9525">
                   <a:solidFill>
                     <a:srgbClr val="000000"/>
                   </a:solidFill>
@@ -4201,7 +4201,7 @@
             </a:ln>
             <a:extLst>
               <a:ext uri="{91240B29-F687-4f45-9708-019B960494DF}">
-                <a14:hiddenLine xmlns="" xmlns:a14="http://schemas.microsoft.com/office/drawing/2010/main" w="9525">
+                <a14:hiddenLine xmlns:a14="http://schemas.microsoft.com/office/drawing/2010/main" xmlns="" w="9525">
                   <a:solidFill>
                     <a:srgbClr val="000000"/>
                   </a:solidFill>
@@ -4263,7 +4263,7 @@
             </a:ln>
             <a:extLst>
               <a:ext uri="{91240B29-F687-4f45-9708-019B960494DF}">
-                <a14:hiddenLine xmlns="" xmlns:a14="http://schemas.microsoft.com/office/drawing/2010/main" w="9525">
+                <a14:hiddenLine xmlns:a14="http://schemas.microsoft.com/office/drawing/2010/main" xmlns="" w="9525">
                   <a:solidFill>
                     <a:srgbClr val="000000"/>
                   </a:solidFill>
@@ -4353,7 +4353,7 @@
             </a:ln>
             <a:extLst>
               <a:ext uri="{91240B29-F687-4f45-9708-019B960494DF}">
-                <a14:hiddenLine xmlns="" xmlns:a14="http://schemas.microsoft.com/office/drawing/2010/main" w="9525">
+                <a14:hiddenLine xmlns:a14="http://schemas.microsoft.com/office/drawing/2010/main" xmlns="" w="9525">
                   <a:solidFill>
                     <a:srgbClr val="000000"/>
                   </a:solidFill>
@@ -4443,7 +4443,7 @@
             </a:ln>
             <a:extLst>
               <a:ext uri="{91240B29-F687-4f45-9708-019B960494DF}">
-                <a14:hiddenLine xmlns="" xmlns:a14="http://schemas.microsoft.com/office/drawing/2010/main" w="9525">
+                <a14:hiddenLine xmlns:a14="http://schemas.microsoft.com/office/drawing/2010/main" xmlns="" w="9525">
                   <a:solidFill>
                     <a:srgbClr val="000000"/>
                   </a:solidFill>
@@ -4505,7 +4505,7 @@
             </a:ln>
             <a:extLst>
               <a:ext uri="{91240B29-F687-4f45-9708-019B960494DF}">
-                <a14:hiddenLine xmlns="" xmlns:a14="http://schemas.microsoft.com/office/drawing/2010/main" w="9525">
+                <a14:hiddenLine xmlns:a14="http://schemas.microsoft.com/office/drawing/2010/main" xmlns="" w="9525">
                   <a:solidFill>
                     <a:srgbClr val="000000"/>
                   </a:solidFill>
@@ -4625,7 +4625,7 @@
             </a:ln>
             <a:extLst>
               <a:ext uri="{91240B29-F687-4f45-9708-019B960494DF}">
-                <a14:hiddenLine xmlns="" xmlns:a14="http://schemas.microsoft.com/office/drawing/2010/main" w="9525">
+                <a14:hiddenLine xmlns:a14="http://schemas.microsoft.com/office/drawing/2010/main" xmlns="" w="9525">
                   <a:solidFill>
                     <a:srgbClr val="000000"/>
                   </a:solidFill>
@@ -4693,7 +4693,7 @@
             </a:ln>
             <a:extLst>
               <a:ext uri="{91240B29-F687-4f45-9708-019B960494DF}">
-                <a14:hiddenLine xmlns="" xmlns:a14="http://schemas.microsoft.com/office/drawing/2010/main" w="9525">
+                <a14:hiddenLine xmlns:a14="http://schemas.microsoft.com/office/drawing/2010/main" xmlns="" w="9525">
                   <a:solidFill>
                     <a:srgbClr val="000000"/>
                   </a:solidFill>
@@ -4783,7 +4783,7 @@
             </a:ln>
             <a:extLst>
               <a:ext uri="{91240B29-F687-4f45-9708-019B960494DF}">
-                <a14:hiddenLine xmlns="" xmlns:a14="http://schemas.microsoft.com/office/drawing/2010/main" w="9525">
+                <a14:hiddenLine xmlns:a14="http://schemas.microsoft.com/office/drawing/2010/main" xmlns="" w="9525">
                   <a:solidFill>
                     <a:srgbClr val="000000"/>
                   </a:solidFill>
@@ -9590,7 +9590,7 @@
           <a:noFill/>
           <a:extLst>
             <a:ext uri="{909E8E84-426E-40dd-AFC4-6F175D3DCCD1}">
-              <a14:hiddenFill xmlns="" xmlns:a14="http://schemas.microsoft.com/office/drawing/2010/main">
+              <a14:hiddenFill xmlns:a14="http://schemas.microsoft.com/office/drawing/2010/main" xmlns="">
                 <a:solidFill>
                   <a:srgbClr val="FFFFFF"/>
                 </a:solidFill>
@@ -9664,7 +9664,7 @@
               </a:ln>
               <a:extLst>
                 <a:ext uri="{91240B29-F687-4f45-9708-019B960494DF}">
-                  <a14:hiddenLine xmlns="" xmlns:a14="http://schemas.microsoft.com/office/drawing/2010/main" w="9525">
+                  <a14:hiddenLine xmlns:a14="http://schemas.microsoft.com/office/drawing/2010/main" xmlns="" w="9525">
                     <a:solidFill>
                       <a:srgbClr val="000000"/>
                     </a:solidFill>
@@ -9754,7 +9754,7 @@
               </a:ln>
               <a:extLst>
                 <a:ext uri="{91240B29-F687-4f45-9708-019B960494DF}">
-                  <a14:hiddenLine xmlns="" xmlns:a14="http://schemas.microsoft.com/office/drawing/2010/main" w="9525">
+                  <a14:hiddenLine xmlns:a14="http://schemas.microsoft.com/office/drawing/2010/main" xmlns="" w="9525">
                     <a:solidFill>
                       <a:srgbClr val="000000"/>
                     </a:solidFill>
@@ -9844,7 +9844,7 @@
               </a:ln>
               <a:extLst>
                 <a:ext uri="{91240B29-F687-4f45-9708-019B960494DF}">
-                  <a14:hiddenLine xmlns="" xmlns:a14="http://schemas.microsoft.com/office/drawing/2010/main" w="9525">
+                  <a14:hiddenLine xmlns:a14="http://schemas.microsoft.com/office/drawing/2010/main" xmlns="" w="9525">
                     <a:solidFill>
                       <a:srgbClr val="000000"/>
                     </a:solidFill>
@@ -9906,7 +9906,7 @@
               </a:ln>
               <a:extLst>
                 <a:ext uri="{91240B29-F687-4f45-9708-019B960494DF}">
-                  <a14:hiddenLine xmlns="" xmlns:a14="http://schemas.microsoft.com/office/drawing/2010/main" w="9525">
+                  <a14:hiddenLine xmlns:a14="http://schemas.microsoft.com/office/drawing/2010/main" xmlns="" w="9525">
                     <a:solidFill>
                       <a:srgbClr val="000000"/>
                     </a:solidFill>
@@ -9996,7 +9996,7 @@
               </a:ln>
               <a:extLst>
                 <a:ext uri="{91240B29-F687-4f45-9708-019B960494DF}">
-                  <a14:hiddenLine xmlns="" xmlns:a14="http://schemas.microsoft.com/office/drawing/2010/main" w="9525">
+                  <a14:hiddenLine xmlns:a14="http://schemas.microsoft.com/office/drawing/2010/main" xmlns="" w="9525">
                     <a:solidFill>
                       <a:srgbClr val="000000"/>
                     </a:solidFill>
@@ -10058,7 +10058,7 @@
               </a:ln>
               <a:extLst>
                 <a:ext uri="{91240B29-F687-4f45-9708-019B960494DF}">
-                  <a14:hiddenLine xmlns="" xmlns:a14="http://schemas.microsoft.com/office/drawing/2010/main" w="9525">
+                  <a14:hiddenLine xmlns:a14="http://schemas.microsoft.com/office/drawing/2010/main" xmlns="" w="9525">
                     <a:solidFill>
                       <a:srgbClr val="000000"/>
                     </a:solidFill>
@@ -10120,7 +10120,7 @@
               </a:ln>
               <a:extLst>
                 <a:ext uri="{91240B29-F687-4f45-9708-019B960494DF}">
-                  <a14:hiddenLine xmlns="" xmlns:a14="http://schemas.microsoft.com/office/drawing/2010/main" w="9525">
+                  <a14:hiddenLine xmlns:a14="http://schemas.microsoft.com/office/drawing/2010/main" xmlns="" w="9525">
                     <a:solidFill>
                       <a:srgbClr val="000000"/>
                     </a:solidFill>
@@ -10210,7 +10210,7 @@
               </a:ln>
               <a:extLst>
                 <a:ext uri="{91240B29-F687-4f45-9708-019B960494DF}">
-                  <a14:hiddenLine xmlns="" xmlns:a14="http://schemas.microsoft.com/office/drawing/2010/main" w="9525">
+                  <a14:hiddenLine xmlns:a14="http://schemas.microsoft.com/office/drawing/2010/main" xmlns="" w="9525">
                     <a:solidFill>
                       <a:srgbClr val="000000"/>
                     </a:solidFill>
@@ -10300,7 +10300,7 @@
               </a:ln>
               <a:extLst>
                 <a:ext uri="{91240B29-F687-4f45-9708-019B960494DF}">
-                  <a14:hiddenLine xmlns="" xmlns:a14="http://schemas.microsoft.com/office/drawing/2010/main" w="9525">
+                  <a14:hiddenLine xmlns:a14="http://schemas.microsoft.com/office/drawing/2010/main" xmlns="" w="9525">
                     <a:solidFill>
                       <a:srgbClr val="000000"/>
                     </a:solidFill>
@@ -10362,7 +10362,7 @@
               </a:ln>
               <a:extLst>
                 <a:ext uri="{91240B29-F687-4f45-9708-019B960494DF}">
-                  <a14:hiddenLine xmlns="" xmlns:a14="http://schemas.microsoft.com/office/drawing/2010/main" w="9525">
+                  <a14:hiddenLine xmlns:a14="http://schemas.microsoft.com/office/drawing/2010/main" xmlns="" w="9525">
                     <a:solidFill>
                       <a:srgbClr val="000000"/>
                     </a:solidFill>
@@ -10472,7 +10472,7 @@
               </a:ln>
               <a:extLst>
                 <a:ext uri="{91240B29-F687-4f45-9708-019B960494DF}">
-                  <a14:hiddenLine xmlns="" xmlns:a14="http://schemas.microsoft.com/office/drawing/2010/main" w="9525">
+                  <a14:hiddenLine xmlns:a14="http://schemas.microsoft.com/office/drawing/2010/main" xmlns="" w="9525">
                     <a:solidFill>
                       <a:srgbClr val="000000"/>
                     </a:solidFill>
@@ -10556,7 +10556,7 @@
               </a:ln>
               <a:extLst>
                 <a:ext uri="{91240B29-F687-4f45-9708-019B960494DF}">
-                  <a14:hiddenLine xmlns="" xmlns:a14="http://schemas.microsoft.com/office/drawing/2010/main" w="9525">
+                  <a14:hiddenLine xmlns:a14="http://schemas.microsoft.com/office/drawing/2010/main" xmlns="" w="9525">
                     <a:solidFill>
                       <a:srgbClr val="000000"/>
                     </a:solidFill>
@@ -10618,7 +10618,7 @@
               </a:ln>
               <a:extLst>
                 <a:ext uri="{91240B29-F687-4f45-9708-019B960494DF}">
-                  <a14:hiddenLine xmlns="" xmlns:a14="http://schemas.microsoft.com/office/drawing/2010/main" w="9525">
+                  <a14:hiddenLine xmlns:a14="http://schemas.microsoft.com/office/drawing/2010/main" xmlns="" w="9525">
                     <a:solidFill>
                       <a:srgbClr val="000000"/>
                     </a:solidFill>
@@ -10680,7 +10680,7 @@
               </a:ln>
               <a:extLst>
                 <a:ext uri="{91240B29-F687-4f45-9708-019B960494DF}">
-                  <a14:hiddenLine xmlns="" xmlns:a14="http://schemas.microsoft.com/office/drawing/2010/main" w="9525">
+                  <a14:hiddenLine xmlns:a14="http://schemas.microsoft.com/office/drawing/2010/main" xmlns="" w="9525">
                     <a:solidFill>
                       <a:srgbClr val="000000"/>
                     </a:solidFill>
@@ -10770,7 +10770,7 @@
               </a:ln>
               <a:extLst>
                 <a:ext uri="{91240B29-F687-4f45-9708-019B960494DF}">
-                  <a14:hiddenLine xmlns="" xmlns:a14="http://schemas.microsoft.com/office/drawing/2010/main" w="9525">
+                  <a14:hiddenLine xmlns:a14="http://schemas.microsoft.com/office/drawing/2010/main" xmlns="" w="9525">
                     <a:solidFill>
                       <a:srgbClr val="000000"/>
                     </a:solidFill>
@@ -10804,7 +10804,7 @@
               </a:ln>
               <a:extLst>
                 <a:ext uri="{91240B29-F687-4f45-9708-019B960494DF}">
-                  <a14:hiddenLine xmlns="" xmlns:a14="http://schemas.microsoft.com/office/drawing/2010/main" w="9525">
+                  <a14:hiddenLine xmlns:a14="http://schemas.microsoft.com/office/drawing/2010/main" xmlns="" w="9525">
                     <a:solidFill>
                       <a:srgbClr val="000000"/>
                     </a:solidFill>
@@ -10869,7 +10869,7 @@
               </a:ln>
               <a:extLst>
                 <a:ext uri="{91240B29-F687-4f45-9708-019B960494DF}">
-                  <a14:hiddenLine xmlns="" xmlns:a14="http://schemas.microsoft.com/office/drawing/2010/main" w="9525">
+                  <a14:hiddenLine xmlns:a14="http://schemas.microsoft.com/office/drawing/2010/main" xmlns="" w="9525">
                     <a:solidFill>
                       <a:srgbClr val="000000"/>
                     </a:solidFill>
@@ -10959,7 +10959,7 @@
               </a:ln>
               <a:extLst>
                 <a:ext uri="{91240B29-F687-4f45-9708-019B960494DF}">
-                  <a14:hiddenLine xmlns="" xmlns:a14="http://schemas.microsoft.com/office/drawing/2010/main" w="9525">
+                  <a14:hiddenLine xmlns:a14="http://schemas.microsoft.com/office/drawing/2010/main" xmlns="" w="9525">
                     <a:solidFill>
                       <a:srgbClr val="000000"/>
                     </a:solidFill>
@@ -11021,7 +11021,7 @@
               </a:ln>
               <a:extLst>
                 <a:ext uri="{91240B29-F687-4f45-9708-019B960494DF}">
-                  <a14:hiddenLine xmlns="" xmlns:a14="http://schemas.microsoft.com/office/drawing/2010/main" w="9525">
+                  <a14:hiddenLine xmlns:a14="http://schemas.microsoft.com/office/drawing/2010/main" xmlns="" w="9525">
                     <a:solidFill>
                       <a:srgbClr val="000000"/>
                     </a:solidFill>
@@ -11111,7 +11111,7 @@
               </a:ln>
               <a:extLst>
                 <a:ext uri="{91240B29-F687-4f45-9708-019B960494DF}">
-                  <a14:hiddenLine xmlns="" xmlns:a14="http://schemas.microsoft.com/office/drawing/2010/main" w="9525">
+                  <a14:hiddenLine xmlns:a14="http://schemas.microsoft.com/office/drawing/2010/main" xmlns="" w="9525">
                     <a:solidFill>
                       <a:srgbClr val="000000"/>
                     </a:solidFill>
@@ -11176,7 +11176,7 @@
               </a:ln>
               <a:extLst>
                 <a:ext uri="{91240B29-F687-4f45-9708-019B960494DF}">
-                  <a14:hiddenLine xmlns="" xmlns:a14="http://schemas.microsoft.com/office/drawing/2010/main" w="9525">
+                  <a14:hiddenLine xmlns:a14="http://schemas.microsoft.com/office/drawing/2010/main" xmlns="" w="9525">
                     <a:solidFill>
                       <a:srgbClr val="000000"/>
                     </a:solidFill>
@@ -11238,7 +11238,7 @@
               </a:ln>
               <a:extLst>
                 <a:ext uri="{91240B29-F687-4f45-9708-019B960494DF}">
-                  <a14:hiddenLine xmlns="" xmlns:a14="http://schemas.microsoft.com/office/drawing/2010/main" w="9525">
+                  <a14:hiddenLine xmlns:a14="http://schemas.microsoft.com/office/drawing/2010/main" xmlns="" w="9525">
                     <a:solidFill>
                       <a:srgbClr val="000000"/>
                     </a:solidFill>
@@ -11328,7 +11328,7 @@
               </a:ln>
               <a:extLst>
                 <a:ext uri="{91240B29-F687-4f45-9708-019B960494DF}">
-                  <a14:hiddenLine xmlns="" xmlns:a14="http://schemas.microsoft.com/office/drawing/2010/main" w="9525">
+                  <a14:hiddenLine xmlns:a14="http://schemas.microsoft.com/office/drawing/2010/main" xmlns="" w="9525">
                     <a:solidFill>
                       <a:srgbClr val="000000"/>
                     </a:solidFill>
@@ -11418,7 +11418,7 @@
               </a:ln>
               <a:extLst>
                 <a:ext uri="{91240B29-F687-4f45-9708-019B960494DF}">
-                  <a14:hiddenLine xmlns="" xmlns:a14="http://schemas.microsoft.com/office/drawing/2010/main" w="9525">
+                  <a14:hiddenLine xmlns:a14="http://schemas.microsoft.com/office/drawing/2010/main" xmlns="" w="9525">
                     <a:solidFill>
                       <a:srgbClr val="000000"/>
                     </a:solidFill>
@@ -11483,7 +11483,7 @@
               </a:ln>
               <a:extLst>
                 <a:ext uri="{91240B29-F687-4f45-9708-019B960494DF}">
-                  <a14:hiddenLine xmlns="" xmlns:a14="http://schemas.microsoft.com/office/drawing/2010/main" w="9525">
+                  <a14:hiddenLine xmlns:a14="http://schemas.microsoft.com/office/drawing/2010/main" xmlns="" w="9525">
                     <a:solidFill>
                       <a:srgbClr val="000000"/>
                     </a:solidFill>
@@ -11603,7 +11603,7 @@
               </a:ln>
               <a:extLst>
                 <a:ext uri="{91240B29-F687-4f45-9708-019B960494DF}">
-                  <a14:hiddenLine xmlns="" xmlns:a14="http://schemas.microsoft.com/office/drawing/2010/main" w="9525">
+                  <a14:hiddenLine xmlns:a14="http://schemas.microsoft.com/office/drawing/2010/main" xmlns="" w="9525">
                     <a:solidFill>
                       <a:srgbClr val="000000"/>
                     </a:solidFill>
@@ -11701,7 +11701,7 @@
               </a:ln>
               <a:extLst>
                 <a:ext uri="{91240B29-F687-4f45-9708-019B960494DF}">
-                  <a14:hiddenLine xmlns="" xmlns:a14="http://schemas.microsoft.com/office/drawing/2010/main" w="9525">
+                  <a14:hiddenLine xmlns:a14="http://schemas.microsoft.com/office/drawing/2010/main" xmlns="" w="9525">
                     <a:solidFill>
                       <a:srgbClr val="000000"/>
                     </a:solidFill>
@@ -11816,7 +11816,7 @@
               </a:ln>
               <a:extLst>
                 <a:ext uri="{91240B29-F687-4f45-9708-019B960494DF}">
-                  <a14:hiddenLine xmlns="" xmlns:a14="http://schemas.microsoft.com/office/drawing/2010/main" w="9525">
+                  <a14:hiddenLine xmlns:a14="http://schemas.microsoft.com/office/drawing/2010/main" xmlns="" w="9525">
                     <a:solidFill>
                       <a:srgbClr val="000000"/>
                     </a:solidFill>
@@ -11906,7 +11906,7 @@
               </a:ln>
               <a:extLst>
                 <a:ext uri="{91240B29-F687-4f45-9708-019B960494DF}">
-                  <a14:hiddenLine xmlns="" xmlns:a14="http://schemas.microsoft.com/office/drawing/2010/main" w="9525">
+                  <a14:hiddenLine xmlns:a14="http://schemas.microsoft.com/office/drawing/2010/main" xmlns="" w="9525">
                     <a:solidFill>
                       <a:srgbClr val="000000"/>
                     </a:solidFill>
@@ -11971,7 +11971,7 @@
               </a:ln>
               <a:extLst>
                 <a:ext uri="{91240B29-F687-4f45-9708-019B960494DF}">
-                  <a14:hiddenLine xmlns="" xmlns:a14="http://schemas.microsoft.com/office/drawing/2010/main" w="9525">
+                  <a14:hiddenLine xmlns:a14="http://schemas.microsoft.com/office/drawing/2010/main" xmlns="" w="9525">
                     <a:solidFill>
                       <a:srgbClr val="000000"/>
                     </a:solidFill>
@@ -12061,7 +12061,7 @@
               </a:ln>
               <a:extLst>
                 <a:ext uri="{91240B29-F687-4f45-9708-019B960494DF}">
-                  <a14:hiddenLine xmlns="" xmlns:a14="http://schemas.microsoft.com/office/drawing/2010/main" w="9525">
+                  <a14:hiddenLine xmlns:a14="http://schemas.microsoft.com/office/drawing/2010/main" xmlns="" w="9525">
                     <a:solidFill>
                       <a:srgbClr val="000000"/>
                     </a:solidFill>
@@ -12129,7 +12129,7 @@
               </a:ln>
               <a:extLst>
                 <a:ext uri="{91240B29-F687-4f45-9708-019B960494DF}">
-                  <a14:hiddenLine xmlns="" xmlns:a14="http://schemas.microsoft.com/office/drawing/2010/main" w="9525">
+                  <a14:hiddenLine xmlns:a14="http://schemas.microsoft.com/office/drawing/2010/main" xmlns="" w="9525">
                     <a:solidFill>
                       <a:srgbClr val="000000"/>
                     </a:solidFill>
@@ -12219,7 +12219,7 @@
               </a:ln>
               <a:extLst>
                 <a:ext uri="{91240B29-F687-4f45-9708-019B960494DF}">
-                  <a14:hiddenLine xmlns="" xmlns:a14="http://schemas.microsoft.com/office/drawing/2010/main" w="9525">
+                  <a14:hiddenLine xmlns:a14="http://schemas.microsoft.com/office/drawing/2010/main" xmlns="" w="9525">
                     <a:solidFill>
                       <a:srgbClr val="000000"/>
                     </a:solidFill>
@@ -12287,7 +12287,7 @@
               </a:ln>
               <a:extLst>
                 <a:ext uri="{91240B29-F687-4f45-9708-019B960494DF}">
-                  <a14:hiddenLine xmlns="" xmlns:a14="http://schemas.microsoft.com/office/drawing/2010/main" w="9525">
+                  <a14:hiddenLine xmlns:a14="http://schemas.microsoft.com/office/drawing/2010/main" xmlns="" w="9525">
                     <a:solidFill>
                       <a:srgbClr val="000000"/>
                     </a:solidFill>
@@ -12377,7 +12377,7 @@
               </a:ln>
               <a:extLst>
                 <a:ext uri="{91240B29-F687-4f45-9708-019B960494DF}">
-                  <a14:hiddenLine xmlns="" xmlns:a14="http://schemas.microsoft.com/office/drawing/2010/main" w="9525">
+                  <a14:hiddenLine xmlns:a14="http://schemas.microsoft.com/office/drawing/2010/main" xmlns="" w="9525">
                     <a:solidFill>
                       <a:srgbClr val="000000"/>
                     </a:solidFill>
@@ -12411,7 +12411,7 @@
               </a:ln>
               <a:extLst>
                 <a:ext uri="{91240B29-F687-4f45-9708-019B960494DF}">
-                  <a14:hiddenLine xmlns="" xmlns:a14="http://schemas.microsoft.com/office/drawing/2010/main" w="9525">
+                  <a14:hiddenLine xmlns:a14="http://schemas.microsoft.com/office/drawing/2010/main" xmlns="" w="9525">
                     <a:solidFill>
                       <a:srgbClr val="000000"/>
                     </a:solidFill>
@@ -13389,7 +13389,7 @@
           <a:noFill/>
           <a:extLst>
             <a:ext uri="{909E8E84-426E-40dd-AFC4-6F175D3DCCD1}">
-              <a14:hiddenFill xmlns:a14="http://schemas.microsoft.com/office/drawing/2010/main" xmlns:a16="http://schemas.microsoft.com/office/drawing/2014/main" xmlns="">
+              <a14:hiddenFill xmlns="" xmlns:a16="http://schemas.microsoft.com/office/drawing/2014/main" xmlns:a14="http://schemas.microsoft.com/office/drawing/2010/main">
                 <a:solidFill>
                   <a:srgbClr val="FFFFFF"/>
                 </a:solidFill>
@@ -13481,7 +13481,7 @@
             </a:ln>
             <a:extLst>
               <a:ext uri="{91240B29-F687-4f45-9708-019B960494DF}">
-                <a14:hiddenLine xmlns:a14="http://schemas.microsoft.com/office/drawing/2010/main" xmlns:a16="http://schemas.microsoft.com/office/drawing/2014/main" xmlns="" w="9525">
+                <a14:hiddenLine xmlns="" xmlns:a16="http://schemas.microsoft.com/office/drawing/2014/main" xmlns:a14="http://schemas.microsoft.com/office/drawing/2010/main" w="9525">
                   <a:solidFill>
                     <a:srgbClr val="000000"/>
                   </a:solidFill>
@@ -13586,7 +13586,7 @@
             </a:ln>
             <a:extLst>
               <a:ext uri="{91240B29-F687-4f45-9708-019B960494DF}">
-                <a14:hiddenLine xmlns:a14="http://schemas.microsoft.com/office/drawing/2010/main" xmlns:a16="http://schemas.microsoft.com/office/drawing/2014/main" xmlns="" w="9525">
+                <a14:hiddenLine xmlns="" xmlns:a16="http://schemas.microsoft.com/office/drawing/2014/main" xmlns:a14="http://schemas.microsoft.com/office/drawing/2010/main" w="9525">
                   <a:solidFill>
                     <a:srgbClr val="000000"/>
                   </a:solidFill>
@@ -13691,7 +13691,7 @@
             </a:ln>
             <a:extLst>
               <a:ext uri="{91240B29-F687-4f45-9708-019B960494DF}">
-                <a14:hiddenLine xmlns:a14="http://schemas.microsoft.com/office/drawing/2010/main" xmlns:a16="http://schemas.microsoft.com/office/drawing/2014/main" xmlns="" w="9525">
+                <a14:hiddenLine xmlns="" xmlns:a16="http://schemas.microsoft.com/office/drawing/2014/main" xmlns:a14="http://schemas.microsoft.com/office/drawing/2010/main" w="9525">
                   <a:solidFill>
                     <a:srgbClr val="000000"/>
                   </a:solidFill>
@@ -13740,7 +13740,7 @@
             </a:ln>
             <a:extLst>
               <a:ext uri="{91240B29-F687-4f45-9708-019B960494DF}">
-                <a14:hiddenLine xmlns:a14="http://schemas.microsoft.com/office/drawing/2010/main" xmlns:a16="http://schemas.microsoft.com/office/drawing/2014/main" xmlns="" w="9525">
+                <a14:hiddenLine xmlns="" xmlns:a16="http://schemas.microsoft.com/office/drawing/2014/main" xmlns:a14="http://schemas.microsoft.com/office/drawing/2010/main" w="9525">
                   <a:solidFill>
                     <a:srgbClr val="000000"/>
                   </a:solidFill>
@@ -13845,7 +13845,7 @@
             </a:ln>
             <a:extLst>
               <a:ext uri="{91240B29-F687-4f45-9708-019B960494DF}">
-                <a14:hiddenLine xmlns:a14="http://schemas.microsoft.com/office/drawing/2010/main" xmlns:a16="http://schemas.microsoft.com/office/drawing/2014/main" xmlns="" w="9525">
+                <a14:hiddenLine xmlns="" xmlns:a16="http://schemas.microsoft.com/office/drawing/2014/main" xmlns:a14="http://schemas.microsoft.com/office/drawing/2010/main" w="9525">
                   <a:solidFill>
                     <a:srgbClr val="000000"/>
                   </a:solidFill>
@@ -13922,7 +13922,7 @@
             </a:ln>
             <a:extLst>
               <a:ext uri="{91240B29-F687-4f45-9708-019B960494DF}">
-                <a14:hiddenLine xmlns:a14="http://schemas.microsoft.com/office/drawing/2010/main" xmlns:a16="http://schemas.microsoft.com/office/drawing/2014/main" xmlns="" w="9525">
+                <a14:hiddenLine xmlns="" xmlns:a16="http://schemas.microsoft.com/office/drawing/2014/main" xmlns:a14="http://schemas.microsoft.com/office/drawing/2010/main" w="9525">
                   <a:solidFill>
                     <a:srgbClr val="000000"/>
                   </a:solidFill>
@@ -13999,7 +13999,7 @@
             </a:ln>
             <a:extLst>
               <a:ext uri="{91240B29-F687-4f45-9708-019B960494DF}">
-                <a14:hiddenLine xmlns:a14="http://schemas.microsoft.com/office/drawing/2010/main" xmlns:a16="http://schemas.microsoft.com/office/drawing/2014/main" xmlns="" w="9525">
+                <a14:hiddenLine xmlns="" xmlns:a16="http://schemas.microsoft.com/office/drawing/2014/main" xmlns:a14="http://schemas.microsoft.com/office/drawing/2010/main" w="9525">
                   <a:solidFill>
                     <a:srgbClr val="000000"/>
                   </a:solidFill>
@@ -14104,7 +14104,7 @@
             </a:ln>
             <a:extLst>
               <a:ext uri="{91240B29-F687-4f45-9708-019B960494DF}">
-                <a14:hiddenLine xmlns:a14="http://schemas.microsoft.com/office/drawing/2010/main" xmlns:a16="http://schemas.microsoft.com/office/drawing/2014/main" xmlns="" w="9525">
+                <a14:hiddenLine xmlns="" xmlns:a16="http://schemas.microsoft.com/office/drawing/2014/main" xmlns:a14="http://schemas.microsoft.com/office/drawing/2010/main" w="9525">
                   <a:solidFill>
                     <a:srgbClr val="000000"/>
                   </a:solidFill>
@@ -14181,7 +14181,7 @@
             </a:ln>
             <a:extLst>
               <a:ext uri="{91240B29-F687-4f45-9708-019B960494DF}">
-                <a14:hiddenLine xmlns:a14="http://schemas.microsoft.com/office/drawing/2010/main" xmlns:a16="http://schemas.microsoft.com/office/drawing/2014/main" xmlns="" w="9525">
+                <a14:hiddenLine xmlns="" xmlns:a16="http://schemas.microsoft.com/office/drawing/2014/main" xmlns:a14="http://schemas.microsoft.com/office/drawing/2010/main" w="9525">
                   <a:solidFill>
                     <a:srgbClr val="000000"/>
                   </a:solidFill>
@@ -14258,7 +14258,7 @@
             </a:ln>
             <a:extLst>
               <a:ext uri="{91240B29-F687-4f45-9708-019B960494DF}">
-                <a14:hiddenLine xmlns:a14="http://schemas.microsoft.com/office/drawing/2010/main" xmlns:a16="http://schemas.microsoft.com/office/drawing/2014/main" xmlns="" w="9525">
+                <a14:hiddenLine xmlns="" xmlns:a16="http://schemas.microsoft.com/office/drawing/2014/main" xmlns:a14="http://schemas.microsoft.com/office/drawing/2010/main" w="9525">
                   <a:solidFill>
                     <a:srgbClr val="000000"/>
                   </a:solidFill>
@@ -14363,7 +14363,7 @@
             </a:ln>
             <a:extLst>
               <a:ext uri="{91240B29-F687-4f45-9708-019B960494DF}">
-                <a14:hiddenLine xmlns:a14="http://schemas.microsoft.com/office/drawing/2010/main" xmlns:a16="http://schemas.microsoft.com/office/drawing/2014/main" xmlns="" w="9525">
+                <a14:hiddenLine xmlns="" xmlns:a16="http://schemas.microsoft.com/office/drawing/2014/main" xmlns:a14="http://schemas.microsoft.com/office/drawing/2010/main" w="9525">
                   <a:solidFill>
                     <a:srgbClr val="000000"/>
                   </a:solidFill>
@@ -14468,7 +14468,7 @@
             </a:ln>
             <a:extLst>
               <a:ext uri="{91240B29-F687-4f45-9708-019B960494DF}">
-                <a14:hiddenLine xmlns:a14="http://schemas.microsoft.com/office/drawing/2010/main" xmlns:a16="http://schemas.microsoft.com/office/drawing/2014/main" xmlns="" w="9525">
+                <a14:hiddenLine xmlns="" xmlns:a16="http://schemas.microsoft.com/office/drawing/2014/main" xmlns:a14="http://schemas.microsoft.com/office/drawing/2010/main" w="9525">
                   <a:solidFill>
                     <a:srgbClr val="000000"/>
                   </a:solidFill>
@@ -14545,7 +14545,7 @@
             </a:ln>
             <a:extLst>
               <a:ext uri="{91240B29-F687-4f45-9708-019B960494DF}">
-                <a14:hiddenLine xmlns:a14="http://schemas.microsoft.com/office/drawing/2010/main" xmlns:a16="http://schemas.microsoft.com/office/drawing/2014/main" xmlns="" w="9525">
+                <a14:hiddenLine xmlns="" xmlns:a16="http://schemas.microsoft.com/office/drawing/2014/main" xmlns:a14="http://schemas.microsoft.com/office/drawing/2010/main" w="9525">
                   <a:solidFill>
                     <a:srgbClr val="000000"/>
                   </a:solidFill>
@@ -14670,7 +14670,7 @@
             </a:ln>
             <a:extLst>
               <a:ext uri="{91240B29-F687-4f45-9708-019B960494DF}">
-                <a14:hiddenLine xmlns:a14="http://schemas.microsoft.com/office/drawing/2010/main" xmlns:a16="http://schemas.microsoft.com/office/drawing/2014/main" xmlns="" w="9525">
+                <a14:hiddenLine xmlns="" xmlns:a16="http://schemas.microsoft.com/office/drawing/2014/main" xmlns:a14="http://schemas.microsoft.com/office/drawing/2010/main" w="9525">
                   <a:solidFill>
                     <a:srgbClr val="000000"/>
                   </a:solidFill>
@@ -14747,7 +14747,7 @@
             </a:ln>
             <a:extLst>
               <a:ext uri="{91240B29-F687-4f45-9708-019B960494DF}">
-                <a14:hiddenLine xmlns:a14="http://schemas.microsoft.com/office/drawing/2010/main" xmlns:a16="http://schemas.microsoft.com/office/drawing/2014/main" xmlns="" w="9525">
+                <a14:hiddenLine xmlns="" xmlns:a16="http://schemas.microsoft.com/office/drawing/2014/main" xmlns:a14="http://schemas.microsoft.com/office/drawing/2010/main" w="9525">
                   <a:solidFill>
                     <a:srgbClr val="000000"/>
                   </a:solidFill>
@@ -14852,7 +14852,7 @@
             </a:ln>
             <a:extLst>
               <a:ext uri="{91240B29-F687-4f45-9708-019B960494DF}">
-                <a14:hiddenLine xmlns:a14="http://schemas.microsoft.com/office/drawing/2010/main" xmlns:a16="http://schemas.microsoft.com/office/drawing/2014/main" xmlns="" w="9525">
+                <a14:hiddenLine xmlns="" xmlns:a16="http://schemas.microsoft.com/office/drawing/2014/main" xmlns:a14="http://schemas.microsoft.com/office/drawing/2010/main" w="9525">
                   <a:solidFill>
                     <a:srgbClr val="000000"/>
                   </a:solidFill>
@@ -14957,7 +14957,7 @@
             </a:ln>
             <a:extLst>
               <a:ext uri="{91240B29-F687-4f45-9708-019B960494DF}">
-                <a14:hiddenLine xmlns:a14="http://schemas.microsoft.com/office/drawing/2010/main" xmlns:a16="http://schemas.microsoft.com/office/drawing/2014/main" xmlns="" w="9525">
+                <a14:hiddenLine xmlns="" xmlns:a16="http://schemas.microsoft.com/office/drawing/2014/main" xmlns:a14="http://schemas.microsoft.com/office/drawing/2010/main" w="9525">
                   <a:solidFill>
                     <a:srgbClr val="000000"/>
                   </a:solidFill>
@@ -15034,7 +15034,7 @@
             </a:ln>
             <a:extLst>
               <a:ext uri="{91240B29-F687-4f45-9708-019B960494DF}">
-                <a14:hiddenLine xmlns:a14="http://schemas.microsoft.com/office/drawing/2010/main" xmlns:a16="http://schemas.microsoft.com/office/drawing/2014/main" xmlns="" w="9525">
+                <a14:hiddenLine xmlns="" xmlns:a16="http://schemas.microsoft.com/office/drawing/2014/main" xmlns:a14="http://schemas.microsoft.com/office/drawing/2010/main" w="9525">
                   <a:solidFill>
                     <a:srgbClr val="000000"/>
                   </a:solidFill>
@@ -15139,7 +15139,7 @@
             </a:ln>
             <a:extLst>
               <a:ext uri="{91240B29-F687-4f45-9708-019B960494DF}">
-                <a14:hiddenLine xmlns:a14="http://schemas.microsoft.com/office/drawing/2010/main" xmlns:a16="http://schemas.microsoft.com/office/drawing/2014/main" xmlns="" w="9525">
+                <a14:hiddenLine xmlns="" xmlns:a16="http://schemas.microsoft.com/office/drawing/2014/main" xmlns:a14="http://schemas.microsoft.com/office/drawing/2010/main" w="9525">
                   <a:solidFill>
                     <a:srgbClr val="000000"/>
                   </a:solidFill>
@@ -15244,7 +15244,7 @@
             </a:ln>
             <a:extLst>
               <a:ext uri="{91240B29-F687-4f45-9708-019B960494DF}">
-                <a14:hiddenLine xmlns:a14="http://schemas.microsoft.com/office/drawing/2010/main" xmlns:a16="http://schemas.microsoft.com/office/drawing/2014/main" xmlns="" w="9525">
+                <a14:hiddenLine xmlns="" xmlns:a16="http://schemas.microsoft.com/office/drawing/2014/main" xmlns:a14="http://schemas.microsoft.com/office/drawing/2010/main" w="9525">
                   <a:solidFill>
                     <a:srgbClr val="000000"/>
                   </a:solidFill>
@@ -15315,7 +15315,7 @@
             </a:ln>
             <a:extLst>
               <a:ext uri="{91240B29-F687-4f45-9708-019B960494DF}">
-                <a14:hiddenLine xmlns:a14="http://schemas.microsoft.com/office/drawing/2010/main" xmlns:a16="http://schemas.microsoft.com/office/drawing/2014/main" xmlns="" w="9525">
+                <a14:hiddenLine xmlns="" xmlns:a16="http://schemas.microsoft.com/office/drawing/2014/main" xmlns:a14="http://schemas.microsoft.com/office/drawing/2010/main" w="9525">
                   <a:solidFill>
                     <a:srgbClr val="000000"/>
                   </a:solidFill>
@@ -15420,7 +15420,7 @@
             </a:ln>
             <a:extLst>
               <a:ext uri="{91240B29-F687-4f45-9708-019B960494DF}">
-                <a14:hiddenLine xmlns:a14="http://schemas.microsoft.com/office/drawing/2010/main" xmlns:a16="http://schemas.microsoft.com/office/drawing/2014/main" xmlns="" w="9525">
+                <a14:hiddenLine xmlns="" xmlns:a16="http://schemas.microsoft.com/office/drawing/2014/main" xmlns:a14="http://schemas.microsoft.com/office/drawing/2010/main" w="9525">
                   <a:solidFill>
                     <a:srgbClr val="000000"/>
                   </a:solidFill>
@@ -15491,7 +15491,7 @@
             </a:ln>
             <a:extLst>
               <a:ext uri="{91240B29-F687-4f45-9708-019B960494DF}">
-                <a14:hiddenLine xmlns:a14="http://schemas.microsoft.com/office/drawing/2010/main" xmlns:a16="http://schemas.microsoft.com/office/drawing/2014/main" xmlns="" w="9525">
+                <a14:hiddenLine xmlns="" xmlns:a16="http://schemas.microsoft.com/office/drawing/2014/main" xmlns:a14="http://schemas.microsoft.com/office/drawing/2010/main" w="9525">
                   <a:solidFill>
                     <a:srgbClr val="000000"/>
                   </a:solidFill>
@@ -15596,7 +15596,7 @@
             </a:ln>
             <a:extLst>
               <a:ext uri="{91240B29-F687-4f45-9708-019B960494DF}">
-                <a14:hiddenLine xmlns:a14="http://schemas.microsoft.com/office/drawing/2010/main" xmlns:a16="http://schemas.microsoft.com/office/drawing/2014/main" xmlns="" w="9525">
+                <a14:hiddenLine xmlns="" xmlns:a16="http://schemas.microsoft.com/office/drawing/2014/main" xmlns:a14="http://schemas.microsoft.com/office/drawing/2010/main" w="9525">
                   <a:solidFill>
                     <a:srgbClr val="000000"/>
                   </a:solidFill>
@@ -15679,7 +15679,7 @@
             </a:ln>
             <a:extLst>
               <a:ext uri="{91240B29-F687-4f45-9708-019B960494DF}">
-                <a14:hiddenLine xmlns:a14="http://schemas.microsoft.com/office/drawing/2010/main" xmlns:a16="http://schemas.microsoft.com/office/drawing/2014/main" xmlns="" w="9525">
+                <a14:hiddenLine xmlns="" xmlns:a16="http://schemas.microsoft.com/office/drawing/2014/main" xmlns:a14="http://schemas.microsoft.com/office/drawing/2010/main" w="9525">
                   <a:solidFill>
                     <a:srgbClr val="000000"/>
                   </a:solidFill>
@@ -15784,7 +15784,7 @@
             </a:ln>
             <a:extLst>
               <a:ext uri="{91240B29-F687-4f45-9708-019B960494DF}">
-                <a14:hiddenLine xmlns:a14="http://schemas.microsoft.com/office/drawing/2010/main" xmlns:a16="http://schemas.microsoft.com/office/drawing/2014/main" xmlns="" w="9525">
+                <a14:hiddenLine xmlns="" xmlns:a16="http://schemas.microsoft.com/office/drawing/2014/main" xmlns:a14="http://schemas.microsoft.com/office/drawing/2010/main" w="9525">
                   <a:solidFill>
                     <a:srgbClr val="000000"/>
                   </a:solidFill>
@@ -15867,7 +15867,7 @@
             </a:ln>
             <a:extLst>
               <a:ext uri="{91240B29-F687-4f45-9708-019B960494DF}">
-                <a14:hiddenLine xmlns:a14="http://schemas.microsoft.com/office/drawing/2010/main" xmlns:a16="http://schemas.microsoft.com/office/drawing/2014/main" xmlns="" w="9525">
+                <a14:hiddenLine xmlns="" xmlns:a16="http://schemas.microsoft.com/office/drawing/2014/main" xmlns:a14="http://schemas.microsoft.com/office/drawing/2010/main" w="9525">
                   <a:solidFill>
                     <a:srgbClr val="000000"/>
                   </a:solidFill>
@@ -15972,7 +15972,7 @@
             </a:ln>
             <a:extLst>
               <a:ext uri="{91240B29-F687-4f45-9708-019B960494DF}">
-                <a14:hiddenLine xmlns:a14="http://schemas.microsoft.com/office/drawing/2010/main" xmlns:a16="http://schemas.microsoft.com/office/drawing/2014/main" xmlns="" w="9525">
+                <a14:hiddenLine xmlns="" xmlns:a16="http://schemas.microsoft.com/office/drawing/2014/main" xmlns:a14="http://schemas.microsoft.com/office/drawing/2010/main" w="9525">
                   <a:solidFill>
                     <a:srgbClr val="000000"/>
                   </a:solidFill>
@@ -16021,7 +16021,7 @@
             </a:ln>
             <a:extLst>
               <a:ext uri="{91240B29-F687-4f45-9708-019B960494DF}">
-                <a14:hiddenLine xmlns:a14="http://schemas.microsoft.com/office/drawing/2010/main" xmlns:a16="http://schemas.microsoft.com/office/drawing/2014/main" xmlns="" w="9525">
+                <a14:hiddenLine xmlns="" xmlns:a16="http://schemas.microsoft.com/office/drawing/2014/main" xmlns:a14="http://schemas.microsoft.com/office/drawing/2010/main" w="9525">
                   <a:solidFill>
                     <a:srgbClr val="000000"/>
                   </a:solidFill>
@@ -16126,7 +16126,7 @@
             </a:ln>
             <a:extLst>
               <a:ext uri="{91240B29-F687-4f45-9708-019B960494DF}">
-                <a14:hiddenLine xmlns:a14="http://schemas.microsoft.com/office/drawing/2010/main" xmlns:a16="http://schemas.microsoft.com/office/drawing/2014/main" xmlns="" w="9525">
+                <a14:hiddenLine xmlns="" xmlns:a16="http://schemas.microsoft.com/office/drawing/2014/main" xmlns:a14="http://schemas.microsoft.com/office/drawing/2010/main" w="9525">
                   <a:solidFill>
                     <a:srgbClr val="000000"/>
                   </a:solidFill>
@@ -16203,7 +16203,7 @@
             </a:ln>
             <a:extLst>
               <a:ext uri="{91240B29-F687-4f45-9708-019B960494DF}">
-                <a14:hiddenLine xmlns:a14="http://schemas.microsoft.com/office/drawing/2010/main" xmlns:a16="http://schemas.microsoft.com/office/drawing/2014/main" xmlns="" w="9525">
+                <a14:hiddenLine xmlns="" xmlns:a16="http://schemas.microsoft.com/office/drawing/2014/main" xmlns:a14="http://schemas.microsoft.com/office/drawing/2010/main" w="9525">
                   <a:solidFill>
                     <a:srgbClr val="000000"/>
                   </a:solidFill>
@@ -16280,7 +16280,7 @@
             </a:ln>
             <a:extLst>
               <a:ext uri="{91240B29-F687-4f45-9708-019B960494DF}">
-                <a14:hiddenLine xmlns:a14="http://schemas.microsoft.com/office/drawing/2010/main" xmlns:a16="http://schemas.microsoft.com/office/drawing/2014/main" xmlns="" w="9525">
+                <a14:hiddenLine xmlns="" xmlns:a16="http://schemas.microsoft.com/office/drawing/2014/main" xmlns:a14="http://schemas.microsoft.com/office/drawing/2010/main" w="9525">
                   <a:solidFill>
                     <a:srgbClr val="000000"/>
                   </a:solidFill>
@@ -16385,7 +16385,7 @@
             </a:ln>
             <a:extLst>
               <a:ext uri="{91240B29-F687-4f45-9708-019B960494DF}">
-                <a14:hiddenLine xmlns:a14="http://schemas.microsoft.com/office/drawing/2010/main" xmlns:a16="http://schemas.microsoft.com/office/drawing/2014/main" xmlns="" w="9525">
+                <a14:hiddenLine xmlns="" xmlns:a16="http://schemas.microsoft.com/office/drawing/2014/main" xmlns:a14="http://schemas.microsoft.com/office/drawing/2010/main" w="9525">
                   <a:solidFill>
                     <a:srgbClr val="000000"/>
                   </a:solidFill>
@@ -16468,7 +16468,7 @@
             </a:ln>
             <a:extLst>
               <a:ext uri="{91240B29-F687-4f45-9708-019B960494DF}">
-                <a14:hiddenLine xmlns:a14="http://schemas.microsoft.com/office/drawing/2010/main" xmlns:a16="http://schemas.microsoft.com/office/drawing/2014/main" xmlns="" w="9525">
+                <a14:hiddenLine xmlns="" xmlns:a16="http://schemas.microsoft.com/office/drawing/2014/main" xmlns:a14="http://schemas.microsoft.com/office/drawing/2010/main" w="9525">
                   <a:solidFill>
                     <a:srgbClr val="000000"/>
                   </a:solidFill>
@@ -16545,7 +16545,7 @@
             </a:ln>
             <a:extLst>
               <a:ext uri="{91240B29-F687-4f45-9708-019B960494DF}">
-                <a14:hiddenLine xmlns:a14="http://schemas.microsoft.com/office/drawing/2010/main" xmlns:a16="http://schemas.microsoft.com/office/drawing/2014/main" xmlns="" w="9525">
+                <a14:hiddenLine xmlns="" xmlns:a16="http://schemas.microsoft.com/office/drawing/2014/main" xmlns:a14="http://schemas.microsoft.com/office/drawing/2010/main" w="9525">
                   <a:solidFill>
                     <a:srgbClr val="000000"/>
                   </a:solidFill>
@@ -16650,7 +16650,7 @@
             </a:ln>
             <a:extLst>
               <a:ext uri="{91240B29-F687-4f45-9708-019B960494DF}">
-                <a14:hiddenLine xmlns:a14="http://schemas.microsoft.com/office/drawing/2010/main" xmlns:a16="http://schemas.microsoft.com/office/drawing/2014/main" xmlns="" w="9525">
+                <a14:hiddenLine xmlns="" xmlns:a16="http://schemas.microsoft.com/office/drawing/2014/main" xmlns:a14="http://schemas.microsoft.com/office/drawing/2010/main" w="9525">
                   <a:solidFill>
                     <a:srgbClr val="000000"/>
                   </a:solidFill>
@@ -16727,7 +16727,7 @@
             </a:ln>
             <a:extLst>
               <a:ext uri="{91240B29-F687-4f45-9708-019B960494DF}">
-                <a14:hiddenLine xmlns:a14="http://schemas.microsoft.com/office/drawing/2010/main" xmlns:a16="http://schemas.microsoft.com/office/drawing/2014/main" xmlns="" w="9525">
+                <a14:hiddenLine xmlns="" xmlns:a16="http://schemas.microsoft.com/office/drawing/2014/main" xmlns:a14="http://schemas.microsoft.com/office/drawing/2010/main" w="9525">
                   <a:solidFill>
                     <a:srgbClr val="000000"/>
                   </a:solidFill>
@@ -16832,7 +16832,7 @@
             </a:ln>
             <a:extLst>
               <a:ext uri="{91240B29-F687-4f45-9708-019B960494DF}">
-                <a14:hiddenLine xmlns:a14="http://schemas.microsoft.com/office/drawing/2010/main" xmlns:a16="http://schemas.microsoft.com/office/drawing/2014/main" xmlns="" w="9525">
+                <a14:hiddenLine xmlns="" xmlns:a16="http://schemas.microsoft.com/office/drawing/2014/main" xmlns:a14="http://schemas.microsoft.com/office/drawing/2010/main" w="9525">
                   <a:solidFill>
                     <a:srgbClr val="000000"/>
                   </a:solidFill>
@@ -16909,7 +16909,7 @@
             </a:ln>
             <a:extLst>
               <a:ext uri="{91240B29-F687-4f45-9708-019B960494DF}">
-                <a14:hiddenLine xmlns:a14="http://schemas.microsoft.com/office/drawing/2010/main" xmlns:a16="http://schemas.microsoft.com/office/drawing/2014/main" xmlns="" w="9525">
+                <a14:hiddenLine xmlns="" xmlns:a16="http://schemas.microsoft.com/office/drawing/2014/main" xmlns:a14="http://schemas.microsoft.com/office/drawing/2010/main" w="9525">
                   <a:solidFill>
                     <a:srgbClr val="000000"/>
                   </a:solidFill>
@@ -17014,7 +17014,7 @@
             </a:ln>
             <a:extLst>
               <a:ext uri="{91240B29-F687-4f45-9708-019B960494DF}">
-                <a14:hiddenLine xmlns:a14="http://schemas.microsoft.com/office/drawing/2010/main" xmlns:a16="http://schemas.microsoft.com/office/drawing/2014/main" xmlns="" w="9525">
+                <a14:hiddenLine xmlns="" xmlns:a16="http://schemas.microsoft.com/office/drawing/2014/main" xmlns:a14="http://schemas.microsoft.com/office/drawing/2010/main" w="9525">
                   <a:solidFill>
                     <a:srgbClr val="000000"/>
                   </a:solidFill>
@@ -17063,7 +17063,7 @@
             </a:ln>
             <a:extLst>
               <a:ext uri="{91240B29-F687-4f45-9708-019B960494DF}">
-                <a14:hiddenLine xmlns:a14="http://schemas.microsoft.com/office/drawing/2010/main" xmlns:a16="http://schemas.microsoft.com/office/drawing/2014/main" xmlns="" w="9525">
+                <a14:hiddenLine xmlns="" xmlns:a16="http://schemas.microsoft.com/office/drawing/2014/main" xmlns:a14="http://schemas.microsoft.com/office/drawing/2010/main" w="9525">
                   <a:solidFill>
                     <a:srgbClr val="000000"/>
                   </a:solidFill>
@@ -17143,7 +17143,7 @@
             </a:ln>
             <a:extLst>
               <a:ext uri="{91240B29-F687-4f45-9708-019B960494DF}">
-                <a14:hiddenLine xmlns:a14="http://schemas.microsoft.com/office/drawing/2010/main" xmlns:a16="http://schemas.microsoft.com/office/drawing/2014/main" xmlns="" w="9525">
+                <a14:hiddenLine xmlns="" xmlns:a16="http://schemas.microsoft.com/office/drawing/2014/main" xmlns:a14="http://schemas.microsoft.com/office/drawing/2010/main" w="9525">
                   <a:solidFill>
                     <a:srgbClr val="000000"/>
                   </a:solidFill>
@@ -17248,7 +17248,7 @@
             </a:ln>
             <a:extLst>
               <a:ext uri="{91240B29-F687-4f45-9708-019B960494DF}">
-                <a14:hiddenLine xmlns:a14="http://schemas.microsoft.com/office/drawing/2010/main" xmlns:a16="http://schemas.microsoft.com/office/drawing/2014/main" xmlns="" w="9525">
+                <a14:hiddenLine xmlns="" xmlns:a16="http://schemas.microsoft.com/office/drawing/2014/main" xmlns:a14="http://schemas.microsoft.com/office/drawing/2010/main" w="9525">
                   <a:solidFill>
                     <a:srgbClr val="000000"/>
                   </a:solidFill>
@@ -17325,7 +17325,7 @@
             </a:ln>
             <a:extLst>
               <a:ext uri="{91240B29-F687-4f45-9708-019B960494DF}">
-                <a14:hiddenLine xmlns:a14="http://schemas.microsoft.com/office/drawing/2010/main" xmlns:a16="http://schemas.microsoft.com/office/drawing/2014/main" xmlns="" w="9525">
+                <a14:hiddenLine xmlns="" xmlns:a16="http://schemas.microsoft.com/office/drawing/2014/main" xmlns:a14="http://schemas.microsoft.com/office/drawing/2010/main" w="9525">
                   <a:solidFill>
                     <a:srgbClr val="000000"/>
                   </a:solidFill>
@@ -17430,7 +17430,7 @@
             </a:ln>
             <a:extLst>
               <a:ext uri="{91240B29-F687-4f45-9708-019B960494DF}">
-                <a14:hiddenLine xmlns:a14="http://schemas.microsoft.com/office/drawing/2010/main" xmlns:a16="http://schemas.microsoft.com/office/drawing/2014/main" xmlns="" w="9525">
+                <a14:hiddenLine xmlns="" xmlns:a16="http://schemas.microsoft.com/office/drawing/2014/main" xmlns:a14="http://schemas.microsoft.com/office/drawing/2010/main" w="9525">
                   <a:solidFill>
                     <a:srgbClr val="000000"/>
                   </a:solidFill>
@@ -17535,7 +17535,7 @@
             </a:ln>
             <a:extLst>
               <a:ext uri="{91240B29-F687-4f45-9708-019B960494DF}">
-                <a14:hiddenLine xmlns:a14="http://schemas.microsoft.com/office/drawing/2010/main" xmlns:a16="http://schemas.microsoft.com/office/drawing/2014/main" xmlns="" w="9525">
+                <a14:hiddenLine xmlns="" xmlns:a16="http://schemas.microsoft.com/office/drawing/2014/main" xmlns:a14="http://schemas.microsoft.com/office/drawing/2010/main" w="9525">
                   <a:solidFill>
                     <a:srgbClr val="000000"/>
                   </a:solidFill>
@@ -17615,7 +17615,7 @@
             </a:ln>
             <a:extLst>
               <a:ext uri="{91240B29-F687-4f45-9708-019B960494DF}">
-                <a14:hiddenLine xmlns:a14="http://schemas.microsoft.com/office/drawing/2010/main" xmlns:a16="http://schemas.microsoft.com/office/drawing/2014/main" xmlns="" w="9525">
+                <a14:hiddenLine xmlns="" xmlns:a16="http://schemas.microsoft.com/office/drawing/2014/main" xmlns:a14="http://schemas.microsoft.com/office/drawing/2010/main" w="9525">
                   <a:solidFill>
                     <a:srgbClr val="000000"/>
                   </a:solidFill>
@@ -17692,7 +17692,7 @@
             </a:ln>
             <a:extLst>
               <a:ext uri="{91240B29-F687-4f45-9708-019B960494DF}">
-                <a14:hiddenLine xmlns:a14="http://schemas.microsoft.com/office/drawing/2010/main" xmlns:a16="http://schemas.microsoft.com/office/drawing/2014/main" xmlns="" w="9525">
+                <a14:hiddenLine xmlns="" xmlns:a16="http://schemas.microsoft.com/office/drawing/2014/main" xmlns:a14="http://schemas.microsoft.com/office/drawing/2010/main" w="9525">
                   <a:solidFill>
                     <a:srgbClr val="000000"/>
                   </a:solidFill>
@@ -17797,7 +17797,7 @@
             </a:ln>
             <a:extLst>
               <a:ext uri="{91240B29-F687-4f45-9708-019B960494DF}">
-                <a14:hiddenLine xmlns:a14="http://schemas.microsoft.com/office/drawing/2010/main" xmlns:a16="http://schemas.microsoft.com/office/drawing/2014/main" xmlns="" w="9525">
+                <a14:hiddenLine xmlns="" xmlns:a16="http://schemas.microsoft.com/office/drawing/2014/main" xmlns:a14="http://schemas.microsoft.com/office/drawing/2010/main" w="9525">
                   <a:solidFill>
                     <a:srgbClr val="000000"/>
                   </a:solidFill>
@@ -17902,7 +17902,7 @@
             </a:ln>
             <a:extLst>
               <a:ext uri="{91240B29-F687-4f45-9708-019B960494DF}">
-                <a14:hiddenLine xmlns:a14="http://schemas.microsoft.com/office/drawing/2010/main" xmlns:a16="http://schemas.microsoft.com/office/drawing/2014/main" xmlns="" w="9525">
+                <a14:hiddenLine xmlns="" xmlns:a16="http://schemas.microsoft.com/office/drawing/2014/main" xmlns:a14="http://schemas.microsoft.com/office/drawing/2010/main" w="9525">
                   <a:solidFill>
                     <a:srgbClr val="000000"/>
                   </a:solidFill>
@@ -17979,7 +17979,7 @@
             </a:ln>
             <a:extLst>
               <a:ext uri="{91240B29-F687-4f45-9708-019B960494DF}">
-                <a14:hiddenLine xmlns:a14="http://schemas.microsoft.com/office/drawing/2010/main" xmlns:a16="http://schemas.microsoft.com/office/drawing/2014/main" xmlns="" w="9525">
+                <a14:hiddenLine xmlns="" xmlns:a16="http://schemas.microsoft.com/office/drawing/2014/main" xmlns:a14="http://schemas.microsoft.com/office/drawing/2010/main" w="9525">
                   <a:solidFill>
                     <a:srgbClr val="000000"/>
                   </a:solidFill>
@@ -18114,7 +18114,7 @@
             </a:ln>
             <a:extLst>
               <a:ext uri="{91240B29-F687-4f45-9708-019B960494DF}">
-                <a14:hiddenLine xmlns:a14="http://schemas.microsoft.com/office/drawing/2010/main" xmlns:a16="http://schemas.microsoft.com/office/drawing/2014/main" xmlns="" w="9525">
+                <a14:hiddenLine xmlns="" xmlns:a16="http://schemas.microsoft.com/office/drawing/2014/main" xmlns:a14="http://schemas.microsoft.com/office/drawing/2010/main" w="9525">
                   <a:solidFill>
                     <a:srgbClr val="000000"/>
                   </a:solidFill>
@@ -18197,7 +18197,7 @@
             </a:ln>
             <a:extLst>
               <a:ext uri="{91240B29-F687-4f45-9708-019B960494DF}">
-                <a14:hiddenLine xmlns:a14="http://schemas.microsoft.com/office/drawing/2010/main" xmlns:a16="http://schemas.microsoft.com/office/drawing/2014/main" xmlns="" w="9525">
+                <a14:hiddenLine xmlns="" xmlns:a16="http://schemas.microsoft.com/office/drawing/2014/main" xmlns:a14="http://schemas.microsoft.com/office/drawing/2010/main" w="9525">
                   <a:solidFill>
                     <a:srgbClr val="000000"/>
                   </a:solidFill>
@@ -18302,7 +18302,7 @@
             </a:ln>
             <a:extLst>
               <a:ext uri="{91240B29-F687-4f45-9708-019B960494DF}">
-                <a14:hiddenLine xmlns:a14="http://schemas.microsoft.com/office/drawing/2010/main" xmlns:a16="http://schemas.microsoft.com/office/drawing/2014/main" xmlns="" w="9525">
+                <a14:hiddenLine xmlns="" xmlns:a16="http://schemas.microsoft.com/office/drawing/2014/main" xmlns:a14="http://schemas.microsoft.com/office/drawing/2010/main" w="9525">
                   <a:solidFill>
                     <a:srgbClr val="000000"/>
                   </a:solidFill>
@@ -18459,7 +18459,7 @@
             <a:noFill/>
             <a:extLst>
               <a:ext uri="{909E8E84-426E-40dd-AFC4-6F175D3DCCD1}">
-                <a14:hiddenFill xmlns:a14="http://schemas.microsoft.com/office/drawing/2010/main" xmlns:p14="http://schemas.microsoft.com/office/powerpoint/2010/main" xmlns:a16="http://schemas.microsoft.com/office/drawing/2014/main" xmlns="">
+                <a14:hiddenFill xmlns="" xmlns:a16="http://schemas.microsoft.com/office/drawing/2014/main" xmlns:p14="http://schemas.microsoft.com/office/powerpoint/2010/main" xmlns:a14="http://schemas.microsoft.com/office/drawing/2010/main">
                   <a:solidFill>
                     <a:srgbClr val="FFFFFF"/>
                   </a:solidFill>
@@ -20600,12 +20600,22 @@
           <a:bodyPr/>
           <a:lstStyle/>
           <a:p>
-            <a:pPr marL="0" indent="0">
-              <a:buNone/>
+            <a:pPr>
+              <a:lnSpc>
+                <a:spcPct val="250000"/>
+              </a:lnSpc>
             </a:pPr>
-            <a:endParaRPr lang="fr-CA" dirty="0"/>
+            <a:r>
+              <a:rPr lang="fr-CA" dirty="0"/>
+              <a:t>La table d’intersection utilisateur/équipe/rôle</a:t>
+            </a:r>
           </a:p>
           <a:p>
+            <a:pPr>
+              <a:lnSpc>
+                <a:spcPct val="250000"/>
+              </a:lnSpc>
+            </a:pPr>
             <a:r>
               <a:rPr lang="fr-CA" dirty="0"/>
               <a:t>Le partage des événements sous le format </a:t>
@@ -20620,6 +20630,11 @@
             </a:r>
           </a:p>
           <a:p>
+            <a:pPr>
+              <a:lnSpc>
+                <a:spcPct val="250000"/>
+              </a:lnSpc>
+            </a:pPr>
             <a:r>
               <a:rPr lang="fr-CA" dirty="0"/>
               <a:t>L’évaluation du temps qu’une tâche peut prendre.</a:t>
@@ -20948,7 +20963,7 @@
           <a:noFill/>
           <a:extLst>
             <a:ext uri="{909E8E84-426E-40dd-AFC4-6F175D3DCCD1}">
-              <a14:hiddenFill xmlns="" xmlns:a16="http://schemas.microsoft.com/office/drawing/2014/main" xmlns:a14="http://schemas.microsoft.com/office/drawing/2010/main">
+              <a14:hiddenFill xmlns:a14="http://schemas.microsoft.com/office/drawing/2010/main" xmlns:a16="http://schemas.microsoft.com/office/drawing/2014/main" xmlns="">
                 <a:solidFill>
                   <a:srgbClr val="FFFFFF"/>
                 </a:solidFill>
@@ -21040,7 +21055,7 @@
             </a:ln>
             <a:extLst>
               <a:ext uri="{91240B29-F687-4f45-9708-019B960494DF}">
-                <a14:hiddenLine xmlns="" xmlns:a16="http://schemas.microsoft.com/office/drawing/2014/main" xmlns:a14="http://schemas.microsoft.com/office/drawing/2010/main" w="9525">
+                <a14:hiddenLine xmlns:a14="http://schemas.microsoft.com/office/drawing/2010/main" xmlns:a16="http://schemas.microsoft.com/office/drawing/2014/main" xmlns="" w="9525">
                   <a:solidFill>
                     <a:srgbClr val="000000"/>
                   </a:solidFill>
@@ -21145,7 +21160,7 @@
             </a:ln>
             <a:extLst>
               <a:ext uri="{91240B29-F687-4f45-9708-019B960494DF}">
-                <a14:hiddenLine xmlns="" xmlns:a16="http://schemas.microsoft.com/office/drawing/2014/main" xmlns:a14="http://schemas.microsoft.com/office/drawing/2010/main" w="9525">
+                <a14:hiddenLine xmlns:a14="http://schemas.microsoft.com/office/drawing/2010/main" xmlns:a16="http://schemas.microsoft.com/office/drawing/2014/main" xmlns="" w="9525">
                   <a:solidFill>
                     <a:srgbClr val="000000"/>
                   </a:solidFill>
@@ -21250,7 +21265,7 @@
             </a:ln>
             <a:extLst>
               <a:ext uri="{91240B29-F687-4f45-9708-019B960494DF}">
-                <a14:hiddenLine xmlns="" xmlns:a16="http://schemas.microsoft.com/office/drawing/2014/main" xmlns:a14="http://schemas.microsoft.com/office/drawing/2010/main" w="9525">
+                <a14:hiddenLine xmlns:a14="http://schemas.microsoft.com/office/drawing/2010/main" xmlns:a16="http://schemas.microsoft.com/office/drawing/2014/main" xmlns="" w="9525">
                   <a:solidFill>
                     <a:srgbClr val="000000"/>
                   </a:solidFill>
@@ -21299,7 +21314,7 @@
             </a:ln>
             <a:extLst>
               <a:ext uri="{91240B29-F687-4f45-9708-019B960494DF}">
-                <a14:hiddenLine xmlns="" xmlns:a16="http://schemas.microsoft.com/office/drawing/2014/main" xmlns:a14="http://schemas.microsoft.com/office/drawing/2010/main" w="9525">
+                <a14:hiddenLine xmlns:a14="http://schemas.microsoft.com/office/drawing/2010/main" xmlns:a16="http://schemas.microsoft.com/office/drawing/2014/main" xmlns="" w="9525">
                   <a:solidFill>
                     <a:srgbClr val="000000"/>
                   </a:solidFill>
@@ -21404,7 +21419,7 @@
             </a:ln>
             <a:extLst>
               <a:ext uri="{91240B29-F687-4f45-9708-019B960494DF}">
-                <a14:hiddenLine xmlns="" xmlns:a16="http://schemas.microsoft.com/office/drawing/2014/main" xmlns:a14="http://schemas.microsoft.com/office/drawing/2010/main" w="9525">
+                <a14:hiddenLine xmlns:a14="http://schemas.microsoft.com/office/drawing/2010/main" xmlns:a16="http://schemas.microsoft.com/office/drawing/2014/main" xmlns="" w="9525">
                   <a:solidFill>
                     <a:srgbClr val="000000"/>
                   </a:solidFill>
@@ -21481,7 +21496,7 @@
             </a:ln>
             <a:extLst>
               <a:ext uri="{91240B29-F687-4f45-9708-019B960494DF}">
-                <a14:hiddenLine xmlns="" xmlns:a16="http://schemas.microsoft.com/office/drawing/2014/main" xmlns:a14="http://schemas.microsoft.com/office/drawing/2010/main" w="9525">
+                <a14:hiddenLine xmlns:a14="http://schemas.microsoft.com/office/drawing/2010/main" xmlns:a16="http://schemas.microsoft.com/office/drawing/2014/main" xmlns="" w="9525">
                   <a:solidFill>
                     <a:srgbClr val="000000"/>
                   </a:solidFill>
@@ -21558,7 +21573,7 @@
             </a:ln>
             <a:extLst>
               <a:ext uri="{91240B29-F687-4f45-9708-019B960494DF}">
-                <a14:hiddenLine xmlns="" xmlns:a16="http://schemas.microsoft.com/office/drawing/2014/main" xmlns:a14="http://schemas.microsoft.com/office/drawing/2010/main" w="9525">
+                <a14:hiddenLine xmlns:a14="http://schemas.microsoft.com/office/drawing/2010/main" xmlns:a16="http://schemas.microsoft.com/office/drawing/2014/main" xmlns="" w="9525">
                   <a:solidFill>
                     <a:srgbClr val="000000"/>
                   </a:solidFill>
@@ -21663,7 +21678,7 @@
             </a:ln>
             <a:extLst>
               <a:ext uri="{91240B29-F687-4f45-9708-019B960494DF}">
-                <a14:hiddenLine xmlns="" xmlns:a16="http://schemas.microsoft.com/office/drawing/2014/main" xmlns:a14="http://schemas.microsoft.com/office/drawing/2010/main" w="9525">
+                <a14:hiddenLine xmlns:a14="http://schemas.microsoft.com/office/drawing/2010/main" xmlns:a16="http://schemas.microsoft.com/office/drawing/2014/main" xmlns="" w="9525">
                   <a:solidFill>
                     <a:srgbClr val="000000"/>
                   </a:solidFill>
@@ -21740,7 +21755,7 @@
             </a:ln>
             <a:extLst>
               <a:ext uri="{91240B29-F687-4f45-9708-019B960494DF}">
-                <a14:hiddenLine xmlns="" xmlns:a16="http://schemas.microsoft.com/office/drawing/2014/main" xmlns:a14="http://schemas.microsoft.com/office/drawing/2010/main" w="9525">
+                <a14:hiddenLine xmlns:a14="http://schemas.microsoft.com/office/drawing/2010/main" xmlns:a16="http://schemas.microsoft.com/office/drawing/2014/main" xmlns="" w="9525">
                   <a:solidFill>
                     <a:srgbClr val="000000"/>
                   </a:solidFill>
@@ -21817,7 +21832,7 @@
             </a:ln>
             <a:extLst>
               <a:ext uri="{91240B29-F687-4f45-9708-019B960494DF}">
-                <a14:hiddenLine xmlns="" xmlns:a16="http://schemas.microsoft.com/office/drawing/2014/main" xmlns:a14="http://schemas.microsoft.com/office/drawing/2010/main" w="9525">
+                <a14:hiddenLine xmlns:a14="http://schemas.microsoft.com/office/drawing/2010/main" xmlns:a16="http://schemas.microsoft.com/office/drawing/2014/main" xmlns="" w="9525">
                   <a:solidFill>
                     <a:srgbClr val="000000"/>
                   </a:solidFill>
@@ -21922,7 +21937,7 @@
             </a:ln>
             <a:extLst>
               <a:ext uri="{91240B29-F687-4f45-9708-019B960494DF}">
-                <a14:hiddenLine xmlns="" xmlns:a16="http://schemas.microsoft.com/office/drawing/2014/main" xmlns:a14="http://schemas.microsoft.com/office/drawing/2010/main" w="9525">
+                <a14:hiddenLine xmlns:a14="http://schemas.microsoft.com/office/drawing/2010/main" xmlns:a16="http://schemas.microsoft.com/office/drawing/2014/main" xmlns="" w="9525">
                   <a:solidFill>
                     <a:srgbClr val="000000"/>
                   </a:solidFill>
@@ -22027,7 +22042,7 @@
             </a:ln>
             <a:extLst>
               <a:ext uri="{91240B29-F687-4f45-9708-019B960494DF}">
-                <a14:hiddenLine xmlns="" xmlns:a16="http://schemas.microsoft.com/office/drawing/2014/main" xmlns:a14="http://schemas.microsoft.com/office/drawing/2010/main" w="9525">
+                <a14:hiddenLine xmlns:a14="http://schemas.microsoft.com/office/drawing/2010/main" xmlns:a16="http://schemas.microsoft.com/office/drawing/2014/main" xmlns="" w="9525">
                   <a:solidFill>
                     <a:srgbClr val="000000"/>
                   </a:solidFill>
@@ -22104,7 +22119,7 @@
             </a:ln>
             <a:extLst>
               <a:ext uri="{91240B29-F687-4f45-9708-019B960494DF}">
-                <a14:hiddenLine xmlns="" xmlns:a16="http://schemas.microsoft.com/office/drawing/2014/main" xmlns:a14="http://schemas.microsoft.com/office/drawing/2010/main" w="9525">
+                <a14:hiddenLine xmlns:a14="http://schemas.microsoft.com/office/drawing/2010/main" xmlns:a16="http://schemas.microsoft.com/office/drawing/2014/main" xmlns="" w="9525">
                   <a:solidFill>
                     <a:srgbClr val="000000"/>
                   </a:solidFill>
@@ -22229,7 +22244,7 @@
             </a:ln>
             <a:extLst>
               <a:ext uri="{91240B29-F687-4f45-9708-019B960494DF}">
-                <a14:hiddenLine xmlns="" xmlns:a16="http://schemas.microsoft.com/office/drawing/2014/main" xmlns:a14="http://schemas.microsoft.com/office/drawing/2010/main" w="9525">
+                <a14:hiddenLine xmlns:a14="http://schemas.microsoft.com/office/drawing/2010/main" xmlns:a16="http://schemas.microsoft.com/office/drawing/2014/main" xmlns="" w="9525">
                   <a:solidFill>
                     <a:srgbClr val="000000"/>
                   </a:solidFill>
@@ -22306,7 +22321,7 @@
             </a:ln>
             <a:extLst>
               <a:ext uri="{91240B29-F687-4f45-9708-019B960494DF}">
-                <a14:hiddenLine xmlns="" xmlns:a16="http://schemas.microsoft.com/office/drawing/2014/main" xmlns:a14="http://schemas.microsoft.com/office/drawing/2010/main" w="9525">
+                <a14:hiddenLine xmlns:a14="http://schemas.microsoft.com/office/drawing/2010/main" xmlns:a16="http://schemas.microsoft.com/office/drawing/2014/main" xmlns="" w="9525">
                   <a:solidFill>
                     <a:srgbClr val="000000"/>
                   </a:solidFill>
@@ -22411,7 +22426,7 @@
             </a:ln>
             <a:extLst>
               <a:ext uri="{91240B29-F687-4f45-9708-019B960494DF}">
-                <a14:hiddenLine xmlns="" xmlns:a16="http://schemas.microsoft.com/office/drawing/2014/main" xmlns:a14="http://schemas.microsoft.com/office/drawing/2010/main" w="9525">
+                <a14:hiddenLine xmlns:a14="http://schemas.microsoft.com/office/drawing/2010/main" xmlns:a16="http://schemas.microsoft.com/office/drawing/2014/main" xmlns="" w="9525">
                   <a:solidFill>
                     <a:srgbClr val="000000"/>
                   </a:solidFill>
@@ -22516,7 +22531,7 @@
             </a:ln>
             <a:extLst>
               <a:ext uri="{91240B29-F687-4f45-9708-019B960494DF}">
-                <a14:hiddenLine xmlns="" xmlns:a16="http://schemas.microsoft.com/office/drawing/2014/main" xmlns:a14="http://schemas.microsoft.com/office/drawing/2010/main" w="9525">
+                <a14:hiddenLine xmlns:a14="http://schemas.microsoft.com/office/drawing/2010/main" xmlns:a16="http://schemas.microsoft.com/office/drawing/2014/main" xmlns="" w="9525">
                   <a:solidFill>
                     <a:srgbClr val="000000"/>
                   </a:solidFill>
@@ -22593,7 +22608,7 @@
             </a:ln>
             <a:extLst>
               <a:ext uri="{91240B29-F687-4f45-9708-019B960494DF}">
-                <a14:hiddenLine xmlns="" xmlns:a16="http://schemas.microsoft.com/office/drawing/2014/main" xmlns:a14="http://schemas.microsoft.com/office/drawing/2010/main" w="9525">
+                <a14:hiddenLine xmlns:a14="http://schemas.microsoft.com/office/drawing/2010/main" xmlns:a16="http://schemas.microsoft.com/office/drawing/2014/main" xmlns="" w="9525">
                   <a:solidFill>
                     <a:srgbClr val="000000"/>
                   </a:solidFill>
@@ -22698,7 +22713,7 @@
             </a:ln>
             <a:extLst>
               <a:ext uri="{91240B29-F687-4f45-9708-019B960494DF}">
-                <a14:hiddenLine xmlns="" xmlns:a16="http://schemas.microsoft.com/office/drawing/2014/main" xmlns:a14="http://schemas.microsoft.com/office/drawing/2010/main" w="9525">
+                <a14:hiddenLine xmlns:a14="http://schemas.microsoft.com/office/drawing/2010/main" xmlns:a16="http://schemas.microsoft.com/office/drawing/2014/main" xmlns="" w="9525">
                   <a:solidFill>
                     <a:srgbClr val="000000"/>
                   </a:solidFill>
@@ -22803,7 +22818,7 @@
             </a:ln>
             <a:extLst>
               <a:ext uri="{91240B29-F687-4f45-9708-019B960494DF}">
-                <a14:hiddenLine xmlns="" xmlns:a16="http://schemas.microsoft.com/office/drawing/2014/main" xmlns:a14="http://schemas.microsoft.com/office/drawing/2010/main" w="9525">
+                <a14:hiddenLine xmlns:a14="http://schemas.microsoft.com/office/drawing/2010/main" xmlns:a16="http://schemas.microsoft.com/office/drawing/2014/main" xmlns="" w="9525">
                   <a:solidFill>
                     <a:srgbClr val="000000"/>
                   </a:solidFill>
@@ -22874,7 +22889,7 @@
             </a:ln>
             <a:extLst>
               <a:ext uri="{91240B29-F687-4f45-9708-019B960494DF}">
-                <a14:hiddenLine xmlns="" xmlns:a16="http://schemas.microsoft.com/office/drawing/2014/main" xmlns:a14="http://schemas.microsoft.com/office/drawing/2010/main" w="9525">
+                <a14:hiddenLine xmlns:a14="http://schemas.microsoft.com/office/drawing/2010/main" xmlns:a16="http://schemas.microsoft.com/office/drawing/2014/main" xmlns="" w="9525">
                   <a:solidFill>
                     <a:srgbClr val="000000"/>
                   </a:solidFill>
@@ -22979,7 +22994,7 @@
             </a:ln>
             <a:extLst>
               <a:ext uri="{91240B29-F687-4f45-9708-019B960494DF}">
-                <a14:hiddenLine xmlns="" xmlns:a16="http://schemas.microsoft.com/office/drawing/2014/main" xmlns:a14="http://schemas.microsoft.com/office/drawing/2010/main" w="9525">
+                <a14:hiddenLine xmlns:a14="http://schemas.microsoft.com/office/drawing/2010/main" xmlns:a16="http://schemas.microsoft.com/office/drawing/2014/main" xmlns="" w="9525">
                   <a:solidFill>
                     <a:srgbClr val="000000"/>
                   </a:solidFill>
@@ -23050,7 +23065,7 @@
             </a:ln>
             <a:extLst>
               <a:ext uri="{91240B29-F687-4f45-9708-019B960494DF}">
-                <a14:hiddenLine xmlns="" xmlns:a16="http://schemas.microsoft.com/office/drawing/2014/main" xmlns:a14="http://schemas.microsoft.com/office/drawing/2010/main" w="9525">
+                <a14:hiddenLine xmlns:a14="http://schemas.microsoft.com/office/drawing/2010/main" xmlns:a16="http://schemas.microsoft.com/office/drawing/2014/main" xmlns="" w="9525">
                   <a:solidFill>
                     <a:srgbClr val="000000"/>
                   </a:solidFill>
@@ -23155,7 +23170,7 @@
             </a:ln>
             <a:extLst>
               <a:ext uri="{91240B29-F687-4f45-9708-019B960494DF}">
-                <a14:hiddenLine xmlns="" xmlns:a16="http://schemas.microsoft.com/office/drawing/2014/main" xmlns:a14="http://schemas.microsoft.com/office/drawing/2010/main" w="9525">
+                <a14:hiddenLine xmlns:a14="http://schemas.microsoft.com/office/drawing/2010/main" xmlns:a16="http://schemas.microsoft.com/office/drawing/2014/main" xmlns="" w="9525">
                   <a:solidFill>
                     <a:srgbClr val="000000"/>
                   </a:solidFill>
@@ -23238,7 +23253,7 @@
             </a:ln>
             <a:extLst>
               <a:ext uri="{91240B29-F687-4f45-9708-019B960494DF}">
-                <a14:hiddenLine xmlns="" xmlns:a16="http://schemas.microsoft.com/office/drawing/2014/main" xmlns:a14="http://schemas.microsoft.com/office/drawing/2010/main" w="9525">
+                <a14:hiddenLine xmlns:a14="http://schemas.microsoft.com/office/drawing/2010/main" xmlns:a16="http://schemas.microsoft.com/office/drawing/2014/main" xmlns="" w="9525">
                   <a:solidFill>
                     <a:srgbClr val="000000"/>
                   </a:solidFill>
@@ -23343,7 +23358,7 @@
             </a:ln>
             <a:extLst>
               <a:ext uri="{91240B29-F687-4f45-9708-019B960494DF}">
-                <a14:hiddenLine xmlns="" xmlns:a16="http://schemas.microsoft.com/office/drawing/2014/main" xmlns:a14="http://schemas.microsoft.com/office/drawing/2010/main" w="9525">
+                <a14:hiddenLine xmlns:a14="http://schemas.microsoft.com/office/drawing/2010/main" xmlns:a16="http://schemas.microsoft.com/office/drawing/2014/main" xmlns="" w="9525">
                   <a:solidFill>
                     <a:srgbClr val="000000"/>
                   </a:solidFill>
@@ -23426,7 +23441,7 @@
             </a:ln>
             <a:extLst>
               <a:ext uri="{91240B29-F687-4f45-9708-019B960494DF}">
-                <a14:hiddenLine xmlns="" xmlns:a16="http://schemas.microsoft.com/office/drawing/2014/main" xmlns:a14="http://schemas.microsoft.com/office/drawing/2010/main" w="9525">
+                <a14:hiddenLine xmlns:a14="http://schemas.microsoft.com/office/drawing/2010/main" xmlns:a16="http://schemas.microsoft.com/office/drawing/2014/main" xmlns="" w="9525">
                   <a:solidFill>
                     <a:srgbClr val="000000"/>
                   </a:solidFill>
@@ -23531,7 +23546,7 @@
             </a:ln>
             <a:extLst>
               <a:ext uri="{91240B29-F687-4f45-9708-019B960494DF}">
-                <a14:hiddenLine xmlns="" xmlns:a16="http://schemas.microsoft.com/office/drawing/2014/main" xmlns:a14="http://schemas.microsoft.com/office/drawing/2010/main" w="9525">
+                <a14:hiddenLine xmlns:a14="http://schemas.microsoft.com/office/drawing/2010/main" xmlns:a16="http://schemas.microsoft.com/office/drawing/2014/main" xmlns="" w="9525">
                   <a:solidFill>
                     <a:srgbClr val="000000"/>
                   </a:solidFill>
@@ -23580,7 +23595,7 @@
             </a:ln>
             <a:extLst>
               <a:ext uri="{91240B29-F687-4f45-9708-019B960494DF}">
-                <a14:hiddenLine xmlns="" xmlns:a16="http://schemas.microsoft.com/office/drawing/2014/main" xmlns:a14="http://schemas.microsoft.com/office/drawing/2010/main" w="9525">
+                <a14:hiddenLine xmlns:a14="http://schemas.microsoft.com/office/drawing/2010/main" xmlns:a16="http://schemas.microsoft.com/office/drawing/2014/main" xmlns="" w="9525">
                   <a:solidFill>
                     <a:srgbClr val="000000"/>
                   </a:solidFill>
@@ -23685,7 +23700,7 @@
             </a:ln>
             <a:extLst>
               <a:ext uri="{91240B29-F687-4f45-9708-019B960494DF}">
-                <a14:hiddenLine xmlns="" xmlns:a16="http://schemas.microsoft.com/office/drawing/2014/main" xmlns:a14="http://schemas.microsoft.com/office/drawing/2010/main" w="9525">
+                <a14:hiddenLine xmlns:a14="http://schemas.microsoft.com/office/drawing/2010/main" xmlns:a16="http://schemas.microsoft.com/office/drawing/2014/main" xmlns="" w="9525">
                   <a:solidFill>
                     <a:srgbClr val="000000"/>
                   </a:solidFill>
@@ -23762,7 +23777,7 @@
             </a:ln>
             <a:extLst>
               <a:ext uri="{91240B29-F687-4f45-9708-019B960494DF}">
-                <a14:hiddenLine xmlns="" xmlns:a16="http://schemas.microsoft.com/office/drawing/2014/main" xmlns:a14="http://schemas.microsoft.com/office/drawing/2010/main" w="9525">
+                <a14:hiddenLine xmlns:a14="http://schemas.microsoft.com/office/drawing/2010/main" xmlns:a16="http://schemas.microsoft.com/office/drawing/2014/main" xmlns="" w="9525">
                   <a:solidFill>
                     <a:srgbClr val="000000"/>
                   </a:solidFill>
@@ -23839,7 +23854,7 @@
             </a:ln>
             <a:extLst>
               <a:ext uri="{91240B29-F687-4f45-9708-019B960494DF}">
-                <a14:hiddenLine xmlns="" xmlns:a16="http://schemas.microsoft.com/office/drawing/2014/main" xmlns:a14="http://schemas.microsoft.com/office/drawing/2010/main" w="9525">
+                <a14:hiddenLine xmlns:a14="http://schemas.microsoft.com/office/drawing/2010/main" xmlns:a16="http://schemas.microsoft.com/office/drawing/2014/main" xmlns="" w="9525">
                   <a:solidFill>
                     <a:srgbClr val="000000"/>
                   </a:solidFill>
@@ -23944,7 +23959,7 @@
             </a:ln>
             <a:extLst>
               <a:ext uri="{91240B29-F687-4f45-9708-019B960494DF}">
-                <a14:hiddenLine xmlns="" xmlns:a16="http://schemas.microsoft.com/office/drawing/2014/main" xmlns:a14="http://schemas.microsoft.com/office/drawing/2010/main" w="9525">
+                <a14:hiddenLine xmlns:a14="http://schemas.microsoft.com/office/drawing/2010/main" xmlns:a16="http://schemas.microsoft.com/office/drawing/2014/main" xmlns="" w="9525">
                   <a:solidFill>
                     <a:srgbClr val="000000"/>
                   </a:solidFill>
@@ -24027,7 +24042,7 @@
             </a:ln>
             <a:extLst>
               <a:ext uri="{91240B29-F687-4f45-9708-019B960494DF}">
-                <a14:hiddenLine xmlns="" xmlns:a16="http://schemas.microsoft.com/office/drawing/2014/main" xmlns:a14="http://schemas.microsoft.com/office/drawing/2010/main" w="9525">
+                <a14:hiddenLine xmlns:a14="http://schemas.microsoft.com/office/drawing/2010/main" xmlns:a16="http://schemas.microsoft.com/office/drawing/2014/main" xmlns="" w="9525">
                   <a:solidFill>
                     <a:srgbClr val="000000"/>
                   </a:solidFill>
@@ -24104,7 +24119,7 @@
             </a:ln>
             <a:extLst>
               <a:ext uri="{91240B29-F687-4f45-9708-019B960494DF}">
-                <a14:hiddenLine xmlns="" xmlns:a16="http://schemas.microsoft.com/office/drawing/2014/main" xmlns:a14="http://schemas.microsoft.com/office/drawing/2010/main" w="9525">
+                <a14:hiddenLine xmlns:a14="http://schemas.microsoft.com/office/drawing/2010/main" xmlns:a16="http://schemas.microsoft.com/office/drawing/2014/main" xmlns="" w="9525">
                   <a:solidFill>
                     <a:srgbClr val="000000"/>
                   </a:solidFill>
@@ -24209,7 +24224,7 @@
             </a:ln>
             <a:extLst>
               <a:ext uri="{91240B29-F687-4f45-9708-019B960494DF}">
-                <a14:hiddenLine xmlns="" xmlns:a16="http://schemas.microsoft.com/office/drawing/2014/main" xmlns:a14="http://schemas.microsoft.com/office/drawing/2010/main" w="9525">
+                <a14:hiddenLine xmlns:a14="http://schemas.microsoft.com/office/drawing/2010/main" xmlns:a16="http://schemas.microsoft.com/office/drawing/2014/main" xmlns="" w="9525">
                   <a:solidFill>
                     <a:srgbClr val="000000"/>
                   </a:solidFill>
@@ -24286,7 +24301,7 @@
             </a:ln>
             <a:extLst>
               <a:ext uri="{91240B29-F687-4f45-9708-019B960494DF}">
-                <a14:hiddenLine xmlns="" xmlns:a16="http://schemas.microsoft.com/office/drawing/2014/main" xmlns:a14="http://schemas.microsoft.com/office/drawing/2010/main" w="9525">
+                <a14:hiddenLine xmlns:a14="http://schemas.microsoft.com/office/drawing/2010/main" xmlns:a16="http://schemas.microsoft.com/office/drawing/2014/main" xmlns="" w="9525">
                   <a:solidFill>
                     <a:srgbClr val="000000"/>
                   </a:solidFill>
@@ -24391,7 +24406,7 @@
             </a:ln>
             <a:extLst>
               <a:ext uri="{91240B29-F687-4f45-9708-019B960494DF}">
-                <a14:hiddenLine xmlns="" xmlns:a16="http://schemas.microsoft.com/office/drawing/2014/main" xmlns:a14="http://schemas.microsoft.com/office/drawing/2010/main" w="9525">
+                <a14:hiddenLine xmlns:a14="http://schemas.microsoft.com/office/drawing/2010/main" xmlns:a16="http://schemas.microsoft.com/office/drawing/2014/main" xmlns="" w="9525">
                   <a:solidFill>
                     <a:srgbClr val="000000"/>
                   </a:solidFill>
@@ -24468,7 +24483,7 @@
             </a:ln>
             <a:extLst>
               <a:ext uri="{91240B29-F687-4f45-9708-019B960494DF}">
-                <a14:hiddenLine xmlns="" xmlns:a16="http://schemas.microsoft.com/office/drawing/2014/main" xmlns:a14="http://schemas.microsoft.com/office/drawing/2010/main" w="9525">
+                <a14:hiddenLine xmlns:a14="http://schemas.microsoft.com/office/drawing/2010/main" xmlns:a16="http://schemas.microsoft.com/office/drawing/2014/main" xmlns="" w="9525">
                   <a:solidFill>
                     <a:srgbClr val="000000"/>
                   </a:solidFill>
@@ -24573,7 +24588,7 @@
             </a:ln>
             <a:extLst>
               <a:ext uri="{91240B29-F687-4f45-9708-019B960494DF}">
-                <a14:hiddenLine xmlns="" xmlns:a16="http://schemas.microsoft.com/office/drawing/2014/main" xmlns:a14="http://schemas.microsoft.com/office/drawing/2010/main" w="9525">
+                <a14:hiddenLine xmlns:a14="http://schemas.microsoft.com/office/drawing/2010/main" xmlns:a16="http://schemas.microsoft.com/office/drawing/2014/main" xmlns="" w="9525">
                   <a:solidFill>
                     <a:srgbClr val="000000"/>
                   </a:solidFill>
@@ -24622,7 +24637,7 @@
             </a:ln>
             <a:extLst>
               <a:ext uri="{91240B29-F687-4f45-9708-019B960494DF}">
-                <a14:hiddenLine xmlns="" xmlns:a16="http://schemas.microsoft.com/office/drawing/2014/main" xmlns:a14="http://schemas.microsoft.com/office/drawing/2010/main" w="9525">
+                <a14:hiddenLine xmlns:a14="http://schemas.microsoft.com/office/drawing/2010/main" xmlns:a16="http://schemas.microsoft.com/office/drawing/2014/main" xmlns="" w="9525">
                   <a:solidFill>
                     <a:srgbClr val="000000"/>
                   </a:solidFill>
@@ -24702,7 +24717,7 @@
             </a:ln>
             <a:extLst>
               <a:ext uri="{91240B29-F687-4f45-9708-019B960494DF}">
-                <a14:hiddenLine xmlns="" xmlns:a16="http://schemas.microsoft.com/office/drawing/2014/main" xmlns:a14="http://schemas.microsoft.com/office/drawing/2010/main" w="9525">
+                <a14:hiddenLine xmlns:a14="http://schemas.microsoft.com/office/drawing/2010/main" xmlns:a16="http://schemas.microsoft.com/office/drawing/2014/main" xmlns="" w="9525">
                   <a:solidFill>
                     <a:srgbClr val="000000"/>
                   </a:solidFill>
@@ -24807,7 +24822,7 @@
             </a:ln>
             <a:extLst>
               <a:ext uri="{91240B29-F687-4f45-9708-019B960494DF}">
-                <a14:hiddenLine xmlns="" xmlns:a16="http://schemas.microsoft.com/office/drawing/2014/main" xmlns:a14="http://schemas.microsoft.com/office/drawing/2010/main" w="9525">
+                <a14:hiddenLine xmlns:a14="http://schemas.microsoft.com/office/drawing/2010/main" xmlns:a16="http://schemas.microsoft.com/office/drawing/2014/main" xmlns="" w="9525">
                   <a:solidFill>
                     <a:srgbClr val="000000"/>
                   </a:solidFill>
@@ -24884,7 +24899,7 @@
             </a:ln>
             <a:extLst>
               <a:ext uri="{91240B29-F687-4f45-9708-019B960494DF}">
-                <a14:hiddenLine xmlns="" xmlns:a16="http://schemas.microsoft.com/office/drawing/2014/main" xmlns:a14="http://schemas.microsoft.com/office/drawing/2010/main" w="9525">
+                <a14:hiddenLine xmlns:a14="http://schemas.microsoft.com/office/drawing/2010/main" xmlns:a16="http://schemas.microsoft.com/office/drawing/2014/main" xmlns="" w="9525">
                   <a:solidFill>
                     <a:srgbClr val="000000"/>
                   </a:solidFill>
@@ -24989,7 +25004,7 @@
             </a:ln>
             <a:extLst>
               <a:ext uri="{91240B29-F687-4f45-9708-019B960494DF}">
-                <a14:hiddenLine xmlns="" xmlns:a16="http://schemas.microsoft.com/office/drawing/2014/main" xmlns:a14="http://schemas.microsoft.com/office/drawing/2010/main" w="9525">
+                <a14:hiddenLine xmlns:a14="http://schemas.microsoft.com/office/drawing/2010/main" xmlns:a16="http://schemas.microsoft.com/office/drawing/2014/main" xmlns="" w="9525">
                   <a:solidFill>
                     <a:srgbClr val="000000"/>
                   </a:solidFill>
@@ -25094,7 +25109,7 @@
             </a:ln>
             <a:extLst>
               <a:ext uri="{91240B29-F687-4f45-9708-019B960494DF}">
-                <a14:hiddenLine xmlns="" xmlns:a16="http://schemas.microsoft.com/office/drawing/2014/main" xmlns:a14="http://schemas.microsoft.com/office/drawing/2010/main" w="9525">
+                <a14:hiddenLine xmlns:a14="http://schemas.microsoft.com/office/drawing/2010/main" xmlns:a16="http://schemas.microsoft.com/office/drawing/2014/main" xmlns="" w="9525">
                   <a:solidFill>
                     <a:srgbClr val="000000"/>
                   </a:solidFill>
@@ -25174,7 +25189,7 @@
             </a:ln>
             <a:extLst>
               <a:ext uri="{91240B29-F687-4f45-9708-019B960494DF}">
-                <a14:hiddenLine xmlns="" xmlns:a16="http://schemas.microsoft.com/office/drawing/2014/main" xmlns:a14="http://schemas.microsoft.com/office/drawing/2010/main" w="9525">
+                <a14:hiddenLine xmlns:a14="http://schemas.microsoft.com/office/drawing/2010/main" xmlns:a16="http://schemas.microsoft.com/office/drawing/2014/main" xmlns="" w="9525">
                   <a:solidFill>
                     <a:srgbClr val="000000"/>
                   </a:solidFill>
@@ -25251,7 +25266,7 @@
             </a:ln>
             <a:extLst>
               <a:ext uri="{91240B29-F687-4f45-9708-019B960494DF}">
-                <a14:hiddenLine xmlns="" xmlns:a16="http://schemas.microsoft.com/office/drawing/2014/main" xmlns:a14="http://schemas.microsoft.com/office/drawing/2010/main" w="9525">
+                <a14:hiddenLine xmlns:a14="http://schemas.microsoft.com/office/drawing/2010/main" xmlns:a16="http://schemas.microsoft.com/office/drawing/2014/main" xmlns="" w="9525">
                   <a:solidFill>
                     <a:srgbClr val="000000"/>
                   </a:solidFill>
@@ -25356,7 +25371,7 @@
             </a:ln>
             <a:extLst>
               <a:ext uri="{91240B29-F687-4f45-9708-019B960494DF}">
-                <a14:hiddenLine xmlns="" xmlns:a16="http://schemas.microsoft.com/office/drawing/2014/main" xmlns:a14="http://schemas.microsoft.com/office/drawing/2010/main" w="9525">
+                <a14:hiddenLine xmlns:a14="http://schemas.microsoft.com/office/drawing/2010/main" xmlns:a16="http://schemas.microsoft.com/office/drawing/2014/main" xmlns="" w="9525">
                   <a:solidFill>
                     <a:srgbClr val="000000"/>
                   </a:solidFill>
@@ -25461,7 +25476,7 @@
             </a:ln>
             <a:extLst>
               <a:ext uri="{91240B29-F687-4f45-9708-019B960494DF}">
-                <a14:hiddenLine xmlns="" xmlns:a16="http://schemas.microsoft.com/office/drawing/2014/main" xmlns:a14="http://schemas.microsoft.com/office/drawing/2010/main" w="9525">
+                <a14:hiddenLine xmlns:a14="http://schemas.microsoft.com/office/drawing/2010/main" xmlns:a16="http://schemas.microsoft.com/office/drawing/2014/main" xmlns="" w="9525">
                   <a:solidFill>
                     <a:srgbClr val="000000"/>
                   </a:solidFill>
@@ -25538,7 +25553,7 @@
             </a:ln>
             <a:extLst>
               <a:ext uri="{91240B29-F687-4f45-9708-019B960494DF}">
-                <a14:hiddenLine xmlns="" xmlns:a16="http://schemas.microsoft.com/office/drawing/2014/main" xmlns:a14="http://schemas.microsoft.com/office/drawing/2010/main" w="9525">
+                <a14:hiddenLine xmlns:a14="http://schemas.microsoft.com/office/drawing/2010/main" xmlns:a16="http://schemas.microsoft.com/office/drawing/2014/main" xmlns="" w="9525">
                   <a:solidFill>
                     <a:srgbClr val="000000"/>
                   </a:solidFill>
@@ -25673,7 +25688,7 @@
             </a:ln>
             <a:extLst>
               <a:ext uri="{91240B29-F687-4f45-9708-019B960494DF}">
-                <a14:hiddenLine xmlns="" xmlns:a16="http://schemas.microsoft.com/office/drawing/2014/main" xmlns:a14="http://schemas.microsoft.com/office/drawing/2010/main" w="9525">
+                <a14:hiddenLine xmlns:a14="http://schemas.microsoft.com/office/drawing/2010/main" xmlns:a16="http://schemas.microsoft.com/office/drawing/2014/main" xmlns="" w="9525">
                   <a:solidFill>
                     <a:srgbClr val="000000"/>
                   </a:solidFill>
@@ -25756,7 +25771,7 @@
             </a:ln>
             <a:extLst>
               <a:ext uri="{91240B29-F687-4f45-9708-019B960494DF}">
-                <a14:hiddenLine xmlns="" xmlns:a16="http://schemas.microsoft.com/office/drawing/2014/main" xmlns:a14="http://schemas.microsoft.com/office/drawing/2010/main" w="9525">
+                <a14:hiddenLine xmlns:a14="http://schemas.microsoft.com/office/drawing/2010/main" xmlns:a16="http://schemas.microsoft.com/office/drawing/2014/main" xmlns="" w="9525">
                   <a:solidFill>
                     <a:srgbClr val="000000"/>
                   </a:solidFill>
@@ -25861,7 +25876,7 @@
             </a:ln>
             <a:extLst>
               <a:ext uri="{91240B29-F687-4f45-9708-019B960494DF}">
-                <a14:hiddenLine xmlns="" xmlns:a16="http://schemas.microsoft.com/office/drawing/2014/main" xmlns:a14="http://schemas.microsoft.com/office/drawing/2010/main" w="9525">
+                <a14:hiddenLine xmlns:a14="http://schemas.microsoft.com/office/drawing/2010/main" xmlns:a16="http://schemas.microsoft.com/office/drawing/2014/main" xmlns="" w="9525">
                   <a:solidFill>
                     <a:srgbClr val="000000"/>
                   </a:solidFill>
@@ -26018,7 +26033,7 @@
             <a:noFill/>
             <a:extLst>
               <a:ext uri="{909E8E84-426E-40dd-AFC4-6F175D3DCCD1}">
-                <a14:hiddenFill xmlns="" xmlns:a16="http://schemas.microsoft.com/office/drawing/2014/main" xmlns:p14="http://schemas.microsoft.com/office/powerpoint/2010/main" xmlns:a14="http://schemas.microsoft.com/office/drawing/2010/main">
+                <a14:hiddenFill xmlns:a14="http://schemas.microsoft.com/office/drawing/2010/main" xmlns:p14="http://schemas.microsoft.com/office/powerpoint/2010/main" xmlns:a16="http://schemas.microsoft.com/office/drawing/2014/main" xmlns="">
                   <a:solidFill>
                     <a:srgbClr val="FFFFFF"/>
                   </a:solidFill>
@@ -28118,7 +28133,7 @@
           <a:noFill/>
           <a:extLst>
             <a:ext uri="{909E8E84-426E-40dd-AFC4-6F175D3DCCD1}">
-              <a14:hiddenFill xmlns:a14="http://schemas.microsoft.com/office/drawing/2010/main" xmlns:a16="http://schemas.microsoft.com/office/drawing/2014/main" xmlns="">
+              <a14:hiddenFill xmlns="" xmlns:a16="http://schemas.microsoft.com/office/drawing/2014/main" xmlns:a14="http://schemas.microsoft.com/office/drawing/2010/main">
                 <a:solidFill>
                   <a:srgbClr val="FFFFFF"/>
                 </a:solidFill>
@@ -28210,7 +28225,7 @@
             </a:ln>
             <a:extLst>
               <a:ext uri="{91240B29-F687-4f45-9708-019B960494DF}">
-                <a14:hiddenLine xmlns:a14="http://schemas.microsoft.com/office/drawing/2010/main" xmlns:a16="http://schemas.microsoft.com/office/drawing/2014/main" xmlns="" w="9525">
+                <a14:hiddenLine xmlns="" xmlns:a16="http://schemas.microsoft.com/office/drawing/2014/main" xmlns:a14="http://schemas.microsoft.com/office/drawing/2010/main" w="9525">
                   <a:solidFill>
                     <a:srgbClr val="000000"/>
                   </a:solidFill>
@@ -28315,7 +28330,7 @@
             </a:ln>
             <a:extLst>
               <a:ext uri="{91240B29-F687-4f45-9708-019B960494DF}">
-                <a14:hiddenLine xmlns:a14="http://schemas.microsoft.com/office/drawing/2010/main" xmlns:a16="http://schemas.microsoft.com/office/drawing/2014/main" xmlns="" w="9525">
+                <a14:hiddenLine xmlns="" xmlns:a16="http://schemas.microsoft.com/office/drawing/2014/main" xmlns:a14="http://schemas.microsoft.com/office/drawing/2010/main" w="9525">
                   <a:solidFill>
                     <a:srgbClr val="000000"/>
                   </a:solidFill>
@@ -28420,7 +28435,7 @@
             </a:ln>
             <a:extLst>
               <a:ext uri="{91240B29-F687-4f45-9708-019B960494DF}">
-                <a14:hiddenLine xmlns:a14="http://schemas.microsoft.com/office/drawing/2010/main" xmlns:a16="http://schemas.microsoft.com/office/drawing/2014/main" xmlns="" w="9525">
+                <a14:hiddenLine xmlns="" xmlns:a16="http://schemas.microsoft.com/office/drawing/2014/main" xmlns:a14="http://schemas.microsoft.com/office/drawing/2010/main" w="9525">
                   <a:solidFill>
                     <a:srgbClr val="000000"/>
                   </a:solidFill>
@@ -28469,7 +28484,7 @@
             </a:ln>
             <a:extLst>
               <a:ext uri="{91240B29-F687-4f45-9708-019B960494DF}">
-                <a14:hiddenLine xmlns:a14="http://schemas.microsoft.com/office/drawing/2010/main" xmlns:a16="http://schemas.microsoft.com/office/drawing/2014/main" xmlns="" w="9525">
+                <a14:hiddenLine xmlns="" xmlns:a16="http://schemas.microsoft.com/office/drawing/2014/main" xmlns:a14="http://schemas.microsoft.com/office/drawing/2010/main" w="9525">
                   <a:solidFill>
                     <a:srgbClr val="000000"/>
                   </a:solidFill>
@@ -28574,7 +28589,7 @@
             </a:ln>
             <a:extLst>
               <a:ext uri="{91240B29-F687-4f45-9708-019B960494DF}">
-                <a14:hiddenLine xmlns:a14="http://schemas.microsoft.com/office/drawing/2010/main" xmlns:a16="http://schemas.microsoft.com/office/drawing/2014/main" xmlns="" w="9525">
+                <a14:hiddenLine xmlns="" xmlns:a16="http://schemas.microsoft.com/office/drawing/2014/main" xmlns:a14="http://schemas.microsoft.com/office/drawing/2010/main" w="9525">
                   <a:solidFill>
                     <a:srgbClr val="000000"/>
                   </a:solidFill>
@@ -28651,7 +28666,7 @@
             </a:ln>
             <a:extLst>
               <a:ext uri="{91240B29-F687-4f45-9708-019B960494DF}">
-                <a14:hiddenLine xmlns:a14="http://schemas.microsoft.com/office/drawing/2010/main" xmlns:a16="http://schemas.microsoft.com/office/drawing/2014/main" xmlns="" w="9525">
+                <a14:hiddenLine xmlns="" xmlns:a16="http://schemas.microsoft.com/office/drawing/2014/main" xmlns:a14="http://schemas.microsoft.com/office/drawing/2010/main" w="9525">
                   <a:solidFill>
                     <a:srgbClr val="000000"/>
                   </a:solidFill>
@@ -28728,7 +28743,7 @@
             </a:ln>
             <a:extLst>
               <a:ext uri="{91240B29-F687-4f45-9708-019B960494DF}">
-                <a14:hiddenLine xmlns:a14="http://schemas.microsoft.com/office/drawing/2010/main" xmlns:a16="http://schemas.microsoft.com/office/drawing/2014/main" xmlns="" w="9525">
+                <a14:hiddenLine xmlns="" xmlns:a16="http://schemas.microsoft.com/office/drawing/2014/main" xmlns:a14="http://schemas.microsoft.com/office/drawing/2010/main" w="9525">
                   <a:solidFill>
                     <a:srgbClr val="000000"/>
                   </a:solidFill>
@@ -28833,7 +28848,7 @@
             </a:ln>
             <a:extLst>
               <a:ext uri="{91240B29-F687-4f45-9708-019B960494DF}">
-                <a14:hiddenLine xmlns:a14="http://schemas.microsoft.com/office/drawing/2010/main" xmlns:a16="http://schemas.microsoft.com/office/drawing/2014/main" xmlns="" w="9525">
+                <a14:hiddenLine xmlns="" xmlns:a16="http://schemas.microsoft.com/office/drawing/2014/main" xmlns:a14="http://schemas.microsoft.com/office/drawing/2010/main" w="9525">
                   <a:solidFill>
                     <a:srgbClr val="000000"/>
                   </a:solidFill>
@@ -28910,7 +28925,7 @@
             </a:ln>
             <a:extLst>
               <a:ext uri="{91240B29-F687-4f45-9708-019B960494DF}">
-                <a14:hiddenLine xmlns:a14="http://schemas.microsoft.com/office/drawing/2010/main" xmlns:a16="http://schemas.microsoft.com/office/drawing/2014/main" xmlns="" w="9525">
+                <a14:hiddenLine xmlns="" xmlns:a16="http://schemas.microsoft.com/office/drawing/2014/main" xmlns:a14="http://schemas.microsoft.com/office/drawing/2010/main" w="9525">
                   <a:solidFill>
                     <a:srgbClr val="000000"/>
                   </a:solidFill>
@@ -28987,7 +29002,7 @@
             </a:ln>
             <a:extLst>
               <a:ext uri="{91240B29-F687-4f45-9708-019B960494DF}">
-                <a14:hiddenLine xmlns:a14="http://schemas.microsoft.com/office/drawing/2010/main" xmlns:a16="http://schemas.microsoft.com/office/drawing/2014/main" xmlns="" w="9525">
+                <a14:hiddenLine xmlns="" xmlns:a16="http://schemas.microsoft.com/office/drawing/2014/main" xmlns:a14="http://schemas.microsoft.com/office/drawing/2010/main" w="9525">
                   <a:solidFill>
                     <a:srgbClr val="000000"/>
                   </a:solidFill>
@@ -29092,7 +29107,7 @@
             </a:ln>
             <a:extLst>
               <a:ext uri="{91240B29-F687-4f45-9708-019B960494DF}">
-                <a14:hiddenLine xmlns:a14="http://schemas.microsoft.com/office/drawing/2010/main" xmlns:a16="http://schemas.microsoft.com/office/drawing/2014/main" xmlns="" w="9525">
+                <a14:hiddenLine xmlns="" xmlns:a16="http://schemas.microsoft.com/office/drawing/2014/main" xmlns:a14="http://schemas.microsoft.com/office/drawing/2010/main" w="9525">
                   <a:solidFill>
                     <a:srgbClr val="000000"/>
                   </a:solidFill>
@@ -29197,7 +29212,7 @@
             </a:ln>
             <a:extLst>
               <a:ext uri="{91240B29-F687-4f45-9708-019B960494DF}">
-                <a14:hiddenLine xmlns:a14="http://schemas.microsoft.com/office/drawing/2010/main" xmlns:a16="http://schemas.microsoft.com/office/drawing/2014/main" xmlns="" w="9525">
+                <a14:hiddenLine xmlns="" xmlns:a16="http://schemas.microsoft.com/office/drawing/2014/main" xmlns:a14="http://schemas.microsoft.com/office/drawing/2010/main" w="9525">
                   <a:solidFill>
                     <a:srgbClr val="000000"/>
                   </a:solidFill>
@@ -29274,7 +29289,7 @@
             </a:ln>
             <a:extLst>
               <a:ext uri="{91240B29-F687-4f45-9708-019B960494DF}">
-                <a14:hiddenLine xmlns:a14="http://schemas.microsoft.com/office/drawing/2010/main" xmlns:a16="http://schemas.microsoft.com/office/drawing/2014/main" xmlns="" w="9525">
+                <a14:hiddenLine xmlns="" xmlns:a16="http://schemas.microsoft.com/office/drawing/2014/main" xmlns:a14="http://schemas.microsoft.com/office/drawing/2010/main" w="9525">
                   <a:solidFill>
                     <a:srgbClr val="000000"/>
                   </a:solidFill>
@@ -29399,7 +29414,7 @@
             </a:ln>
             <a:extLst>
               <a:ext uri="{91240B29-F687-4f45-9708-019B960494DF}">
-                <a14:hiddenLine xmlns:a14="http://schemas.microsoft.com/office/drawing/2010/main" xmlns:a16="http://schemas.microsoft.com/office/drawing/2014/main" xmlns="" w="9525">
+                <a14:hiddenLine xmlns="" xmlns:a16="http://schemas.microsoft.com/office/drawing/2014/main" xmlns:a14="http://schemas.microsoft.com/office/drawing/2010/main" w="9525">
                   <a:solidFill>
                     <a:srgbClr val="000000"/>
                   </a:solidFill>
@@ -29476,7 +29491,7 @@
             </a:ln>
             <a:extLst>
               <a:ext uri="{91240B29-F687-4f45-9708-019B960494DF}">
-                <a14:hiddenLine xmlns:a14="http://schemas.microsoft.com/office/drawing/2010/main" xmlns:a16="http://schemas.microsoft.com/office/drawing/2014/main" xmlns="" w="9525">
+                <a14:hiddenLine xmlns="" xmlns:a16="http://schemas.microsoft.com/office/drawing/2014/main" xmlns:a14="http://schemas.microsoft.com/office/drawing/2010/main" w="9525">
                   <a:solidFill>
                     <a:srgbClr val="000000"/>
                   </a:solidFill>
@@ -29581,7 +29596,7 @@
             </a:ln>
             <a:extLst>
               <a:ext uri="{91240B29-F687-4f45-9708-019B960494DF}">
-                <a14:hiddenLine xmlns:a14="http://schemas.microsoft.com/office/drawing/2010/main" xmlns:a16="http://schemas.microsoft.com/office/drawing/2014/main" xmlns="" w="9525">
+                <a14:hiddenLine xmlns="" xmlns:a16="http://schemas.microsoft.com/office/drawing/2014/main" xmlns:a14="http://schemas.microsoft.com/office/drawing/2010/main" w="9525">
                   <a:solidFill>
                     <a:srgbClr val="000000"/>
                   </a:solidFill>
@@ -29686,7 +29701,7 @@
             </a:ln>
             <a:extLst>
               <a:ext uri="{91240B29-F687-4f45-9708-019B960494DF}">
-                <a14:hiddenLine xmlns:a14="http://schemas.microsoft.com/office/drawing/2010/main" xmlns:a16="http://schemas.microsoft.com/office/drawing/2014/main" xmlns="" w="9525">
+                <a14:hiddenLine xmlns="" xmlns:a16="http://schemas.microsoft.com/office/drawing/2014/main" xmlns:a14="http://schemas.microsoft.com/office/drawing/2010/main" w="9525">
                   <a:solidFill>
                     <a:srgbClr val="000000"/>
                   </a:solidFill>
@@ -29763,7 +29778,7 @@
             </a:ln>
             <a:extLst>
               <a:ext uri="{91240B29-F687-4f45-9708-019B960494DF}">
-                <a14:hiddenLine xmlns:a14="http://schemas.microsoft.com/office/drawing/2010/main" xmlns:a16="http://schemas.microsoft.com/office/drawing/2014/main" xmlns="" w="9525">
+                <a14:hiddenLine xmlns="" xmlns:a16="http://schemas.microsoft.com/office/drawing/2014/main" xmlns:a14="http://schemas.microsoft.com/office/drawing/2010/main" w="9525">
                   <a:solidFill>
                     <a:srgbClr val="000000"/>
                   </a:solidFill>
@@ -29868,7 +29883,7 @@
             </a:ln>
             <a:extLst>
               <a:ext uri="{91240B29-F687-4f45-9708-019B960494DF}">
-                <a14:hiddenLine xmlns:a14="http://schemas.microsoft.com/office/drawing/2010/main" xmlns:a16="http://schemas.microsoft.com/office/drawing/2014/main" xmlns="" w="9525">
+                <a14:hiddenLine xmlns="" xmlns:a16="http://schemas.microsoft.com/office/drawing/2014/main" xmlns:a14="http://schemas.microsoft.com/office/drawing/2010/main" w="9525">
                   <a:solidFill>
                     <a:srgbClr val="000000"/>
                   </a:solidFill>
@@ -29973,7 +29988,7 @@
             </a:ln>
             <a:extLst>
               <a:ext uri="{91240B29-F687-4f45-9708-019B960494DF}">
-                <a14:hiddenLine xmlns:a14="http://schemas.microsoft.com/office/drawing/2010/main" xmlns:a16="http://schemas.microsoft.com/office/drawing/2014/main" xmlns="" w="9525">
+                <a14:hiddenLine xmlns="" xmlns:a16="http://schemas.microsoft.com/office/drawing/2014/main" xmlns:a14="http://schemas.microsoft.com/office/drawing/2010/main" w="9525">
                   <a:solidFill>
                     <a:srgbClr val="000000"/>
                   </a:solidFill>
@@ -30044,7 +30059,7 @@
             </a:ln>
             <a:extLst>
               <a:ext uri="{91240B29-F687-4f45-9708-019B960494DF}">
-                <a14:hiddenLine xmlns:a14="http://schemas.microsoft.com/office/drawing/2010/main" xmlns:a16="http://schemas.microsoft.com/office/drawing/2014/main" xmlns="" w="9525">
+                <a14:hiddenLine xmlns="" xmlns:a16="http://schemas.microsoft.com/office/drawing/2014/main" xmlns:a14="http://schemas.microsoft.com/office/drawing/2010/main" w="9525">
                   <a:solidFill>
                     <a:srgbClr val="000000"/>
                   </a:solidFill>
@@ -30149,7 +30164,7 @@
             </a:ln>
             <a:extLst>
               <a:ext uri="{91240B29-F687-4f45-9708-019B960494DF}">
-                <a14:hiddenLine xmlns:a14="http://schemas.microsoft.com/office/drawing/2010/main" xmlns:a16="http://schemas.microsoft.com/office/drawing/2014/main" xmlns="" w="9525">
+                <a14:hiddenLine xmlns="" xmlns:a16="http://schemas.microsoft.com/office/drawing/2014/main" xmlns:a14="http://schemas.microsoft.com/office/drawing/2010/main" w="9525">
                   <a:solidFill>
                     <a:srgbClr val="000000"/>
                   </a:solidFill>
@@ -30220,7 +30235,7 @@
             </a:ln>
             <a:extLst>
               <a:ext uri="{91240B29-F687-4f45-9708-019B960494DF}">
-                <a14:hiddenLine xmlns:a14="http://schemas.microsoft.com/office/drawing/2010/main" xmlns:a16="http://schemas.microsoft.com/office/drawing/2014/main" xmlns="" w="9525">
+                <a14:hiddenLine xmlns="" xmlns:a16="http://schemas.microsoft.com/office/drawing/2014/main" xmlns:a14="http://schemas.microsoft.com/office/drawing/2010/main" w="9525">
                   <a:solidFill>
                     <a:srgbClr val="000000"/>
                   </a:solidFill>
@@ -30325,7 +30340,7 @@
             </a:ln>
             <a:extLst>
               <a:ext uri="{91240B29-F687-4f45-9708-019B960494DF}">
-                <a14:hiddenLine xmlns:a14="http://schemas.microsoft.com/office/drawing/2010/main" xmlns:a16="http://schemas.microsoft.com/office/drawing/2014/main" xmlns="" w="9525">
+                <a14:hiddenLine xmlns="" xmlns:a16="http://schemas.microsoft.com/office/drawing/2014/main" xmlns:a14="http://schemas.microsoft.com/office/drawing/2010/main" w="9525">
                   <a:solidFill>
                     <a:srgbClr val="000000"/>
                   </a:solidFill>
@@ -30408,7 +30423,7 @@
             </a:ln>
             <a:extLst>
               <a:ext uri="{91240B29-F687-4f45-9708-019B960494DF}">
-                <a14:hiddenLine xmlns:a14="http://schemas.microsoft.com/office/drawing/2010/main" xmlns:a16="http://schemas.microsoft.com/office/drawing/2014/main" xmlns="" w="9525">
+                <a14:hiddenLine xmlns="" xmlns:a16="http://schemas.microsoft.com/office/drawing/2014/main" xmlns:a14="http://schemas.microsoft.com/office/drawing/2010/main" w="9525">
                   <a:solidFill>
                     <a:srgbClr val="000000"/>
                   </a:solidFill>
@@ -30513,7 +30528,7 @@
             </a:ln>
             <a:extLst>
               <a:ext uri="{91240B29-F687-4f45-9708-019B960494DF}">
-                <a14:hiddenLine xmlns:a14="http://schemas.microsoft.com/office/drawing/2010/main" xmlns:a16="http://schemas.microsoft.com/office/drawing/2014/main" xmlns="" w="9525">
+                <a14:hiddenLine xmlns="" xmlns:a16="http://schemas.microsoft.com/office/drawing/2014/main" xmlns:a14="http://schemas.microsoft.com/office/drawing/2010/main" w="9525">
                   <a:solidFill>
                     <a:srgbClr val="000000"/>
                   </a:solidFill>
@@ -30596,7 +30611,7 @@
             </a:ln>
             <a:extLst>
               <a:ext uri="{91240B29-F687-4f45-9708-019B960494DF}">
-                <a14:hiddenLine xmlns:a14="http://schemas.microsoft.com/office/drawing/2010/main" xmlns:a16="http://schemas.microsoft.com/office/drawing/2014/main" xmlns="" w="9525">
+                <a14:hiddenLine xmlns="" xmlns:a16="http://schemas.microsoft.com/office/drawing/2014/main" xmlns:a14="http://schemas.microsoft.com/office/drawing/2010/main" w="9525">
                   <a:solidFill>
                     <a:srgbClr val="000000"/>
                   </a:solidFill>
@@ -30701,7 +30716,7 @@
             </a:ln>
             <a:extLst>
               <a:ext uri="{91240B29-F687-4f45-9708-019B960494DF}">
-                <a14:hiddenLine xmlns:a14="http://schemas.microsoft.com/office/drawing/2010/main" xmlns:a16="http://schemas.microsoft.com/office/drawing/2014/main" xmlns="" w="9525">
+                <a14:hiddenLine xmlns="" xmlns:a16="http://schemas.microsoft.com/office/drawing/2014/main" xmlns:a14="http://schemas.microsoft.com/office/drawing/2010/main" w="9525">
                   <a:solidFill>
                     <a:srgbClr val="000000"/>
                   </a:solidFill>
@@ -30750,7 +30765,7 @@
             </a:ln>
             <a:extLst>
               <a:ext uri="{91240B29-F687-4f45-9708-019B960494DF}">
-                <a14:hiddenLine xmlns:a14="http://schemas.microsoft.com/office/drawing/2010/main" xmlns:a16="http://schemas.microsoft.com/office/drawing/2014/main" xmlns="" w="9525">
+                <a14:hiddenLine xmlns="" xmlns:a16="http://schemas.microsoft.com/office/drawing/2014/main" xmlns:a14="http://schemas.microsoft.com/office/drawing/2010/main" w="9525">
                   <a:solidFill>
                     <a:srgbClr val="000000"/>
                   </a:solidFill>
@@ -30855,7 +30870,7 @@
             </a:ln>
             <a:extLst>
               <a:ext uri="{91240B29-F687-4f45-9708-019B960494DF}">
-                <a14:hiddenLine xmlns:a14="http://schemas.microsoft.com/office/drawing/2010/main" xmlns:a16="http://schemas.microsoft.com/office/drawing/2014/main" xmlns="" w="9525">
+                <a14:hiddenLine xmlns="" xmlns:a16="http://schemas.microsoft.com/office/drawing/2014/main" xmlns:a14="http://schemas.microsoft.com/office/drawing/2010/main" w="9525">
                   <a:solidFill>
                     <a:srgbClr val="000000"/>
                   </a:solidFill>
@@ -30932,7 +30947,7 @@
             </a:ln>
             <a:extLst>
               <a:ext uri="{91240B29-F687-4f45-9708-019B960494DF}">
-                <a14:hiddenLine xmlns:a14="http://schemas.microsoft.com/office/drawing/2010/main" xmlns:a16="http://schemas.microsoft.com/office/drawing/2014/main" xmlns="" w="9525">
+                <a14:hiddenLine xmlns="" xmlns:a16="http://schemas.microsoft.com/office/drawing/2014/main" xmlns:a14="http://schemas.microsoft.com/office/drawing/2010/main" w="9525">
                   <a:solidFill>
                     <a:srgbClr val="000000"/>
                   </a:solidFill>
@@ -31009,7 +31024,7 @@
             </a:ln>
             <a:extLst>
               <a:ext uri="{91240B29-F687-4f45-9708-019B960494DF}">
-                <a14:hiddenLine xmlns:a14="http://schemas.microsoft.com/office/drawing/2010/main" xmlns:a16="http://schemas.microsoft.com/office/drawing/2014/main" xmlns="" w="9525">
+                <a14:hiddenLine xmlns="" xmlns:a16="http://schemas.microsoft.com/office/drawing/2014/main" xmlns:a14="http://schemas.microsoft.com/office/drawing/2010/main" w="9525">
                   <a:solidFill>
                     <a:srgbClr val="000000"/>
                   </a:solidFill>
@@ -31114,7 +31129,7 @@
             </a:ln>
             <a:extLst>
               <a:ext uri="{91240B29-F687-4f45-9708-019B960494DF}">
-                <a14:hiddenLine xmlns:a14="http://schemas.microsoft.com/office/drawing/2010/main" xmlns:a16="http://schemas.microsoft.com/office/drawing/2014/main" xmlns="" w="9525">
+                <a14:hiddenLine xmlns="" xmlns:a16="http://schemas.microsoft.com/office/drawing/2014/main" xmlns:a14="http://schemas.microsoft.com/office/drawing/2010/main" w="9525">
                   <a:solidFill>
                     <a:srgbClr val="000000"/>
                   </a:solidFill>
@@ -31197,7 +31212,7 @@
             </a:ln>
             <a:extLst>
               <a:ext uri="{91240B29-F687-4f45-9708-019B960494DF}">
-                <a14:hiddenLine xmlns:a14="http://schemas.microsoft.com/office/drawing/2010/main" xmlns:a16="http://schemas.microsoft.com/office/drawing/2014/main" xmlns="" w="9525">
+                <a14:hiddenLine xmlns="" xmlns:a16="http://schemas.microsoft.com/office/drawing/2014/main" xmlns:a14="http://schemas.microsoft.com/office/drawing/2010/main" w="9525">
                   <a:solidFill>
                     <a:srgbClr val="000000"/>
                   </a:solidFill>
@@ -31274,7 +31289,7 @@
             </a:ln>
             <a:extLst>
               <a:ext uri="{91240B29-F687-4f45-9708-019B960494DF}">
-                <a14:hiddenLine xmlns:a14="http://schemas.microsoft.com/office/drawing/2010/main" xmlns:a16="http://schemas.microsoft.com/office/drawing/2014/main" xmlns="" w="9525">
+                <a14:hiddenLine xmlns="" xmlns:a16="http://schemas.microsoft.com/office/drawing/2014/main" xmlns:a14="http://schemas.microsoft.com/office/drawing/2010/main" w="9525">
                   <a:solidFill>
                     <a:srgbClr val="000000"/>
                   </a:solidFill>
@@ -31379,7 +31394,7 @@
             </a:ln>
             <a:extLst>
               <a:ext uri="{91240B29-F687-4f45-9708-019B960494DF}">
-                <a14:hiddenLine xmlns:a14="http://schemas.microsoft.com/office/drawing/2010/main" xmlns:a16="http://schemas.microsoft.com/office/drawing/2014/main" xmlns="" w="9525">
+                <a14:hiddenLine xmlns="" xmlns:a16="http://schemas.microsoft.com/office/drawing/2014/main" xmlns:a14="http://schemas.microsoft.com/office/drawing/2010/main" w="9525">
                   <a:solidFill>
                     <a:srgbClr val="000000"/>
                   </a:solidFill>
@@ -31456,7 +31471,7 @@
             </a:ln>
             <a:extLst>
               <a:ext uri="{91240B29-F687-4f45-9708-019B960494DF}">
-                <a14:hiddenLine xmlns:a14="http://schemas.microsoft.com/office/drawing/2010/main" xmlns:a16="http://schemas.microsoft.com/office/drawing/2014/main" xmlns="" w="9525">
+                <a14:hiddenLine xmlns="" xmlns:a16="http://schemas.microsoft.com/office/drawing/2014/main" xmlns:a14="http://schemas.microsoft.com/office/drawing/2010/main" w="9525">
                   <a:solidFill>
                     <a:srgbClr val="000000"/>
                   </a:solidFill>
@@ -31561,7 +31576,7 @@
             </a:ln>
             <a:extLst>
               <a:ext uri="{91240B29-F687-4f45-9708-019B960494DF}">
-                <a14:hiddenLine xmlns:a14="http://schemas.microsoft.com/office/drawing/2010/main" xmlns:a16="http://schemas.microsoft.com/office/drawing/2014/main" xmlns="" w="9525">
+                <a14:hiddenLine xmlns="" xmlns:a16="http://schemas.microsoft.com/office/drawing/2014/main" xmlns:a14="http://schemas.microsoft.com/office/drawing/2010/main" w="9525">
                   <a:solidFill>
                     <a:srgbClr val="000000"/>
                   </a:solidFill>
@@ -31638,7 +31653,7 @@
             </a:ln>
             <a:extLst>
               <a:ext uri="{91240B29-F687-4f45-9708-019B960494DF}">
-                <a14:hiddenLine xmlns:a14="http://schemas.microsoft.com/office/drawing/2010/main" xmlns:a16="http://schemas.microsoft.com/office/drawing/2014/main" xmlns="" w="9525">
+                <a14:hiddenLine xmlns="" xmlns:a16="http://schemas.microsoft.com/office/drawing/2014/main" xmlns:a14="http://schemas.microsoft.com/office/drawing/2010/main" w="9525">
                   <a:solidFill>
                     <a:srgbClr val="000000"/>
                   </a:solidFill>
@@ -31743,7 +31758,7 @@
             </a:ln>
             <a:extLst>
               <a:ext uri="{91240B29-F687-4f45-9708-019B960494DF}">
-                <a14:hiddenLine xmlns:a14="http://schemas.microsoft.com/office/drawing/2010/main" xmlns:a16="http://schemas.microsoft.com/office/drawing/2014/main" xmlns="" w="9525">
+                <a14:hiddenLine xmlns="" xmlns:a16="http://schemas.microsoft.com/office/drawing/2014/main" xmlns:a14="http://schemas.microsoft.com/office/drawing/2010/main" w="9525">
                   <a:solidFill>
                     <a:srgbClr val="000000"/>
                   </a:solidFill>
@@ -31792,7 +31807,7 @@
             </a:ln>
             <a:extLst>
               <a:ext uri="{91240B29-F687-4f45-9708-019B960494DF}">
-                <a14:hiddenLine xmlns:a14="http://schemas.microsoft.com/office/drawing/2010/main" xmlns:a16="http://schemas.microsoft.com/office/drawing/2014/main" xmlns="" w="9525">
+                <a14:hiddenLine xmlns="" xmlns:a16="http://schemas.microsoft.com/office/drawing/2014/main" xmlns:a14="http://schemas.microsoft.com/office/drawing/2010/main" w="9525">
                   <a:solidFill>
                     <a:srgbClr val="000000"/>
                   </a:solidFill>
@@ -31872,7 +31887,7 @@
             </a:ln>
             <a:extLst>
               <a:ext uri="{91240B29-F687-4f45-9708-019B960494DF}">
-                <a14:hiddenLine xmlns:a14="http://schemas.microsoft.com/office/drawing/2010/main" xmlns:a16="http://schemas.microsoft.com/office/drawing/2014/main" xmlns="" w="9525">
+                <a14:hiddenLine xmlns="" xmlns:a16="http://schemas.microsoft.com/office/drawing/2014/main" xmlns:a14="http://schemas.microsoft.com/office/drawing/2010/main" w="9525">
                   <a:solidFill>
                     <a:srgbClr val="000000"/>
                   </a:solidFill>
@@ -31977,7 +31992,7 @@
             </a:ln>
             <a:extLst>
               <a:ext uri="{91240B29-F687-4f45-9708-019B960494DF}">
-                <a14:hiddenLine xmlns:a14="http://schemas.microsoft.com/office/drawing/2010/main" xmlns:a16="http://schemas.microsoft.com/office/drawing/2014/main" xmlns="" w="9525">
+                <a14:hiddenLine xmlns="" xmlns:a16="http://schemas.microsoft.com/office/drawing/2014/main" xmlns:a14="http://schemas.microsoft.com/office/drawing/2010/main" w="9525">
                   <a:solidFill>
                     <a:srgbClr val="000000"/>
                   </a:solidFill>
@@ -32054,7 +32069,7 @@
             </a:ln>
             <a:extLst>
               <a:ext uri="{91240B29-F687-4f45-9708-019B960494DF}">
-                <a14:hiddenLine xmlns:a14="http://schemas.microsoft.com/office/drawing/2010/main" xmlns:a16="http://schemas.microsoft.com/office/drawing/2014/main" xmlns="" w="9525">
+                <a14:hiddenLine xmlns="" xmlns:a16="http://schemas.microsoft.com/office/drawing/2014/main" xmlns:a14="http://schemas.microsoft.com/office/drawing/2010/main" w="9525">
                   <a:solidFill>
                     <a:srgbClr val="000000"/>
                   </a:solidFill>
@@ -32159,7 +32174,7 @@
             </a:ln>
             <a:extLst>
               <a:ext uri="{91240B29-F687-4f45-9708-019B960494DF}">
-                <a14:hiddenLine xmlns:a14="http://schemas.microsoft.com/office/drawing/2010/main" xmlns:a16="http://schemas.microsoft.com/office/drawing/2014/main" xmlns="" w="9525">
+                <a14:hiddenLine xmlns="" xmlns:a16="http://schemas.microsoft.com/office/drawing/2014/main" xmlns:a14="http://schemas.microsoft.com/office/drawing/2010/main" w="9525">
                   <a:solidFill>
                     <a:srgbClr val="000000"/>
                   </a:solidFill>
@@ -32264,7 +32279,7 @@
             </a:ln>
             <a:extLst>
               <a:ext uri="{91240B29-F687-4f45-9708-019B960494DF}">
-                <a14:hiddenLine xmlns:a14="http://schemas.microsoft.com/office/drawing/2010/main" xmlns:a16="http://schemas.microsoft.com/office/drawing/2014/main" xmlns="" w="9525">
+                <a14:hiddenLine xmlns="" xmlns:a16="http://schemas.microsoft.com/office/drawing/2014/main" xmlns:a14="http://schemas.microsoft.com/office/drawing/2010/main" w="9525">
                   <a:solidFill>
                     <a:srgbClr val="000000"/>
                   </a:solidFill>
@@ -32344,7 +32359,7 @@
             </a:ln>
             <a:extLst>
               <a:ext uri="{91240B29-F687-4f45-9708-019B960494DF}">
-                <a14:hiddenLine xmlns:a14="http://schemas.microsoft.com/office/drawing/2010/main" xmlns:a16="http://schemas.microsoft.com/office/drawing/2014/main" xmlns="" w="9525">
+                <a14:hiddenLine xmlns="" xmlns:a16="http://schemas.microsoft.com/office/drawing/2014/main" xmlns:a14="http://schemas.microsoft.com/office/drawing/2010/main" w="9525">
                   <a:solidFill>
                     <a:srgbClr val="000000"/>
                   </a:solidFill>
@@ -32421,7 +32436,7 @@
             </a:ln>
             <a:extLst>
               <a:ext uri="{91240B29-F687-4f45-9708-019B960494DF}">
-                <a14:hiddenLine xmlns:a14="http://schemas.microsoft.com/office/drawing/2010/main" xmlns:a16="http://schemas.microsoft.com/office/drawing/2014/main" xmlns="" w="9525">
+                <a14:hiddenLine xmlns="" xmlns:a16="http://schemas.microsoft.com/office/drawing/2014/main" xmlns:a14="http://schemas.microsoft.com/office/drawing/2010/main" w="9525">
                   <a:solidFill>
                     <a:srgbClr val="000000"/>
                   </a:solidFill>
@@ -32526,7 +32541,7 @@
             </a:ln>
             <a:extLst>
               <a:ext uri="{91240B29-F687-4f45-9708-019B960494DF}">
-                <a14:hiddenLine xmlns:a14="http://schemas.microsoft.com/office/drawing/2010/main" xmlns:a16="http://schemas.microsoft.com/office/drawing/2014/main" xmlns="" w="9525">
+                <a14:hiddenLine xmlns="" xmlns:a16="http://schemas.microsoft.com/office/drawing/2014/main" xmlns:a14="http://schemas.microsoft.com/office/drawing/2010/main" w="9525">
                   <a:solidFill>
                     <a:srgbClr val="000000"/>
                   </a:solidFill>
@@ -32631,7 +32646,7 @@
             </a:ln>
             <a:extLst>
               <a:ext uri="{91240B29-F687-4f45-9708-019B960494DF}">
-                <a14:hiddenLine xmlns:a14="http://schemas.microsoft.com/office/drawing/2010/main" xmlns:a16="http://schemas.microsoft.com/office/drawing/2014/main" xmlns="" w="9525">
+                <a14:hiddenLine xmlns="" xmlns:a16="http://schemas.microsoft.com/office/drawing/2014/main" xmlns:a14="http://schemas.microsoft.com/office/drawing/2010/main" w="9525">
                   <a:solidFill>
                     <a:srgbClr val="000000"/>
                   </a:solidFill>
@@ -32708,7 +32723,7 @@
             </a:ln>
             <a:extLst>
               <a:ext uri="{91240B29-F687-4f45-9708-019B960494DF}">
-                <a14:hiddenLine xmlns:a14="http://schemas.microsoft.com/office/drawing/2010/main" xmlns:a16="http://schemas.microsoft.com/office/drawing/2014/main" xmlns="" w="9525">
+                <a14:hiddenLine xmlns="" xmlns:a16="http://schemas.microsoft.com/office/drawing/2014/main" xmlns:a14="http://schemas.microsoft.com/office/drawing/2010/main" w="9525">
                   <a:solidFill>
                     <a:srgbClr val="000000"/>
                   </a:solidFill>
@@ -32843,7 +32858,7 @@
             </a:ln>
             <a:extLst>
               <a:ext uri="{91240B29-F687-4f45-9708-019B960494DF}">
-                <a14:hiddenLine xmlns:a14="http://schemas.microsoft.com/office/drawing/2010/main" xmlns:a16="http://schemas.microsoft.com/office/drawing/2014/main" xmlns="" w="9525">
+                <a14:hiddenLine xmlns="" xmlns:a16="http://schemas.microsoft.com/office/drawing/2014/main" xmlns:a14="http://schemas.microsoft.com/office/drawing/2010/main" w="9525">
                   <a:solidFill>
                     <a:srgbClr val="000000"/>
                   </a:solidFill>
@@ -32926,7 +32941,7 @@
             </a:ln>
             <a:extLst>
               <a:ext uri="{91240B29-F687-4f45-9708-019B960494DF}">
-                <a14:hiddenLine xmlns:a14="http://schemas.microsoft.com/office/drawing/2010/main" xmlns:a16="http://schemas.microsoft.com/office/drawing/2014/main" xmlns="" w="9525">
+                <a14:hiddenLine xmlns="" xmlns:a16="http://schemas.microsoft.com/office/drawing/2014/main" xmlns:a14="http://schemas.microsoft.com/office/drawing/2010/main" w="9525">
                   <a:solidFill>
                     <a:srgbClr val="000000"/>
                   </a:solidFill>
@@ -33031,7 +33046,7 @@
             </a:ln>
             <a:extLst>
               <a:ext uri="{91240B29-F687-4f45-9708-019B960494DF}">
-                <a14:hiddenLine xmlns:a14="http://schemas.microsoft.com/office/drawing/2010/main" xmlns:a16="http://schemas.microsoft.com/office/drawing/2014/main" xmlns="" w="9525">
+                <a14:hiddenLine xmlns="" xmlns:a16="http://schemas.microsoft.com/office/drawing/2014/main" xmlns:a14="http://schemas.microsoft.com/office/drawing/2010/main" w="9525">
                   <a:solidFill>
                     <a:srgbClr val="000000"/>
                   </a:solidFill>
@@ -33188,7 +33203,7 @@
             <a:noFill/>
             <a:extLst>
               <a:ext uri="{909E8E84-426E-40dd-AFC4-6F175D3DCCD1}">
-                <a14:hiddenFill xmlns:a14="http://schemas.microsoft.com/office/drawing/2010/main" xmlns:p14="http://schemas.microsoft.com/office/powerpoint/2010/main" xmlns:a16="http://schemas.microsoft.com/office/drawing/2014/main" xmlns="">
+                <a14:hiddenFill xmlns="" xmlns:a16="http://schemas.microsoft.com/office/drawing/2014/main" xmlns:p14="http://schemas.microsoft.com/office/powerpoint/2010/main" xmlns:a14="http://schemas.microsoft.com/office/drawing/2010/main">
                   <a:solidFill>
                     <a:srgbClr val="FFFFFF"/>
                   </a:solidFill>
@@ -35376,7 +35391,7 @@
             </a:ln>
             <a:extLst>
               <a:ext uri="{91240B29-F687-4f45-9708-019B960494DF}">
-                <a14:hiddenLine xmlns:a14="http://schemas.microsoft.com/office/drawing/2010/main" xmlns:p14="http://schemas.microsoft.com/office/powerpoint/2010/main" xmlns:a16="http://schemas.microsoft.com/office/drawing/2014/main" xmlns="" w="9525">
+                <a14:hiddenLine xmlns="" xmlns:a16="http://schemas.microsoft.com/office/drawing/2014/main" xmlns:p14="http://schemas.microsoft.com/office/powerpoint/2010/main" xmlns:a14="http://schemas.microsoft.com/office/drawing/2010/main" w="9525">
                   <a:solidFill>
                     <a:srgbClr val="000000"/>
                   </a:solidFill>
@@ -35481,7 +35496,7 @@
             </a:ln>
             <a:extLst>
               <a:ext uri="{91240B29-F687-4f45-9708-019B960494DF}">
-                <a14:hiddenLine xmlns:a14="http://schemas.microsoft.com/office/drawing/2010/main" xmlns:p14="http://schemas.microsoft.com/office/powerpoint/2010/main" xmlns:a16="http://schemas.microsoft.com/office/drawing/2014/main" xmlns="" w="9525">
+                <a14:hiddenLine xmlns="" xmlns:a16="http://schemas.microsoft.com/office/drawing/2014/main" xmlns:p14="http://schemas.microsoft.com/office/powerpoint/2010/main" xmlns:a14="http://schemas.microsoft.com/office/drawing/2010/main" w="9525">
                   <a:solidFill>
                     <a:srgbClr val="000000"/>
                   </a:solidFill>
@@ -35586,7 +35601,7 @@
             </a:ln>
             <a:extLst>
               <a:ext uri="{91240B29-F687-4f45-9708-019B960494DF}">
-                <a14:hiddenLine xmlns:a14="http://schemas.microsoft.com/office/drawing/2010/main" xmlns:p14="http://schemas.microsoft.com/office/powerpoint/2010/main" xmlns:a16="http://schemas.microsoft.com/office/drawing/2014/main" xmlns="" w="9525">
+                <a14:hiddenLine xmlns="" xmlns:a16="http://schemas.microsoft.com/office/drawing/2014/main" xmlns:p14="http://schemas.microsoft.com/office/powerpoint/2010/main" xmlns:a14="http://schemas.microsoft.com/office/drawing/2010/main" w="9525">
                   <a:solidFill>
                     <a:srgbClr val="000000"/>
                   </a:solidFill>
@@ -35663,7 +35678,7 @@
             </a:ln>
             <a:extLst>
               <a:ext uri="{91240B29-F687-4f45-9708-019B960494DF}">
-                <a14:hiddenLine xmlns:a14="http://schemas.microsoft.com/office/drawing/2010/main" xmlns:p14="http://schemas.microsoft.com/office/powerpoint/2010/main" xmlns:a16="http://schemas.microsoft.com/office/drawing/2014/main" xmlns="" w="9525">
+                <a14:hiddenLine xmlns="" xmlns:a16="http://schemas.microsoft.com/office/drawing/2014/main" xmlns:p14="http://schemas.microsoft.com/office/powerpoint/2010/main" xmlns:a14="http://schemas.microsoft.com/office/drawing/2010/main" w="9525">
                   <a:solidFill>
                     <a:srgbClr val="000000"/>
                   </a:solidFill>
@@ -35768,7 +35783,7 @@
             </a:ln>
             <a:extLst>
               <a:ext uri="{91240B29-F687-4f45-9708-019B960494DF}">
-                <a14:hiddenLine xmlns:a14="http://schemas.microsoft.com/office/drawing/2010/main" xmlns:p14="http://schemas.microsoft.com/office/powerpoint/2010/main" xmlns:a16="http://schemas.microsoft.com/office/drawing/2014/main" xmlns="" w="9525">
+                <a14:hiddenLine xmlns="" xmlns:a16="http://schemas.microsoft.com/office/drawing/2014/main" xmlns:p14="http://schemas.microsoft.com/office/powerpoint/2010/main" xmlns:a14="http://schemas.microsoft.com/office/drawing/2010/main" w="9525">
                   <a:solidFill>
                     <a:srgbClr val="000000"/>
                   </a:solidFill>
@@ -35845,7 +35860,7 @@
             </a:ln>
             <a:extLst>
               <a:ext uri="{91240B29-F687-4f45-9708-019B960494DF}">
-                <a14:hiddenLine xmlns:a14="http://schemas.microsoft.com/office/drawing/2010/main" xmlns:p14="http://schemas.microsoft.com/office/powerpoint/2010/main" xmlns:a16="http://schemas.microsoft.com/office/drawing/2014/main" xmlns="" w="9525">
+                <a14:hiddenLine xmlns="" xmlns:a16="http://schemas.microsoft.com/office/drawing/2014/main" xmlns:p14="http://schemas.microsoft.com/office/powerpoint/2010/main" xmlns:a14="http://schemas.microsoft.com/office/drawing/2010/main" w="9525">
                   <a:solidFill>
                     <a:srgbClr val="000000"/>
                   </a:solidFill>
@@ -35922,7 +35937,7 @@
             </a:ln>
             <a:extLst>
               <a:ext uri="{91240B29-F687-4f45-9708-019B960494DF}">
-                <a14:hiddenLine xmlns:a14="http://schemas.microsoft.com/office/drawing/2010/main" xmlns:p14="http://schemas.microsoft.com/office/powerpoint/2010/main" xmlns:a16="http://schemas.microsoft.com/office/drawing/2014/main" xmlns="" w="9525">
+                <a14:hiddenLine xmlns="" xmlns:a16="http://schemas.microsoft.com/office/drawing/2014/main" xmlns:p14="http://schemas.microsoft.com/office/powerpoint/2010/main" xmlns:a14="http://schemas.microsoft.com/office/drawing/2010/main" w="9525">
                   <a:solidFill>
                     <a:srgbClr val="000000"/>
                   </a:solidFill>
@@ -36027,7 +36042,7 @@
             </a:ln>
             <a:extLst>
               <a:ext uri="{91240B29-F687-4f45-9708-019B960494DF}">
-                <a14:hiddenLine xmlns:a14="http://schemas.microsoft.com/office/drawing/2010/main" xmlns:p14="http://schemas.microsoft.com/office/powerpoint/2010/main" xmlns:a16="http://schemas.microsoft.com/office/drawing/2014/main" xmlns="" w="9525">
+                <a14:hiddenLine xmlns="" xmlns:a16="http://schemas.microsoft.com/office/drawing/2014/main" xmlns:p14="http://schemas.microsoft.com/office/powerpoint/2010/main" xmlns:a14="http://schemas.microsoft.com/office/drawing/2010/main" w="9525">
                   <a:solidFill>
                     <a:srgbClr val="000000"/>
                   </a:solidFill>
@@ -36132,7 +36147,7 @@
             </a:ln>
             <a:extLst>
               <a:ext uri="{91240B29-F687-4f45-9708-019B960494DF}">
-                <a14:hiddenLine xmlns:a14="http://schemas.microsoft.com/office/drawing/2010/main" xmlns:p14="http://schemas.microsoft.com/office/powerpoint/2010/main" xmlns:a16="http://schemas.microsoft.com/office/drawing/2014/main" xmlns="" w="9525">
+                <a14:hiddenLine xmlns="" xmlns:a16="http://schemas.microsoft.com/office/drawing/2014/main" xmlns:p14="http://schemas.microsoft.com/office/powerpoint/2010/main" xmlns:a14="http://schemas.microsoft.com/office/drawing/2010/main" w="9525">
                   <a:solidFill>
                     <a:srgbClr val="000000"/>
                   </a:solidFill>
@@ -36209,7 +36224,7 @@
             </a:ln>
             <a:extLst>
               <a:ext uri="{91240B29-F687-4f45-9708-019B960494DF}">
-                <a14:hiddenLine xmlns:a14="http://schemas.microsoft.com/office/drawing/2010/main" xmlns:p14="http://schemas.microsoft.com/office/powerpoint/2010/main" xmlns:a16="http://schemas.microsoft.com/office/drawing/2014/main" xmlns="" w="9525">
+                <a14:hiddenLine xmlns="" xmlns:a16="http://schemas.microsoft.com/office/drawing/2014/main" xmlns:p14="http://schemas.microsoft.com/office/powerpoint/2010/main" xmlns:a14="http://schemas.microsoft.com/office/drawing/2010/main" w="9525">
                   <a:solidFill>
                     <a:srgbClr val="000000"/>
                   </a:solidFill>
@@ -36334,7 +36349,7 @@
             </a:ln>
             <a:extLst>
               <a:ext uri="{91240B29-F687-4f45-9708-019B960494DF}">
-                <a14:hiddenLine xmlns:a14="http://schemas.microsoft.com/office/drawing/2010/main" xmlns:p14="http://schemas.microsoft.com/office/powerpoint/2010/main" xmlns:a16="http://schemas.microsoft.com/office/drawing/2014/main" xmlns="" w="9525">
+                <a14:hiddenLine xmlns="" xmlns:a16="http://schemas.microsoft.com/office/drawing/2014/main" xmlns:p14="http://schemas.microsoft.com/office/powerpoint/2010/main" xmlns:a14="http://schemas.microsoft.com/office/drawing/2010/main" w="9525">
                   <a:solidFill>
                     <a:srgbClr val="000000"/>
                   </a:solidFill>
@@ -36448,7 +36463,7 @@
             </a:ln>
             <a:extLst>
               <a:ext uri="{91240B29-F687-4f45-9708-019B960494DF}">
-                <a14:hiddenLine xmlns:a14="http://schemas.microsoft.com/office/drawing/2010/main" xmlns:p14="http://schemas.microsoft.com/office/powerpoint/2010/main" xmlns:a16="http://schemas.microsoft.com/office/drawing/2014/main" xmlns="" w="9525">
+                <a14:hiddenLine xmlns="" xmlns:a16="http://schemas.microsoft.com/office/drawing/2014/main" xmlns:p14="http://schemas.microsoft.com/office/powerpoint/2010/main" xmlns:a14="http://schemas.microsoft.com/office/drawing/2010/main" w="9525">
                   <a:solidFill>
                     <a:srgbClr val="000000"/>
                   </a:solidFill>
@@ -36525,7 +36540,7 @@
             </a:ln>
             <a:extLst>
               <a:ext uri="{91240B29-F687-4f45-9708-019B960494DF}">
-                <a14:hiddenLine xmlns:a14="http://schemas.microsoft.com/office/drawing/2010/main" xmlns:p14="http://schemas.microsoft.com/office/powerpoint/2010/main" xmlns:a16="http://schemas.microsoft.com/office/drawing/2014/main" xmlns="" w="9525">
+                <a14:hiddenLine xmlns="" xmlns:a16="http://schemas.microsoft.com/office/drawing/2014/main" xmlns:p14="http://schemas.microsoft.com/office/powerpoint/2010/main" xmlns:a14="http://schemas.microsoft.com/office/drawing/2010/main" w="9525">
                   <a:solidFill>
                     <a:srgbClr val="000000"/>
                   </a:solidFill>
@@ -36602,7 +36617,7 @@
             </a:ln>
             <a:extLst>
               <a:ext uri="{91240B29-F687-4f45-9708-019B960494DF}">
-                <a14:hiddenLine xmlns:a14="http://schemas.microsoft.com/office/drawing/2010/main" xmlns:p14="http://schemas.microsoft.com/office/powerpoint/2010/main" xmlns:a16="http://schemas.microsoft.com/office/drawing/2014/main" xmlns="" w="9525">
+                <a14:hiddenLine xmlns="" xmlns:a16="http://schemas.microsoft.com/office/drawing/2014/main" xmlns:p14="http://schemas.microsoft.com/office/powerpoint/2010/main" xmlns:a14="http://schemas.microsoft.com/office/drawing/2010/main" w="9525">
                   <a:solidFill>
                     <a:srgbClr val="000000"/>
                   </a:solidFill>
@@ -36707,7 +36722,7 @@
             </a:ln>
             <a:extLst>
               <a:ext uri="{91240B29-F687-4f45-9708-019B960494DF}">
-                <a14:hiddenLine xmlns:a14="http://schemas.microsoft.com/office/drawing/2010/main" xmlns:p14="http://schemas.microsoft.com/office/powerpoint/2010/main" xmlns:a16="http://schemas.microsoft.com/office/drawing/2014/main" xmlns="" w="9525">
+                <a14:hiddenLine xmlns="" xmlns:a16="http://schemas.microsoft.com/office/drawing/2014/main" xmlns:p14="http://schemas.microsoft.com/office/powerpoint/2010/main" xmlns:a14="http://schemas.microsoft.com/office/drawing/2010/main" w="9525">
                   <a:solidFill>
                     <a:srgbClr val="000000"/>
                   </a:solidFill>
@@ -36756,7 +36771,7 @@
             </a:ln>
             <a:extLst>
               <a:ext uri="{91240B29-F687-4f45-9708-019B960494DF}">
-                <a14:hiddenLine xmlns:a14="http://schemas.microsoft.com/office/drawing/2010/main" xmlns:p14="http://schemas.microsoft.com/office/powerpoint/2010/main" xmlns:a16="http://schemas.microsoft.com/office/drawing/2014/main" xmlns="" w="9525">
+                <a14:hiddenLine xmlns="" xmlns:a16="http://schemas.microsoft.com/office/drawing/2014/main" xmlns:p14="http://schemas.microsoft.com/office/powerpoint/2010/main" xmlns:a14="http://schemas.microsoft.com/office/drawing/2010/main" w="9525">
                   <a:solidFill>
                     <a:srgbClr val="000000"/>
                   </a:solidFill>
@@ -36836,7 +36851,7 @@
             </a:ln>
             <a:extLst>
               <a:ext uri="{91240B29-F687-4f45-9708-019B960494DF}">
-                <a14:hiddenLine xmlns:a14="http://schemas.microsoft.com/office/drawing/2010/main" xmlns:p14="http://schemas.microsoft.com/office/powerpoint/2010/main" xmlns:a16="http://schemas.microsoft.com/office/drawing/2014/main" xmlns="" w="9525">
+                <a14:hiddenLine xmlns="" xmlns:a16="http://schemas.microsoft.com/office/drawing/2014/main" xmlns:p14="http://schemas.microsoft.com/office/powerpoint/2010/main" xmlns:a14="http://schemas.microsoft.com/office/drawing/2010/main" w="9525">
                   <a:solidFill>
                     <a:srgbClr val="000000"/>
                   </a:solidFill>
@@ -36941,7 +36956,7 @@
             </a:ln>
             <a:extLst>
               <a:ext uri="{91240B29-F687-4f45-9708-019B960494DF}">
-                <a14:hiddenLine xmlns:a14="http://schemas.microsoft.com/office/drawing/2010/main" xmlns:p14="http://schemas.microsoft.com/office/powerpoint/2010/main" xmlns:a16="http://schemas.microsoft.com/office/drawing/2014/main" xmlns="" w="9525">
+                <a14:hiddenLine xmlns="" xmlns:a16="http://schemas.microsoft.com/office/drawing/2014/main" xmlns:p14="http://schemas.microsoft.com/office/powerpoint/2010/main" xmlns:a14="http://schemas.microsoft.com/office/drawing/2010/main" w="9525">
                   <a:solidFill>
                     <a:srgbClr val="000000"/>
                   </a:solidFill>
@@ -37018,7 +37033,7 @@
             </a:ln>
             <a:extLst>
               <a:ext uri="{91240B29-F687-4f45-9708-019B960494DF}">
-                <a14:hiddenLine xmlns:a14="http://schemas.microsoft.com/office/drawing/2010/main" xmlns:p14="http://schemas.microsoft.com/office/powerpoint/2010/main" xmlns:a16="http://schemas.microsoft.com/office/drawing/2014/main" xmlns="" w="9525">
+                <a14:hiddenLine xmlns="" xmlns:a16="http://schemas.microsoft.com/office/drawing/2014/main" xmlns:p14="http://schemas.microsoft.com/office/powerpoint/2010/main" xmlns:a14="http://schemas.microsoft.com/office/drawing/2010/main" w="9525">
                   <a:solidFill>
                     <a:srgbClr val="000000"/>
                   </a:solidFill>
@@ -37123,7 +37138,7 @@
             </a:ln>
             <a:extLst>
               <a:ext uri="{91240B29-F687-4f45-9708-019B960494DF}">
-                <a14:hiddenLine xmlns:a14="http://schemas.microsoft.com/office/drawing/2010/main" xmlns:p14="http://schemas.microsoft.com/office/powerpoint/2010/main" xmlns:a16="http://schemas.microsoft.com/office/drawing/2014/main" xmlns="" w="9525">
+                <a14:hiddenLine xmlns="" xmlns:a16="http://schemas.microsoft.com/office/drawing/2014/main" xmlns:p14="http://schemas.microsoft.com/office/powerpoint/2010/main" xmlns:a14="http://schemas.microsoft.com/office/drawing/2010/main" w="9525">
                   <a:solidFill>
                     <a:srgbClr val="000000"/>
                   </a:solidFill>
@@ -37203,7 +37218,7 @@
             </a:ln>
             <a:extLst>
               <a:ext uri="{91240B29-F687-4f45-9708-019B960494DF}">
-                <a14:hiddenLine xmlns:a14="http://schemas.microsoft.com/office/drawing/2010/main" xmlns:p14="http://schemas.microsoft.com/office/powerpoint/2010/main" xmlns:a16="http://schemas.microsoft.com/office/drawing/2014/main" xmlns="" w="9525">
+                <a14:hiddenLine xmlns="" xmlns:a16="http://schemas.microsoft.com/office/drawing/2014/main" xmlns:p14="http://schemas.microsoft.com/office/powerpoint/2010/main" xmlns:a14="http://schemas.microsoft.com/office/drawing/2010/main" w="9525">
                   <a:solidFill>
                     <a:srgbClr val="000000"/>
                   </a:solidFill>
@@ -37280,7 +37295,7 @@
             </a:ln>
             <a:extLst>
               <a:ext uri="{91240B29-F687-4f45-9708-019B960494DF}">
-                <a14:hiddenLine xmlns:a14="http://schemas.microsoft.com/office/drawing/2010/main" xmlns:p14="http://schemas.microsoft.com/office/powerpoint/2010/main" xmlns:a16="http://schemas.microsoft.com/office/drawing/2014/main" xmlns="" w="9525">
+                <a14:hiddenLine xmlns="" xmlns:a16="http://schemas.microsoft.com/office/drawing/2014/main" xmlns:p14="http://schemas.microsoft.com/office/powerpoint/2010/main" xmlns:a14="http://schemas.microsoft.com/office/drawing/2010/main" w="9525">
                   <a:solidFill>
                     <a:srgbClr val="000000"/>
                   </a:solidFill>
@@ -37385,7 +37400,7 @@
             </a:ln>
             <a:extLst>
               <a:ext uri="{91240B29-F687-4f45-9708-019B960494DF}">
-                <a14:hiddenLine xmlns:a14="http://schemas.microsoft.com/office/drawing/2010/main" xmlns:p14="http://schemas.microsoft.com/office/powerpoint/2010/main" xmlns:a16="http://schemas.microsoft.com/office/drawing/2014/main" xmlns="" w="9525">
+                <a14:hiddenLine xmlns="" xmlns:a16="http://schemas.microsoft.com/office/drawing/2014/main" xmlns:p14="http://schemas.microsoft.com/office/powerpoint/2010/main" xmlns:a14="http://schemas.microsoft.com/office/drawing/2010/main" w="9525">
                   <a:solidFill>
                     <a:srgbClr val="000000"/>
                   </a:solidFill>
@@ -37490,7 +37505,7 @@
             </a:ln>
             <a:extLst>
               <a:ext uri="{91240B29-F687-4f45-9708-019B960494DF}">
-                <a14:hiddenLine xmlns:a14="http://schemas.microsoft.com/office/drawing/2010/main" xmlns:p14="http://schemas.microsoft.com/office/powerpoint/2010/main" xmlns:a16="http://schemas.microsoft.com/office/drawing/2014/main" xmlns="" w="9525">
+                <a14:hiddenLine xmlns="" xmlns:a16="http://schemas.microsoft.com/office/drawing/2014/main" xmlns:p14="http://schemas.microsoft.com/office/powerpoint/2010/main" xmlns:a14="http://schemas.microsoft.com/office/drawing/2010/main" w="9525">
                   <a:solidFill>
                     <a:srgbClr val="000000"/>
                   </a:solidFill>
@@ -37570,7 +37585,7 @@
             </a:ln>
             <a:extLst>
               <a:ext uri="{91240B29-F687-4f45-9708-019B960494DF}">
-                <a14:hiddenLine xmlns:a14="http://schemas.microsoft.com/office/drawing/2010/main" xmlns:p14="http://schemas.microsoft.com/office/powerpoint/2010/main" xmlns:a16="http://schemas.microsoft.com/office/drawing/2014/main" xmlns="" w="9525">
+                <a14:hiddenLine xmlns="" xmlns:a16="http://schemas.microsoft.com/office/drawing/2014/main" xmlns:p14="http://schemas.microsoft.com/office/powerpoint/2010/main" xmlns:a14="http://schemas.microsoft.com/office/drawing/2010/main" w="9525">
                   <a:solidFill>
                     <a:srgbClr val="000000"/>
                   </a:solidFill>
@@ -37705,7 +37720,7 @@
             </a:ln>
             <a:extLst>
               <a:ext uri="{91240B29-F687-4f45-9708-019B960494DF}">
-                <a14:hiddenLine xmlns:a14="http://schemas.microsoft.com/office/drawing/2010/main" xmlns:p14="http://schemas.microsoft.com/office/powerpoint/2010/main" xmlns:a16="http://schemas.microsoft.com/office/drawing/2014/main" xmlns="" w="9525">
+                <a14:hiddenLine xmlns="" xmlns:a16="http://schemas.microsoft.com/office/drawing/2014/main" xmlns:p14="http://schemas.microsoft.com/office/powerpoint/2010/main" xmlns:a14="http://schemas.microsoft.com/office/drawing/2010/main" w="9525">
                   <a:solidFill>
                     <a:srgbClr val="000000"/>
                   </a:solidFill>
@@ -38004,7 +38019,7 @@
             </a:ln>
             <a:extLst>
               <a:ext uri="{91240B29-F687-4f45-9708-019B960494DF}">
-                <a14:hiddenLine xmlns:a14="http://schemas.microsoft.com/office/drawing/2010/main" xmlns:p14="http://schemas.microsoft.com/office/powerpoint/2010/main" xmlns:a16="http://schemas.microsoft.com/office/drawing/2014/main" xmlns="" w="9525">
+                <a14:hiddenLine xmlns="" xmlns:a16="http://schemas.microsoft.com/office/drawing/2014/main" xmlns:p14="http://schemas.microsoft.com/office/powerpoint/2010/main" xmlns:a14="http://schemas.microsoft.com/office/drawing/2010/main" w="9525">
                   <a:solidFill>
                     <a:srgbClr val="000000"/>
                   </a:solidFill>
@@ -38134,7 +38149,7 @@
             </a:ln>
             <a:extLst>
               <a:ext uri="{91240B29-F687-4f45-9708-019B960494DF}">
-                <a14:hiddenLine xmlns:a14="http://schemas.microsoft.com/office/drawing/2010/main" xmlns:p14="http://schemas.microsoft.com/office/powerpoint/2010/main" xmlns:a16="http://schemas.microsoft.com/office/drawing/2014/main" xmlns="" w="9525">
+                <a14:hiddenLine xmlns="" xmlns:a16="http://schemas.microsoft.com/office/drawing/2014/main" xmlns:p14="http://schemas.microsoft.com/office/powerpoint/2010/main" xmlns:a14="http://schemas.microsoft.com/office/drawing/2010/main" w="9525">
                   <a:solidFill>
                     <a:srgbClr val="000000"/>
                   </a:solidFill>
@@ -38239,7 +38254,7 @@
             </a:ln>
             <a:extLst>
               <a:ext uri="{91240B29-F687-4f45-9708-019B960494DF}">
-                <a14:hiddenLine xmlns:a14="http://schemas.microsoft.com/office/drawing/2010/main" xmlns:p14="http://schemas.microsoft.com/office/powerpoint/2010/main" xmlns:a16="http://schemas.microsoft.com/office/drawing/2014/main" xmlns="" w="9525">
+                <a14:hiddenLine xmlns="" xmlns:a16="http://schemas.microsoft.com/office/drawing/2014/main" xmlns:p14="http://schemas.microsoft.com/office/powerpoint/2010/main" xmlns:a14="http://schemas.microsoft.com/office/drawing/2010/main" w="9525">
                   <a:solidFill>
                     <a:srgbClr val="000000"/>
                   </a:solidFill>
@@ -38319,7 +38334,7 @@
             </a:ln>
             <a:extLst>
               <a:ext uri="{91240B29-F687-4f45-9708-019B960494DF}">
-                <a14:hiddenLine xmlns:a14="http://schemas.microsoft.com/office/drawing/2010/main" xmlns:p14="http://schemas.microsoft.com/office/powerpoint/2010/main" xmlns:a16="http://schemas.microsoft.com/office/drawing/2014/main" xmlns="" w="9525">
+                <a14:hiddenLine xmlns="" xmlns:a16="http://schemas.microsoft.com/office/drawing/2014/main" xmlns:p14="http://schemas.microsoft.com/office/powerpoint/2010/main" xmlns:a14="http://schemas.microsoft.com/office/drawing/2010/main" w="9525">
                   <a:solidFill>
                     <a:srgbClr val="000000"/>
                   </a:solidFill>
@@ -38424,7 +38439,7 @@
             </a:ln>
             <a:extLst>
               <a:ext uri="{91240B29-F687-4f45-9708-019B960494DF}">
-                <a14:hiddenLine xmlns:a14="http://schemas.microsoft.com/office/drawing/2010/main" xmlns:p14="http://schemas.microsoft.com/office/powerpoint/2010/main" xmlns:a16="http://schemas.microsoft.com/office/drawing/2014/main" xmlns="" w="9525">
+                <a14:hiddenLine xmlns="" xmlns:a16="http://schemas.microsoft.com/office/drawing/2014/main" xmlns:p14="http://schemas.microsoft.com/office/powerpoint/2010/main" xmlns:a14="http://schemas.microsoft.com/office/drawing/2010/main" w="9525">
                   <a:solidFill>
                     <a:srgbClr val="000000"/>
                   </a:solidFill>
@@ -38507,7 +38522,7 @@
             </a:ln>
             <a:extLst>
               <a:ext uri="{91240B29-F687-4f45-9708-019B960494DF}">
-                <a14:hiddenLine xmlns:a14="http://schemas.microsoft.com/office/drawing/2010/main" xmlns:p14="http://schemas.microsoft.com/office/powerpoint/2010/main" xmlns:a16="http://schemas.microsoft.com/office/drawing/2014/main" xmlns="" w="9525">
+                <a14:hiddenLine xmlns="" xmlns:a16="http://schemas.microsoft.com/office/drawing/2014/main" xmlns:p14="http://schemas.microsoft.com/office/powerpoint/2010/main" xmlns:a14="http://schemas.microsoft.com/office/drawing/2010/main" w="9525">
                   <a:solidFill>
                     <a:srgbClr val="000000"/>
                   </a:solidFill>
@@ -38612,7 +38627,7 @@
             </a:ln>
             <a:extLst>
               <a:ext uri="{91240B29-F687-4f45-9708-019B960494DF}">
-                <a14:hiddenLine xmlns:a14="http://schemas.microsoft.com/office/drawing/2010/main" xmlns:p14="http://schemas.microsoft.com/office/powerpoint/2010/main" xmlns:a16="http://schemas.microsoft.com/office/drawing/2014/main" xmlns="" w="9525">
+                <a14:hiddenLine xmlns="" xmlns:a16="http://schemas.microsoft.com/office/drawing/2014/main" xmlns:p14="http://schemas.microsoft.com/office/powerpoint/2010/main" xmlns:a14="http://schemas.microsoft.com/office/drawing/2010/main" w="9525">
                   <a:solidFill>
                     <a:srgbClr val="000000"/>
                   </a:solidFill>
@@ -38695,7 +38710,7 @@
             </a:ln>
             <a:extLst>
               <a:ext uri="{91240B29-F687-4f45-9708-019B960494DF}">
-                <a14:hiddenLine xmlns:a14="http://schemas.microsoft.com/office/drawing/2010/main" xmlns:p14="http://schemas.microsoft.com/office/powerpoint/2010/main" xmlns:a16="http://schemas.microsoft.com/office/drawing/2014/main" xmlns="" w="9525">
+                <a14:hiddenLine xmlns="" xmlns:a16="http://schemas.microsoft.com/office/drawing/2014/main" xmlns:p14="http://schemas.microsoft.com/office/powerpoint/2010/main" xmlns:a14="http://schemas.microsoft.com/office/drawing/2010/main" w="9525">
                   <a:solidFill>
                     <a:srgbClr val="000000"/>
                   </a:solidFill>
@@ -38800,7 +38815,7 @@
             </a:ln>
             <a:extLst>
               <a:ext uri="{91240B29-F687-4f45-9708-019B960494DF}">
-                <a14:hiddenLine xmlns:a14="http://schemas.microsoft.com/office/drawing/2010/main" xmlns:p14="http://schemas.microsoft.com/office/powerpoint/2010/main" xmlns:a16="http://schemas.microsoft.com/office/drawing/2014/main" xmlns="" w="9525">
+                <a14:hiddenLine xmlns="" xmlns:a16="http://schemas.microsoft.com/office/drawing/2014/main" xmlns:p14="http://schemas.microsoft.com/office/powerpoint/2010/main" xmlns:a14="http://schemas.microsoft.com/office/drawing/2010/main" w="9525">
                   <a:solidFill>
                     <a:srgbClr val="000000"/>
                   </a:solidFill>
@@ -38849,7 +38864,7 @@
             </a:ln>
             <a:extLst>
               <a:ext uri="{91240B29-F687-4f45-9708-019B960494DF}">
-                <a14:hiddenLine xmlns:a14="http://schemas.microsoft.com/office/drawing/2010/main" xmlns:p14="http://schemas.microsoft.com/office/powerpoint/2010/main" xmlns:a16="http://schemas.microsoft.com/office/drawing/2014/main" xmlns="" w="9525">
+                <a14:hiddenLine xmlns="" xmlns:a16="http://schemas.microsoft.com/office/drawing/2014/main" xmlns:p14="http://schemas.microsoft.com/office/powerpoint/2010/main" xmlns:a14="http://schemas.microsoft.com/office/drawing/2010/main" w="9525">
                   <a:solidFill>
                     <a:srgbClr val="000000"/>
                   </a:solidFill>
@@ -38966,7 +38981,7 @@
           <a:noFill/>
           <a:extLst>
             <a:ext uri="{909E8E84-426E-40dd-AFC4-6F175D3DCCD1}">
-              <a14:hiddenFill xmlns:a14="http://schemas.microsoft.com/office/drawing/2010/main" xmlns:a16="http://schemas.microsoft.com/office/drawing/2014/main" xmlns="">
+              <a14:hiddenFill xmlns="" xmlns:a16="http://schemas.microsoft.com/office/drawing/2014/main" xmlns:a14="http://schemas.microsoft.com/office/drawing/2010/main">
                 <a:solidFill>
                   <a:srgbClr val="FFFFFF"/>
                 </a:solidFill>
@@ -39058,7 +39073,7 @@
             </a:ln>
             <a:extLst>
               <a:ext uri="{91240B29-F687-4f45-9708-019B960494DF}">
-                <a14:hiddenLine xmlns:a14="http://schemas.microsoft.com/office/drawing/2010/main" xmlns:a16="http://schemas.microsoft.com/office/drawing/2014/main" xmlns="" w="9525">
+                <a14:hiddenLine xmlns="" xmlns:a16="http://schemas.microsoft.com/office/drawing/2014/main" xmlns:a14="http://schemas.microsoft.com/office/drawing/2010/main" w="9525">
                   <a:solidFill>
                     <a:srgbClr val="000000"/>
                   </a:solidFill>
@@ -39163,7 +39178,7 @@
             </a:ln>
             <a:extLst>
               <a:ext uri="{91240B29-F687-4f45-9708-019B960494DF}">
-                <a14:hiddenLine xmlns:a14="http://schemas.microsoft.com/office/drawing/2010/main" xmlns:a16="http://schemas.microsoft.com/office/drawing/2014/main" xmlns="" w="9525">
+                <a14:hiddenLine xmlns="" xmlns:a16="http://schemas.microsoft.com/office/drawing/2014/main" xmlns:a14="http://schemas.microsoft.com/office/drawing/2010/main" w="9525">
                   <a:solidFill>
                     <a:srgbClr val="000000"/>
                   </a:solidFill>
@@ -39268,7 +39283,7 @@
             </a:ln>
             <a:extLst>
               <a:ext uri="{91240B29-F687-4f45-9708-019B960494DF}">
-                <a14:hiddenLine xmlns:a14="http://schemas.microsoft.com/office/drawing/2010/main" xmlns:a16="http://schemas.microsoft.com/office/drawing/2014/main" xmlns="" w="9525">
+                <a14:hiddenLine xmlns="" xmlns:a16="http://schemas.microsoft.com/office/drawing/2014/main" xmlns:a14="http://schemas.microsoft.com/office/drawing/2010/main" w="9525">
                   <a:solidFill>
                     <a:srgbClr val="000000"/>
                   </a:solidFill>
@@ -39317,7 +39332,7 @@
             </a:ln>
             <a:extLst>
               <a:ext uri="{91240B29-F687-4f45-9708-019B960494DF}">
-                <a14:hiddenLine xmlns:a14="http://schemas.microsoft.com/office/drawing/2010/main" xmlns:a16="http://schemas.microsoft.com/office/drawing/2014/main" xmlns="" w="9525">
+                <a14:hiddenLine xmlns="" xmlns:a16="http://schemas.microsoft.com/office/drawing/2014/main" xmlns:a14="http://schemas.microsoft.com/office/drawing/2010/main" w="9525">
                   <a:solidFill>
                     <a:srgbClr val="000000"/>
                   </a:solidFill>
@@ -39422,7 +39437,7 @@
             </a:ln>
             <a:extLst>
               <a:ext uri="{91240B29-F687-4f45-9708-019B960494DF}">
-                <a14:hiddenLine xmlns:a14="http://schemas.microsoft.com/office/drawing/2010/main" xmlns:a16="http://schemas.microsoft.com/office/drawing/2014/main" xmlns="" w="9525">
+                <a14:hiddenLine xmlns="" xmlns:a16="http://schemas.microsoft.com/office/drawing/2014/main" xmlns:a14="http://schemas.microsoft.com/office/drawing/2010/main" w="9525">
                   <a:solidFill>
                     <a:srgbClr val="000000"/>
                   </a:solidFill>
@@ -39499,7 +39514,7 @@
             </a:ln>
             <a:extLst>
               <a:ext uri="{91240B29-F687-4f45-9708-019B960494DF}">
-                <a14:hiddenLine xmlns:a14="http://schemas.microsoft.com/office/drawing/2010/main" xmlns:a16="http://schemas.microsoft.com/office/drawing/2014/main" xmlns="" w="9525">
+                <a14:hiddenLine xmlns="" xmlns:a16="http://schemas.microsoft.com/office/drawing/2014/main" xmlns:a14="http://schemas.microsoft.com/office/drawing/2010/main" w="9525">
                   <a:solidFill>
                     <a:srgbClr val="000000"/>
                   </a:solidFill>
@@ -39576,7 +39591,7 @@
             </a:ln>
             <a:extLst>
               <a:ext uri="{91240B29-F687-4f45-9708-019B960494DF}">
-                <a14:hiddenLine xmlns:a14="http://schemas.microsoft.com/office/drawing/2010/main" xmlns:a16="http://schemas.microsoft.com/office/drawing/2014/main" xmlns="" w="9525">
+                <a14:hiddenLine xmlns="" xmlns:a16="http://schemas.microsoft.com/office/drawing/2014/main" xmlns:a14="http://schemas.microsoft.com/office/drawing/2010/main" w="9525">
                   <a:solidFill>
                     <a:srgbClr val="000000"/>
                   </a:solidFill>
@@ -39681,7 +39696,7 @@
             </a:ln>
             <a:extLst>
               <a:ext uri="{91240B29-F687-4f45-9708-019B960494DF}">
-                <a14:hiddenLine xmlns:a14="http://schemas.microsoft.com/office/drawing/2010/main" xmlns:a16="http://schemas.microsoft.com/office/drawing/2014/main" xmlns="" w="9525">
+                <a14:hiddenLine xmlns="" xmlns:a16="http://schemas.microsoft.com/office/drawing/2014/main" xmlns:a14="http://schemas.microsoft.com/office/drawing/2010/main" w="9525">
                   <a:solidFill>
                     <a:srgbClr val="000000"/>
                   </a:solidFill>
@@ -39758,7 +39773,7 @@
             </a:ln>
             <a:extLst>
               <a:ext uri="{91240B29-F687-4f45-9708-019B960494DF}">
-                <a14:hiddenLine xmlns:a14="http://schemas.microsoft.com/office/drawing/2010/main" xmlns:a16="http://schemas.microsoft.com/office/drawing/2014/main" xmlns="" w="9525">
+                <a14:hiddenLine xmlns="" xmlns:a16="http://schemas.microsoft.com/office/drawing/2014/main" xmlns:a14="http://schemas.microsoft.com/office/drawing/2010/main" w="9525">
                   <a:solidFill>
                     <a:srgbClr val="000000"/>
                   </a:solidFill>
@@ -39835,7 +39850,7 @@
             </a:ln>
             <a:extLst>
               <a:ext uri="{91240B29-F687-4f45-9708-019B960494DF}">
-                <a14:hiddenLine xmlns:a14="http://schemas.microsoft.com/office/drawing/2010/main" xmlns:a16="http://schemas.microsoft.com/office/drawing/2014/main" xmlns="" w="9525">
+                <a14:hiddenLine xmlns="" xmlns:a16="http://schemas.microsoft.com/office/drawing/2014/main" xmlns:a14="http://schemas.microsoft.com/office/drawing/2010/main" w="9525">
                   <a:solidFill>
                     <a:srgbClr val="000000"/>
                   </a:solidFill>
@@ -39940,7 +39955,7 @@
             </a:ln>
             <a:extLst>
               <a:ext uri="{91240B29-F687-4f45-9708-019B960494DF}">
-                <a14:hiddenLine xmlns:a14="http://schemas.microsoft.com/office/drawing/2010/main" xmlns:a16="http://schemas.microsoft.com/office/drawing/2014/main" xmlns="" w="9525">
+                <a14:hiddenLine xmlns="" xmlns:a16="http://schemas.microsoft.com/office/drawing/2014/main" xmlns:a14="http://schemas.microsoft.com/office/drawing/2010/main" w="9525">
                   <a:solidFill>
                     <a:srgbClr val="000000"/>
                   </a:solidFill>
@@ -40045,7 +40060,7 @@
             </a:ln>
             <a:extLst>
               <a:ext uri="{91240B29-F687-4f45-9708-019B960494DF}">
-                <a14:hiddenLine xmlns:a14="http://schemas.microsoft.com/office/drawing/2010/main" xmlns:a16="http://schemas.microsoft.com/office/drawing/2014/main" xmlns="" w="9525">
+                <a14:hiddenLine xmlns="" xmlns:a16="http://schemas.microsoft.com/office/drawing/2014/main" xmlns:a14="http://schemas.microsoft.com/office/drawing/2010/main" w="9525">
                   <a:solidFill>
                     <a:srgbClr val="000000"/>
                   </a:solidFill>
@@ -40122,7 +40137,7 @@
             </a:ln>
             <a:extLst>
               <a:ext uri="{91240B29-F687-4f45-9708-019B960494DF}">
-                <a14:hiddenLine xmlns:a14="http://schemas.microsoft.com/office/drawing/2010/main" xmlns:a16="http://schemas.microsoft.com/office/drawing/2014/main" xmlns="" w="9525">
+                <a14:hiddenLine xmlns="" xmlns:a16="http://schemas.microsoft.com/office/drawing/2014/main" xmlns:a14="http://schemas.microsoft.com/office/drawing/2010/main" w="9525">
                   <a:solidFill>
                     <a:srgbClr val="000000"/>
                   </a:solidFill>
@@ -40247,7 +40262,7 @@
             </a:ln>
             <a:extLst>
               <a:ext uri="{91240B29-F687-4f45-9708-019B960494DF}">
-                <a14:hiddenLine xmlns:a14="http://schemas.microsoft.com/office/drawing/2010/main" xmlns:a16="http://schemas.microsoft.com/office/drawing/2014/main" xmlns="" w="9525">
+                <a14:hiddenLine xmlns="" xmlns:a16="http://schemas.microsoft.com/office/drawing/2014/main" xmlns:a14="http://schemas.microsoft.com/office/drawing/2010/main" w="9525">
                   <a:solidFill>
                     <a:srgbClr val="000000"/>
                   </a:solidFill>
@@ -40324,7 +40339,7 @@
             </a:ln>
             <a:extLst>
               <a:ext uri="{91240B29-F687-4f45-9708-019B960494DF}">
-                <a14:hiddenLine xmlns:a14="http://schemas.microsoft.com/office/drawing/2010/main" xmlns:a16="http://schemas.microsoft.com/office/drawing/2014/main" xmlns="" w="9525">
+                <a14:hiddenLine xmlns="" xmlns:a16="http://schemas.microsoft.com/office/drawing/2014/main" xmlns:a14="http://schemas.microsoft.com/office/drawing/2010/main" w="9525">
                   <a:solidFill>
                     <a:srgbClr val="000000"/>
                   </a:solidFill>
@@ -40429,7 +40444,7 @@
             </a:ln>
             <a:extLst>
               <a:ext uri="{91240B29-F687-4f45-9708-019B960494DF}">
-                <a14:hiddenLine xmlns:a14="http://schemas.microsoft.com/office/drawing/2010/main" xmlns:a16="http://schemas.microsoft.com/office/drawing/2014/main" xmlns="" w="9525">
+                <a14:hiddenLine xmlns="" xmlns:a16="http://schemas.microsoft.com/office/drawing/2014/main" xmlns:a14="http://schemas.microsoft.com/office/drawing/2010/main" w="9525">
                   <a:solidFill>
                     <a:srgbClr val="000000"/>
                   </a:solidFill>
@@ -40534,7 +40549,7 @@
             </a:ln>
             <a:extLst>
               <a:ext uri="{91240B29-F687-4f45-9708-019B960494DF}">
-                <a14:hiddenLine xmlns:a14="http://schemas.microsoft.com/office/drawing/2010/main" xmlns:a16="http://schemas.microsoft.com/office/drawing/2014/main" xmlns="" w="9525">
+                <a14:hiddenLine xmlns="" xmlns:a16="http://schemas.microsoft.com/office/drawing/2014/main" xmlns:a14="http://schemas.microsoft.com/office/drawing/2010/main" w="9525">
                   <a:solidFill>
                     <a:srgbClr val="000000"/>
                   </a:solidFill>
@@ -40611,7 +40626,7 @@
             </a:ln>
             <a:extLst>
               <a:ext uri="{91240B29-F687-4f45-9708-019B960494DF}">
-                <a14:hiddenLine xmlns:a14="http://schemas.microsoft.com/office/drawing/2010/main" xmlns:a16="http://schemas.microsoft.com/office/drawing/2014/main" xmlns="" w="9525">
+                <a14:hiddenLine xmlns="" xmlns:a16="http://schemas.microsoft.com/office/drawing/2014/main" xmlns:a14="http://schemas.microsoft.com/office/drawing/2010/main" w="9525">
                   <a:solidFill>
                     <a:srgbClr val="000000"/>
                   </a:solidFill>
@@ -40716,7 +40731,7 @@
             </a:ln>
             <a:extLst>
               <a:ext uri="{91240B29-F687-4f45-9708-019B960494DF}">
-                <a14:hiddenLine xmlns:a14="http://schemas.microsoft.com/office/drawing/2010/main" xmlns:a16="http://schemas.microsoft.com/office/drawing/2014/main" xmlns="" w="9525">
+                <a14:hiddenLine xmlns="" xmlns:a16="http://schemas.microsoft.com/office/drawing/2014/main" xmlns:a14="http://schemas.microsoft.com/office/drawing/2010/main" w="9525">
                   <a:solidFill>
                     <a:srgbClr val="000000"/>
                   </a:solidFill>
@@ -40821,7 +40836,7 @@
             </a:ln>
             <a:extLst>
               <a:ext uri="{91240B29-F687-4f45-9708-019B960494DF}">
-                <a14:hiddenLine xmlns:a14="http://schemas.microsoft.com/office/drawing/2010/main" xmlns:a16="http://schemas.microsoft.com/office/drawing/2014/main" xmlns="" w="9525">
+                <a14:hiddenLine xmlns="" xmlns:a16="http://schemas.microsoft.com/office/drawing/2014/main" xmlns:a14="http://schemas.microsoft.com/office/drawing/2010/main" w="9525">
                   <a:solidFill>
                     <a:srgbClr val="000000"/>
                   </a:solidFill>
@@ -40892,7 +40907,7 @@
             </a:ln>
             <a:extLst>
               <a:ext uri="{91240B29-F687-4f45-9708-019B960494DF}">
-                <a14:hiddenLine xmlns:a14="http://schemas.microsoft.com/office/drawing/2010/main" xmlns:a16="http://schemas.microsoft.com/office/drawing/2014/main" xmlns="" w="9525">
+                <a14:hiddenLine xmlns="" xmlns:a16="http://schemas.microsoft.com/office/drawing/2014/main" xmlns:a14="http://schemas.microsoft.com/office/drawing/2010/main" w="9525">
                   <a:solidFill>
                     <a:srgbClr val="000000"/>
                   </a:solidFill>
@@ -40997,7 +41012,7 @@
             </a:ln>
             <a:extLst>
               <a:ext uri="{91240B29-F687-4f45-9708-019B960494DF}">
-                <a14:hiddenLine xmlns:a14="http://schemas.microsoft.com/office/drawing/2010/main" xmlns:a16="http://schemas.microsoft.com/office/drawing/2014/main" xmlns="" w="9525">
+                <a14:hiddenLine xmlns="" xmlns:a16="http://schemas.microsoft.com/office/drawing/2014/main" xmlns:a14="http://schemas.microsoft.com/office/drawing/2010/main" w="9525">
                   <a:solidFill>
                     <a:srgbClr val="000000"/>
                   </a:solidFill>
@@ -41068,7 +41083,7 @@
             </a:ln>
             <a:extLst>
               <a:ext uri="{91240B29-F687-4f45-9708-019B960494DF}">
-                <a14:hiddenLine xmlns:a14="http://schemas.microsoft.com/office/drawing/2010/main" xmlns:a16="http://schemas.microsoft.com/office/drawing/2014/main" xmlns="" w="9525">
+                <a14:hiddenLine xmlns="" xmlns:a16="http://schemas.microsoft.com/office/drawing/2014/main" xmlns:a14="http://schemas.microsoft.com/office/drawing/2010/main" w="9525">
                   <a:solidFill>
                     <a:srgbClr val="000000"/>
                   </a:solidFill>
@@ -41173,7 +41188,7 @@
             </a:ln>
             <a:extLst>
               <a:ext uri="{91240B29-F687-4f45-9708-019B960494DF}">
-                <a14:hiddenLine xmlns:a14="http://schemas.microsoft.com/office/drawing/2010/main" xmlns:a16="http://schemas.microsoft.com/office/drawing/2014/main" xmlns="" w="9525">
+                <a14:hiddenLine xmlns="" xmlns:a16="http://schemas.microsoft.com/office/drawing/2014/main" xmlns:a14="http://schemas.microsoft.com/office/drawing/2010/main" w="9525">
                   <a:solidFill>
                     <a:srgbClr val="000000"/>
                   </a:solidFill>
@@ -41256,7 +41271,7 @@
             </a:ln>
             <a:extLst>
               <a:ext uri="{91240B29-F687-4f45-9708-019B960494DF}">
-                <a14:hiddenLine xmlns:a14="http://schemas.microsoft.com/office/drawing/2010/main" xmlns:a16="http://schemas.microsoft.com/office/drawing/2014/main" xmlns="" w="9525">
+                <a14:hiddenLine xmlns="" xmlns:a16="http://schemas.microsoft.com/office/drawing/2014/main" xmlns:a14="http://schemas.microsoft.com/office/drawing/2010/main" w="9525">
                   <a:solidFill>
                     <a:srgbClr val="000000"/>
                   </a:solidFill>
@@ -41361,7 +41376,7 @@
             </a:ln>
             <a:extLst>
               <a:ext uri="{91240B29-F687-4f45-9708-019B960494DF}">
-                <a14:hiddenLine xmlns:a14="http://schemas.microsoft.com/office/drawing/2010/main" xmlns:a16="http://schemas.microsoft.com/office/drawing/2014/main" xmlns="" w="9525">
+                <a14:hiddenLine xmlns="" xmlns:a16="http://schemas.microsoft.com/office/drawing/2014/main" xmlns:a14="http://schemas.microsoft.com/office/drawing/2010/main" w="9525">
                   <a:solidFill>
                     <a:srgbClr val="000000"/>
                   </a:solidFill>
@@ -41444,7 +41459,7 @@
             </a:ln>
             <a:extLst>
               <a:ext uri="{91240B29-F687-4f45-9708-019B960494DF}">
-                <a14:hiddenLine xmlns:a14="http://schemas.microsoft.com/office/drawing/2010/main" xmlns:a16="http://schemas.microsoft.com/office/drawing/2014/main" xmlns="" w="9525">
+                <a14:hiddenLine xmlns="" xmlns:a16="http://schemas.microsoft.com/office/drawing/2014/main" xmlns:a14="http://schemas.microsoft.com/office/drawing/2010/main" w="9525">
                   <a:solidFill>
                     <a:srgbClr val="000000"/>
                   </a:solidFill>
@@ -41549,7 +41564,7 @@
             </a:ln>
             <a:extLst>
               <a:ext uri="{91240B29-F687-4f45-9708-019B960494DF}">
-                <a14:hiddenLine xmlns:a14="http://schemas.microsoft.com/office/drawing/2010/main" xmlns:a16="http://schemas.microsoft.com/office/drawing/2014/main" xmlns="" w="9525">
+                <a14:hiddenLine xmlns="" xmlns:a16="http://schemas.microsoft.com/office/drawing/2014/main" xmlns:a14="http://schemas.microsoft.com/office/drawing/2010/main" w="9525">
                   <a:solidFill>
                     <a:srgbClr val="000000"/>
                   </a:solidFill>
@@ -41598,7 +41613,7 @@
             </a:ln>
             <a:extLst>
               <a:ext uri="{91240B29-F687-4f45-9708-019B960494DF}">
-                <a14:hiddenLine xmlns:a14="http://schemas.microsoft.com/office/drawing/2010/main" xmlns:a16="http://schemas.microsoft.com/office/drawing/2014/main" xmlns="" w="9525">
+                <a14:hiddenLine xmlns="" xmlns:a16="http://schemas.microsoft.com/office/drawing/2014/main" xmlns:a14="http://schemas.microsoft.com/office/drawing/2010/main" w="9525">
                   <a:solidFill>
                     <a:srgbClr val="000000"/>
                   </a:solidFill>
@@ -41703,7 +41718,7 @@
             </a:ln>
             <a:extLst>
               <a:ext uri="{91240B29-F687-4f45-9708-019B960494DF}">
-                <a14:hiddenLine xmlns:a14="http://schemas.microsoft.com/office/drawing/2010/main" xmlns:a16="http://schemas.microsoft.com/office/drawing/2014/main" xmlns="" w="9525">
+                <a14:hiddenLine xmlns="" xmlns:a16="http://schemas.microsoft.com/office/drawing/2014/main" xmlns:a14="http://schemas.microsoft.com/office/drawing/2010/main" w="9525">
                   <a:solidFill>
                     <a:srgbClr val="000000"/>
                   </a:solidFill>
@@ -41780,7 +41795,7 @@
             </a:ln>
             <a:extLst>
               <a:ext uri="{91240B29-F687-4f45-9708-019B960494DF}">
-                <a14:hiddenLine xmlns:a14="http://schemas.microsoft.com/office/drawing/2010/main" xmlns:a16="http://schemas.microsoft.com/office/drawing/2014/main" xmlns="" w="9525">
+                <a14:hiddenLine xmlns="" xmlns:a16="http://schemas.microsoft.com/office/drawing/2014/main" xmlns:a14="http://schemas.microsoft.com/office/drawing/2010/main" w="9525">
                   <a:solidFill>
                     <a:srgbClr val="000000"/>
                   </a:solidFill>
@@ -41857,7 +41872,7 @@
             </a:ln>
             <a:extLst>
               <a:ext uri="{91240B29-F687-4f45-9708-019B960494DF}">
-                <a14:hiddenLine xmlns:a14="http://schemas.microsoft.com/office/drawing/2010/main" xmlns:a16="http://schemas.microsoft.com/office/drawing/2014/main" xmlns="" w="9525">
+                <a14:hiddenLine xmlns="" xmlns:a16="http://schemas.microsoft.com/office/drawing/2014/main" xmlns:a14="http://schemas.microsoft.com/office/drawing/2010/main" w="9525">
                   <a:solidFill>
                     <a:srgbClr val="000000"/>
                   </a:solidFill>
@@ -41962,7 +41977,7 @@
             </a:ln>
             <a:extLst>
               <a:ext uri="{91240B29-F687-4f45-9708-019B960494DF}">
-                <a14:hiddenLine xmlns:a14="http://schemas.microsoft.com/office/drawing/2010/main" xmlns:a16="http://schemas.microsoft.com/office/drawing/2014/main" xmlns="" w="9525">
+                <a14:hiddenLine xmlns="" xmlns:a16="http://schemas.microsoft.com/office/drawing/2014/main" xmlns:a14="http://schemas.microsoft.com/office/drawing/2010/main" w="9525">
                   <a:solidFill>
                     <a:srgbClr val="000000"/>
                   </a:solidFill>
@@ -42045,7 +42060,7 @@
             </a:ln>
             <a:extLst>
               <a:ext uri="{91240B29-F687-4f45-9708-019B960494DF}">
-                <a14:hiddenLine xmlns:a14="http://schemas.microsoft.com/office/drawing/2010/main" xmlns:a16="http://schemas.microsoft.com/office/drawing/2014/main" xmlns="" w="9525">
+                <a14:hiddenLine xmlns="" xmlns:a16="http://schemas.microsoft.com/office/drawing/2014/main" xmlns:a14="http://schemas.microsoft.com/office/drawing/2010/main" w="9525">
                   <a:solidFill>
                     <a:srgbClr val="000000"/>
                   </a:solidFill>
@@ -42122,7 +42137,7 @@
             </a:ln>
             <a:extLst>
               <a:ext uri="{91240B29-F687-4f45-9708-019B960494DF}">
-                <a14:hiddenLine xmlns:a14="http://schemas.microsoft.com/office/drawing/2010/main" xmlns:a16="http://schemas.microsoft.com/office/drawing/2014/main" xmlns="" w="9525">
+                <a14:hiddenLine xmlns="" xmlns:a16="http://schemas.microsoft.com/office/drawing/2014/main" xmlns:a14="http://schemas.microsoft.com/office/drawing/2010/main" w="9525">
                   <a:solidFill>
                     <a:srgbClr val="000000"/>
                   </a:solidFill>
@@ -42227,7 +42242,7 @@
             </a:ln>
             <a:extLst>
               <a:ext uri="{91240B29-F687-4f45-9708-019B960494DF}">
-                <a14:hiddenLine xmlns:a14="http://schemas.microsoft.com/office/drawing/2010/main" xmlns:a16="http://schemas.microsoft.com/office/drawing/2014/main" xmlns="" w="9525">
+                <a14:hiddenLine xmlns="" xmlns:a16="http://schemas.microsoft.com/office/drawing/2014/main" xmlns:a14="http://schemas.microsoft.com/office/drawing/2010/main" w="9525">
                   <a:solidFill>
                     <a:srgbClr val="000000"/>
                   </a:solidFill>
@@ -42304,7 +42319,7 @@
             </a:ln>
             <a:extLst>
               <a:ext uri="{91240B29-F687-4f45-9708-019B960494DF}">
-                <a14:hiddenLine xmlns:a14="http://schemas.microsoft.com/office/drawing/2010/main" xmlns:a16="http://schemas.microsoft.com/office/drawing/2014/main" xmlns="" w="9525">
+                <a14:hiddenLine xmlns="" xmlns:a16="http://schemas.microsoft.com/office/drawing/2014/main" xmlns:a14="http://schemas.microsoft.com/office/drawing/2010/main" w="9525">
                   <a:solidFill>
                     <a:srgbClr val="000000"/>
                   </a:solidFill>
@@ -42409,7 +42424,7 @@
             </a:ln>
             <a:extLst>
               <a:ext uri="{91240B29-F687-4f45-9708-019B960494DF}">
-                <a14:hiddenLine xmlns:a14="http://schemas.microsoft.com/office/drawing/2010/main" xmlns:a16="http://schemas.microsoft.com/office/drawing/2014/main" xmlns="" w="9525">
+                <a14:hiddenLine xmlns="" xmlns:a16="http://schemas.microsoft.com/office/drawing/2014/main" xmlns:a14="http://schemas.microsoft.com/office/drawing/2010/main" w="9525">
                   <a:solidFill>
                     <a:srgbClr val="000000"/>
                   </a:solidFill>
@@ -42486,7 +42501,7 @@
             </a:ln>
             <a:extLst>
               <a:ext uri="{91240B29-F687-4f45-9708-019B960494DF}">
-                <a14:hiddenLine xmlns:a14="http://schemas.microsoft.com/office/drawing/2010/main" xmlns:a16="http://schemas.microsoft.com/office/drawing/2014/main" xmlns="" w="9525">
+                <a14:hiddenLine xmlns="" xmlns:a16="http://schemas.microsoft.com/office/drawing/2014/main" xmlns:a14="http://schemas.microsoft.com/office/drawing/2010/main" w="9525">
                   <a:solidFill>
                     <a:srgbClr val="000000"/>
                   </a:solidFill>
@@ -42591,7 +42606,7 @@
             </a:ln>
             <a:extLst>
               <a:ext uri="{91240B29-F687-4f45-9708-019B960494DF}">
-                <a14:hiddenLine xmlns:a14="http://schemas.microsoft.com/office/drawing/2010/main" xmlns:a16="http://schemas.microsoft.com/office/drawing/2014/main" xmlns="" w="9525">
+                <a14:hiddenLine xmlns="" xmlns:a16="http://schemas.microsoft.com/office/drawing/2014/main" xmlns:a14="http://schemas.microsoft.com/office/drawing/2010/main" w="9525">
                   <a:solidFill>
                     <a:srgbClr val="000000"/>
                   </a:solidFill>
@@ -42640,7 +42655,7 @@
             </a:ln>
             <a:extLst>
               <a:ext uri="{91240B29-F687-4f45-9708-019B960494DF}">
-                <a14:hiddenLine xmlns:a14="http://schemas.microsoft.com/office/drawing/2010/main" xmlns:a16="http://schemas.microsoft.com/office/drawing/2014/main" xmlns="" w="9525">
+                <a14:hiddenLine xmlns="" xmlns:a16="http://schemas.microsoft.com/office/drawing/2014/main" xmlns:a14="http://schemas.microsoft.com/office/drawing/2010/main" w="9525">
                   <a:solidFill>
                     <a:srgbClr val="000000"/>
                   </a:solidFill>
@@ -42720,7 +42735,7 @@
             </a:ln>
             <a:extLst>
               <a:ext uri="{91240B29-F687-4f45-9708-019B960494DF}">
-                <a14:hiddenLine xmlns:a14="http://schemas.microsoft.com/office/drawing/2010/main" xmlns:a16="http://schemas.microsoft.com/office/drawing/2014/main" xmlns="" w="9525">
+                <a14:hiddenLine xmlns="" xmlns:a16="http://schemas.microsoft.com/office/drawing/2014/main" xmlns:a14="http://schemas.microsoft.com/office/drawing/2010/main" w="9525">
                   <a:solidFill>
                     <a:srgbClr val="000000"/>
                   </a:solidFill>
@@ -42825,7 +42840,7 @@
             </a:ln>
             <a:extLst>
               <a:ext uri="{91240B29-F687-4f45-9708-019B960494DF}">
-                <a14:hiddenLine xmlns:a14="http://schemas.microsoft.com/office/drawing/2010/main" xmlns:a16="http://schemas.microsoft.com/office/drawing/2014/main" xmlns="" w="9525">
+                <a14:hiddenLine xmlns="" xmlns:a16="http://schemas.microsoft.com/office/drawing/2014/main" xmlns:a14="http://schemas.microsoft.com/office/drawing/2010/main" w="9525">
                   <a:solidFill>
                     <a:srgbClr val="000000"/>
                   </a:solidFill>
@@ -42902,7 +42917,7 @@
             </a:ln>
             <a:extLst>
               <a:ext uri="{91240B29-F687-4f45-9708-019B960494DF}">
-                <a14:hiddenLine xmlns:a14="http://schemas.microsoft.com/office/drawing/2010/main" xmlns:a16="http://schemas.microsoft.com/office/drawing/2014/main" xmlns="" w="9525">
+                <a14:hiddenLine xmlns="" xmlns:a16="http://schemas.microsoft.com/office/drawing/2014/main" xmlns:a14="http://schemas.microsoft.com/office/drawing/2010/main" w="9525">
                   <a:solidFill>
                     <a:srgbClr val="000000"/>
                   </a:solidFill>
@@ -43007,7 +43022,7 @@
             </a:ln>
             <a:extLst>
               <a:ext uri="{91240B29-F687-4f45-9708-019B960494DF}">
-                <a14:hiddenLine xmlns:a14="http://schemas.microsoft.com/office/drawing/2010/main" xmlns:a16="http://schemas.microsoft.com/office/drawing/2014/main" xmlns="" w="9525">
+                <a14:hiddenLine xmlns="" xmlns:a16="http://schemas.microsoft.com/office/drawing/2014/main" xmlns:a14="http://schemas.microsoft.com/office/drawing/2010/main" w="9525">
                   <a:solidFill>
                     <a:srgbClr val="000000"/>
                   </a:solidFill>
@@ -43112,7 +43127,7 @@
             </a:ln>
             <a:extLst>
               <a:ext uri="{91240B29-F687-4f45-9708-019B960494DF}">
-                <a14:hiddenLine xmlns:a14="http://schemas.microsoft.com/office/drawing/2010/main" xmlns:a16="http://schemas.microsoft.com/office/drawing/2014/main" xmlns="" w="9525">
+                <a14:hiddenLine xmlns="" xmlns:a16="http://schemas.microsoft.com/office/drawing/2014/main" xmlns:a14="http://schemas.microsoft.com/office/drawing/2010/main" w="9525">
                   <a:solidFill>
                     <a:srgbClr val="000000"/>
                   </a:solidFill>
@@ -43192,7 +43207,7 @@
             </a:ln>
             <a:extLst>
               <a:ext uri="{91240B29-F687-4f45-9708-019B960494DF}">
-                <a14:hiddenLine xmlns:a14="http://schemas.microsoft.com/office/drawing/2010/main" xmlns:a16="http://schemas.microsoft.com/office/drawing/2014/main" xmlns="" w="9525">
+                <a14:hiddenLine xmlns="" xmlns:a16="http://schemas.microsoft.com/office/drawing/2014/main" xmlns:a14="http://schemas.microsoft.com/office/drawing/2010/main" w="9525">
                   <a:solidFill>
                     <a:srgbClr val="000000"/>
                   </a:solidFill>
@@ -43269,7 +43284,7 @@
             </a:ln>
             <a:extLst>
               <a:ext uri="{91240B29-F687-4f45-9708-019B960494DF}">
-                <a14:hiddenLine xmlns:a14="http://schemas.microsoft.com/office/drawing/2010/main" xmlns:a16="http://schemas.microsoft.com/office/drawing/2014/main" xmlns="" w="9525">
+                <a14:hiddenLine xmlns="" xmlns:a16="http://schemas.microsoft.com/office/drawing/2014/main" xmlns:a14="http://schemas.microsoft.com/office/drawing/2010/main" w="9525">
                   <a:solidFill>
                     <a:srgbClr val="000000"/>
                   </a:solidFill>
@@ -43374,7 +43389,7 @@
             </a:ln>
             <a:extLst>
               <a:ext uri="{91240B29-F687-4f45-9708-019B960494DF}">
-                <a14:hiddenLine xmlns:a14="http://schemas.microsoft.com/office/drawing/2010/main" xmlns:a16="http://schemas.microsoft.com/office/drawing/2014/main" xmlns="" w="9525">
+                <a14:hiddenLine xmlns="" xmlns:a16="http://schemas.microsoft.com/office/drawing/2014/main" xmlns:a14="http://schemas.microsoft.com/office/drawing/2010/main" w="9525">
                   <a:solidFill>
                     <a:srgbClr val="000000"/>
                   </a:solidFill>
@@ -43479,7 +43494,7 @@
             </a:ln>
             <a:extLst>
               <a:ext uri="{91240B29-F687-4f45-9708-019B960494DF}">
-                <a14:hiddenLine xmlns:a14="http://schemas.microsoft.com/office/drawing/2010/main" xmlns:a16="http://schemas.microsoft.com/office/drawing/2014/main" xmlns="" w="9525">
+                <a14:hiddenLine xmlns="" xmlns:a16="http://schemas.microsoft.com/office/drawing/2014/main" xmlns:a14="http://schemas.microsoft.com/office/drawing/2010/main" w="9525">
                   <a:solidFill>
                     <a:srgbClr val="000000"/>
                   </a:solidFill>
@@ -43556,7 +43571,7 @@
             </a:ln>
             <a:extLst>
               <a:ext uri="{91240B29-F687-4f45-9708-019B960494DF}">
-                <a14:hiddenLine xmlns:a14="http://schemas.microsoft.com/office/drawing/2010/main" xmlns:a16="http://schemas.microsoft.com/office/drawing/2014/main" xmlns="" w="9525">
+                <a14:hiddenLine xmlns="" xmlns:a16="http://schemas.microsoft.com/office/drawing/2014/main" xmlns:a14="http://schemas.microsoft.com/office/drawing/2010/main" w="9525">
                   <a:solidFill>
                     <a:srgbClr val="000000"/>
                   </a:solidFill>
@@ -43691,7 +43706,7 @@
             </a:ln>
             <a:extLst>
               <a:ext uri="{91240B29-F687-4f45-9708-019B960494DF}">
-                <a14:hiddenLine xmlns:a14="http://schemas.microsoft.com/office/drawing/2010/main" xmlns:a16="http://schemas.microsoft.com/office/drawing/2014/main" xmlns="" w="9525">
+                <a14:hiddenLine xmlns="" xmlns:a16="http://schemas.microsoft.com/office/drawing/2014/main" xmlns:a14="http://schemas.microsoft.com/office/drawing/2010/main" w="9525">
                   <a:solidFill>
                     <a:srgbClr val="000000"/>
                   </a:solidFill>
@@ -43774,7 +43789,7 @@
             </a:ln>
             <a:extLst>
               <a:ext uri="{91240B29-F687-4f45-9708-019B960494DF}">
-                <a14:hiddenLine xmlns:a14="http://schemas.microsoft.com/office/drawing/2010/main" xmlns:a16="http://schemas.microsoft.com/office/drawing/2014/main" xmlns="" w="9525">
+                <a14:hiddenLine xmlns="" xmlns:a16="http://schemas.microsoft.com/office/drawing/2014/main" xmlns:a14="http://schemas.microsoft.com/office/drawing/2010/main" w="9525">
                   <a:solidFill>
                     <a:srgbClr val="000000"/>
                   </a:solidFill>
@@ -43879,7 +43894,7 @@
             </a:ln>
             <a:extLst>
               <a:ext uri="{91240B29-F687-4f45-9708-019B960494DF}">
-                <a14:hiddenLine xmlns:a14="http://schemas.microsoft.com/office/drawing/2010/main" xmlns:a16="http://schemas.microsoft.com/office/drawing/2014/main" xmlns="" w="9525">
+                <a14:hiddenLine xmlns="" xmlns:a16="http://schemas.microsoft.com/office/drawing/2014/main" xmlns:a14="http://schemas.microsoft.com/office/drawing/2010/main" w="9525">
                   <a:solidFill>
                     <a:srgbClr val="000000"/>
                   </a:solidFill>
@@ -44036,7 +44051,7 @@
             <a:noFill/>
             <a:extLst>
               <a:ext uri="{909E8E84-426E-40dd-AFC4-6F175D3DCCD1}">
-                <a14:hiddenFill xmlns:a14="http://schemas.microsoft.com/office/drawing/2010/main" xmlns:p14="http://schemas.microsoft.com/office/powerpoint/2010/main" xmlns:a16="http://schemas.microsoft.com/office/drawing/2014/main" xmlns="">
+                <a14:hiddenFill xmlns="" xmlns:a16="http://schemas.microsoft.com/office/drawing/2014/main" xmlns:p14="http://schemas.microsoft.com/office/powerpoint/2010/main" xmlns:a14="http://schemas.microsoft.com/office/drawing/2010/main">
                   <a:solidFill>
                     <a:srgbClr val="FFFFFF"/>
                   </a:solidFill>
